--- a/trunk/docs/tcc/Implementação de Suporta à Programação e Interpretação da.pptx
+++ b/trunk/docs/tcc/Implementação de Suporta à Programação e Interpretação da.pptx
@@ -9,9 +9,17 @@
     <p:sldId id="257" r:id="rId3"/>
     <p:sldId id="258" r:id="rId4"/>
     <p:sldId id="259" r:id="rId5"/>
-    <p:sldId id="260" r:id="rId6"/>
-    <p:sldId id="261" r:id="rId7"/>
-    <p:sldId id="262" r:id="rId8"/>
+    <p:sldId id="263" r:id="rId6"/>
+    <p:sldId id="264" r:id="rId7"/>
+    <p:sldId id="266" r:id="rId8"/>
+    <p:sldId id="268" r:id="rId9"/>
+    <p:sldId id="269" r:id="rId10"/>
+    <p:sldId id="270" r:id="rId11"/>
+    <p:sldId id="260" r:id="rId12"/>
+    <p:sldId id="265" r:id="rId13"/>
+    <p:sldId id="267" r:id="rId14"/>
+    <p:sldId id="261" r:id="rId15"/>
+    <p:sldId id="262" r:id="rId16"/>
   </p:sldIdLst>
   <p:sldSz cx="9144000" cy="6858000" type="screen4x3"/>
   <p:notesSz cx="6858000" cy="9144000"/>
@@ -248,7 +256,7 @@
             <a:fld id="{54AB02A5-4FE5-49D9-9E24-09F23B90C450}" type="datetimeFigureOut">
               <a:rPr lang="en-US" smtClean="0"/>
               <a:pPr/>
-              <a:t>6/27/2010</a:t>
+              <a:t>6/28/2010</a:t>
             </a:fld>
             <a:endParaRPr lang="en-US"/>
           </a:p>
@@ -563,7 +571,7 @@
             <a:fld id="{54AB02A5-4FE5-49D9-9E24-09F23B90C450}" type="datetimeFigureOut">
               <a:rPr lang="en-US" smtClean="0"/>
               <a:pPr/>
-              <a:t>6/27/2010</a:t>
+              <a:t>6/28/2010</a:t>
             </a:fld>
             <a:endParaRPr lang="en-US"/>
           </a:p>
@@ -750,7 +758,7 @@
             <a:fld id="{54AB02A5-4FE5-49D9-9E24-09F23B90C450}" type="datetimeFigureOut">
               <a:rPr lang="en-US" smtClean="0"/>
               <a:pPr/>
-              <a:t>6/27/2010</a:t>
+              <a:t>6/28/2010</a:t>
             </a:fld>
             <a:endParaRPr lang="en-US"/>
           </a:p>
@@ -927,7 +935,7 @@
             <a:fld id="{54AB02A5-4FE5-49D9-9E24-09F23B90C450}" type="datetimeFigureOut">
               <a:rPr lang="en-US" smtClean="0"/>
               <a:pPr/>
-              <a:t>6/27/2010</a:t>
+              <a:t>6/28/2010</a:t>
             </a:fld>
             <a:endParaRPr lang="en-US"/>
           </a:p>
@@ -1197,7 +1205,7 @@
             <a:fld id="{54AB02A5-4FE5-49D9-9E24-09F23B90C450}" type="datetimeFigureOut">
               <a:rPr lang="en-US" smtClean="0"/>
               <a:pPr/>
-              <a:t>6/27/2010</a:t>
+              <a:t>6/28/2010</a:t>
             </a:fld>
             <a:endParaRPr lang="en-US"/>
           </a:p>
@@ -1667,7 +1675,7 @@
             <a:fld id="{54AB02A5-4FE5-49D9-9E24-09F23B90C450}" type="datetimeFigureOut">
               <a:rPr lang="en-US" smtClean="0"/>
               <a:pPr/>
-              <a:t>6/27/2010</a:t>
+              <a:t>6/28/2010</a:t>
             </a:fld>
             <a:endParaRPr lang="en-US"/>
           </a:p>
@@ -2158,7 +2166,7 @@
             <a:fld id="{54AB02A5-4FE5-49D9-9E24-09F23B90C450}" type="datetimeFigureOut">
               <a:rPr lang="en-US" smtClean="0"/>
               <a:pPr/>
-              <a:t>6/27/2010</a:t>
+              <a:t>6/28/2010</a:t>
             </a:fld>
             <a:endParaRPr lang="en-US"/>
           </a:p>
@@ -2286,7 +2294,7 @@
             <a:fld id="{54AB02A5-4FE5-49D9-9E24-09F23B90C450}" type="datetimeFigureOut">
               <a:rPr lang="en-US" smtClean="0"/>
               <a:pPr/>
-              <a:t>6/27/2010</a:t>
+              <a:t>6/28/2010</a:t>
             </a:fld>
             <a:endParaRPr lang="en-US"/>
           </a:p>
@@ -2432,7 +2440,7 @@
             <a:fld id="{54AB02A5-4FE5-49D9-9E24-09F23B90C450}" type="datetimeFigureOut">
               <a:rPr lang="en-US" smtClean="0"/>
               <a:pPr/>
-              <a:t>6/27/2010</a:t>
+              <a:t>6/28/2010</a:t>
             </a:fld>
             <a:endParaRPr lang="en-US"/>
           </a:p>
@@ -2756,7 +2764,7 @@
             <a:fld id="{54AB02A5-4FE5-49D9-9E24-09F23B90C450}" type="datetimeFigureOut">
               <a:rPr lang="en-US" smtClean="0"/>
               <a:pPr/>
-              <a:t>6/27/2010</a:t>
+              <a:t>6/28/2010</a:t>
             </a:fld>
             <a:endParaRPr lang="en-US"/>
           </a:p>
@@ -2892,7 +2900,7 @@
             <a:fld id="{54AB02A5-4FE5-49D9-9E24-09F23B90C450}" type="datetimeFigureOut">
               <a:rPr lang="en-US" smtClean="0"/>
               <a:pPr/>
-              <a:t>6/27/2010</a:t>
+              <a:t>6/28/2010</a:t>
             </a:fld>
             <a:endParaRPr lang="en-US"/>
           </a:p>
@@ -3676,7 +3684,7 @@
             <a:fld id="{54AB02A5-4FE5-49D9-9E24-09F23B90C450}" type="datetimeFigureOut">
               <a:rPr lang="en-US" smtClean="0"/>
               <a:pPr algn="r" eaLnBrk="1" latinLnBrk="0" hangingPunct="1"/>
-              <a:t>6/27/2010</a:t>
+              <a:t>6/28/2010</a:t>
             </a:fld>
             <a:endParaRPr lang="en-US" sz="1200">
               <a:solidFill>
@@ -4241,18 +4249,9 @@
           <a:p>
             <a:pPr algn="ctr"/>
             <a:r>
-              <a:rPr lang="pt-BR" dirty="0" err="1" smtClean="0"/>
-              <a:t>Wendel</a:t>
-            </a:r>
-            <a:r>
               <a:rPr lang="pt-BR" dirty="0" smtClean="0"/>
-              <a:t> David </a:t>
-            </a:r>
-            <a:r>
-              <a:rPr lang="pt-BR" dirty="0" err="1" smtClean="0"/>
-              <a:t>Przygoda</a:t>
-            </a:r>
-            <a:endParaRPr lang="pt-BR" dirty="0" smtClean="0"/>
+              <a:t>Wendel David Przygoda</a:t>
+            </a:r>
           </a:p>
           <a:p>
             <a:pPr algn="ctr"/>
@@ -4269,6 +4268,964 @@
   <p:clrMapOvr>
     <a:masterClrMapping/>
   </p:clrMapOvr>
+  <p:timing>
+    <p:tnLst>
+      <p:par>
+        <p:cTn id="1" dur="indefinite" restart="never" nodeType="tmRoot"/>
+      </p:par>
+    </p:tnLst>
+  </p:timing>
+</p:sld>
+</file>
+
+<file path=ppt/slides/slide10.xml><?xml version="1.0" encoding="utf-8"?>
+<p:sld xmlns:a="http://schemas.openxmlformats.org/drawingml/2006/main" xmlns:r="http://schemas.openxmlformats.org/officeDocument/2006/relationships" xmlns:p="http://schemas.openxmlformats.org/presentationml/2006/main">
+  <p:cSld>
+    <p:spTree>
+      <p:nvGrpSpPr>
+        <p:cNvPr id="1" name=""/>
+        <p:cNvGrpSpPr/>
+        <p:nvPr/>
+      </p:nvGrpSpPr>
+      <p:grpSpPr>
+        <a:xfrm>
+          <a:off x="0" y="0"/>
+          <a:ext cx="0" cy="0"/>
+          <a:chOff x="0" y="0"/>
+          <a:chExt cx="0" cy="0"/>
+        </a:xfrm>
+      </p:grpSpPr>
+      <p:sp>
+        <p:nvSpPr>
+          <p:cNvPr id="2" name="Título 1"/>
+          <p:cNvSpPr>
+            <a:spLocks noGrp="1"/>
+          </p:cNvSpPr>
+          <p:nvPr>
+            <p:ph type="title"/>
+          </p:nvPr>
+        </p:nvSpPr>
+        <p:spPr/>
+        <p:txBody>
+          <a:bodyPr/>
+          <a:lstStyle/>
+          <a:p>
+            <a:r>
+              <a:rPr lang="pt-BR" dirty="0" smtClean="0"/>
+              <a:t>Desenvolvimento</a:t>
+            </a:r>
+            <a:endParaRPr lang="pt-BR" dirty="0"/>
+          </a:p>
+        </p:txBody>
+      </p:sp>
+      <p:sp>
+        <p:nvSpPr>
+          <p:cNvPr id="3" name="Espaço Reservado para Conteúdo 2"/>
+          <p:cNvSpPr>
+            <a:spLocks noGrp="1"/>
+          </p:cNvSpPr>
+          <p:nvPr>
+            <p:ph idx="1"/>
+          </p:nvPr>
+        </p:nvSpPr>
+        <p:spPr>
+          <a:xfrm>
+            <a:off x="1435608" y="1447800"/>
+            <a:ext cx="7498080" cy="5195910"/>
+          </a:xfrm>
+        </p:spPr>
+        <p:txBody>
+          <a:bodyPr/>
+          <a:lstStyle/>
+          <a:p>
+            <a:pPr>
+              <a:buNone/>
+            </a:pPr>
+            <a:r>
+              <a:rPr lang="pt-BR" sz="2200" dirty="0" smtClean="0">
+                <a:latin typeface="Courier New" pitchFamily="49" charset="0"/>
+                <a:cs typeface="Courier New" pitchFamily="49" charset="0"/>
+              </a:rPr>
+              <a:t>fala (</a:t>
+            </a:r>
+            <a:r>
+              <a:rPr lang="pt-BR" sz="2200" dirty="0" smtClean="0">
+                <a:solidFill>
+                  <a:srgbClr val="0070C0"/>
+                </a:solidFill>
+                <a:latin typeface="Courier New" pitchFamily="49" charset="0"/>
+                <a:cs typeface="Courier New" pitchFamily="49" charset="0"/>
+              </a:rPr>
+              <a:t>‘/home/</a:t>
+            </a:r>
+            <a:r>
+              <a:rPr lang="pt-BR" sz="2200" dirty="0" err="1" smtClean="0">
+                <a:solidFill>
+                  <a:srgbClr val="0070C0"/>
+                </a:solidFill>
+                <a:latin typeface="Courier New" pitchFamily="49" charset="0"/>
+                <a:cs typeface="Courier New" pitchFamily="49" charset="0"/>
+              </a:rPr>
+              <a:t>furb</a:t>
+            </a:r>
+            <a:r>
+              <a:rPr lang="pt-BR" sz="2200" dirty="0" smtClean="0">
+                <a:solidFill>
+                  <a:srgbClr val="0070C0"/>
+                </a:solidFill>
+                <a:latin typeface="Courier New" pitchFamily="49" charset="0"/>
+                <a:cs typeface="Courier New" pitchFamily="49" charset="0"/>
+              </a:rPr>
+              <a:t>/voz1.jsml’</a:t>
+            </a:r>
+            <a:r>
+              <a:rPr lang="pt-BR" sz="2200" dirty="0" smtClean="0">
+                <a:latin typeface="Courier New" pitchFamily="49" charset="0"/>
+                <a:cs typeface="Courier New" pitchFamily="49" charset="0"/>
+              </a:rPr>
+              <a:t>)</a:t>
+            </a:r>
+          </a:p>
+          <a:p>
+            <a:pPr>
+              <a:buNone/>
+            </a:pPr>
+            <a:r>
+              <a:rPr lang="pt-BR" sz="2200" dirty="0" smtClean="0">
+                <a:latin typeface="Courier New" pitchFamily="49" charset="0"/>
+                <a:cs typeface="Courier New" pitchFamily="49" charset="0"/>
+              </a:rPr>
+              <a:t>fala (</a:t>
+            </a:r>
+            <a:r>
+              <a:rPr lang="pt-BR" sz="2200" dirty="0" smtClean="0">
+                <a:solidFill>
+                  <a:srgbClr val="0070C0"/>
+                </a:solidFill>
+                <a:latin typeface="Courier New" pitchFamily="49" charset="0"/>
+                <a:cs typeface="Courier New" pitchFamily="49" charset="0"/>
+              </a:rPr>
+              <a:t>‘/home/</a:t>
+            </a:r>
+            <a:r>
+              <a:rPr lang="pt-BR" sz="2200" dirty="0" err="1" smtClean="0">
+                <a:solidFill>
+                  <a:srgbClr val="0070C0"/>
+                </a:solidFill>
+                <a:latin typeface="Courier New" pitchFamily="49" charset="0"/>
+                <a:cs typeface="Courier New" pitchFamily="49" charset="0"/>
+              </a:rPr>
+              <a:t>furb</a:t>
+            </a:r>
+            <a:r>
+              <a:rPr lang="pt-BR" sz="2200" dirty="0" smtClean="0">
+                <a:solidFill>
+                  <a:srgbClr val="0070C0"/>
+                </a:solidFill>
+                <a:latin typeface="Courier New" pitchFamily="49" charset="0"/>
+                <a:cs typeface="Courier New" pitchFamily="49" charset="0"/>
+              </a:rPr>
+              <a:t>/voz2.jsml’</a:t>
+            </a:r>
+            <a:r>
+              <a:rPr lang="pt-BR" sz="2200" dirty="0" smtClean="0">
+                <a:solidFill>
+                  <a:srgbClr val="0070C0"/>
+                </a:solidFill>
+                <a:latin typeface="Courier New" pitchFamily="49" charset="0"/>
+                <a:cs typeface="Courier New" pitchFamily="49" charset="0"/>
+              </a:rPr>
+              <a:t> </a:t>
+            </a:r>
+            <a:r>
+              <a:rPr lang="pt-BR" sz="2200" dirty="0" smtClean="0">
+                <a:latin typeface="Courier New" pitchFamily="49" charset="0"/>
+                <a:cs typeface="Courier New" pitchFamily="49" charset="0"/>
+              </a:rPr>
+              <a:t>sobreposta)</a:t>
+            </a:r>
+          </a:p>
+          <a:p>
+            <a:pPr>
+              <a:buNone/>
+            </a:pPr>
+            <a:r>
+              <a:rPr lang="pt-BR" sz="2200" dirty="0" smtClean="0">
+                <a:latin typeface="Courier New" pitchFamily="49" charset="0"/>
+                <a:cs typeface="Courier New" pitchFamily="49" charset="0"/>
+              </a:rPr>
+              <a:t>fala (</a:t>
+            </a:r>
+            <a:r>
+              <a:rPr lang="pt-BR" sz="2200" dirty="0" smtClean="0">
+                <a:solidFill>
+                  <a:srgbClr val="0070C0"/>
+                </a:solidFill>
+                <a:latin typeface="Courier New" pitchFamily="49" charset="0"/>
+                <a:cs typeface="Courier New" pitchFamily="49" charset="0"/>
+              </a:rPr>
+              <a:t>‘/home/</a:t>
+            </a:r>
+            <a:r>
+              <a:rPr lang="pt-BR" sz="2200" dirty="0" err="1" smtClean="0">
+                <a:solidFill>
+                  <a:srgbClr val="0070C0"/>
+                </a:solidFill>
+                <a:latin typeface="Courier New" pitchFamily="49" charset="0"/>
+                <a:cs typeface="Courier New" pitchFamily="49" charset="0"/>
+              </a:rPr>
+              <a:t>furb</a:t>
+            </a:r>
+            <a:r>
+              <a:rPr lang="pt-BR" sz="2200" dirty="0" smtClean="0">
+                <a:solidFill>
+                  <a:srgbClr val="0070C0"/>
+                </a:solidFill>
+                <a:latin typeface="Courier New" pitchFamily="49" charset="0"/>
+                <a:cs typeface="Courier New" pitchFamily="49" charset="0"/>
+              </a:rPr>
+              <a:t>/voz3.jsml’</a:t>
+            </a:r>
+            <a:r>
+              <a:rPr lang="pt-BR" sz="2200" dirty="0" smtClean="0">
+                <a:latin typeface="Courier New" pitchFamily="49" charset="0"/>
+                <a:cs typeface="Courier New" pitchFamily="49" charset="0"/>
+              </a:rPr>
+              <a:t> sobreposta)</a:t>
+            </a:r>
+            <a:endParaRPr lang="pt-BR" sz="2200" dirty="0" smtClean="0">
+              <a:latin typeface="Courier New" pitchFamily="49" charset="0"/>
+              <a:cs typeface="Courier New" pitchFamily="49" charset="0"/>
+            </a:endParaRPr>
+          </a:p>
+          <a:p>
+            <a:pPr>
+              <a:buNone/>
+            </a:pPr>
+            <a:r>
+              <a:rPr lang="pt-BR" sz="2200" dirty="0" smtClean="0">
+                <a:latin typeface="Courier New" pitchFamily="49" charset="0"/>
+                <a:cs typeface="Courier New" pitchFamily="49" charset="0"/>
+              </a:rPr>
+              <a:t>e</a:t>
+            </a:r>
+            <a:r>
+              <a:rPr lang="pt-BR" sz="2200" dirty="0" smtClean="0">
+                <a:latin typeface="Courier New" pitchFamily="49" charset="0"/>
+                <a:cs typeface="Courier New" pitchFamily="49" charset="0"/>
+              </a:rPr>
+              <a:t>nquanto fala inicio</a:t>
+            </a:r>
+          </a:p>
+          <a:p>
+            <a:pPr>
+              <a:buNone/>
+            </a:pPr>
+            <a:r>
+              <a:rPr lang="pt-BR" sz="2200" dirty="0" smtClean="0">
+                <a:latin typeface="Courier New" pitchFamily="49" charset="0"/>
+                <a:cs typeface="Courier New" pitchFamily="49" charset="0"/>
+              </a:rPr>
+              <a:t>	&lt;loop de animação&gt;</a:t>
+            </a:r>
+          </a:p>
+          <a:p>
+            <a:pPr>
+              <a:buNone/>
+            </a:pPr>
+            <a:endParaRPr lang="pt-BR" sz="2200" dirty="0" smtClean="0">
+              <a:latin typeface="Courier New" pitchFamily="49" charset="0"/>
+              <a:cs typeface="Courier New" pitchFamily="49" charset="0"/>
+            </a:endParaRPr>
+          </a:p>
+          <a:p>
+            <a:pPr>
+              <a:buNone/>
+            </a:pPr>
+            <a:endParaRPr lang="pt-BR" sz="2200" dirty="0" smtClean="0">
+              <a:latin typeface="Courier New" pitchFamily="49" charset="0"/>
+              <a:cs typeface="Courier New" pitchFamily="49" charset="0"/>
+            </a:endParaRPr>
+          </a:p>
+          <a:p>
+            <a:pPr>
+              <a:buNone/>
+            </a:pPr>
+            <a:endParaRPr lang="pt-BR" sz="2200" dirty="0" smtClean="0">
+              <a:latin typeface="Courier New" pitchFamily="49" charset="0"/>
+              <a:cs typeface="Courier New" pitchFamily="49" charset="0"/>
+            </a:endParaRPr>
+          </a:p>
+          <a:p>
+            <a:pPr>
+              <a:buNone/>
+            </a:pPr>
+            <a:endParaRPr lang="pt-BR" sz="2200" dirty="0" smtClean="0">
+              <a:latin typeface="Courier New" pitchFamily="49" charset="0"/>
+              <a:cs typeface="Courier New" pitchFamily="49" charset="0"/>
+            </a:endParaRPr>
+          </a:p>
+          <a:p>
+            <a:pPr>
+              <a:buNone/>
+            </a:pPr>
+            <a:r>
+              <a:rPr lang="pt-BR" sz="2200" dirty="0" smtClean="0">
+                <a:latin typeface="Courier New" pitchFamily="49" charset="0"/>
+                <a:cs typeface="Courier New" pitchFamily="49" charset="0"/>
+              </a:rPr>
+              <a:t>fim</a:t>
+            </a:r>
+          </a:p>
+          <a:p>
+            <a:pPr>
+              <a:buNone/>
+            </a:pPr>
+            <a:r>
+              <a:rPr lang="pt-BR" sz="2200" dirty="0" smtClean="0">
+                <a:latin typeface="Courier New" pitchFamily="49" charset="0"/>
+                <a:cs typeface="Courier New" pitchFamily="49" charset="0"/>
+              </a:rPr>
+              <a:t>fala (</a:t>
+            </a:r>
+            <a:r>
+              <a:rPr lang="pt-BR" sz="2200" dirty="0" smtClean="0">
+                <a:solidFill>
+                  <a:srgbClr val="0070C0"/>
+                </a:solidFill>
+                <a:latin typeface="Courier New" pitchFamily="49" charset="0"/>
+                <a:cs typeface="Courier New" pitchFamily="49" charset="0"/>
+              </a:rPr>
+              <a:t>‘/home/</a:t>
+            </a:r>
+            <a:r>
+              <a:rPr lang="pt-BR" sz="2200" dirty="0" err="1" smtClean="0">
+                <a:solidFill>
+                  <a:srgbClr val="0070C0"/>
+                </a:solidFill>
+                <a:latin typeface="Courier New" pitchFamily="49" charset="0"/>
+                <a:cs typeface="Courier New" pitchFamily="49" charset="0"/>
+              </a:rPr>
+              <a:t>furb</a:t>
+            </a:r>
+            <a:r>
+              <a:rPr lang="pt-BR" sz="2200" dirty="0" smtClean="0">
+                <a:solidFill>
+                  <a:srgbClr val="0070C0"/>
+                </a:solidFill>
+                <a:latin typeface="Courier New" pitchFamily="49" charset="0"/>
+                <a:cs typeface="Courier New" pitchFamily="49" charset="0"/>
+              </a:rPr>
+              <a:t>/voz4.jsml’</a:t>
+            </a:r>
+            <a:r>
+              <a:rPr lang="pt-BR" sz="2200" dirty="0" smtClean="0">
+                <a:latin typeface="Courier New" pitchFamily="49" charset="0"/>
+                <a:cs typeface="Courier New" pitchFamily="49" charset="0"/>
+              </a:rPr>
+              <a:t>)</a:t>
+            </a:r>
+          </a:p>
+          <a:p>
+            <a:pPr>
+              <a:buNone/>
+            </a:pPr>
+            <a:r>
+              <a:rPr lang="pt-BR" sz="2200" dirty="0" smtClean="0">
+                <a:latin typeface="Courier New" pitchFamily="49" charset="0"/>
+                <a:cs typeface="Courier New" pitchFamily="49" charset="0"/>
+              </a:rPr>
+              <a:t>e</a:t>
+            </a:r>
+            <a:r>
+              <a:rPr lang="pt-BR" sz="2200" dirty="0" smtClean="0">
+                <a:latin typeface="Courier New" pitchFamily="49" charset="0"/>
+                <a:cs typeface="Courier New" pitchFamily="49" charset="0"/>
+              </a:rPr>
+              <a:t>spera fala</a:t>
+            </a:r>
+          </a:p>
+          <a:p>
+            <a:pPr>
+              <a:buNone/>
+            </a:pPr>
+            <a:endParaRPr lang="pt-BR" dirty="0"/>
+          </a:p>
+        </p:txBody>
+      </p:sp>
+      <p:pic>
+        <p:nvPicPr>
+          <p:cNvPr id="4100" name="Picture 4" descr="C:\Documents and Settings\wendel\Desktop\untitled.JPG"/>
+          <p:cNvPicPr>
+            <a:picLocks noChangeAspect="1" noChangeArrowheads="1"/>
+          </p:cNvPicPr>
+          <p:nvPr/>
+        </p:nvPicPr>
+        <p:blipFill>
+          <a:blip r:embed="rId2"/>
+          <a:srcRect/>
+          <a:stretch>
+            <a:fillRect/>
+          </a:stretch>
+        </p:blipFill>
+        <p:spPr bwMode="auto">
+          <a:xfrm>
+            <a:off x="1714480" y="3500438"/>
+            <a:ext cx="3762375" cy="1590675"/>
+          </a:xfrm>
+          <a:prstGeom prst="rect">
+            <a:avLst/>
+          </a:prstGeom>
+          <a:noFill/>
+        </p:spPr>
+      </p:pic>
+    </p:spTree>
+  </p:cSld>
+  <p:clrMapOvr>
+    <a:masterClrMapping/>
+  </p:clrMapOvr>
+  <p:timing>
+    <p:tnLst>
+      <p:par>
+        <p:cTn id="1" dur="indefinite" restart="never" nodeType="tmRoot"/>
+      </p:par>
+    </p:tnLst>
+  </p:timing>
+</p:sld>
+</file>
+
+<file path=ppt/slides/slide11.xml><?xml version="1.0" encoding="utf-8"?>
+<p:sld xmlns:a="http://schemas.openxmlformats.org/drawingml/2006/main" xmlns:r="http://schemas.openxmlformats.org/officeDocument/2006/relationships" xmlns:p="http://schemas.openxmlformats.org/presentationml/2006/main">
+  <p:cSld>
+    <p:spTree>
+      <p:nvGrpSpPr>
+        <p:cNvPr id="1" name=""/>
+        <p:cNvGrpSpPr/>
+        <p:nvPr/>
+      </p:nvGrpSpPr>
+      <p:grpSpPr>
+        <a:xfrm>
+          <a:off x="0" y="0"/>
+          <a:ext cx="0" cy="0"/>
+          <a:chOff x="0" y="0"/>
+          <a:chExt cx="0" cy="0"/>
+        </a:xfrm>
+      </p:grpSpPr>
+      <p:sp>
+        <p:nvSpPr>
+          <p:cNvPr id="2" name="Título 1"/>
+          <p:cNvSpPr>
+            <a:spLocks noGrp="1"/>
+          </p:cNvSpPr>
+          <p:nvPr>
+            <p:ph type="title"/>
+          </p:nvPr>
+        </p:nvSpPr>
+        <p:spPr/>
+        <p:txBody>
+          <a:bodyPr/>
+          <a:lstStyle/>
+          <a:p>
+            <a:r>
+              <a:rPr lang="pt-BR" dirty="0" smtClean="0"/>
+              <a:t>Desenvolvimento</a:t>
+            </a:r>
+            <a:endParaRPr lang="pt-BR" dirty="0"/>
+          </a:p>
+        </p:txBody>
+      </p:sp>
+      <p:sp>
+        <p:nvSpPr>
+          <p:cNvPr id="3" name="Espaço Reservado para Conteúdo 2"/>
+          <p:cNvSpPr>
+            <a:spLocks noGrp="1"/>
+          </p:cNvSpPr>
+          <p:nvPr>
+            <p:ph idx="1"/>
+          </p:nvPr>
+        </p:nvSpPr>
+        <p:spPr>
+          <a:xfrm>
+            <a:off x="1435608" y="1447800"/>
+            <a:ext cx="7498080" cy="695316"/>
+          </a:xfrm>
+        </p:spPr>
+        <p:txBody>
+          <a:bodyPr/>
+          <a:lstStyle/>
+          <a:p>
+            <a:r>
+              <a:rPr lang="pt-BR" dirty="0" smtClean="0"/>
+              <a:t>Especificação</a:t>
+            </a:r>
+          </a:p>
+        </p:txBody>
+      </p:sp>
+      <p:pic>
+        <p:nvPicPr>
+          <p:cNvPr id="1027" name="Picture 3" descr="UC01"/>
+          <p:cNvPicPr>
+            <a:picLocks noChangeAspect="1" noChangeArrowheads="1"/>
+          </p:cNvPicPr>
+          <p:nvPr/>
+        </p:nvPicPr>
+        <p:blipFill>
+          <a:blip r:embed="rId2"/>
+          <a:srcRect/>
+          <a:stretch>
+            <a:fillRect/>
+          </a:stretch>
+        </p:blipFill>
+        <p:spPr bwMode="auto">
+          <a:xfrm>
+            <a:off x="1285852" y="2071678"/>
+            <a:ext cx="4495800" cy="3219450"/>
+          </a:xfrm>
+          <a:prstGeom prst="rect">
+            <a:avLst/>
+          </a:prstGeom>
+          <a:noFill/>
+          <a:ln w="9525">
+            <a:noFill/>
+            <a:miter lim="800000"/>
+            <a:headEnd/>
+            <a:tailEnd/>
+          </a:ln>
+        </p:spPr>
+      </p:pic>
+      <p:pic>
+        <p:nvPicPr>
+          <p:cNvPr id="8" name="Picture 3" descr="UC02"/>
+          <p:cNvPicPr>
+            <a:picLocks noChangeAspect="1" noChangeArrowheads="1"/>
+          </p:cNvPicPr>
+          <p:nvPr/>
+        </p:nvPicPr>
+        <p:blipFill>
+          <a:blip r:embed="rId3"/>
+          <a:srcRect/>
+          <a:stretch>
+            <a:fillRect/>
+          </a:stretch>
+        </p:blipFill>
+        <p:spPr bwMode="auto">
+          <a:xfrm>
+            <a:off x="5143504" y="4429132"/>
+            <a:ext cx="3352800" cy="2000250"/>
+          </a:xfrm>
+          <a:prstGeom prst="rect">
+            <a:avLst/>
+          </a:prstGeom>
+          <a:noFill/>
+          <a:ln w="9525">
+            <a:noFill/>
+            <a:miter lim="800000"/>
+            <a:headEnd/>
+            <a:tailEnd/>
+          </a:ln>
+        </p:spPr>
+      </p:pic>
+    </p:spTree>
+  </p:cSld>
+  <p:clrMapOvr>
+    <a:masterClrMapping/>
+  </p:clrMapOvr>
+  <p:timing>
+    <p:tnLst>
+      <p:par>
+        <p:cTn id="1" dur="indefinite" restart="never" nodeType="tmRoot"/>
+      </p:par>
+    </p:tnLst>
+  </p:timing>
+</p:sld>
+</file>
+
+<file path=ppt/slides/slide12.xml><?xml version="1.0" encoding="utf-8"?>
+<p:sld xmlns:a="http://schemas.openxmlformats.org/drawingml/2006/main" xmlns:r="http://schemas.openxmlformats.org/officeDocument/2006/relationships" xmlns:p="http://schemas.openxmlformats.org/presentationml/2006/main">
+  <p:cSld>
+    <p:spTree>
+      <p:nvGrpSpPr>
+        <p:cNvPr id="1" name=""/>
+        <p:cNvGrpSpPr/>
+        <p:nvPr/>
+      </p:nvGrpSpPr>
+      <p:grpSpPr>
+        <a:xfrm>
+          <a:off x="0" y="0"/>
+          <a:ext cx="0" cy="0"/>
+          <a:chOff x="0" y="0"/>
+          <a:chExt cx="0" cy="0"/>
+        </a:xfrm>
+      </p:grpSpPr>
+      <p:sp>
+        <p:nvSpPr>
+          <p:cNvPr id="2" name="Título 1"/>
+          <p:cNvSpPr>
+            <a:spLocks noGrp="1"/>
+          </p:cNvSpPr>
+          <p:nvPr>
+            <p:ph type="title"/>
+          </p:nvPr>
+        </p:nvSpPr>
+        <p:spPr/>
+        <p:txBody>
+          <a:bodyPr/>
+          <a:lstStyle/>
+          <a:p>
+            <a:r>
+              <a:rPr lang="pt-BR" dirty="0" smtClean="0"/>
+              <a:t>Desenvolvimento</a:t>
+            </a:r>
+            <a:endParaRPr lang="pt-BR" dirty="0"/>
+          </a:p>
+        </p:txBody>
+      </p:sp>
+      <p:sp>
+        <p:nvSpPr>
+          <p:cNvPr id="3" name="Espaço Reservado para Conteúdo 2"/>
+          <p:cNvSpPr>
+            <a:spLocks noGrp="1"/>
+          </p:cNvSpPr>
+          <p:nvPr>
+            <p:ph idx="1"/>
+          </p:nvPr>
+        </p:nvSpPr>
+        <p:spPr>
+          <a:xfrm>
+            <a:off x="1435608" y="1447800"/>
+            <a:ext cx="3064954" cy="552440"/>
+          </a:xfrm>
+        </p:spPr>
+        <p:txBody>
+          <a:bodyPr>
+            <a:normAutofit lnSpcReduction="10000"/>
+          </a:bodyPr>
+          <a:lstStyle/>
+          <a:p>
+            <a:r>
+              <a:rPr lang="pt-BR" dirty="0" smtClean="0"/>
+              <a:t>Especificação</a:t>
+            </a:r>
+            <a:endParaRPr lang="pt-BR" dirty="0"/>
+          </a:p>
+        </p:txBody>
+      </p:sp>
+      <p:pic>
+        <p:nvPicPr>
+          <p:cNvPr id="2053" name="Picture 5" descr="SynthElement"/>
+          <p:cNvPicPr>
+            <a:picLocks noChangeAspect="1" noChangeArrowheads="1"/>
+          </p:cNvPicPr>
+          <p:nvPr/>
+        </p:nvPicPr>
+        <p:blipFill>
+          <a:blip r:embed="rId2"/>
+          <a:srcRect/>
+          <a:stretch>
+            <a:fillRect/>
+          </a:stretch>
+        </p:blipFill>
+        <p:spPr bwMode="auto">
+          <a:xfrm>
+            <a:off x="1785918" y="2071678"/>
+            <a:ext cx="6467480" cy="4638668"/>
+          </a:xfrm>
+          <a:prstGeom prst="rect">
+            <a:avLst/>
+          </a:prstGeom>
+          <a:noFill/>
+          <a:ln w="9525">
+            <a:noFill/>
+            <a:miter lim="800000"/>
+            <a:headEnd/>
+            <a:tailEnd/>
+          </a:ln>
+        </p:spPr>
+      </p:pic>
+    </p:spTree>
+  </p:cSld>
+  <p:clrMapOvr>
+    <a:masterClrMapping/>
+  </p:clrMapOvr>
+  <p:timing>
+    <p:tnLst>
+      <p:par>
+        <p:cTn id="1" dur="indefinite" restart="never" nodeType="tmRoot"/>
+      </p:par>
+    </p:tnLst>
+  </p:timing>
+</p:sld>
+</file>
+
+<file path=ppt/slides/slide13.xml><?xml version="1.0" encoding="utf-8"?>
+<p:sld xmlns:a="http://schemas.openxmlformats.org/drawingml/2006/main" xmlns:r="http://schemas.openxmlformats.org/officeDocument/2006/relationships" xmlns:p="http://schemas.openxmlformats.org/presentationml/2006/main">
+  <p:cSld>
+    <p:spTree>
+      <p:nvGrpSpPr>
+        <p:cNvPr id="1" name=""/>
+        <p:cNvGrpSpPr/>
+        <p:nvPr/>
+      </p:nvGrpSpPr>
+      <p:grpSpPr>
+        <a:xfrm>
+          <a:off x="0" y="0"/>
+          <a:ext cx="0" cy="0"/>
+          <a:chOff x="0" y="0"/>
+          <a:chExt cx="0" cy="0"/>
+        </a:xfrm>
+      </p:grpSpPr>
+      <p:sp>
+        <p:nvSpPr>
+          <p:cNvPr id="2" name="Título 1"/>
+          <p:cNvSpPr>
+            <a:spLocks noGrp="1"/>
+          </p:cNvSpPr>
+          <p:nvPr>
+            <p:ph type="title"/>
+          </p:nvPr>
+        </p:nvSpPr>
+        <p:spPr/>
+        <p:txBody>
+          <a:bodyPr/>
+          <a:lstStyle/>
+          <a:p>
+            <a:r>
+              <a:rPr lang="pt-BR" dirty="0" smtClean="0"/>
+              <a:t>Desenvolvimento</a:t>
+            </a:r>
+            <a:endParaRPr lang="pt-BR" dirty="0"/>
+          </a:p>
+        </p:txBody>
+      </p:sp>
+      <p:sp>
+        <p:nvSpPr>
+          <p:cNvPr id="3" name="Espaço Reservado para Conteúdo 2"/>
+          <p:cNvSpPr>
+            <a:spLocks noGrp="1"/>
+          </p:cNvSpPr>
+          <p:nvPr>
+            <p:ph idx="1"/>
+          </p:nvPr>
+        </p:nvSpPr>
+        <p:spPr>
+          <a:xfrm>
+            <a:off x="1435608" y="1447800"/>
+            <a:ext cx="3136392" cy="552440"/>
+          </a:xfrm>
+        </p:spPr>
+        <p:txBody>
+          <a:bodyPr>
+            <a:normAutofit lnSpcReduction="10000"/>
+          </a:bodyPr>
+          <a:lstStyle/>
+          <a:p>
+            <a:r>
+              <a:rPr lang="pt-BR" dirty="0" smtClean="0"/>
+              <a:t>Especificação</a:t>
+            </a:r>
+            <a:endParaRPr lang="pt-BR" dirty="0"/>
+          </a:p>
+        </p:txBody>
+      </p:sp>
+      <p:pic>
+        <p:nvPicPr>
+          <p:cNvPr id="3075" name="Picture 3" descr="Tangram_Pool-Dispatcher"/>
+          <p:cNvPicPr>
+            <a:picLocks noChangeAspect="1" noChangeArrowheads="1"/>
+          </p:cNvPicPr>
+          <p:nvPr/>
+        </p:nvPicPr>
+        <p:blipFill>
+          <a:blip r:embed="rId2"/>
+          <a:srcRect/>
+          <a:stretch>
+            <a:fillRect/>
+          </a:stretch>
+        </p:blipFill>
+        <p:spPr bwMode="auto">
+          <a:xfrm>
+            <a:off x="2428860" y="2357430"/>
+            <a:ext cx="5753100" cy="3600450"/>
+          </a:xfrm>
+          <a:prstGeom prst="rect">
+            <a:avLst/>
+          </a:prstGeom>
+          <a:noFill/>
+          <a:ln w="9525">
+            <a:noFill/>
+            <a:miter lim="800000"/>
+            <a:headEnd/>
+            <a:tailEnd/>
+          </a:ln>
+        </p:spPr>
+      </p:pic>
+    </p:spTree>
+  </p:cSld>
+  <p:clrMapOvr>
+    <a:masterClrMapping/>
+  </p:clrMapOvr>
+</p:sld>
+</file>
+
+<file path=ppt/slides/slide14.xml><?xml version="1.0" encoding="utf-8"?>
+<p:sld xmlns:a="http://schemas.openxmlformats.org/drawingml/2006/main" xmlns:r="http://schemas.openxmlformats.org/officeDocument/2006/relationships" xmlns:p="http://schemas.openxmlformats.org/presentationml/2006/main">
+  <p:cSld>
+    <p:spTree>
+      <p:nvGrpSpPr>
+        <p:cNvPr id="1" name=""/>
+        <p:cNvGrpSpPr/>
+        <p:nvPr/>
+      </p:nvGrpSpPr>
+      <p:grpSpPr>
+        <a:xfrm>
+          <a:off x="0" y="0"/>
+          <a:ext cx="0" cy="0"/>
+          <a:chOff x="0" y="0"/>
+          <a:chExt cx="0" cy="0"/>
+        </a:xfrm>
+      </p:grpSpPr>
+      <p:sp>
+        <p:nvSpPr>
+          <p:cNvPr id="2" name="Título 1"/>
+          <p:cNvSpPr>
+            <a:spLocks noGrp="1"/>
+          </p:cNvSpPr>
+          <p:nvPr>
+            <p:ph type="title"/>
+          </p:nvPr>
+        </p:nvSpPr>
+        <p:spPr/>
+        <p:txBody>
+          <a:bodyPr/>
+          <a:lstStyle/>
+          <a:p>
+            <a:r>
+              <a:rPr lang="pt-BR" dirty="0" smtClean="0"/>
+              <a:t>Implementação</a:t>
+            </a:r>
+            <a:endParaRPr lang="pt-BR" dirty="0"/>
+          </a:p>
+        </p:txBody>
+      </p:sp>
+      <p:sp>
+        <p:nvSpPr>
+          <p:cNvPr id="3" name="Espaço Reservado para Conteúdo 2"/>
+          <p:cNvSpPr>
+            <a:spLocks noGrp="1"/>
+          </p:cNvSpPr>
+          <p:nvPr>
+            <p:ph idx="1"/>
+          </p:nvPr>
+        </p:nvSpPr>
+        <p:spPr/>
+        <p:txBody>
+          <a:bodyPr/>
+          <a:lstStyle/>
+          <a:p>
+            <a:endParaRPr lang="pt-BR" dirty="0"/>
+          </a:p>
+        </p:txBody>
+      </p:sp>
+    </p:spTree>
+  </p:cSld>
+  <p:clrMapOvr>
+    <a:masterClrMapping/>
+  </p:clrMapOvr>
+  <p:timing>
+    <p:tnLst>
+      <p:par>
+        <p:cTn id="1" dur="indefinite" restart="never" nodeType="tmRoot"/>
+      </p:par>
+    </p:tnLst>
+  </p:timing>
+</p:sld>
+</file>
+
+<file path=ppt/slides/slide15.xml><?xml version="1.0" encoding="utf-8"?>
+<p:sld xmlns:a="http://schemas.openxmlformats.org/drawingml/2006/main" xmlns:r="http://schemas.openxmlformats.org/officeDocument/2006/relationships" xmlns:p="http://schemas.openxmlformats.org/presentationml/2006/main">
+  <p:cSld>
+    <p:spTree>
+      <p:nvGrpSpPr>
+        <p:cNvPr id="1" name=""/>
+        <p:cNvGrpSpPr/>
+        <p:nvPr/>
+      </p:nvGrpSpPr>
+      <p:grpSpPr>
+        <a:xfrm>
+          <a:off x="0" y="0"/>
+          <a:ext cx="0" cy="0"/>
+          <a:chOff x="0" y="0"/>
+          <a:chExt cx="0" cy="0"/>
+        </a:xfrm>
+      </p:grpSpPr>
+      <p:sp>
+        <p:nvSpPr>
+          <p:cNvPr id="2" name="Título 1"/>
+          <p:cNvSpPr>
+            <a:spLocks noGrp="1"/>
+          </p:cNvSpPr>
+          <p:nvPr>
+            <p:ph type="title"/>
+          </p:nvPr>
+        </p:nvSpPr>
+        <p:spPr/>
+        <p:txBody>
+          <a:bodyPr/>
+          <a:lstStyle/>
+          <a:p>
+            <a:r>
+              <a:rPr lang="pt-BR" dirty="0" smtClean="0"/>
+              <a:t>Conclusão</a:t>
+            </a:r>
+            <a:endParaRPr lang="pt-BR" dirty="0"/>
+          </a:p>
+        </p:txBody>
+      </p:sp>
+      <p:sp>
+        <p:nvSpPr>
+          <p:cNvPr id="3" name="Espaço Reservado para Conteúdo 2"/>
+          <p:cNvSpPr>
+            <a:spLocks noGrp="1"/>
+          </p:cNvSpPr>
+          <p:nvPr>
+            <p:ph idx="1"/>
+          </p:nvPr>
+        </p:nvSpPr>
+        <p:spPr/>
+        <p:txBody>
+          <a:bodyPr/>
+          <a:lstStyle/>
+          <a:p>
+            <a:r>
+              <a:rPr lang="pt-BR" dirty="0" smtClean="0"/>
+              <a:t>Possui limitação de variação de fonemas</a:t>
+            </a:r>
+          </a:p>
+          <a:p>
+            <a:r>
+              <a:rPr lang="pt-BR" dirty="0" smtClean="0"/>
+              <a:t>Comandos disponibilizados permitem sincronização entre falas e das falas </a:t>
+            </a:r>
+            <a:r>
+              <a:rPr lang="pt-BR" smtClean="0"/>
+              <a:t>com animação</a:t>
+            </a:r>
+            <a:endParaRPr lang="pt-BR" dirty="0" smtClean="0"/>
+          </a:p>
+        </p:txBody>
+      </p:sp>
+    </p:spTree>
+  </p:cSld>
+  <p:clrMapOvr>
+    <a:masterClrMapping/>
+  </p:clrMapOvr>
+  <p:timing>
+    <p:tnLst>
+      <p:par>
+        <p:cTn id="1" dur="indefinite" restart="never" nodeType="tmRoot"/>
+      </p:par>
+    </p:tnLst>
+  </p:timing>
 </p:sld>
 </file>
 
@@ -4362,6 +5319,13 @@
   <p:clrMapOvr>
     <a:masterClrMapping/>
   </p:clrMapOvr>
+  <p:timing>
+    <p:tnLst>
+      <p:par>
+        <p:cTn id="1" dur="indefinite" restart="never" nodeType="tmRoot"/>
+      </p:par>
+    </p:tnLst>
+  </p:timing>
 </p:sld>
 </file>
 
@@ -4436,6 +5400,13 @@
             <a:pPr lvl="1"/>
             <a:r>
               <a:rPr lang="pt-BR" dirty="0" smtClean="0"/>
+              <a:t>Interpretar o programa, sintetizando o texto através da fala, conforme especificado</a:t>
+            </a:r>
+          </a:p>
+          <a:p>
+            <a:pPr lvl="1"/>
+            <a:r>
+              <a:rPr lang="pt-BR" dirty="0" smtClean="0"/>
               <a:t>Sincronizar a  fala com a animação feita no LTD</a:t>
             </a:r>
             <a:endParaRPr lang="pt-BR" dirty="0"/>
@@ -4447,6 +5418,13 @@
   <p:clrMapOvr>
     <a:masterClrMapping/>
   </p:clrMapOvr>
+  <p:timing>
+    <p:tnLst>
+      <p:par>
+        <p:cTn id="1" dur="indefinite" restart="never" nodeType="tmRoot"/>
+      </p:par>
+    </p:tnLst>
+  </p:timing>
 </p:sld>
 </file>
 
@@ -4502,30 +5480,40 @@
         </p:nvSpPr>
         <p:spPr/>
         <p:txBody>
-          <a:bodyPr/>
+          <a:bodyPr>
+            <a:normAutofit/>
+          </a:bodyPr>
           <a:lstStyle/>
           <a:p>
             <a:r>
+              <a:rPr lang="pt-BR" sz="3600" dirty="0" smtClean="0"/>
+              <a:t>Ambiente LTD</a:t>
+            </a:r>
+          </a:p>
+          <a:p>
+            <a:pPr lvl="1"/>
+            <a:r>
               <a:rPr lang="pt-BR" dirty="0" smtClean="0"/>
-              <a:t>Ambiente LTD</a:t>
-            </a:r>
-          </a:p>
-          <a:p>
+              <a:t>Editores visual e textual</a:t>
+            </a:r>
+          </a:p>
+          <a:p>
+            <a:r>
+              <a:rPr lang="pt-BR" sz="3600" dirty="0" smtClean="0"/>
+              <a:t>Linguagem do LTD</a:t>
+            </a:r>
+          </a:p>
+          <a:p>
+            <a:pPr lvl="1"/>
             <a:r>
               <a:rPr lang="pt-BR" dirty="0" smtClean="0"/>
-              <a:t>Linguagem do LTD</a:t>
-            </a:r>
-          </a:p>
-          <a:p>
-            <a:r>
-              <a:rPr lang="pt-BR" dirty="0" smtClean="0"/>
+              <a:t>Animação de modelos</a:t>
+            </a:r>
+          </a:p>
+          <a:p>
+            <a:r>
+              <a:rPr lang="pt-BR" sz="3600" dirty="0" smtClean="0"/>
               <a:t>Comandos de fala</a:t>
-            </a:r>
-          </a:p>
-          <a:p>
-            <a:r>
-              <a:rPr lang="pt-BR" dirty="0" smtClean="0"/>
-              <a:t>Síntese de voz</a:t>
             </a:r>
           </a:p>
         </p:txBody>
@@ -4535,6 +5523,13 @@
   <p:clrMapOvr>
     <a:masterClrMapping/>
   </p:clrMapOvr>
+  <p:timing>
+    <p:tnLst>
+      <p:par>
+        <p:cTn id="1" dur="indefinite" restart="never" nodeType="tmRoot"/>
+      </p:par>
+    </p:tnLst>
+  </p:timing>
 </p:sld>
 </file>
 
@@ -4572,7 +5567,7 @@
           <a:p>
             <a:r>
               <a:rPr lang="pt-BR" dirty="0" smtClean="0"/>
-              <a:t>Desenvolvimento</a:t>
+              <a:t>Fundamentação Teórica</a:t>
             </a:r>
             <a:endParaRPr lang="pt-BR" dirty="0"/>
           </a:p>
@@ -4590,9 +5585,46 @@
         </p:nvSpPr>
         <p:spPr/>
         <p:txBody>
-          <a:bodyPr/>
+          <a:bodyPr>
+            <a:normAutofit/>
+          </a:bodyPr>
           <a:lstStyle/>
           <a:p>
+            <a:r>
+              <a:rPr lang="pt-BR" sz="3600" dirty="0" smtClean="0"/>
+              <a:t>Síntese de Voz</a:t>
+            </a:r>
+            <a:endParaRPr lang="pt-BR" dirty="0" smtClean="0"/>
+          </a:p>
+          <a:p>
+            <a:r>
+              <a:rPr lang="pt-BR" sz="3600" dirty="0" smtClean="0"/>
+              <a:t>MBROLA</a:t>
+            </a:r>
+          </a:p>
+          <a:p>
+            <a:pPr lvl="1"/>
+            <a:r>
+              <a:rPr lang="pt-BR" dirty="0" smtClean="0"/>
+              <a:t>Sintetizador analógico</a:t>
+            </a:r>
+          </a:p>
+          <a:p>
+            <a:r>
+              <a:rPr lang="pt-BR" sz="3600" dirty="0" smtClean="0"/>
+              <a:t>JSML </a:t>
+            </a:r>
+            <a:r>
+              <a:rPr lang="pt-BR" sz="2800" dirty="0" smtClean="0"/>
+              <a:t>(Java Speech Markup Language)</a:t>
+            </a:r>
+          </a:p>
+          <a:p>
+            <a:pPr lvl="1"/>
+            <a:r>
+              <a:rPr lang="pt-BR" dirty="0" smtClean="0"/>
+              <a:t>Informações adicionais ao sintetizador</a:t>
+            </a:r>
             <a:endParaRPr lang="pt-BR" dirty="0"/>
           </a:p>
         </p:txBody>
@@ -4602,6 +5634,13 @@
   <p:clrMapOvr>
     <a:masterClrMapping/>
   </p:clrMapOvr>
+  <p:timing>
+    <p:tnLst>
+      <p:par>
+        <p:cTn id="1" dur="indefinite" restart="never" nodeType="tmRoot"/>
+      </p:par>
+    </p:tnLst>
+  </p:timing>
 </p:sld>
 </file>
 
@@ -4639,7 +5678,7 @@
           <a:p>
             <a:r>
               <a:rPr lang="pt-BR" dirty="0" smtClean="0"/>
-              <a:t>Implementação</a:t>
+              <a:t>Fundamentação Teórica</a:t>
             </a:r>
             <a:endParaRPr lang="pt-BR" dirty="0"/>
           </a:p>
@@ -4660,7 +5699,51 @@
           <a:bodyPr/>
           <a:lstStyle/>
           <a:p>
-            <a:endParaRPr lang="pt-BR" dirty="0"/>
+            <a:r>
+              <a:rPr lang="pt-BR" dirty="0" smtClean="0"/>
+              <a:t>Copa do Mundo</a:t>
+            </a:r>
+          </a:p>
+          <a:p>
+            <a:r>
+              <a:rPr lang="pt-BR" dirty="0" smtClean="0"/>
+              <a:t>1.152</a:t>
+            </a:r>
+          </a:p>
+          <a:p>
+            <a:r>
+              <a:rPr lang="pt-BR" dirty="0" smtClean="0"/>
+              <a:t>FURB</a:t>
+            </a:r>
+          </a:p>
+          <a:p>
+            <a:r>
+              <a:rPr lang="pt-BR" dirty="0" smtClean="0"/>
+              <a:t>CNPJ</a:t>
+            </a:r>
+          </a:p>
+          <a:p>
+            <a:r>
+              <a:rPr lang="pt-BR" dirty="0" smtClean="0"/>
+              <a:t>R$ 525,66</a:t>
+            </a:r>
+          </a:p>
+          <a:p>
+            <a:r>
+              <a:rPr lang="pt-BR" dirty="0" smtClean="0"/>
+              <a:t>11/05/85</a:t>
+            </a:r>
+          </a:p>
+          <a:p>
+            <a:r>
+              <a:rPr lang="pt-BR" dirty="0" smtClean="0"/>
+              <a:t>R. Antônio da Veiga, </a:t>
+            </a:r>
+            <a:r>
+              <a:rPr lang="pt-BR" smtClean="0"/>
+              <a:t>nº 140</a:t>
+            </a:r>
+            <a:endParaRPr lang="pt-BR" dirty="0" smtClean="0"/>
           </a:p>
         </p:txBody>
       </p:sp>
@@ -4669,6 +5752,13 @@
   <p:clrMapOvr>
     <a:masterClrMapping/>
   </p:clrMapOvr>
+  <p:timing>
+    <p:tnLst>
+      <p:par>
+        <p:cTn id="1" dur="indefinite" restart="never" nodeType="tmRoot"/>
+      </p:par>
+    </p:tnLst>
+  </p:timing>
 </p:sld>
 </file>
 
@@ -4706,7 +5796,7 @@
           <a:p>
             <a:r>
               <a:rPr lang="pt-BR" dirty="0" smtClean="0"/>
-              <a:t>Conclusão</a:t>
+              <a:t>Desenvolvimento</a:t>
             </a:r>
             <a:endParaRPr lang="pt-BR" dirty="0"/>
           </a:p>
@@ -4727,7 +5817,17 @@
           <a:bodyPr/>
           <a:lstStyle/>
           <a:p>
-            <a:endParaRPr lang="pt-BR"/>
+            <a:r>
+              <a:rPr lang="pt-BR" dirty="0" smtClean="0"/>
+              <a:t>Requisitos</a:t>
+            </a:r>
+          </a:p>
+          <a:p>
+            <a:r>
+              <a:rPr lang="pt-BR" dirty="0" smtClean="0"/>
+              <a:t>Especificação</a:t>
+            </a:r>
+            <a:endParaRPr lang="pt-BR" dirty="0"/>
           </a:p>
         </p:txBody>
       </p:sp>
@@ -4736,6 +5836,215 @@
   <p:clrMapOvr>
     <a:masterClrMapping/>
   </p:clrMapOvr>
+  <p:timing>
+    <p:tnLst>
+      <p:par>
+        <p:cTn id="1" dur="indefinite" restart="never" nodeType="tmRoot"/>
+      </p:par>
+    </p:tnLst>
+  </p:timing>
+</p:sld>
+</file>
+
+<file path=ppt/slides/slide8.xml><?xml version="1.0" encoding="utf-8"?>
+<p:sld xmlns:a="http://schemas.openxmlformats.org/drawingml/2006/main" xmlns:r="http://schemas.openxmlformats.org/officeDocument/2006/relationships" xmlns:p="http://schemas.openxmlformats.org/presentationml/2006/main">
+  <p:cSld>
+    <p:spTree>
+      <p:nvGrpSpPr>
+        <p:cNvPr id="1" name=""/>
+        <p:cNvGrpSpPr/>
+        <p:nvPr/>
+      </p:nvGrpSpPr>
+      <p:grpSpPr>
+        <a:xfrm>
+          <a:off x="0" y="0"/>
+          <a:ext cx="0" cy="0"/>
+          <a:chOff x="0" y="0"/>
+          <a:chExt cx="0" cy="0"/>
+        </a:xfrm>
+      </p:grpSpPr>
+      <p:sp>
+        <p:nvSpPr>
+          <p:cNvPr id="2" name="Título 1"/>
+          <p:cNvSpPr>
+            <a:spLocks noGrp="1"/>
+          </p:cNvSpPr>
+          <p:nvPr>
+            <p:ph type="title"/>
+          </p:nvPr>
+        </p:nvSpPr>
+        <p:spPr/>
+        <p:txBody>
+          <a:bodyPr/>
+          <a:lstStyle/>
+          <a:p>
+            <a:r>
+              <a:rPr lang="pt-BR" dirty="0" smtClean="0"/>
+              <a:t>Desenvolvimento</a:t>
+            </a:r>
+            <a:endParaRPr lang="pt-BR" dirty="0"/>
+          </a:p>
+        </p:txBody>
+      </p:sp>
+      <p:sp>
+        <p:nvSpPr>
+          <p:cNvPr id="3" name="Espaço Reservado para Conteúdo 2"/>
+          <p:cNvSpPr>
+            <a:spLocks noGrp="1"/>
+          </p:cNvSpPr>
+          <p:nvPr>
+            <p:ph idx="1"/>
+          </p:nvPr>
+        </p:nvSpPr>
+        <p:spPr/>
+        <p:txBody>
+          <a:bodyPr/>
+          <a:lstStyle/>
+          <a:p>
+            <a:r>
+              <a:rPr lang="pt-BR" dirty="0" smtClean="0"/>
+              <a:t>Requisitos</a:t>
+            </a:r>
+          </a:p>
+          <a:p>
+            <a:pPr lvl="1"/>
+            <a:r>
+              <a:rPr lang="pt-BR" dirty="0" smtClean="0"/>
+              <a:t>A BNF deve suportar comandos para especificar a fala</a:t>
+            </a:r>
+          </a:p>
+          <a:p>
+            <a:pPr lvl="1"/>
+            <a:r>
+              <a:rPr lang="pt-BR" dirty="0" smtClean="0"/>
+              <a:t>Gerar uma definição textual do texto que será repassado ao sintetizador</a:t>
+            </a:r>
+          </a:p>
+          <a:p>
+            <a:pPr lvl="1"/>
+            <a:r>
+              <a:rPr lang="pt-BR" dirty="0" smtClean="0"/>
+              <a:t>Permitir a um usuário ou um sistema externo atribuir uma entrada no formato JSML ao sintetizador</a:t>
+            </a:r>
+            <a:endParaRPr lang="pt-BR" dirty="0"/>
+          </a:p>
+        </p:txBody>
+      </p:sp>
+    </p:spTree>
+  </p:cSld>
+  <p:clrMapOvr>
+    <a:masterClrMapping/>
+  </p:clrMapOvr>
+  <p:timing>
+    <p:tnLst>
+      <p:par>
+        <p:cTn id="1" dur="indefinite" restart="never" nodeType="tmRoot"/>
+      </p:par>
+    </p:tnLst>
+  </p:timing>
+</p:sld>
+</file>
+
+<file path=ppt/slides/slide9.xml><?xml version="1.0" encoding="utf-8"?>
+<p:sld xmlns:a="http://schemas.openxmlformats.org/drawingml/2006/main" xmlns:r="http://schemas.openxmlformats.org/officeDocument/2006/relationships" xmlns:p="http://schemas.openxmlformats.org/presentationml/2006/main">
+  <p:cSld>
+    <p:spTree>
+      <p:nvGrpSpPr>
+        <p:cNvPr id="1" name=""/>
+        <p:cNvGrpSpPr/>
+        <p:nvPr/>
+      </p:nvGrpSpPr>
+      <p:grpSpPr>
+        <a:xfrm>
+          <a:off x="0" y="0"/>
+          <a:ext cx="0" cy="0"/>
+          <a:chOff x="0" y="0"/>
+          <a:chExt cx="0" cy="0"/>
+        </a:xfrm>
+      </p:grpSpPr>
+      <p:sp>
+        <p:nvSpPr>
+          <p:cNvPr id="2" name="Título 1"/>
+          <p:cNvSpPr>
+            <a:spLocks noGrp="1"/>
+          </p:cNvSpPr>
+          <p:nvPr>
+            <p:ph type="title"/>
+          </p:nvPr>
+        </p:nvSpPr>
+        <p:spPr/>
+        <p:txBody>
+          <a:bodyPr/>
+          <a:lstStyle/>
+          <a:p>
+            <a:r>
+              <a:rPr lang="pt-BR" dirty="0" smtClean="0"/>
+              <a:t>Desenvolvimento</a:t>
+            </a:r>
+            <a:endParaRPr lang="pt-BR" dirty="0"/>
+          </a:p>
+        </p:txBody>
+      </p:sp>
+      <p:sp>
+        <p:nvSpPr>
+          <p:cNvPr id="3" name="Espaço Reservado para Conteúdo 2"/>
+          <p:cNvSpPr>
+            <a:spLocks noGrp="1"/>
+          </p:cNvSpPr>
+          <p:nvPr>
+            <p:ph idx="1"/>
+          </p:nvPr>
+        </p:nvSpPr>
+        <p:spPr/>
+        <p:txBody>
+          <a:bodyPr/>
+          <a:lstStyle/>
+          <a:p>
+            <a:r>
+              <a:rPr lang="pt-BR" dirty="0" smtClean="0"/>
+              <a:t>Especificação dos comandos para suportar a fala</a:t>
+            </a:r>
+          </a:p>
+          <a:p>
+            <a:pPr lvl="1"/>
+            <a:r>
+              <a:rPr lang="pt-BR" dirty="0" smtClean="0"/>
+              <a:t>fala (sobreposta ou exclusiva)</a:t>
+            </a:r>
+          </a:p>
+          <a:p>
+            <a:pPr lvl="1"/>
+            <a:r>
+              <a:rPr lang="pt-BR" dirty="0" smtClean="0"/>
+              <a:t>e</a:t>
+            </a:r>
+            <a:r>
+              <a:rPr lang="pt-BR" dirty="0" smtClean="0"/>
+              <a:t>nquanto fala &lt;bloco de comandos&gt;</a:t>
+            </a:r>
+          </a:p>
+          <a:p>
+            <a:pPr lvl="1"/>
+            <a:r>
+              <a:rPr lang="pt-BR" dirty="0" smtClean="0"/>
+              <a:t>espera fala</a:t>
+            </a:r>
+            <a:endParaRPr lang="pt-BR" dirty="0" smtClean="0"/>
+          </a:p>
+        </p:txBody>
+      </p:sp>
+    </p:spTree>
+  </p:cSld>
+  <p:clrMapOvr>
+    <a:masterClrMapping/>
+  </p:clrMapOvr>
+  <p:timing>
+    <p:tnLst>
+      <p:par>
+        <p:cTn id="1" dur="indefinite" restart="never" nodeType="tmRoot"/>
+      </p:par>
+    </p:tnLst>
+  </p:timing>
 </p:sld>
 </file>
 

--- a/trunk/docs/tcc/Implementação de Suporta à Programação e Interpretação da.pptx
+++ b/trunk/docs/tcc/Implementação de Suporta à Programação e Interpretação da.pptx
@@ -4,22 +4,29 @@
   <p:sldMasterIdLst>
     <p:sldMasterId id="2147483660" r:id="rId1"/>
   </p:sldMasterIdLst>
+  <p:notesMasterIdLst>
+    <p:notesMasterId r:id="rId21"/>
+  </p:notesMasterIdLst>
   <p:sldIdLst>
     <p:sldId id="256" r:id="rId2"/>
     <p:sldId id="257" r:id="rId3"/>
     <p:sldId id="258" r:id="rId4"/>
-    <p:sldId id="259" r:id="rId5"/>
-    <p:sldId id="263" r:id="rId6"/>
+    <p:sldId id="272" r:id="rId5"/>
+    <p:sldId id="259" r:id="rId6"/>
     <p:sldId id="264" r:id="rId7"/>
-    <p:sldId id="266" r:id="rId8"/>
-    <p:sldId id="268" r:id="rId9"/>
-    <p:sldId id="269" r:id="rId10"/>
-    <p:sldId id="270" r:id="rId11"/>
-    <p:sldId id="260" r:id="rId12"/>
-    <p:sldId id="265" r:id="rId13"/>
-    <p:sldId id="267" r:id="rId14"/>
-    <p:sldId id="261" r:id="rId15"/>
-    <p:sldId id="262" r:id="rId16"/>
+    <p:sldId id="274" r:id="rId8"/>
+    <p:sldId id="273" r:id="rId9"/>
+    <p:sldId id="263" r:id="rId10"/>
+    <p:sldId id="275" r:id="rId11"/>
+    <p:sldId id="276" r:id="rId12"/>
+    <p:sldId id="278" r:id="rId13"/>
+    <p:sldId id="279" r:id="rId14"/>
+    <p:sldId id="268" r:id="rId15"/>
+    <p:sldId id="269" r:id="rId16"/>
+    <p:sldId id="270" r:id="rId17"/>
+    <p:sldId id="261" r:id="rId18"/>
+    <p:sldId id="262" r:id="rId19"/>
+    <p:sldId id="271" r:id="rId20"/>
   </p:sldIdLst>
   <p:sldSz cx="9144000" cy="6858000" type="screen4x3"/>
   <p:notesSz cx="6858000" cy="9144000"/>
@@ -121,6 +128,1281 @@
 </p:presentation>
 </file>
 
+<file path=ppt/notesMasters/notesMaster1.xml><?xml version="1.0" encoding="utf-8"?>
+<p:notesMaster xmlns:a="http://schemas.openxmlformats.org/drawingml/2006/main" xmlns:r="http://schemas.openxmlformats.org/officeDocument/2006/relationships" xmlns:p="http://schemas.openxmlformats.org/presentationml/2006/main">
+  <p:cSld>
+    <p:bg>
+      <p:bgRef idx="1001">
+        <a:schemeClr val="bg1"/>
+      </p:bgRef>
+    </p:bg>
+    <p:spTree>
+      <p:nvGrpSpPr>
+        <p:cNvPr id="1" name=""/>
+        <p:cNvGrpSpPr/>
+        <p:nvPr/>
+      </p:nvGrpSpPr>
+      <p:grpSpPr>
+        <a:xfrm>
+          <a:off x="0" y="0"/>
+          <a:ext cx="0" cy="0"/>
+          <a:chOff x="0" y="0"/>
+          <a:chExt cx="0" cy="0"/>
+        </a:xfrm>
+      </p:grpSpPr>
+      <p:sp>
+        <p:nvSpPr>
+          <p:cNvPr id="2" name="Espaço Reservado para Cabeçalho 1"/>
+          <p:cNvSpPr>
+            <a:spLocks noGrp="1"/>
+          </p:cNvSpPr>
+          <p:nvPr>
+            <p:ph type="hdr" sz="quarter"/>
+          </p:nvPr>
+        </p:nvSpPr>
+        <p:spPr>
+          <a:xfrm>
+            <a:off x="0" y="0"/>
+            <a:ext cx="2971800" cy="457200"/>
+          </a:xfrm>
+          <a:prstGeom prst="rect">
+            <a:avLst/>
+          </a:prstGeom>
+        </p:spPr>
+        <p:txBody>
+          <a:bodyPr vert="horz" lIns="91440" tIns="45720" rIns="91440" bIns="45720" rtlCol="0"/>
+          <a:lstStyle>
+            <a:lvl1pPr algn="l">
+              <a:defRPr sz="1200"/>
+            </a:lvl1pPr>
+          </a:lstStyle>
+          <a:p>
+            <a:endParaRPr lang="pt-BR"/>
+          </a:p>
+        </p:txBody>
+      </p:sp>
+      <p:sp>
+        <p:nvSpPr>
+          <p:cNvPr id="3" name="Espaço Reservado para Data 2"/>
+          <p:cNvSpPr>
+            <a:spLocks noGrp="1"/>
+          </p:cNvSpPr>
+          <p:nvPr>
+            <p:ph type="dt" idx="1"/>
+          </p:nvPr>
+        </p:nvSpPr>
+        <p:spPr>
+          <a:xfrm>
+            <a:off x="3884613" y="0"/>
+            <a:ext cx="2971800" cy="457200"/>
+          </a:xfrm>
+          <a:prstGeom prst="rect">
+            <a:avLst/>
+          </a:prstGeom>
+        </p:spPr>
+        <p:txBody>
+          <a:bodyPr vert="horz" lIns="91440" tIns="45720" rIns="91440" bIns="45720" rtlCol="0"/>
+          <a:lstStyle>
+            <a:lvl1pPr algn="r">
+              <a:defRPr sz="1200"/>
+            </a:lvl1pPr>
+          </a:lstStyle>
+          <a:p>
+            <a:fld id="{162D7F6C-DB87-4A24-84E5-FD2C192971A0}" type="datetimeFigureOut">
+              <a:rPr lang="pt-BR" smtClean="0"/>
+              <a:pPr/>
+              <a:t>4/7/2010</a:t>
+            </a:fld>
+            <a:endParaRPr lang="pt-BR"/>
+          </a:p>
+        </p:txBody>
+      </p:sp>
+      <p:sp>
+        <p:nvSpPr>
+          <p:cNvPr id="4" name="Espaço Reservado para Imagem de Slide 3"/>
+          <p:cNvSpPr>
+            <a:spLocks noGrp="1" noRot="1" noChangeAspect="1"/>
+          </p:cNvSpPr>
+          <p:nvPr>
+            <p:ph type="sldImg" idx="2"/>
+          </p:nvPr>
+        </p:nvSpPr>
+        <p:spPr>
+          <a:xfrm>
+            <a:off x="1143000" y="685800"/>
+            <a:ext cx="4572000" cy="3429000"/>
+          </a:xfrm>
+          <a:prstGeom prst="rect">
+            <a:avLst/>
+          </a:prstGeom>
+          <a:noFill/>
+          <a:ln w="12700">
+            <a:solidFill>
+              <a:prstClr val="black"/>
+            </a:solidFill>
+          </a:ln>
+        </p:spPr>
+        <p:txBody>
+          <a:bodyPr vert="horz" lIns="91440" tIns="45720" rIns="91440" bIns="45720" rtlCol="0" anchor="ctr"/>
+          <a:lstStyle/>
+          <a:p>
+            <a:endParaRPr lang="pt-BR"/>
+          </a:p>
+        </p:txBody>
+      </p:sp>
+      <p:sp>
+        <p:nvSpPr>
+          <p:cNvPr id="5" name="Espaço Reservado para Anotações 4"/>
+          <p:cNvSpPr>
+            <a:spLocks noGrp="1"/>
+          </p:cNvSpPr>
+          <p:nvPr>
+            <p:ph type="body" sz="quarter" idx="3"/>
+          </p:nvPr>
+        </p:nvSpPr>
+        <p:spPr>
+          <a:xfrm>
+            <a:off x="685800" y="4343400"/>
+            <a:ext cx="5486400" cy="4114800"/>
+          </a:xfrm>
+          <a:prstGeom prst="rect">
+            <a:avLst/>
+          </a:prstGeom>
+        </p:spPr>
+        <p:txBody>
+          <a:bodyPr vert="horz" lIns="91440" tIns="45720" rIns="91440" bIns="45720" rtlCol="0">
+            <a:normAutofit/>
+          </a:bodyPr>
+          <a:lstStyle/>
+          <a:p>
+            <a:pPr lvl="0"/>
+            <a:r>
+              <a:rPr lang="pt-BR" smtClean="0"/>
+              <a:t>Clique para editar os estilos do texto mestre</a:t>
+            </a:r>
+          </a:p>
+          <a:p>
+            <a:pPr lvl="1"/>
+            <a:r>
+              <a:rPr lang="pt-BR" smtClean="0"/>
+              <a:t>Segundo nível</a:t>
+            </a:r>
+          </a:p>
+          <a:p>
+            <a:pPr lvl="2"/>
+            <a:r>
+              <a:rPr lang="pt-BR" smtClean="0"/>
+              <a:t>Terceiro nível</a:t>
+            </a:r>
+          </a:p>
+          <a:p>
+            <a:pPr lvl="3"/>
+            <a:r>
+              <a:rPr lang="pt-BR" smtClean="0"/>
+              <a:t>Quarto nível</a:t>
+            </a:r>
+          </a:p>
+          <a:p>
+            <a:pPr lvl="4"/>
+            <a:r>
+              <a:rPr lang="pt-BR" smtClean="0"/>
+              <a:t>Quinto nível</a:t>
+            </a:r>
+            <a:endParaRPr lang="pt-BR"/>
+          </a:p>
+        </p:txBody>
+      </p:sp>
+      <p:sp>
+        <p:nvSpPr>
+          <p:cNvPr id="6" name="Espaço Reservado para Rodapé 5"/>
+          <p:cNvSpPr>
+            <a:spLocks noGrp="1"/>
+          </p:cNvSpPr>
+          <p:nvPr>
+            <p:ph type="ftr" sz="quarter" idx="4"/>
+          </p:nvPr>
+        </p:nvSpPr>
+        <p:spPr>
+          <a:xfrm>
+            <a:off x="0" y="8685213"/>
+            <a:ext cx="2971800" cy="457200"/>
+          </a:xfrm>
+          <a:prstGeom prst="rect">
+            <a:avLst/>
+          </a:prstGeom>
+        </p:spPr>
+        <p:txBody>
+          <a:bodyPr vert="horz" lIns="91440" tIns="45720" rIns="91440" bIns="45720" rtlCol="0" anchor="b"/>
+          <a:lstStyle>
+            <a:lvl1pPr algn="l">
+              <a:defRPr sz="1200"/>
+            </a:lvl1pPr>
+          </a:lstStyle>
+          <a:p>
+            <a:endParaRPr lang="pt-BR"/>
+          </a:p>
+        </p:txBody>
+      </p:sp>
+      <p:sp>
+        <p:nvSpPr>
+          <p:cNvPr id="7" name="Espaço Reservado para Número de Slide 6"/>
+          <p:cNvSpPr>
+            <a:spLocks noGrp="1"/>
+          </p:cNvSpPr>
+          <p:nvPr>
+            <p:ph type="sldNum" sz="quarter" idx="5"/>
+          </p:nvPr>
+        </p:nvSpPr>
+        <p:spPr>
+          <a:xfrm>
+            <a:off x="3884613" y="8685213"/>
+            <a:ext cx="2971800" cy="457200"/>
+          </a:xfrm>
+          <a:prstGeom prst="rect">
+            <a:avLst/>
+          </a:prstGeom>
+        </p:spPr>
+        <p:txBody>
+          <a:bodyPr vert="horz" lIns="91440" tIns="45720" rIns="91440" bIns="45720" rtlCol="0" anchor="b"/>
+          <a:lstStyle>
+            <a:lvl1pPr algn="r">
+              <a:defRPr sz="1200"/>
+            </a:lvl1pPr>
+          </a:lstStyle>
+          <a:p>
+            <a:fld id="{FC60720F-737C-4AE2-A192-FA7625074DF9}" type="slidenum">
+              <a:rPr lang="pt-BR" smtClean="0"/>
+              <a:pPr/>
+              <a:t>‹nº›</a:t>
+            </a:fld>
+            <a:endParaRPr lang="pt-BR"/>
+          </a:p>
+        </p:txBody>
+      </p:sp>
+    </p:spTree>
+  </p:cSld>
+  <p:clrMap bg1="lt1" tx1="dk1" bg2="lt2" tx2="dk2" accent1="accent1" accent2="accent2" accent3="accent3" accent4="accent4" accent5="accent5" accent6="accent6" hlink="hlink" folHlink="folHlink"/>
+  <p:notesStyle>
+    <a:lvl1pPr marL="0" algn="l" defTabSz="914400" rtl="0" eaLnBrk="1" latinLnBrk="0" hangingPunct="1">
+      <a:defRPr sz="1200" kern="1200">
+        <a:solidFill>
+          <a:schemeClr val="tx1"/>
+        </a:solidFill>
+        <a:latin typeface="+mn-lt"/>
+        <a:ea typeface="+mn-ea"/>
+        <a:cs typeface="+mn-cs"/>
+      </a:defRPr>
+    </a:lvl1pPr>
+    <a:lvl2pPr marL="457200" algn="l" defTabSz="914400" rtl="0" eaLnBrk="1" latinLnBrk="0" hangingPunct="1">
+      <a:defRPr sz="1200" kern="1200">
+        <a:solidFill>
+          <a:schemeClr val="tx1"/>
+        </a:solidFill>
+        <a:latin typeface="+mn-lt"/>
+        <a:ea typeface="+mn-ea"/>
+        <a:cs typeface="+mn-cs"/>
+      </a:defRPr>
+    </a:lvl2pPr>
+    <a:lvl3pPr marL="914400" algn="l" defTabSz="914400" rtl="0" eaLnBrk="1" latinLnBrk="0" hangingPunct="1">
+      <a:defRPr sz="1200" kern="1200">
+        <a:solidFill>
+          <a:schemeClr val="tx1"/>
+        </a:solidFill>
+        <a:latin typeface="+mn-lt"/>
+        <a:ea typeface="+mn-ea"/>
+        <a:cs typeface="+mn-cs"/>
+      </a:defRPr>
+    </a:lvl3pPr>
+    <a:lvl4pPr marL="1371600" algn="l" defTabSz="914400" rtl="0" eaLnBrk="1" latinLnBrk="0" hangingPunct="1">
+      <a:defRPr sz="1200" kern="1200">
+        <a:solidFill>
+          <a:schemeClr val="tx1"/>
+        </a:solidFill>
+        <a:latin typeface="+mn-lt"/>
+        <a:ea typeface="+mn-ea"/>
+        <a:cs typeface="+mn-cs"/>
+      </a:defRPr>
+    </a:lvl4pPr>
+    <a:lvl5pPr marL="1828800" algn="l" defTabSz="914400" rtl="0" eaLnBrk="1" latinLnBrk="0" hangingPunct="1">
+      <a:defRPr sz="1200" kern="1200">
+        <a:solidFill>
+          <a:schemeClr val="tx1"/>
+        </a:solidFill>
+        <a:latin typeface="+mn-lt"/>
+        <a:ea typeface="+mn-ea"/>
+        <a:cs typeface="+mn-cs"/>
+      </a:defRPr>
+    </a:lvl5pPr>
+    <a:lvl6pPr marL="2286000" algn="l" defTabSz="914400" rtl="0" eaLnBrk="1" latinLnBrk="0" hangingPunct="1">
+      <a:defRPr sz="1200" kern="1200">
+        <a:solidFill>
+          <a:schemeClr val="tx1"/>
+        </a:solidFill>
+        <a:latin typeface="+mn-lt"/>
+        <a:ea typeface="+mn-ea"/>
+        <a:cs typeface="+mn-cs"/>
+      </a:defRPr>
+    </a:lvl6pPr>
+    <a:lvl7pPr marL="2743200" algn="l" defTabSz="914400" rtl="0" eaLnBrk="1" latinLnBrk="0" hangingPunct="1">
+      <a:defRPr sz="1200" kern="1200">
+        <a:solidFill>
+          <a:schemeClr val="tx1"/>
+        </a:solidFill>
+        <a:latin typeface="+mn-lt"/>
+        <a:ea typeface="+mn-ea"/>
+        <a:cs typeface="+mn-cs"/>
+      </a:defRPr>
+    </a:lvl7pPr>
+    <a:lvl8pPr marL="3200400" algn="l" defTabSz="914400" rtl="0" eaLnBrk="1" latinLnBrk="0" hangingPunct="1">
+      <a:defRPr sz="1200" kern="1200">
+        <a:solidFill>
+          <a:schemeClr val="tx1"/>
+        </a:solidFill>
+        <a:latin typeface="+mn-lt"/>
+        <a:ea typeface="+mn-ea"/>
+        <a:cs typeface="+mn-cs"/>
+      </a:defRPr>
+    </a:lvl8pPr>
+    <a:lvl9pPr marL="3657600" algn="l" defTabSz="914400" rtl="0" eaLnBrk="1" latinLnBrk="0" hangingPunct="1">
+      <a:defRPr sz="1200" kern="1200">
+        <a:solidFill>
+          <a:schemeClr val="tx1"/>
+        </a:solidFill>
+        <a:latin typeface="+mn-lt"/>
+        <a:ea typeface="+mn-ea"/>
+        <a:cs typeface="+mn-cs"/>
+      </a:defRPr>
+    </a:lvl9pPr>
+  </p:notesStyle>
+</p:notesMaster>
+</file>
+
+<file path=ppt/notesSlides/notesSlide1.xml><?xml version="1.0" encoding="utf-8"?>
+<p:notes xmlns:a="http://schemas.openxmlformats.org/drawingml/2006/main" xmlns:r="http://schemas.openxmlformats.org/officeDocument/2006/relationships" xmlns:p="http://schemas.openxmlformats.org/presentationml/2006/main">
+  <p:cSld>
+    <p:spTree>
+      <p:nvGrpSpPr>
+        <p:cNvPr id="1" name=""/>
+        <p:cNvGrpSpPr/>
+        <p:nvPr/>
+      </p:nvGrpSpPr>
+      <p:grpSpPr>
+        <a:xfrm>
+          <a:off x="0" y="0"/>
+          <a:ext cx="0" cy="0"/>
+          <a:chOff x="0" y="0"/>
+          <a:chExt cx="0" cy="0"/>
+        </a:xfrm>
+      </p:grpSpPr>
+      <p:sp>
+        <p:nvSpPr>
+          <p:cNvPr id="2" name="Espaço Reservado para Imagem de Slide 1"/>
+          <p:cNvSpPr>
+            <a:spLocks noGrp="1" noRot="1" noChangeAspect="1"/>
+          </p:cNvSpPr>
+          <p:nvPr>
+            <p:ph type="sldImg"/>
+          </p:nvPr>
+        </p:nvSpPr>
+        <p:spPr/>
+      </p:sp>
+      <p:sp>
+        <p:nvSpPr>
+          <p:cNvPr id="3" name="Espaço Reservado para Anotações 2"/>
+          <p:cNvSpPr>
+            <a:spLocks noGrp="1"/>
+          </p:cNvSpPr>
+          <p:nvPr>
+            <p:ph type="body" idx="1"/>
+          </p:nvPr>
+        </p:nvSpPr>
+        <p:spPr/>
+        <p:txBody>
+          <a:bodyPr>
+            <a:normAutofit/>
+          </a:bodyPr>
+          <a:lstStyle/>
+          <a:p>
+            <a:r>
+              <a:rPr lang="pt-BR" dirty="0" smtClean="0"/>
+              <a:t>LTD</a:t>
+            </a:r>
+            <a:r>
+              <a:rPr lang="pt-BR" baseline="0" dirty="0" smtClean="0"/>
+              <a:t> – ambiente em si, sobre as peças, animação, modelos, linguagem</a:t>
+            </a:r>
+          </a:p>
+          <a:p>
+            <a:endParaRPr lang="pt-BR" baseline="0" dirty="0" smtClean="0"/>
+          </a:p>
+          <a:p>
+            <a:r>
+              <a:rPr lang="pt-BR" baseline="0" dirty="0" err="1" smtClean="0"/>
+              <a:t>Sintese</a:t>
+            </a:r>
+            <a:r>
+              <a:rPr lang="pt-BR" baseline="0" dirty="0" smtClean="0"/>
+              <a:t> – processo de transformar um texto em som</a:t>
+            </a:r>
+            <a:endParaRPr lang="pt-BR" dirty="0" smtClean="0"/>
+          </a:p>
+        </p:txBody>
+      </p:sp>
+      <p:sp>
+        <p:nvSpPr>
+          <p:cNvPr id="4" name="Espaço Reservado para Número de Slide 3"/>
+          <p:cNvSpPr>
+            <a:spLocks noGrp="1"/>
+          </p:cNvSpPr>
+          <p:nvPr>
+            <p:ph type="sldNum" sz="quarter" idx="10"/>
+          </p:nvPr>
+        </p:nvSpPr>
+        <p:spPr/>
+        <p:txBody>
+          <a:bodyPr/>
+          <a:lstStyle/>
+          <a:p>
+            <a:fld id="{FC60720F-737C-4AE2-A192-FA7625074DF9}" type="slidenum">
+              <a:rPr lang="pt-BR" smtClean="0"/>
+              <a:pPr/>
+              <a:t>3</a:t>
+            </a:fld>
+            <a:endParaRPr lang="pt-BR"/>
+          </a:p>
+        </p:txBody>
+      </p:sp>
+    </p:spTree>
+  </p:cSld>
+  <p:clrMapOvr>
+    <a:masterClrMapping/>
+  </p:clrMapOvr>
+</p:notes>
+</file>
+
+<file path=ppt/notesSlides/notesSlide2.xml><?xml version="1.0" encoding="utf-8"?>
+<p:notes xmlns:a="http://schemas.openxmlformats.org/drawingml/2006/main" xmlns:r="http://schemas.openxmlformats.org/officeDocument/2006/relationships" xmlns:p="http://schemas.openxmlformats.org/presentationml/2006/main">
+  <p:cSld>
+    <p:spTree>
+      <p:nvGrpSpPr>
+        <p:cNvPr id="1" name=""/>
+        <p:cNvGrpSpPr/>
+        <p:nvPr/>
+      </p:nvGrpSpPr>
+      <p:grpSpPr>
+        <a:xfrm>
+          <a:off x="0" y="0"/>
+          <a:ext cx="0" cy="0"/>
+          <a:chOff x="0" y="0"/>
+          <a:chExt cx="0" cy="0"/>
+        </a:xfrm>
+      </p:grpSpPr>
+      <p:sp>
+        <p:nvSpPr>
+          <p:cNvPr id="2" name="Espaço Reservado para Imagem de Slide 1"/>
+          <p:cNvSpPr>
+            <a:spLocks noGrp="1" noRot="1" noChangeAspect="1"/>
+          </p:cNvSpPr>
+          <p:nvPr>
+            <p:ph type="sldImg"/>
+          </p:nvPr>
+        </p:nvSpPr>
+        <p:spPr/>
+      </p:sp>
+      <p:sp>
+        <p:nvSpPr>
+          <p:cNvPr id="3" name="Espaço Reservado para Anotações 2"/>
+          <p:cNvSpPr>
+            <a:spLocks noGrp="1"/>
+          </p:cNvSpPr>
+          <p:nvPr>
+            <p:ph type="body" idx="1"/>
+          </p:nvPr>
+        </p:nvSpPr>
+        <p:spPr/>
+        <p:txBody>
+          <a:bodyPr>
+            <a:normAutofit/>
+          </a:bodyPr>
+          <a:lstStyle/>
+          <a:p>
+            <a:pPr>
+              <a:buFontTx/>
+              <a:buChar char="-"/>
+            </a:pPr>
+            <a:r>
+              <a:rPr lang="pt-BR" dirty="0" smtClean="0"/>
+              <a:t>falar</a:t>
+            </a:r>
+            <a:r>
+              <a:rPr lang="pt-BR" baseline="0" dirty="0" smtClean="0"/>
+              <a:t> da necessidade do comando fala no meio do script</a:t>
+            </a:r>
+          </a:p>
+          <a:p>
+            <a:pPr>
+              <a:buFontTx/>
+              <a:buNone/>
+            </a:pPr>
+            <a:r>
+              <a:rPr lang="pt-BR" baseline="0" dirty="0" smtClean="0"/>
+              <a:t>-execução desse script com a fala</a:t>
+            </a:r>
+          </a:p>
+          <a:p>
+            <a:pPr>
+              <a:buFontTx/>
+              <a:buNone/>
+            </a:pPr>
+            <a:r>
+              <a:rPr lang="pt-BR" baseline="0" dirty="0" smtClean="0"/>
+              <a:t>-sincronizar uma animação de modelo com a fala</a:t>
+            </a:r>
+            <a:endParaRPr lang="pt-BR" baseline="0" dirty="0" smtClean="0"/>
+          </a:p>
+        </p:txBody>
+      </p:sp>
+      <p:sp>
+        <p:nvSpPr>
+          <p:cNvPr id="4" name="Espaço Reservado para Número de Slide 3"/>
+          <p:cNvSpPr>
+            <a:spLocks noGrp="1"/>
+          </p:cNvSpPr>
+          <p:nvPr>
+            <p:ph type="sldNum" sz="quarter" idx="10"/>
+          </p:nvPr>
+        </p:nvSpPr>
+        <p:spPr/>
+        <p:txBody>
+          <a:bodyPr/>
+          <a:lstStyle/>
+          <a:p>
+            <a:fld id="{FC60720F-737C-4AE2-A192-FA7625074DF9}" type="slidenum">
+              <a:rPr lang="pt-BR" smtClean="0"/>
+              <a:pPr/>
+              <a:t>4</a:t>
+            </a:fld>
+            <a:endParaRPr lang="pt-BR"/>
+          </a:p>
+        </p:txBody>
+      </p:sp>
+    </p:spTree>
+  </p:cSld>
+  <p:clrMapOvr>
+    <a:masterClrMapping/>
+  </p:clrMapOvr>
+</p:notes>
+</file>
+
+<file path=ppt/notesSlides/notesSlide3.xml><?xml version="1.0" encoding="utf-8"?>
+<p:notes xmlns:a="http://schemas.openxmlformats.org/drawingml/2006/main" xmlns:r="http://schemas.openxmlformats.org/officeDocument/2006/relationships" xmlns:p="http://schemas.openxmlformats.org/presentationml/2006/main">
+  <p:cSld>
+    <p:spTree>
+      <p:nvGrpSpPr>
+        <p:cNvPr id="1" name=""/>
+        <p:cNvGrpSpPr/>
+        <p:nvPr/>
+      </p:nvGrpSpPr>
+      <p:grpSpPr>
+        <a:xfrm>
+          <a:off x="0" y="0"/>
+          <a:ext cx="0" cy="0"/>
+          <a:chOff x="0" y="0"/>
+          <a:chExt cx="0" cy="0"/>
+        </a:xfrm>
+      </p:grpSpPr>
+      <p:sp>
+        <p:nvSpPr>
+          <p:cNvPr id="2" name="Espaço Reservado para Imagem de Slide 1"/>
+          <p:cNvSpPr>
+            <a:spLocks noGrp="1" noRot="1" noChangeAspect="1"/>
+          </p:cNvSpPr>
+          <p:nvPr>
+            <p:ph type="sldImg"/>
+          </p:nvPr>
+        </p:nvSpPr>
+        <p:spPr/>
+      </p:sp>
+      <p:sp>
+        <p:nvSpPr>
+          <p:cNvPr id="3" name="Espaço Reservado para Anotações 2"/>
+          <p:cNvSpPr>
+            <a:spLocks noGrp="1"/>
+          </p:cNvSpPr>
+          <p:nvPr>
+            <p:ph type="body" idx="1"/>
+          </p:nvPr>
+        </p:nvSpPr>
+        <p:spPr/>
+        <p:txBody>
+          <a:bodyPr>
+            <a:normAutofit/>
+          </a:bodyPr>
+          <a:lstStyle/>
+          <a:p>
+            <a:pPr>
+              <a:buFontTx/>
+              <a:buChar char="-"/>
+            </a:pPr>
+            <a:r>
+              <a:rPr lang="pt-BR" dirty="0" smtClean="0"/>
+              <a:t>Editor visual dos modelos</a:t>
+            </a:r>
+            <a:r>
+              <a:rPr lang="pt-BR" baseline="0" dirty="0" smtClean="0"/>
+              <a:t> e textual com os métodos dos modelos</a:t>
+            </a:r>
+          </a:p>
+          <a:p>
+            <a:pPr>
+              <a:buFontTx/>
+              <a:buNone/>
+            </a:pPr>
+            <a:r>
+              <a:rPr lang="pt-BR" baseline="0" dirty="0" smtClean="0"/>
+              <a:t>-comandos de animação dos modelos</a:t>
+            </a:r>
+          </a:p>
+          <a:p>
+            <a:pPr>
+              <a:buFontTx/>
+              <a:buNone/>
+            </a:pPr>
+            <a:r>
+              <a:rPr lang="pt-BR" baseline="0" dirty="0" smtClean="0"/>
+              <a:t>-comandos de </a:t>
+            </a:r>
+            <a:r>
+              <a:rPr lang="pt-BR" baseline="0" dirty="0" smtClean="0"/>
+              <a:t>fala</a:t>
+            </a:r>
+            <a:endParaRPr lang="pt-BR" dirty="0"/>
+          </a:p>
+        </p:txBody>
+      </p:sp>
+      <p:sp>
+        <p:nvSpPr>
+          <p:cNvPr id="4" name="Espaço Reservado para Número de Slide 3"/>
+          <p:cNvSpPr>
+            <a:spLocks noGrp="1"/>
+          </p:cNvSpPr>
+          <p:nvPr>
+            <p:ph type="sldNum" sz="quarter" idx="10"/>
+          </p:nvPr>
+        </p:nvSpPr>
+        <p:spPr/>
+        <p:txBody>
+          <a:bodyPr/>
+          <a:lstStyle/>
+          <a:p>
+            <a:fld id="{FC60720F-737C-4AE2-A192-FA7625074DF9}" type="slidenum">
+              <a:rPr lang="pt-BR" smtClean="0"/>
+              <a:pPr/>
+              <a:t>5</a:t>
+            </a:fld>
+            <a:endParaRPr lang="pt-BR"/>
+          </a:p>
+        </p:txBody>
+      </p:sp>
+    </p:spTree>
+  </p:cSld>
+  <p:clrMapOvr>
+    <a:masterClrMapping/>
+  </p:clrMapOvr>
+</p:notes>
+</file>
+
+<file path=ppt/notesSlides/notesSlide4.xml><?xml version="1.0" encoding="utf-8"?>
+<p:notes xmlns:a="http://schemas.openxmlformats.org/drawingml/2006/main" xmlns:r="http://schemas.openxmlformats.org/officeDocument/2006/relationships" xmlns:p="http://schemas.openxmlformats.org/presentationml/2006/main">
+  <p:cSld>
+    <p:spTree>
+      <p:nvGrpSpPr>
+        <p:cNvPr id="1" name=""/>
+        <p:cNvGrpSpPr/>
+        <p:nvPr/>
+      </p:nvGrpSpPr>
+      <p:grpSpPr>
+        <a:xfrm>
+          <a:off x="0" y="0"/>
+          <a:ext cx="0" cy="0"/>
+          <a:chOff x="0" y="0"/>
+          <a:chExt cx="0" cy="0"/>
+        </a:xfrm>
+      </p:grpSpPr>
+      <p:sp>
+        <p:nvSpPr>
+          <p:cNvPr id="2" name="Espaço Reservado para Imagem de Slide 1"/>
+          <p:cNvSpPr>
+            <a:spLocks noGrp="1" noRot="1" noChangeAspect="1"/>
+          </p:cNvSpPr>
+          <p:nvPr>
+            <p:ph type="sldImg"/>
+          </p:nvPr>
+        </p:nvSpPr>
+        <p:spPr/>
+      </p:sp>
+      <p:sp>
+        <p:nvSpPr>
+          <p:cNvPr id="3" name="Espaço Reservado para Anotações 2"/>
+          <p:cNvSpPr>
+            <a:spLocks noGrp="1"/>
+          </p:cNvSpPr>
+          <p:nvPr>
+            <p:ph type="body" idx="1"/>
+          </p:nvPr>
+        </p:nvSpPr>
+        <p:spPr/>
+        <p:txBody>
+          <a:bodyPr>
+            <a:normAutofit/>
+          </a:bodyPr>
+          <a:lstStyle/>
+          <a:p>
+            <a:r>
+              <a:rPr lang="pt-BR" dirty="0" smtClean="0"/>
+              <a:t>Explicar</a:t>
+            </a:r>
+            <a:r>
+              <a:rPr lang="pt-BR" baseline="0" dirty="0" smtClean="0"/>
+              <a:t> como pode variar a pronuncia de cada item</a:t>
+            </a:r>
+            <a:endParaRPr lang="pt-BR" dirty="0"/>
+          </a:p>
+        </p:txBody>
+      </p:sp>
+      <p:sp>
+        <p:nvSpPr>
+          <p:cNvPr id="4" name="Espaço Reservado para Número de Slide 3"/>
+          <p:cNvSpPr>
+            <a:spLocks noGrp="1"/>
+          </p:cNvSpPr>
+          <p:nvPr>
+            <p:ph type="sldNum" sz="quarter" idx="10"/>
+          </p:nvPr>
+        </p:nvSpPr>
+        <p:spPr/>
+        <p:txBody>
+          <a:bodyPr/>
+          <a:lstStyle/>
+          <a:p>
+            <a:fld id="{FC60720F-737C-4AE2-A192-FA7625074DF9}" type="slidenum">
+              <a:rPr lang="pt-BR" smtClean="0"/>
+              <a:pPr/>
+              <a:t>6</a:t>
+            </a:fld>
+            <a:endParaRPr lang="pt-BR"/>
+          </a:p>
+        </p:txBody>
+      </p:sp>
+    </p:spTree>
+  </p:cSld>
+  <p:clrMapOvr>
+    <a:masterClrMapping/>
+  </p:clrMapOvr>
+</p:notes>
+</file>
+
+<file path=ppt/notesSlides/notesSlide5.xml><?xml version="1.0" encoding="utf-8"?>
+<p:notes xmlns:a="http://schemas.openxmlformats.org/drawingml/2006/main" xmlns:r="http://schemas.openxmlformats.org/officeDocument/2006/relationships" xmlns:p="http://schemas.openxmlformats.org/presentationml/2006/main">
+  <p:cSld>
+    <p:spTree>
+      <p:nvGrpSpPr>
+        <p:cNvPr id="1" name=""/>
+        <p:cNvGrpSpPr/>
+        <p:nvPr/>
+      </p:nvGrpSpPr>
+      <p:grpSpPr>
+        <a:xfrm>
+          <a:off x="0" y="0"/>
+          <a:ext cx="0" cy="0"/>
+          <a:chOff x="0" y="0"/>
+          <a:chExt cx="0" cy="0"/>
+        </a:xfrm>
+      </p:grpSpPr>
+      <p:sp>
+        <p:nvSpPr>
+          <p:cNvPr id="2" name="Espaço Reservado para Imagem de Slide 1"/>
+          <p:cNvSpPr>
+            <a:spLocks noGrp="1" noRot="1" noChangeAspect="1"/>
+          </p:cNvSpPr>
+          <p:nvPr>
+            <p:ph type="sldImg"/>
+          </p:nvPr>
+        </p:nvSpPr>
+        <p:spPr/>
+      </p:sp>
+      <p:sp>
+        <p:nvSpPr>
+          <p:cNvPr id="3" name="Espaço Reservado para Anotações 2"/>
+          <p:cNvSpPr>
+            <a:spLocks noGrp="1"/>
+          </p:cNvSpPr>
+          <p:nvPr>
+            <p:ph type="body" idx="1"/>
+          </p:nvPr>
+        </p:nvSpPr>
+        <p:spPr/>
+        <p:txBody>
+          <a:bodyPr>
+            <a:normAutofit/>
+          </a:bodyPr>
+          <a:lstStyle/>
+          <a:p>
+            <a:r>
+              <a:rPr lang="pt-BR" dirty="0" smtClean="0"/>
+              <a:t>Dizer</a:t>
+            </a:r>
+            <a:r>
+              <a:rPr lang="pt-BR" baseline="0" dirty="0" smtClean="0"/>
+              <a:t> que a necessidade anterior é resolvida usando JSML</a:t>
+            </a:r>
+            <a:endParaRPr lang="pt-BR" dirty="0" smtClean="0"/>
+          </a:p>
+          <a:p>
+            <a:endParaRPr lang="pt-BR" dirty="0" smtClean="0"/>
+          </a:p>
+          <a:p>
+            <a:r>
+              <a:rPr lang="pt-BR" dirty="0" smtClean="0"/>
+              <a:t>-</a:t>
+            </a:r>
+            <a:r>
+              <a:rPr lang="pt-BR" dirty="0" smtClean="0"/>
+              <a:t>explicar formato do JSML</a:t>
+            </a:r>
+          </a:p>
+          <a:p>
+            <a:r>
+              <a:rPr lang="pt-BR" dirty="0" smtClean="0"/>
+              <a:t>-explicar</a:t>
+            </a:r>
+            <a:r>
+              <a:rPr lang="pt-BR" baseline="0" dirty="0" smtClean="0"/>
+              <a:t> conteúdo/utilização pelo sintetizador dos elementos JSML</a:t>
+            </a:r>
+          </a:p>
+          <a:p>
+            <a:r>
+              <a:rPr lang="pt-BR" baseline="0" dirty="0" smtClean="0"/>
+              <a:t>-falar sobre padronização</a:t>
+            </a:r>
+            <a:endParaRPr lang="pt-BR" dirty="0"/>
+          </a:p>
+        </p:txBody>
+      </p:sp>
+      <p:sp>
+        <p:nvSpPr>
+          <p:cNvPr id="4" name="Espaço Reservado para Número de Slide 3"/>
+          <p:cNvSpPr>
+            <a:spLocks noGrp="1"/>
+          </p:cNvSpPr>
+          <p:nvPr>
+            <p:ph type="sldNum" sz="quarter" idx="10"/>
+          </p:nvPr>
+        </p:nvSpPr>
+        <p:spPr/>
+        <p:txBody>
+          <a:bodyPr/>
+          <a:lstStyle/>
+          <a:p>
+            <a:fld id="{FC60720F-737C-4AE2-A192-FA7625074DF9}" type="slidenum">
+              <a:rPr lang="pt-BR" smtClean="0"/>
+              <a:pPr/>
+              <a:t>7</a:t>
+            </a:fld>
+            <a:endParaRPr lang="pt-BR"/>
+          </a:p>
+        </p:txBody>
+      </p:sp>
+    </p:spTree>
+  </p:cSld>
+  <p:clrMapOvr>
+    <a:masterClrMapping/>
+  </p:clrMapOvr>
+</p:notes>
+</file>
+
+<file path=ppt/notesSlides/notesSlide6.xml><?xml version="1.0" encoding="utf-8"?>
+<p:notes xmlns:a="http://schemas.openxmlformats.org/drawingml/2006/main" xmlns:r="http://schemas.openxmlformats.org/officeDocument/2006/relationships" xmlns:p="http://schemas.openxmlformats.org/presentationml/2006/main">
+  <p:cSld>
+    <p:spTree>
+      <p:nvGrpSpPr>
+        <p:cNvPr id="1" name=""/>
+        <p:cNvGrpSpPr/>
+        <p:nvPr/>
+      </p:nvGrpSpPr>
+      <p:grpSpPr>
+        <a:xfrm>
+          <a:off x="0" y="0"/>
+          <a:ext cx="0" cy="0"/>
+          <a:chOff x="0" y="0"/>
+          <a:chExt cx="0" cy="0"/>
+        </a:xfrm>
+      </p:grpSpPr>
+      <p:sp>
+        <p:nvSpPr>
+          <p:cNvPr id="2" name="Espaço Reservado para Imagem de Slide 1"/>
+          <p:cNvSpPr>
+            <a:spLocks noGrp="1" noRot="1" noChangeAspect="1"/>
+          </p:cNvSpPr>
+          <p:nvPr>
+            <p:ph type="sldImg"/>
+          </p:nvPr>
+        </p:nvSpPr>
+        <p:spPr/>
+      </p:sp>
+      <p:sp>
+        <p:nvSpPr>
+          <p:cNvPr id="3" name="Espaço Reservado para Anotações 2"/>
+          <p:cNvSpPr>
+            <a:spLocks noGrp="1"/>
+          </p:cNvSpPr>
+          <p:nvPr>
+            <p:ph type="body" idx="1"/>
+          </p:nvPr>
+        </p:nvSpPr>
+        <p:spPr/>
+        <p:txBody>
+          <a:bodyPr>
+            <a:normAutofit/>
+          </a:bodyPr>
+          <a:lstStyle/>
+          <a:p>
+            <a:endParaRPr lang="pt-BR" dirty="0"/>
+          </a:p>
+        </p:txBody>
+      </p:sp>
+      <p:sp>
+        <p:nvSpPr>
+          <p:cNvPr id="4" name="Espaço Reservado para Número de Slide 3"/>
+          <p:cNvSpPr>
+            <a:spLocks noGrp="1"/>
+          </p:cNvSpPr>
+          <p:nvPr>
+            <p:ph type="sldNum" sz="quarter" idx="10"/>
+          </p:nvPr>
+        </p:nvSpPr>
+        <p:spPr/>
+        <p:txBody>
+          <a:bodyPr/>
+          <a:lstStyle/>
+          <a:p>
+            <a:fld id="{FC60720F-737C-4AE2-A192-FA7625074DF9}" type="slidenum">
+              <a:rPr lang="pt-BR" smtClean="0"/>
+              <a:pPr/>
+              <a:t>8</a:t>
+            </a:fld>
+            <a:endParaRPr lang="pt-BR"/>
+          </a:p>
+        </p:txBody>
+      </p:sp>
+    </p:spTree>
+  </p:cSld>
+  <p:clrMapOvr>
+    <a:masterClrMapping/>
+  </p:clrMapOvr>
+</p:notes>
+</file>
+
+<file path=ppt/notesSlides/notesSlide7.xml><?xml version="1.0" encoding="utf-8"?>
+<p:notes xmlns:a="http://schemas.openxmlformats.org/drawingml/2006/main" xmlns:r="http://schemas.openxmlformats.org/officeDocument/2006/relationships" xmlns:p="http://schemas.openxmlformats.org/presentationml/2006/main">
+  <p:cSld>
+    <p:spTree>
+      <p:nvGrpSpPr>
+        <p:cNvPr id="1" name=""/>
+        <p:cNvGrpSpPr/>
+        <p:nvPr/>
+      </p:nvGrpSpPr>
+      <p:grpSpPr>
+        <a:xfrm>
+          <a:off x="0" y="0"/>
+          <a:ext cx="0" cy="0"/>
+          <a:chOff x="0" y="0"/>
+          <a:chExt cx="0" cy="0"/>
+        </a:xfrm>
+      </p:grpSpPr>
+      <p:sp>
+        <p:nvSpPr>
+          <p:cNvPr id="2" name="Espaço Reservado para Imagem de Slide 1"/>
+          <p:cNvSpPr>
+            <a:spLocks noGrp="1" noRot="1" noChangeAspect="1"/>
+          </p:cNvSpPr>
+          <p:nvPr>
+            <p:ph type="sldImg"/>
+          </p:nvPr>
+        </p:nvSpPr>
+        <p:spPr/>
+      </p:sp>
+      <p:sp>
+        <p:nvSpPr>
+          <p:cNvPr id="3" name="Espaço Reservado para Anotações 2"/>
+          <p:cNvSpPr>
+            <a:spLocks noGrp="1"/>
+          </p:cNvSpPr>
+          <p:nvPr>
+            <p:ph type="body" idx="1"/>
+          </p:nvPr>
+        </p:nvSpPr>
+        <p:spPr/>
+        <p:txBody>
+          <a:bodyPr>
+            <a:normAutofit/>
+          </a:bodyPr>
+          <a:lstStyle/>
+          <a:p>
+            <a:r>
+              <a:rPr lang="pt-BR" baseline="0" dirty="0" err="1" smtClean="0"/>
+              <a:t>mbrola</a:t>
+            </a:r>
+            <a:r>
+              <a:rPr lang="pt-BR" baseline="0" dirty="0" smtClean="0"/>
+              <a:t>  faz uso indireto das informações fornecidas pelo JSML </a:t>
+            </a:r>
+            <a:endParaRPr lang="pt-BR" dirty="0" smtClean="0"/>
+          </a:p>
+          <a:p>
+            <a:endParaRPr lang="pt-BR" dirty="0" smtClean="0"/>
+          </a:p>
+          <a:p>
+            <a:r>
+              <a:rPr lang="pt-BR" dirty="0" smtClean="0"/>
+              <a:t>-</a:t>
+            </a:r>
+            <a:r>
+              <a:rPr lang="pt-BR" dirty="0" smtClean="0"/>
+              <a:t>explicar que o trabalho</a:t>
+            </a:r>
+            <a:r>
+              <a:rPr lang="pt-BR" baseline="0" dirty="0" smtClean="0"/>
+              <a:t> implementou o sintetizador digital e o </a:t>
+            </a:r>
+            <a:r>
+              <a:rPr lang="pt-BR" baseline="0" dirty="0" err="1" smtClean="0"/>
+              <a:t>mbrola</a:t>
+            </a:r>
+            <a:r>
+              <a:rPr lang="pt-BR" baseline="0" dirty="0" smtClean="0"/>
+              <a:t> é o </a:t>
+            </a:r>
+            <a:r>
+              <a:rPr lang="pt-BR" baseline="0" dirty="0" err="1" smtClean="0"/>
+              <a:t>acustico</a:t>
+            </a:r>
+            <a:r>
+              <a:rPr lang="pt-BR" baseline="0" dirty="0" smtClean="0"/>
+              <a:t>, que gera o </a:t>
+            </a:r>
+            <a:r>
+              <a:rPr lang="pt-BR" baseline="0" dirty="0" err="1" smtClean="0"/>
+              <a:t>wav</a:t>
+            </a:r>
+            <a:endParaRPr lang="pt-BR" baseline="0" dirty="0" smtClean="0"/>
+          </a:p>
+          <a:p>
+            <a:r>
+              <a:rPr lang="pt-BR" baseline="0" dirty="0" smtClean="0"/>
+              <a:t>-explicar sobre os arquivos de vozes dos idiomas</a:t>
+            </a:r>
+          </a:p>
+          <a:p>
+            <a:r>
+              <a:rPr lang="pt-BR" baseline="0" dirty="0" smtClean="0"/>
+              <a:t>-só comentar que </a:t>
+            </a:r>
+            <a:r>
+              <a:rPr lang="pt-BR" baseline="0" dirty="0" smtClean="0"/>
+              <a:t>existe </a:t>
+            </a:r>
+            <a:r>
+              <a:rPr lang="pt-BR" baseline="0" dirty="0" smtClean="0"/>
+              <a:t>suporta a </a:t>
+            </a:r>
+            <a:r>
+              <a:rPr lang="pt-BR" baseline="0" dirty="0" err="1" smtClean="0"/>
+              <a:t>windows</a:t>
+            </a:r>
+            <a:r>
+              <a:rPr lang="pt-BR" baseline="0" dirty="0" smtClean="0"/>
+              <a:t>, </a:t>
+            </a:r>
+            <a:r>
+              <a:rPr lang="pt-BR" baseline="0" dirty="0" err="1" smtClean="0"/>
+              <a:t>linux</a:t>
+            </a:r>
+            <a:r>
+              <a:rPr lang="pt-BR" baseline="0" dirty="0" smtClean="0"/>
+              <a:t> e </a:t>
+            </a:r>
+            <a:r>
+              <a:rPr lang="pt-BR" baseline="0" dirty="0" err="1" smtClean="0"/>
+              <a:t>mac</a:t>
+            </a:r>
+            <a:r>
+              <a:rPr lang="pt-BR" baseline="0" dirty="0" smtClean="0"/>
+              <a:t> (</a:t>
+            </a:r>
+            <a:r>
+              <a:rPr lang="pt-BR" baseline="0" dirty="0" err="1" smtClean="0"/>
+              <a:t>exe</a:t>
+            </a:r>
+            <a:r>
+              <a:rPr lang="pt-BR" baseline="0" dirty="0" smtClean="0"/>
+              <a:t>, </a:t>
+            </a:r>
+            <a:r>
+              <a:rPr lang="pt-BR" baseline="0" dirty="0" err="1" smtClean="0"/>
+              <a:t>so</a:t>
+            </a:r>
+            <a:r>
+              <a:rPr lang="pt-BR" baseline="0" dirty="0" smtClean="0"/>
+              <a:t>, </a:t>
+            </a:r>
+            <a:r>
+              <a:rPr lang="pt-BR" baseline="0" dirty="0" err="1" smtClean="0"/>
+              <a:t>ppc</a:t>
+            </a:r>
+            <a:r>
+              <a:rPr lang="pt-BR" baseline="0" dirty="0" smtClean="0"/>
+              <a:t>)</a:t>
+            </a:r>
+            <a:endParaRPr lang="pt-BR" dirty="0"/>
+          </a:p>
+        </p:txBody>
+      </p:sp>
+      <p:sp>
+        <p:nvSpPr>
+          <p:cNvPr id="4" name="Espaço Reservado para Número de Slide 3"/>
+          <p:cNvSpPr>
+            <a:spLocks noGrp="1"/>
+          </p:cNvSpPr>
+          <p:nvPr>
+            <p:ph type="sldNum" sz="quarter" idx="10"/>
+          </p:nvPr>
+        </p:nvSpPr>
+        <p:spPr/>
+        <p:txBody>
+          <a:bodyPr/>
+          <a:lstStyle/>
+          <a:p>
+            <a:fld id="{FC60720F-737C-4AE2-A192-FA7625074DF9}" type="slidenum">
+              <a:rPr lang="pt-BR" smtClean="0"/>
+              <a:pPr/>
+              <a:t>9</a:t>
+            </a:fld>
+            <a:endParaRPr lang="pt-BR"/>
+          </a:p>
+        </p:txBody>
+      </p:sp>
+    </p:spTree>
+  </p:cSld>
+  <p:clrMapOvr>
+    <a:masterClrMapping/>
+  </p:clrMapOvr>
+</p:notes>
+</file>
+
+<file path=ppt/notesSlides/notesSlide8.xml><?xml version="1.0" encoding="utf-8"?>
+<p:notes xmlns:a="http://schemas.openxmlformats.org/drawingml/2006/main" xmlns:r="http://schemas.openxmlformats.org/officeDocument/2006/relationships" xmlns:p="http://schemas.openxmlformats.org/presentationml/2006/main">
+  <p:cSld>
+    <p:spTree>
+      <p:nvGrpSpPr>
+        <p:cNvPr id="1" name=""/>
+        <p:cNvGrpSpPr/>
+        <p:nvPr/>
+      </p:nvGrpSpPr>
+      <p:grpSpPr>
+        <a:xfrm>
+          <a:off x="0" y="0"/>
+          <a:ext cx="0" cy="0"/>
+          <a:chOff x="0" y="0"/>
+          <a:chExt cx="0" cy="0"/>
+        </a:xfrm>
+      </p:grpSpPr>
+      <p:sp>
+        <p:nvSpPr>
+          <p:cNvPr id="2" name="Espaço Reservado para Imagem de Slide 1"/>
+          <p:cNvSpPr>
+            <a:spLocks noGrp="1" noRot="1" noChangeAspect="1"/>
+          </p:cNvSpPr>
+          <p:nvPr>
+            <p:ph type="sldImg"/>
+          </p:nvPr>
+        </p:nvSpPr>
+        <p:spPr/>
+      </p:sp>
+      <p:sp>
+        <p:nvSpPr>
+          <p:cNvPr id="3" name="Espaço Reservado para Anotações 2"/>
+          <p:cNvSpPr>
+            <a:spLocks noGrp="1"/>
+          </p:cNvSpPr>
+          <p:nvPr>
+            <p:ph type="body" idx="1"/>
+          </p:nvPr>
+        </p:nvSpPr>
+        <p:spPr/>
+        <p:txBody>
+          <a:bodyPr>
+            <a:normAutofit/>
+          </a:bodyPr>
+          <a:lstStyle/>
+          <a:p>
+            <a:r>
+              <a:rPr lang="pt-BR" dirty="0" smtClean="0"/>
+              <a:t>-falar da inclusão</a:t>
+            </a:r>
+            <a:r>
+              <a:rPr lang="pt-BR" baseline="0" dirty="0" smtClean="0"/>
+              <a:t> dos comandos na BNF do LTD</a:t>
+            </a:r>
+          </a:p>
+          <a:p>
+            <a:r>
+              <a:rPr lang="pt-BR" baseline="0" dirty="0" smtClean="0"/>
+              <a:t>-arquivo PHO que é o formato de entrada do MBROLA</a:t>
+            </a:r>
+          </a:p>
+          <a:p>
+            <a:r>
+              <a:rPr lang="pt-BR" baseline="0" dirty="0" smtClean="0"/>
+              <a:t>-falar da API disponibilizada/utilizada pelo Tangram</a:t>
+            </a:r>
+            <a:endParaRPr lang="pt-BR" dirty="0"/>
+          </a:p>
+        </p:txBody>
+      </p:sp>
+      <p:sp>
+        <p:nvSpPr>
+          <p:cNvPr id="4" name="Espaço Reservado para Número de Slide 3"/>
+          <p:cNvSpPr>
+            <a:spLocks noGrp="1"/>
+          </p:cNvSpPr>
+          <p:nvPr>
+            <p:ph type="sldNum" sz="quarter" idx="10"/>
+          </p:nvPr>
+        </p:nvSpPr>
+        <p:spPr/>
+        <p:txBody>
+          <a:bodyPr/>
+          <a:lstStyle/>
+          <a:p>
+            <a:fld id="{FC60720F-737C-4AE2-A192-FA7625074DF9}" type="slidenum">
+              <a:rPr lang="pt-BR" smtClean="0"/>
+              <a:pPr/>
+              <a:t>14</a:t>
+            </a:fld>
+            <a:endParaRPr lang="pt-BR"/>
+          </a:p>
+        </p:txBody>
+      </p:sp>
+    </p:spTree>
+  </p:cSld>
+  <p:clrMapOvr>
+    <a:masterClrMapping/>
+  </p:clrMapOvr>
+</p:notes>
+</file>
+
 <file path=ppt/slideLayouts/slideLayout1.xml><?xml version="1.0" encoding="utf-8"?>
 <p:sldLayout xmlns:a="http://schemas.openxmlformats.org/drawingml/2006/main" xmlns:r="http://schemas.openxmlformats.org/officeDocument/2006/relationships" xmlns:p="http://schemas.openxmlformats.org/presentationml/2006/main" type="title" preserve="1">
   <p:cSld name="Slide de título">
@@ -256,7 +1538,7 @@
             <a:fld id="{54AB02A5-4FE5-49D9-9E24-09F23B90C450}" type="datetimeFigureOut">
               <a:rPr lang="en-US" smtClean="0"/>
               <a:pPr/>
-              <a:t>6/28/2010</a:t>
+              <a:t>7/4/2010</a:t>
             </a:fld>
             <a:endParaRPr lang="en-US"/>
           </a:p>
@@ -571,7 +1853,7 @@
             <a:fld id="{54AB02A5-4FE5-49D9-9E24-09F23B90C450}" type="datetimeFigureOut">
               <a:rPr lang="en-US" smtClean="0"/>
               <a:pPr/>
-              <a:t>6/28/2010</a:t>
+              <a:t>7/4/2010</a:t>
             </a:fld>
             <a:endParaRPr lang="en-US"/>
           </a:p>
@@ -758,7 +2040,7 @@
             <a:fld id="{54AB02A5-4FE5-49D9-9E24-09F23B90C450}" type="datetimeFigureOut">
               <a:rPr lang="en-US" smtClean="0"/>
               <a:pPr/>
-              <a:t>6/28/2010</a:t>
+              <a:t>7/4/2010</a:t>
             </a:fld>
             <a:endParaRPr lang="en-US"/>
           </a:p>
@@ -935,7 +2217,7 @@
             <a:fld id="{54AB02A5-4FE5-49D9-9E24-09F23B90C450}" type="datetimeFigureOut">
               <a:rPr lang="en-US" smtClean="0"/>
               <a:pPr/>
-              <a:t>6/28/2010</a:t>
+              <a:t>7/4/2010</a:t>
             </a:fld>
             <a:endParaRPr lang="en-US"/>
           </a:p>
@@ -1205,7 +2487,7 @@
             <a:fld id="{54AB02A5-4FE5-49D9-9E24-09F23B90C450}" type="datetimeFigureOut">
               <a:rPr lang="en-US" smtClean="0"/>
               <a:pPr/>
-              <a:t>6/28/2010</a:t>
+              <a:t>7/4/2010</a:t>
             </a:fld>
             <a:endParaRPr lang="en-US"/>
           </a:p>
@@ -1675,7 +2957,7 @@
             <a:fld id="{54AB02A5-4FE5-49D9-9E24-09F23B90C450}" type="datetimeFigureOut">
               <a:rPr lang="en-US" smtClean="0"/>
               <a:pPr/>
-              <a:t>6/28/2010</a:t>
+              <a:t>7/4/2010</a:t>
             </a:fld>
             <a:endParaRPr lang="en-US"/>
           </a:p>
@@ -2166,7 +3448,7 @@
             <a:fld id="{54AB02A5-4FE5-49D9-9E24-09F23B90C450}" type="datetimeFigureOut">
               <a:rPr lang="en-US" smtClean="0"/>
               <a:pPr/>
-              <a:t>6/28/2010</a:t>
+              <a:t>7/4/2010</a:t>
             </a:fld>
             <a:endParaRPr lang="en-US"/>
           </a:p>
@@ -2294,7 +3576,7 @@
             <a:fld id="{54AB02A5-4FE5-49D9-9E24-09F23B90C450}" type="datetimeFigureOut">
               <a:rPr lang="en-US" smtClean="0"/>
               <a:pPr/>
-              <a:t>6/28/2010</a:t>
+              <a:t>7/4/2010</a:t>
             </a:fld>
             <a:endParaRPr lang="en-US"/>
           </a:p>
@@ -2440,7 +3722,7 @@
             <a:fld id="{54AB02A5-4FE5-49D9-9E24-09F23B90C450}" type="datetimeFigureOut">
               <a:rPr lang="en-US" smtClean="0"/>
               <a:pPr/>
-              <a:t>6/28/2010</a:t>
+              <a:t>7/4/2010</a:t>
             </a:fld>
             <a:endParaRPr lang="en-US"/>
           </a:p>
@@ -2764,7 +4046,7 @@
             <a:fld id="{54AB02A5-4FE5-49D9-9E24-09F23B90C450}" type="datetimeFigureOut">
               <a:rPr lang="en-US" smtClean="0"/>
               <a:pPr/>
-              <a:t>6/28/2010</a:t>
+              <a:t>7/4/2010</a:t>
             </a:fld>
             <a:endParaRPr lang="en-US"/>
           </a:p>
@@ -2900,7 +4182,7 @@
             <a:fld id="{54AB02A5-4FE5-49D9-9E24-09F23B90C450}" type="datetimeFigureOut">
               <a:rPr lang="en-US" smtClean="0"/>
               <a:pPr/>
-              <a:t>6/28/2010</a:t>
+              <a:t>7/4/2010</a:t>
             </a:fld>
             <a:endParaRPr lang="en-US"/>
           </a:p>
@@ -3684,7 +4966,7 @@
             <a:fld id="{54AB02A5-4FE5-49D9-9E24-09F23B90C450}" type="datetimeFigureOut">
               <a:rPr lang="en-US" smtClean="0"/>
               <a:pPr algn="r" eaLnBrk="1" latinLnBrk="0" hangingPunct="1"/>
-              <a:t>6/28/2010</a:t>
+              <a:t>7/4/2010</a:t>
             </a:fld>
             <a:endParaRPr lang="en-US" sz="1200">
               <a:solidFill>
@@ -4312,7 +5594,7 @@
           <a:p>
             <a:r>
               <a:rPr lang="pt-BR" dirty="0" smtClean="0"/>
-              <a:t>Desenvolvimento</a:t>
+              <a:t>MBROLA</a:t>
             </a:r>
             <a:endParaRPr lang="pt-BR" dirty="0"/>
           </a:p>
@@ -4320,365 +5602,346 @@
       </p:sp>
       <p:sp>
         <p:nvSpPr>
-          <p:cNvPr id="3" name="Espaço Reservado para Conteúdo 2"/>
-          <p:cNvSpPr>
-            <a:spLocks noGrp="1"/>
-          </p:cNvSpPr>
-          <p:nvPr>
-            <p:ph idx="1"/>
-          </p:nvPr>
+          <p:cNvPr id="9" name="Espaço Reservado para Conteúdo 3"/>
+          <p:cNvSpPr txBox="1">
+            <a:spLocks/>
+          </p:cNvSpPr>
+          <p:nvPr/>
         </p:nvSpPr>
         <p:spPr>
           <a:xfrm>
-            <a:off x="1435608" y="1447800"/>
-            <a:ext cx="7498080" cy="5195910"/>
-          </a:xfrm>
-        </p:spPr>
-        <p:txBody>
-          <a:bodyPr/>
-          <a:lstStyle/>
-          <a:p>
-            <a:pPr>
-              <a:buNone/>
-            </a:pPr>
-            <a:r>
-              <a:rPr lang="pt-BR" sz="2200" dirty="0" smtClean="0">
-                <a:latin typeface="Courier New" pitchFamily="49" charset="0"/>
-                <a:cs typeface="Courier New" pitchFamily="49" charset="0"/>
-              </a:rPr>
-              <a:t>fala (</a:t>
-            </a:r>
-            <a:r>
-              <a:rPr lang="pt-BR" sz="2200" dirty="0" smtClean="0">
-                <a:solidFill>
-                  <a:srgbClr val="0070C0"/>
-                </a:solidFill>
-                <a:latin typeface="Courier New" pitchFamily="49" charset="0"/>
-                <a:cs typeface="Courier New" pitchFamily="49" charset="0"/>
-              </a:rPr>
-              <a:t>‘/home/</a:t>
-            </a:r>
-            <a:r>
-              <a:rPr lang="pt-BR" sz="2200" dirty="0" err="1" smtClean="0">
-                <a:solidFill>
-                  <a:srgbClr val="0070C0"/>
-                </a:solidFill>
-                <a:latin typeface="Courier New" pitchFamily="49" charset="0"/>
-                <a:cs typeface="Courier New" pitchFamily="49" charset="0"/>
-              </a:rPr>
-              <a:t>furb</a:t>
-            </a:r>
-            <a:r>
-              <a:rPr lang="pt-BR" sz="2200" dirty="0" smtClean="0">
-                <a:solidFill>
-                  <a:srgbClr val="0070C0"/>
-                </a:solidFill>
-                <a:latin typeface="Courier New" pitchFamily="49" charset="0"/>
-                <a:cs typeface="Courier New" pitchFamily="49" charset="0"/>
-              </a:rPr>
-              <a:t>/voz1.jsml’</a:t>
-            </a:r>
-            <a:r>
-              <a:rPr lang="pt-BR" sz="2200" dirty="0" smtClean="0">
-                <a:latin typeface="Courier New" pitchFamily="49" charset="0"/>
-                <a:cs typeface="Courier New" pitchFamily="49" charset="0"/>
-              </a:rPr>
-              <a:t>)</a:t>
-            </a:r>
-          </a:p>
-          <a:p>
-            <a:pPr>
-              <a:buNone/>
-            </a:pPr>
-            <a:r>
-              <a:rPr lang="pt-BR" sz="2200" dirty="0" smtClean="0">
-                <a:latin typeface="Courier New" pitchFamily="49" charset="0"/>
-                <a:cs typeface="Courier New" pitchFamily="49" charset="0"/>
-              </a:rPr>
-              <a:t>fala (</a:t>
-            </a:r>
-            <a:r>
-              <a:rPr lang="pt-BR" sz="2200" dirty="0" smtClean="0">
-                <a:solidFill>
-                  <a:srgbClr val="0070C0"/>
-                </a:solidFill>
-                <a:latin typeface="Courier New" pitchFamily="49" charset="0"/>
-                <a:cs typeface="Courier New" pitchFamily="49" charset="0"/>
-              </a:rPr>
-              <a:t>‘/home/</a:t>
-            </a:r>
-            <a:r>
-              <a:rPr lang="pt-BR" sz="2200" dirty="0" err="1" smtClean="0">
-                <a:solidFill>
-                  <a:srgbClr val="0070C0"/>
-                </a:solidFill>
-                <a:latin typeface="Courier New" pitchFamily="49" charset="0"/>
-                <a:cs typeface="Courier New" pitchFamily="49" charset="0"/>
-              </a:rPr>
-              <a:t>furb</a:t>
-            </a:r>
-            <a:r>
-              <a:rPr lang="pt-BR" sz="2200" dirty="0" smtClean="0">
-                <a:solidFill>
-                  <a:srgbClr val="0070C0"/>
-                </a:solidFill>
-                <a:latin typeface="Courier New" pitchFamily="49" charset="0"/>
-                <a:cs typeface="Courier New" pitchFamily="49" charset="0"/>
-              </a:rPr>
-              <a:t>/voz2.jsml’</a:t>
-            </a:r>
-            <a:r>
-              <a:rPr lang="pt-BR" sz="2200" dirty="0" smtClean="0">
-                <a:solidFill>
-                  <a:srgbClr val="0070C0"/>
-                </a:solidFill>
-                <a:latin typeface="Courier New" pitchFamily="49" charset="0"/>
-                <a:cs typeface="Courier New" pitchFamily="49" charset="0"/>
-              </a:rPr>
-              <a:t> </a:t>
-            </a:r>
-            <a:r>
-              <a:rPr lang="pt-BR" sz="2200" dirty="0" smtClean="0">
-                <a:latin typeface="Courier New" pitchFamily="49" charset="0"/>
-                <a:cs typeface="Courier New" pitchFamily="49" charset="0"/>
-              </a:rPr>
-              <a:t>sobreposta)</a:t>
-            </a:r>
-          </a:p>
-          <a:p>
-            <a:pPr>
-              <a:buNone/>
-            </a:pPr>
-            <a:r>
-              <a:rPr lang="pt-BR" sz="2200" dirty="0" smtClean="0">
-                <a:latin typeface="Courier New" pitchFamily="49" charset="0"/>
-                <a:cs typeface="Courier New" pitchFamily="49" charset="0"/>
-              </a:rPr>
-              <a:t>fala (</a:t>
-            </a:r>
-            <a:r>
-              <a:rPr lang="pt-BR" sz="2200" dirty="0" smtClean="0">
-                <a:solidFill>
-                  <a:srgbClr val="0070C0"/>
-                </a:solidFill>
-                <a:latin typeface="Courier New" pitchFamily="49" charset="0"/>
-                <a:cs typeface="Courier New" pitchFamily="49" charset="0"/>
-              </a:rPr>
-              <a:t>‘/home/</a:t>
-            </a:r>
-            <a:r>
-              <a:rPr lang="pt-BR" sz="2200" dirty="0" err="1" smtClean="0">
-                <a:solidFill>
-                  <a:srgbClr val="0070C0"/>
-                </a:solidFill>
-                <a:latin typeface="Courier New" pitchFamily="49" charset="0"/>
-                <a:cs typeface="Courier New" pitchFamily="49" charset="0"/>
-              </a:rPr>
-              <a:t>furb</a:t>
-            </a:r>
-            <a:r>
-              <a:rPr lang="pt-BR" sz="2200" dirty="0" smtClean="0">
-                <a:solidFill>
-                  <a:srgbClr val="0070C0"/>
-                </a:solidFill>
-                <a:latin typeface="Courier New" pitchFamily="49" charset="0"/>
-                <a:cs typeface="Courier New" pitchFamily="49" charset="0"/>
-              </a:rPr>
-              <a:t>/voz3.jsml’</a:t>
-            </a:r>
-            <a:r>
-              <a:rPr lang="pt-BR" sz="2200" dirty="0" smtClean="0">
-                <a:latin typeface="Courier New" pitchFamily="49" charset="0"/>
-                <a:cs typeface="Courier New" pitchFamily="49" charset="0"/>
-              </a:rPr>
-              <a:t> sobreposta)</a:t>
-            </a:r>
-            <a:endParaRPr lang="pt-BR" sz="2200" dirty="0" smtClean="0">
-              <a:latin typeface="Courier New" pitchFamily="49" charset="0"/>
-              <a:cs typeface="Courier New" pitchFamily="49" charset="0"/>
-            </a:endParaRPr>
-          </a:p>
-          <a:p>
-            <a:pPr>
-              <a:buNone/>
-            </a:pPr>
-            <a:r>
-              <a:rPr lang="pt-BR" sz="2200" dirty="0" smtClean="0">
-                <a:latin typeface="Courier New" pitchFamily="49" charset="0"/>
-                <a:cs typeface="Courier New" pitchFamily="49" charset="0"/>
-              </a:rPr>
-              <a:t>e</a:t>
-            </a:r>
-            <a:r>
-              <a:rPr lang="pt-BR" sz="2200" dirty="0" smtClean="0">
-                <a:latin typeface="Courier New" pitchFamily="49" charset="0"/>
-                <a:cs typeface="Courier New" pitchFamily="49" charset="0"/>
-              </a:rPr>
-              <a:t>nquanto fala inicio</a:t>
-            </a:r>
-          </a:p>
-          <a:p>
-            <a:pPr>
-              <a:buNone/>
-            </a:pPr>
-            <a:r>
-              <a:rPr lang="pt-BR" sz="2200" dirty="0" smtClean="0">
-                <a:latin typeface="Courier New" pitchFamily="49" charset="0"/>
-                <a:cs typeface="Courier New" pitchFamily="49" charset="0"/>
-              </a:rPr>
-              <a:t>	&lt;loop de animação&gt;</a:t>
-            </a:r>
-          </a:p>
-          <a:p>
-            <a:pPr>
-              <a:buNone/>
-            </a:pPr>
-            <a:endParaRPr lang="pt-BR" sz="2200" dirty="0" smtClean="0">
-              <a:latin typeface="Courier New" pitchFamily="49" charset="0"/>
-              <a:cs typeface="Courier New" pitchFamily="49" charset="0"/>
-            </a:endParaRPr>
-          </a:p>
-          <a:p>
-            <a:pPr>
-              <a:buNone/>
-            </a:pPr>
-            <a:endParaRPr lang="pt-BR" sz="2200" dirty="0" smtClean="0">
-              <a:latin typeface="Courier New" pitchFamily="49" charset="0"/>
-              <a:cs typeface="Courier New" pitchFamily="49" charset="0"/>
-            </a:endParaRPr>
-          </a:p>
-          <a:p>
-            <a:pPr>
-              <a:buNone/>
-            </a:pPr>
-            <a:endParaRPr lang="pt-BR" sz="2200" dirty="0" smtClean="0">
-              <a:latin typeface="Courier New" pitchFamily="49" charset="0"/>
-              <a:cs typeface="Courier New" pitchFamily="49" charset="0"/>
-            </a:endParaRPr>
-          </a:p>
-          <a:p>
-            <a:pPr>
-              <a:buNone/>
-            </a:pPr>
-            <a:endParaRPr lang="pt-BR" sz="2200" dirty="0" smtClean="0">
-              <a:latin typeface="Courier New" pitchFamily="49" charset="0"/>
-              <a:cs typeface="Courier New" pitchFamily="49" charset="0"/>
-            </a:endParaRPr>
-          </a:p>
-          <a:p>
-            <a:pPr>
-              <a:buNone/>
-            </a:pPr>
-            <a:r>
-              <a:rPr lang="pt-BR" sz="2200" dirty="0" smtClean="0">
-                <a:latin typeface="Courier New" pitchFamily="49" charset="0"/>
-                <a:cs typeface="Courier New" pitchFamily="49" charset="0"/>
-              </a:rPr>
-              <a:t>fim</a:t>
-            </a:r>
-          </a:p>
-          <a:p>
-            <a:pPr>
-              <a:buNone/>
-            </a:pPr>
-            <a:r>
-              <a:rPr lang="pt-BR" sz="2200" dirty="0" smtClean="0">
-                <a:latin typeface="Courier New" pitchFamily="49" charset="0"/>
-                <a:cs typeface="Courier New" pitchFamily="49" charset="0"/>
-              </a:rPr>
-              <a:t>fala (</a:t>
-            </a:r>
-            <a:r>
-              <a:rPr lang="pt-BR" sz="2200" dirty="0" smtClean="0">
-                <a:solidFill>
-                  <a:srgbClr val="0070C0"/>
-                </a:solidFill>
-                <a:latin typeface="Courier New" pitchFamily="49" charset="0"/>
-                <a:cs typeface="Courier New" pitchFamily="49" charset="0"/>
-              </a:rPr>
-              <a:t>‘/home/</a:t>
-            </a:r>
-            <a:r>
-              <a:rPr lang="pt-BR" sz="2200" dirty="0" err="1" smtClean="0">
-                <a:solidFill>
-                  <a:srgbClr val="0070C0"/>
-                </a:solidFill>
-                <a:latin typeface="Courier New" pitchFamily="49" charset="0"/>
-                <a:cs typeface="Courier New" pitchFamily="49" charset="0"/>
-              </a:rPr>
-              <a:t>furb</a:t>
-            </a:r>
-            <a:r>
-              <a:rPr lang="pt-BR" sz="2200" dirty="0" smtClean="0">
-                <a:solidFill>
-                  <a:srgbClr val="0070C0"/>
-                </a:solidFill>
-                <a:latin typeface="Courier New" pitchFamily="49" charset="0"/>
-                <a:cs typeface="Courier New" pitchFamily="49" charset="0"/>
-              </a:rPr>
-              <a:t>/voz4.jsml’</a:t>
-            </a:r>
-            <a:r>
-              <a:rPr lang="pt-BR" sz="2200" dirty="0" smtClean="0">
-                <a:latin typeface="Courier New" pitchFamily="49" charset="0"/>
-                <a:cs typeface="Courier New" pitchFamily="49" charset="0"/>
-              </a:rPr>
-              <a:t>)</a:t>
-            </a:r>
-          </a:p>
-          <a:p>
-            <a:pPr>
-              <a:buNone/>
-            </a:pPr>
-            <a:r>
-              <a:rPr lang="pt-BR" sz="2200" dirty="0" smtClean="0">
-                <a:latin typeface="Courier New" pitchFamily="49" charset="0"/>
-                <a:cs typeface="Courier New" pitchFamily="49" charset="0"/>
-              </a:rPr>
-              <a:t>e</a:t>
-            </a:r>
-            <a:r>
-              <a:rPr lang="pt-BR" sz="2200" dirty="0" smtClean="0">
-                <a:latin typeface="Courier New" pitchFamily="49" charset="0"/>
-                <a:cs typeface="Courier New" pitchFamily="49" charset="0"/>
-              </a:rPr>
-              <a:t>spera fala</a:t>
-            </a:r>
-          </a:p>
-          <a:p>
-            <a:pPr>
-              <a:buNone/>
-            </a:pPr>
-            <a:endParaRPr lang="pt-BR" dirty="0"/>
-          </a:p>
-        </p:txBody>
-      </p:sp>
-      <p:pic>
-        <p:nvPicPr>
-          <p:cNvPr id="4100" name="Picture 4" descr="C:\Documents and Settings\wendel\Desktop\untitled.JPG"/>
-          <p:cNvPicPr>
-            <a:picLocks noChangeAspect="1" noChangeArrowheads="1"/>
-          </p:cNvPicPr>
-          <p:nvPr/>
-        </p:nvPicPr>
-        <p:blipFill>
-          <a:blip r:embed="rId2"/>
-          <a:srcRect/>
-          <a:stretch>
-            <a:fillRect/>
-          </a:stretch>
-        </p:blipFill>
-        <p:spPr bwMode="auto">
-          <a:xfrm>
-            <a:off x="1714480" y="3500438"/>
-            <a:ext cx="3762375" cy="1590675"/>
+            <a:off x="1588008" y="1600200"/>
+            <a:ext cx="7498080" cy="4800600"/>
           </a:xfrm>
           <a:prstGeom prst="rect">
             <a:avLst/>
           </a:prstGeom>
-          <a:noFill/>
         </p:spPr>
-      </p:pic>
+        <p:txBody>
+          <a:bodyPr>
+            <a:normAutofit/>
+          </a:bodyPr>
+          <a:lstStyle/>
+          <a:p>
+            <a:pPr marL="365760" marR="0" lvl="0" indent="-283464" algn="l" defTabSz="914400" rtl="0" eaLnBrk="1" fontAlgn="auto" latinLnBrk="0" hangingPunct="1">
+              <a:lnSpc>
+                <a:spcPct val="100000"/>
+              </a:lnSpc>
+              <a:spcBef>
+                <a:spcPts val="600"/>
+              </a:spcBef>
+              <a:spcAft>
+                <a:spcPts val="0"/>
+              </a:spcAft>
+              <a:buClr>
+                <a:schemeClr val="accent1"/>
+              </a:buClr>
+              <a:buSzPct val="80000"/>
+              <a:buFont typeface="Wingdings 2"/>
+              <a:buNone/>
+              <a:tabLst/>
+              <a:defRPr/>
+            </a:pPr>
+            <a:r>
+              <a:rPr kumimoji="0" lang="pt-BR" sz="3200" b="0" i="0" u="none" strike="noStrike" kern="1200" cap="none" spc="0" normalizeH="0" baseline="0" noProof="0" dirty="0" smtClean="0">
+                <a:ln>
+                  <a:noFill/>
+                </a:ln>
+                <a:solidFill>
+                  <a:schemeClr val="tx1"/>
+                </a:solidFill>
+                <a:effectLst/>
+                <a:uLnTx/>
+                <a:uFillTx/>
+                <a:latin typeface="+mn-lt"/>
+                <a:ea typeface="+mn-ea"/>
+                <a:cs typeface="+mn-cs"/>
+              </a:rPr>
+              <a:t>j 		105 100 100.0</a:t>
+            </a:r>
+          </a:p>
+          <a:p>
+            <a:pPr marL="365760" marR="0" lvl="0" indent="-283464" algn="l" defTabSz="914400" rtl="0" eaLnBrk="1" fontAlgn="auto" latinLnBrk="0" hangingPunct="1">
+              <a:lnSpc>
+                <a:spcPct val="100000"/>
+              </a:lnSpc>
+              <a:spcBef>
+                <a:spcPts val="600"/>
+              </a:spcBef>
+              <a:spcAft>
+                <a:spcPts val="0"/>
+              </a:spcAft>
+              <a:buClr>
+                <a:schemeClr val="accent1"/>
+              </a:buClr>
+              <a:buSzPct val="80000"/>
+              <a:buFont typeface="Wingdings 2"/>
+              <a:buNone/>
+              <a:tabLst/>
+              <a:defRPr/>
+            </a:pPr>
+            <a:r>
+              <a:rPr kumimoji="0" lang="pt-BR" sz="3200" b="0" i="0" u="none" strike="noStrike" kern="1200" cap="none" spc="0" normalizeH="0" baseline="0" noProof="0" dirty="0" smtClean="0">
+                <a:ln>
+                  <a:noFill/>
+                </a:ln>
+                <a:solidFill>
+                  <a:schemeClr val="tx1"/>
+                </a:solidFill>
+                <a:effectLst/>
+                <a:uLnTx/>
+                <a:uFillTx/>
+                <a:latin typeface="+mn-lt"/>
+                <a:ea typeface="+mn-ea"/>
+                <a:cs typeface="+mn-cs"/>
+              </a:rPr>
+              <a:t>a 	105 100 100.49</a:t>
+            </a:r>
+          </a:p>
+          <a:p>
+            <a:pPr marL="365760" marR="0" lvl="0" indent="-283464" algn="l" defTabSz="914400" rtl="0" eaLnBrk="1" fontAlgn="auto" latinLnBrk="0" hangingPunct="1">
+              <a:lnSpc>
+                <a:spcPct val="100000"/>
+              </a:lnSpc>
+              <a:spcBef>
+                <a:spcPts val="600"/>
+              </a:spcBef>
+              <a:spcAft>
+                <a:spcPts val="0"/>
+              </a:spcAft>
+              <a:buClr>
+                <a:schemeClr val="accent1"/>
+              </a:buClr>
+              <a:buSzPct val="80000"/>
+              <a:buFont typeface="Wingdings 2"/>
+              <a:buNone/>
+              <a:tabLst/>
+              <a:defRPr/>
+            </a:pPr>
+            <a:r>
+              <a:rPr kumimoji="0" lang="pt-BR" sz="3200" b="0" i="0" u="none" strike="noStrike" kern="1200" cap="none" spc="0" normalizeH="0" baseline="0" noProof="0" dirty="0" smtClean="0">
+                <a:ln>
+                  <a:noFill/>
+                </a:ln>
+                <a:solidFill>
+                  <a:schemeClr val="tx1"/>
+                </a:solidFill>
+                <a:effectLst/>
+                <a:uLnTx/>
+                <a:uFillTx/>
+                <a:latin typeface="+mn-lt"/>
+                <a:ea typeface="+mn-ea"/>
+                <a:cs typeface="+mn-cs"/>
+              </a:rPr>
+              <a:t>b 	105 100 100.95</a:t>
+            </a:r>
+          </a:p>
+          <a:p>
+            <a:pPr marL="365760" marR="0" lvl="0" indent="-283464" algn="l" defTabSz="914400" rtl="0" eaLnBrk="1" fontAlgn="auto" latinLnBrk="0" hangingPunct="1">
+              <a:lnSpc>
+                <a:spcPct val="100000"/>
+              </a:lnSpc>
+              <a:spcBef>
+                <a:spcPts val="600"/>
+              </a:spcBef>
+              <a:spcAft>
+                <a:spcPts val="0"/>
+              </a:spcAft>
+              <a:buClr>
+                <a:schemeClr val="accent1"/>
+              </a:buClr>
+              <a:buSzPct val="80000"/>
+              <a:buFont typeface="Wingdings 2"/>
+              <a:buNone/>
+              <a:tabLst/>
+              <a:defRPr/>
+            </a:pPr>
+            <a:r>
+              <a:rPr kumimoji="0" lang="pt-BR" sz="3200" b="0" i="0" u="none" strike="noStrike" kern="1200" cap="none" spc="0" normalizeH="0" baseline="0" noProof="0" dirty="0" smtClean="0">
+                <a:ln>
+                  <a:noFill/>
+                </a:ln>
+                <a:solidFill>
+                  <a:schemeClr val="tx1"/>
+                </a:solidFill>
+                <a:effectLst/>
+                <a:uLnTx/>
+                <a:uFillTx/>
+                <a:latin typeface="+mn-lt"/>
+                <a:ea typeface="+mn-ea"/>
+                <a:cs typeface="+mn-cs"/>
+              </a:rPr>
+              <a:t>u 	105 100 101.36</a:t>
+            </a:r>
+          </a:p>
+          <a:p>
+            <a:pPr marL="365760" marR="0" lvl="0" indent="-283464" algn="l" defTabSz="914400" rtl="0" eaLnBrk="1" fontAlgn="auto" latinLnBrk="0" hangingPunct="1">
+              <a:lnSpc>
+                <a:spcPct val="100000"/>
+              </a:lnSpc>
+              <a:spcBef>
+                <a:spcPts val="600"/>
+              </a:spcBef>
+              <a:spcAft>
+                <a:spcPts val="0"/>
+              </a:spcAft>
+              <a:buClr>
+                <a:schemeClr val="accent1"/>
+              </a:buClr>
+              <a:buSzPct val="80000"/>
+              <a:buFont typeface="Wingdings 2"/>
+              <a:buNone/>
+              <a:tabLst/>
+              <a:defRPr/>
+            </a:pPr>
+            <a:r>
+              <a:rPr kumimoji="0" lang="pt-BR" sz="3200" b="0" i="0" u="none" strike="noStrike" kern="1200" cap="none" spc="0" normalizeH="0" baseline="0" noProof="0" dirty="0" smtClean="0">
+                <a:ln>
+                  <a:noFill/>
+                </a:ln>
+                <a:solidFill>
+                  <a:schemeClr val="tx1"/>
+                </a:solidFill>
+                <a:effectLst/>
+                <a:uLnTx/>
+                <a:uFillTx/>
+                <a:latin typeface="+mn-lt"/>
+                <a:ea typeface="+mn-ea"/>
+                <a:cs typeface="+mn-cs"/>
+              </a:rPr>
+              <a:t>l 		120 100 101.68</a:t>
+            </a:r>
+          </a:p>
+          <a:p>
+            <a:pPr marL="365760" marR="0" lvl="0" indent="-283464" algn="l" defTabSz="914400" rtl="0" eaLnBrk="1" fontAlgn="auto" latinLnBrk="0" hangingPunct="1">
+              <a:lnSpc>
+                <a:spcPct val="100000"/>
+              </a:lnSpc>
+              <a:spcBef>
+                <a:spcPts val="600"/>
+              </a:spcBef>
+              <a:spcAft>
+                <a:spcPts val="0"/>
+              </a:spcAft>
+              <a:buClr>
+                <a:schemeClr val="accent1"/>
+              </a:buClr>
+              <a:buSzPct val="80000"/>
+              <a:buFont typeface="Wingdings 2"/>
+              <a:buNone/>
+              <a:tabLst/>
+              <a:defRPr/>
+            </a:pPr>
+            <a:r>
+              <a:rPr kumimoji="0" lang="pt-BR" sz="3200" b="0" i="0" u="none" strike="noStrike" kern="1200" cap="none" spc="0" normalizeH="0" baseline="0" noProof="0" dirty="0" smtClean="0">
+                <a:ln>
+                  <a:noFill/>
+                </a:ln>
+                <a:solidFill>
+                  <a:schemeClr val="tx1"/>
+                </a:solidFill>
+                <a:effectLst/>
+                <a:uLnTx/>
+                <a:uFillTx/>
+                <a:latin typeface="+mn-lt"/>
+                <a:ea typeface="+mn-ea"/>
+                <a:cs typeface="+mn-cs"/>
+              </a:rPr>
+              <a:t>a 	120 100 101.89</a:t>
+            </a:r>
+          </a:p>
+          <a:p>
+            <a:pPr marL="365760" marR="0" lvl="0" indent="-283464" algn="l" defTabSz="914400" rtl="0" eaLnBrk="1" fontAlgn="auto" latinLnBrk="0" hangingPunct="1">
+              <a:lnSpc>
+                <a:spcPct val="100000"/>
+              </a:lnSpc>
+              <a:spcBef>
+                <a:spcPts val="600"/>
+              </a:spcBef>
+              <a:spcAft>
+                <a:spcPts val="0"/>
+              </a:spcAft>
+              <a:buClr>
+                <a:schemeClr val="accent1"/>
+              </a:buClr>
+              <a:buSzPct val="80000"/>
+              <a:buFont typeface="Wingdings 2"/>
+              <a:buNone/>
+              <a:tabLst/>
+              <a:defRPr/>
+            </a:pPr>
+            <a:r>
+              <a:rPr kumimoji="0" lang="pt-BR" sz="3200" b="0" i="0" u="none" strike="noStrike" kern="1200" cap="none" spc="0" normalizeH="0" baseline="0" noProof="0" dirty="0" smtClean="0">
+                <a:ln>
+                  <a:noFill/>
+                </a:ln>
+                <a:solidFill>
+                  <a:schemeClr val="tx1"/>
+                </a:solidFill>
+                <a:effectLst/>
+                <a:uLnTx/>
+                <a:uFillTx/>
+                <a:latin typeface="+mn-lt"/>
+                <a:ea typeface="+mn-ea"/>
+                <a:cs typeface="+mn-cs"/>
+              </a:rPr>
+              <a:t>n 	105 100 101.99</a:t>
+            </a:r>
+          </a:p>
+          <a:p>
+            <a:pPr marL="365760" marR="0" lvl="0" indent="-283464" algn="l" defTabSz="914400" rtl="0" eaLnBrk="1" fontAlgn="auto" latinLnBrk="0" hangingPunct="1">
+              <a:lnSpc>
+                <a:spcPct val="100000"/>
+              </a:lnSpc>
+              <a:spcBef>
+                <a:spcPts val="600"/>
+              </a:spcBef>
+              <a:spcAft>
+                <a:spcPts val="0"/>
+              </a:spcAft>
+              <a:buClr>
+                <a:schemeClr val="accent1"/>
+              </a:buClr>
+              <a:buSzPct val="80000"/>
+              <a:buFont typeface="Wingdings 2"/>
+              <a:buNone/>
+              <a:tabLst/>
+              <a:defRPr/>
+            </a:pPr>
+            <a:r>
+              <a:rPr kumimoji="0" lang="pt-BR" sz="3200" b="0" i="0" u="none" strike="noStrike" kern="1200" cap="none" spc="0" normalizeH="0" baseline="0" noProof="0" dirty="0" smtClean="0">
+                <a:ln>
+                  <a:noFill/>
+                </a:ln>
+                <a:solidFill>
+                  <a:schemeClr val="tx1"/>
+                </a:solidFill>
+                <a:effectLst/>
+                <a:uLnTx/>
+                <a:uFillTx/>
+                <a:latin typeface="+mn-lt"/>
+                <a:ea typeface="+mn-ea"/>
+                <a:cs typeface="+mn-cs"/>
+              </a:rPr>
+              <a:t>i 		105 100 101.96</a:t>
+            </a:r>
+            <a:endParaRPr kumimoji="0" lang="pt-BR" sz="3200" b="0" i="0" u="none" strike="noStrike" kern="1200" cap="none" spc="0" normalizeH="0" baseline="0" noProof="0" dirty="0">
+              <a:ln>
+                <a:noFill/>
+              </a:ln>
+              <a:solidFill>
+                <a:schemeClr val="tx1"/>
+              </a:solidFill>
+              <a:effectLst/>
+              <a:uLnTx/>
+              <a:uFillTx/>
+              <a:latin typeface="+mn-lt"/>
+              <a:ea typeface="+mn-ea"/>
+              <a:cs typeface="+mn-cs"/>
+            </a:endParaRPr>
+          </a:p>
+        </p:txBody>
+      </p:sp>
     </p:spTree>
   </p:cSld>
   <p:clrMapOvr>
@@ -4728,7 +5991,7 @@
           <a:p>
             <a:r>
               <a:rPr lang="pt-BR" dirty="0" smtClean="0"/>
-              <a:t>Desenvolvimento</a:t>
+              <a:t>MBROLA</a:t>
             </a:r>
             <a:endParaRPr lang="pt-BR" dirty="0"/>
           </a:p>
@@ -4736,7 +5999,7 @@
       </p:sp>
       <p:sp>
         <p:nvSpPr>
-          <p:cNvPr id="3" name="Espaço Reservado para Conteúdo 2"/>
+          <p:cNvPr id="4" name="Espaço Reservado para Conteúdo 3"/>
           <p:cNvSpPr>
             <a:spLocks noGrp="1"/>
           </p:cNvSpPr>
@@ -4747,84 +6010,89 @@
         <p:spPr>
           <a:xfrm>
             <a:off x="1435608" y="1447800"/>
-            <a:ext cx="7498080" cy="695316"/>
+            <a:ext cx="7494110" cy="4800600"/>
           </a:xfrm>
         </p:spPr>
         <p:txBody>
-          <a:bodyPr/>
+          <a:bodyPr>
+            <a:normAutofit/>
+          </a:bodyPr>
           <a:lstStyle/>
           <a:p>
+            <a:pPr>
+              <a:buNone/>
+            </a:pPr>
             <a:r>
               <a:rPr lang="pt-BR" dirty="0" smtClean="0"/>
-              <a:t>Especificação</a:t>
-            </a:r>
-          </a:p>
-        </p:txBody>
-      </p:sp>
-      <p:pic>
-        <p:nvPicPr>
-          <p:cNvPr id="1027" name="Picture 3" descr="UC01"/>
-          <p:cNvPicPr>
-            <a:picLocks noChangeAspect="1" noChangeArrowheads="1"/>
-          </p:cNvPicPr>
-          <p:nvPr/>
-        </p:nvPicPr>
-        <p:blipFill>
-          <a:blip r:embed="rId2"/>
-          <a:srcRect/>
-          <a:stretch>
-            <a:fillRect/>
-          </a:stretch>
-        </p:blipFill>
-        <p:spPr bwMode="auto">
-          <a:xfrm>
-            <a:off x="1285852" y="2071678"/>
-            <a:ext cx="4495800" cy="3219450"/>
-          </a:xfrm>
-          <a:prstGeom prst="rect">
-            <a:avLst/>
-          </a:prstGeom>
-          <a:noFill/>
-          <a:ln w="9525">
-            <a:noFill/>
-            <a:miter lim="800000"/>
-            <a:headEnd/>
-            <a:tailEnd/>
-          </a:ln>
-        </p:spPr>
-      </p:pic>
-      <p:pic>
-        <p:nvPicPr>
-          <p:cNvPr id="8" name="Picture 3" descr="UC02"/>
-          <p:cNvPicPr>
-            <a:picLocks noChangeAspect="1" noChangeArrowheads="1"/>
-          </p:cNvPicPr>
-          <p:nvPr/>
-        </p:nvPicPr>
-        <p:blipFill>
-          <a:blip r:embed="rId3"/>
-          <a:srcRect/>
-          <a:stretch>
-            <a:fillRect/>
-          </a:stretch>
-        </p:blipFill>
-        <p:spPr bwMode="auto">
-          <a:xfrm>
-            <a:off x="5143504" y="4429132"/>
-            <a:ext cx="3352800" cy="2000250"/>
-          </a:xfrm>
-          <a:prstGeom prst="rect">
-            <a:avLst/>
-          </a:prstGeom>
-          <a:noFill/>
-          <a:ln w="9525">
-            <a:noFill/>
-            <a:miter lim="800000"/>
-            <a:headEnd/>
-            <a:tailEnd/>
-          </a:ln>
-        </p:spPr>
-      </p:pic>
+              <a:t>j 		105 100 100.0</a:t>
+            </a:r>
+          </a:p>
+          <a:p>
+            <a:pPr>
+              <a:buNone/>
+            </a:pPr>
+            <a:r>
+              <a:rPr lang="pt-BR" dirty="0" smtClean="0"/>
+              <a:t>a 	105 100 100.49</a:t>
+            </a:r>
+          </a:p>
+          <a:p>
+            <a:pPr>
+              <a:buNone/>
+            </a:pPr>
+            <a:r>
+              <a:rPr lang="pt-BR" dirty="0" smtClean="0"/>
+              <a:t>b 	105 100 100.95</a:t>
+            </a:r>
+          </a:p>
+          <a:p>
+            <a:pPr>
+              <a:buNone/>
+            </a:pPr>
+            <a:r>
+              <a:rPr lang="pt-BR" dirty="0" smtClean="0"/>
+              <a:t>u 	105 100 101.36</a:t>
+            </a:r>
+          </a:p>
+          <a:p>
+            <a:pPr>
+              <a:buNone/>
+            </a:pPr>
+            <a:r>
+              <a:rPr lang="pt-BR" dirty="0" smtClean="0"/>
+              <a:t>l 		120 100 101.68</a:t>
+            </a:r>
+          </a:p>
+          <a:p>
+            <a:pPr>
+              <a:buNone/>
+            </a:pPr>
+            <a:r>
+              <a:rPr lang="pt-BR" dirty="0" smtClean="0"/>
+              <a:t>a 	520 25 51 25 90 25 120 25 160</a:t>
+            </a:r>
+          </a:p>
+          <a:p>
+            <a:pPr>
+              <a:buNone/>
+            </a:pPr>
+            <a:r>
+              <a:rPr lang="pt-BR" dirty="0" smtClean="0"/>
+              <a:t>n 	105 100 101.99</a:t>
+            </a:r>
+          </a:p>
+          <a:p>
+            <a:pPr>
+              <a:buNone/>
+            </a:pPr>
+            <a:r>
+              <a:rPr lang="pt-BR" dirty="0" smtClean="0"/>
+              <a:t>i 		105 100 101.96</a:t>
+            </a:r>
+            <a:endParaRPr lang="pt-BR" dirty="0"/>
+          </a:p>
+        </p:txBody>
+      </p:sp>
     </p:spTree>
   </p:cSld>
   <p:clrMapOvr>
@@ -4874,36 +6142,6 @@
           <a:p>
             <a:r>
               <a:rPr lang="pt-BR" dirty="0" smtClean="0"/>
-              <a:t>Desenvolvimento</a:t>
-            </a:r>
-            <a:endParaRPr lang="pt-BR" dirty="0"/>
-          </a:p>
-        </p:txBody>
-      </p:sp>
-      <p:sp>
-        <p:nvSpPr>
-          <p:cNvPr id="3" name="Espaço Reservado para Conteúdo 2"/>
-          <p:cNvSpPr>
-            <a:spLocks noGrp="1"/>
-          </p:cNvSpPr>
-          <p:nvPr>
-            <p:ph idx="1"/>
-          </p:nvPr>
-        </p:nvSpPr>
-        <p:spPr>
-          <a:xfrm>
-            <a:off x="1435608" y="1447800"/>
-            <a:ext cx="3064954" cy="552440"/>
-          </a:xfrm>
-        </p:spPr>
-        <p:txBody>
-          <a:bodyPr>
-            <a:normAutofit lnSpcReduction="10000"/>
-          </a:bodyPr>
-          <a:lstStyle/>
-          <a:p>
-            <a:r>
-              <a:rPr lang="pt-BR" dirty="0" smtClean="0"/>
               <a:t>Especificação</a:t>
             </a:r>
             <a:endParaRPr lang="pt-BR" dirty="0"/>
@@ -4912,7 +6150,7 @@
       </p:sp>
       <p:pic>
         <p:nvPicPr>
-          <p:cNvPr id="2053" name="Picture 5" descr="SynthElement"/>
+          <p:cNvPr id="1027" name="Picture 3" descr="UC01"/>
           <p:cNvPicPr>
             <a:picLocks noChangeAspect="1" noChangeArrowheads="1"/>
           </p:cNvPicPr>
@@ -4927,8 +6165,8 @@
         </p:blipFill>
         <p:spPr bwMode="auto">
           <a:xfrm>
-            <a:off x="1785918" y="2071678"/>
-            <a:ext cx="6467480" cy="4638668"/>
+            <a:off x="2143108" y="1714488"/>
+            <a:ext cx="5929354" cy="4246020"/>
           </a:xfrm>
           <a:prstGeom prst="rect">
             <a:avLst/>
@@ -4991,36 +6229,6 @@
           <a:p>
             <a:r>
               <a:rPr lang="pt-BR" dirty="0" smtClean="0"/>
-              <a:t>Desenvolvimento</a:t>
-            </a:r>
-            <a:endParaRPr lang="pt-BR" dirty="0"/>
-          </a:p>
-        </p:txBody>
-      </p:sp>
-      <p:sp>
-        <p:nvSpPr>
-          <p:cNvPr id="3" name="Espaço Reservado para Conteúdo 2"/>
-          <p:cNvSpPr>
-            <a:spLocks noGrp="1"/>
-          </p:cNvSpPr>
-          <p:nvPr>
-            <p:ph idx="1"/>
-          </p:nvPr>
-        </p:nvSpPr>
-        <p:spPr>
-          <a:xfrm>
-            <a:off x="1435608" y="1447800"/>
-            <a:ext cx="3136392" cy="552440"/>
-          </a:xfrm>
-        </p:spPr>
-        <p:txBody>
-          <a:bodyPr>
-            <a:normAutofit lnSpcReduction="10000"/>
-          </a:bodyPr>
-          <a:lstStyle/>
-          <a:p>
-            <a:r>
-              <a:rPr lang="pt-BR" dirty="0" smtClean="0"/>
               <a:t>Especificação</a:t>
             </a:r>
             <a:endParaRPr lang="pt-BR" dirty="0"/>
@@ -5029,7 +6237,7 @@
       </p:sp>
       <p:pic>
         <p:nvPicPr>
-          <p:cNvPr id="3075" name="Picture 3" descr="Tangram_Pool-Dispatcher"/>
+          <p:cNvPr id="4" name="Picture 3" descr="UC02"/>
           <p:cNvPicPr>
             <a:picLocks noChangeAspect="1" noChangeArrowheads="1"/>
           </p:cNvPicPr>
@@ -5044,8 +6252,8 @@
         </p:blipFill>
         <p:spPr bwMode="auto">
           <a:xfrm>
-            <a:off x="2428860" y="2357430"/>
-            <a:ext cx="5753100" cy="3600450"/>
+            <a:off x="2000232" y="1928802"/>
+            <a:ext cx="6000792" cy="3580018"/>
           </a:xfrm>
           <a:prstGeom prst="rect">
             <a:avLst/>
@@ -5101,7 +6309,7 @@
           <a:p>
             <a:r>
               <a:rPr lang="pt-BR" dirty="0" smtClean="0"/>
-              <a:t>Implementação</a:t>
+              <a:t>Desenvolvimento</a:t>
             </a:r>
             <a:endParaRPr lang="pt-BR" dirty="0"/>
           </a:p>
@@ -5122,6 +6330,31 @@
           <a:bodyPr/>
           <a:lstStyle/>
           <a:p>
+            <a:r>
+              <a:rPr lang="pt-BR" dirty="0" smtClean="0"/>
+              <a:t>Requisitos</a:t>
+            </a:r>
+          </a:p>
+          <a:p>
+            <a:pPr lvl="1"/>
+            <a:r>
+              <a:rPr lang="pt-BR" dirty="0" smtClean="0"/>
+              <a:t>A BNF deve suportar comandos para especificar a fala</a:t>
+            </a:r>
+          </a:p>
+          <a:p>
+            <a:pPr lvl="1"/>
+            <a:r>
+              <a:rPr lang="pt-BR" dirty="0" smtClean="0"/>
+              <a:t>Gerar uma definição textual do texto que será repassado ao sintetizador</a:t>
+            </a:r>
+          </a:p>
+          <a:p>
+            <a:pPr lvl="1"/>
+            <a:r>
+              <a:rPr lang="pt-BR" dirty="0" smtClean="0"/>
+              <a:t>Permitir a um usuário ou um sistema externo atribuir uma entrada no formato JSML ao sintetizador</a:t>
+            </a:r>
             <a:endParaRPr lang="pt-BR" dirty="0"/>
           </a:p>
         </p:txBody>
@@ -5175,7 +6408,7 @@
           <a:p>
             <a:r>
               <a:rPr lang="pt-BR" dirty="0" smtClean="0"/>
-              <a:t>Conclusão</a:t>
+              <a:t>Desenvolvimento</a:t>
             </a:r>
             <a:endParaRPr lang="pt-BR" dirty="0"/>
           </a:p>
@@ -5193,24 +6426,98 @@
         </p:nvSpPr>
         <p:spPr/>
         <p:txBody>
-          <a:bodyPr/>
+          <a:bodyPr>
+            <a:normAutofit fontScale="92500" lnSpcReduction="20000"/>
+          </a:bodyPr>
           <a:lstStyle/>
           <a:p>
             <a:r>
               <a:rPr lang="pt-BR" dirty="0" smtClean="0"/>
-              <a:t>Possui limitação de variação de fonemas</a:t>
+              <a:t>Comandos do LTD</a:t>
+            </a:r>
+          </a:p>
+          <a:p>
+            <a:pPr lvl="1"/>
+            <a:r>
+              <a:rPr lang="pt-BR" sz="2200" dirty="0" smtClean="0"/>
+              <a:t>cria</a:t>
+            </a:r>
+          </a:p>
+          <a:p>
+            <a:pPr lvl="1"/>
+            <a:r>
+              <a:rPr lang="pt-BR" sz="2200" dirty="0" smtClean="0"/>
+              <a:t>move</a:t>
+            </a:r>
+          </a:p>
+          <a:p>
+            <a:pPr lvl="1"/>
+            <a:r>
+              <a:rPr lang="pt-BR" sz="2200" dirty="0" smtClean="0"/>
+              <a:t>gira</a:t>
+            </a:r>
+          </a:p>
+          <a:p>
+            <a:pPr lvl="1"/>
+            <a:r>
+              <a:rPr lang="pt-BR" sz="2200" dirty="0" smtClean="0"/>
+              <a:t>espelha</a:t>
+            </a:r>
+          </a:p>
+          <a:p>
+            <a:pPr lvl="1"/>
+            <a:r>
+              <a:rPr lang="pt-BR" sz="2200" dirty="0" smtClean="0"/>
+              <a:t>cor</a:t>
+            </a:r>
+          </a:p>
+          <a:p>
+            <a:pPr lvl="1"/>
+            <a:r>
+              <a:rPr lang="pt-BR" sz="2200" dirty="0" smtClean="0"/>
+              <a:t>pisca</a:t>
+            </a:r>
+          </a:p>
+          <a:p>
+            <a:pPr lvl="1"/>
+            <a:r>
+              <a:rPr lang="pt-BR" sz="2200" dirty="0" smtClean="0"/>
+              <a:t>repita</a:t>
+            </a:r>
+          </a:p>
+          <a:p>
+            <a:pPr lvl="1"/>
+            <a:r>
+              <a:rPr lang="pt-BR" sz="2200" dirty="0" smtClean="0"/>
+              <a:t>faça</a:t>
             </a:r>
           </a:p>
           <a:p>
             <a:r>
               <a:rPr lang="pt-BR" dirty="0" smtClean="0"/>
-              <a:t>Comandos disponibilizados permitem sincronização entre falas e das falas </a:t>
-            </a:r>
-            <a:r>
-              <a:rPr lang="pt-BR" smtClean="0"/>
-              <a:t>com animação</a:t>
-            </a:r>
-            <a:endParaRPr lang="pt-BR" dirty="0" smtClean="0"/>
+              <a:t>Especificação dos comandos de fala</a:t>
+            </a:r>
+          </a:p>
+          <a:p>
+            <a:pPr lvl="1"/>
+            <a:r>
+              <a:rPr lang="pt-BR" sz="2200" dirty="0" smtClean="0"/>
+              <a:t>fala (sobreposta ou exclusiva)</a:t>
+            </a:r>
+          </a:p>
+          <a:p>
+            <a:pPr lvl="1"/>
+            <a:r>
+              <a:rPr lang="pt-BR" sz="2200" dirty="0" smtClean="0"/>
+              <a:t>enquanto fala</a:t>
+            </a:r>
+          </a:p>
+          <a:p>
+            <a:pPr lvl="1"/>
+            <a:r>
+              <a:rPr lang="pt-BR" sz="2200" dirty="0" smtClean="0"/>
+              <a:t>espera fala</a:t>
+            </a:r>
           </a:p>
         </p:txBody>
       </p:sp>
@@ -5226,6 +6533,1021 @@
       </p:par>
     </p:tnLst>
   </p:timing>
+</p:sld>
+</file>
+
+<file path=ppt/slides/slide16.xml><?xml version="1.0" encoding="utf-8"?>
+<p:sld xmlns:a="http://schemas.openxmlformats.org/drawingml/2006/main" xmlns:r="http://schemas.openxmlformats.org/officeDocument/2006/relationships" xmlns:p="http://schemas.openxmlformats.org/presentationml/2006/main">
+  <p:cSld>
+    <p:spTree>
+      <p:nvGrpSpPr>
+        <p:cNvPr id="1" name=""/>
+        <p:cNvGrpSpPr/>
+        <p:nvPr/>
+      </p:nvGrpSpPr>
+      <p:grpSpPr>
+        <a:xfrm>
+          <a:off x="0" y="0"/>
+          <a:ext cx="0" cy="0"/>
+          <a:chOff x="0" y="0"/>
+          <a:chExt cx="0" cy="0"/>
+        </a:xfrm>
+      </p:grpSpPr>
+      <p:sp>
+        <p:nvSpPr>
+          <p:cNvPr id="2" name="Título 1"/>
+          <p:cNvSpPr>
+            <a:spLocks noGrp="1"/>
+          </p:cNvSpPr>
+          <p:nvPr>
+            <p:ph type="title"/>
+          </p:nvPr>
+        </p:nvSpPr>
+        <p:spPr/>
+        <p:txBody>
+          <a:bodyPr/>
+          <a:lstStyle/>
+          <a:p>
+            <a:r>
+              <a:rPr lang="pt-BR" dirty="0" smtClean="0"/>
+              <a:t>Desenvolvimento</a:t>
+            </a:r>
+            <a:endParaRPr lang="pt-BR" dirty="0"/>
+          </a:p>
+        </p:txBody>
+      </p:sp>
+      <p:sp>
+        <p:nvSpPr>
+          <p:cNvPr id="3" name="Espaço Reservado para Conteúdo 2"/>
+          <p:cNvSpPr>
+            <a:spLocks noGrp="1"/>
+          </p:cNvSpPr>
+          <p:nvPr>
+            <p:ph idx="1"/>
+          </p:nvPr>
+        </p:nvSpPr>
+        <p:spPr>
+          <a:xfrm>
+            <a:off x="1435608" y="1447800"/>
+            <a:ext cx="7498080" cy="5410200"/>
+          </a:xfrm>
+        </p:spPr>
+        <p:txBody>
+          <a:bodyPr>
+            <a:normAutofit lnSpcReduction="10000"/>
+          </a:bodyPr>
+          <a:lstStyle/>
+          <a:p>
+            <a:pPr>
+              <a:buNone/>
+            </a:pPr>
+            <a:r>
+              <a:rPr lang="pt-BR" sz="2200" dirty="0" smtClean="0">
+                <a:latin typeface="Courier New" pitchFamily="49" charset="0"/>
+                <a:cs typeface="Courier New" pitchFamily="49" charset="0"/>
+              </a:rPr>
+              <a:t>fala (</a:t>
+            </a:r>
+            <a:r>
+              <a:rPr lang="pt-BR" sz="2200" dirty="0" smtClean="0">
+                <a:solidFill>
+                  <a:srgbClr val="0070C0"/>
+                </a:solidFill>
+                <a:latin typeface="Courier New" pitchFamily="49" charset="0"/>
+                <a:cs typeface="Courier New" pitchFamily="49" charset="0"/>
+              </a:rPr>
+              <a:t>‘/home/</a:t>
+            </a:r>
+            <a:r>
+              <a:rPr lang="pt-BR" sz="2200" dirty="0" err="1" smtClean="0">
+                <a:solidFill>
+                  <a:srgbClr val="0070C0"/>
+                </a:solidFill>
+                <a:latin typeface="Courier New" pitchFamily="49" charset="0"/>
+                <a:cs typeface="Courier New" pitchFamily="49" charset="0"/>
+              </a:rPr>
+              <a:t>furb</a:t>
+            </a:r>
+            <a:r>
+              <a:rPr lang="pt-BR" sz="2200" dirty="0" smtClean="0">
+                <a:solidFill>
+                  <a:srgbClr val="0070C0"/>
+                </a:solidFill>
+                <a:latin typeface="Courier New" pitchFamily="49" charset="0"/>
+                <a:cs typeface="Courier New" pitchFamily="49" charset="0"/>
+              </a:rPr>
+              <a:t>/voz1.jsml’</a:t>
+            </a:r>
+            <a:r>
+              <a:rPr lang="pt-BR" sz="2200" dirty="0" smtClean="0">
+                <a:latin typeface="Courier New" pitchFamily="49" charset="0"/>
+                <a:cs typeface="Courier New" pitchFamily="49" charset="0"/>
+              </a:rPr>
+              <a:t>)</a:t>
+            </a:r>
+          </a:p>
+          <a:p>
+            <a:pPr>
+              <a:buNone/>
+            </a:pPr>
+            <a:r>
+              <a:rPr lang="pt-BR" sz="2200" dirty="0" smtClean="0">
+                <a:latin typeface="Courier New" pitchFamily="49" charset="0"/>
+                <a:cs typeface="Courier New" pitchFamily="49" charset="0"/>
+              </a:rPr>
+              <a:t>fala (</a:t>
+            </a:r>
+            <a:r>
+              <a:rPr lang="pt-BR" sz="2200" dirty="0" smtClean="0">
+                <a:solidFill>
+                  <a:srgbClr val="0070C0"/>
+                </a:solidFill>
+                <a:latin typeface="Courier New" pitchFamily="49" charset="0"/>
+                <a:cs typeface="Courier New" pitchFamily="49" charset="0"/>
+              </a:rPr>
+              <a:t>‘/home/</a:t>
+            </a:r>
+            <a:r>
+              <a:rPr lang="pt-BR" sz="2200" dirty="0" err="1" smtClean="0">
+                <a:solidFill>
+                  <a:srgbClr val="0070C0"/>
+                </a:solidFill>
+                <a:latin typeface="Courier New" pitchFamily="49" charset="0"/>
+                <a:cs typeface="Courier New" pitchFamily="49" charset="0"/>
+              </a:rPr>
+              <a:t>furb</a:t>
+            </a:r>
+            <a:r>
+              <a:rPr lang="pt-BR" sz="2200" dirty="0" smtClean="0">
+                <a:solidFill>
+                  <a:srgbClr val="0070C0"/>
+                </a:solidFill>
+                <a:latin typeface="Courier New" pitchFamily="49" charset="0"/>
+                <a:cs typeface="Courier New" pitchFamily="49" charset="0"/>
+              </a:rPr>
+              <a:t>/voz2.jsml’ </a:t>
+            </a:r>
+            <a:r>
+              <a:rPr lang="pt-BR" sz="2200" dirty="0" smtClean="0">
+                <a:latin typeface="Courier New" pitchFamily="49" charset="0"/>
+                <a:cs typeface="Courier New" pitchFamily="49" charset="0"/>
+              </a:rPr>
+              <a:t>sobreposta)</a:t>
+            </a:r>
+          </a:p>
+          <a:p>
+            <a:pPr>
+              <a:buNone/>
+            </a:pPr>
+            <a:r>
+              <a:rPr lang="pt-BR" sz="2200" dirty="0" smtClean="0">
+                <a:latin typeface="Courier New" pitchFamily="49" charset="0"/>
+                <a:cs typeface="Courier New" pitchFamily="49" charset="0"/>
+              </a:rPr>
+              <a:t>fala (</a:t>
+            </a:r>
+            <a:r>
+              <a:rPr lang="pt-BR" sz="2200" dirty="0" smtClean="0">
+                <a:solidFill>
+                  <a:srgbClr val="0070C0"/>
+                </a:solidFill>
+                <a:latin typeface="Courier New" pitchFamily="49" charset="0"/>
+                <a:cs typeface="Courier New" pitchFamily="49" charset="0"/>
+              </a:rPr>
+              <a:t>‘/home/</a:t>
+            </a:r>
+            <a:r>
+              <a:rPr lang="pt-BR" sz="2200" dirty="0" err="1" smtClean="0">
+                <a:solidFill>
+                  <a:srgbClr val="0070C0"/>
+                </a:solidFill>
+                <a:latin typeface="Courier New" pitchFamily="49" charset="0"/>
+                <a:cs typeface="Courier New" pitchFamily="49" charset="0"/>
+              </a:rPr>
+              <a:t>furb</a:t>
+            </a:r>
+            <a:r>
+              <a:rPr lang="pt-BR" sz="2200" dirty="0" smtClean="0">
+                <a:solidFill>
+                  <a:srgbClr val="0070C0"/>
+                </a:solidFill>
+                <a:latin typeface="Courier New" pitchFamily="49" charset="0"/>
+                <a:cs typeface="Courier New" pitchFamily="49" charset="0"/>
+              </a:rPr>
+              <a:t>/voz3.jsml’</a:t>
+            </a:r>
+            <a:r>
+              <a:rPr lang="pt-BR" sz="2200" dirty="0" smtClean="0">
+                <a:latin typeface="Courier New" pitchFamily="49" charset="0"/>
+                <a:cs typeface="Courier New" pitchFamily="49" charset="0"/>
+              </a:rPr>
+              <a:t> sobreposta)</a:t>
+            </a:r>
+          </a:p>
+          <a:p>
+            <a:pPr>
+              <a:buNone/>
+            </a:pPr>
+            <a:r>
+              <a:rPr lang="pt-BR" sz="2200" dirty="0" smtClean="0">
+                <a:latin typeface="Courier New" pitchFamily="49" charset="0"/>
+                <a:cs typeface="Courier New" pitchFamily="49" charset="0"/>
+              </a:rPr>
+              <a:t>enquanto fala inicio</a:t>
+            </a:r>
+          </a:p>
+          <a:p>
+            <a:pPr>
+              <a:buNone/>
+            </a:pPr>
+            <a:r>
+              <a:rPr lang="pt-BR" sz="2200" dirty="0" smtClean="0">
+                <a:latin typeface="Courier New" pitchFamily="49" charset="0"/>
+                <a:cs typeface="Courier New" pitchFamily="49" charset="0"/>
+              </a:rPr>
+              <a:t>	&lt;loop de animação&gt;</a:t>
+            </a:r>
+          </a:p>
+          <a:p>
+            <a:pPr>
+              <a:buNone/>
+            </a:pPr>
+            <a:endParaRPr lang="pt-BR" sz="2200" dirty="0" smtClean="0">
+              <a:latin typeface="Courier New" pitchFamily="49" charset="0"/>
+              <a:cs typeface="Courier New" pitchFamily="49" charset="0"/>
+            </a:endParaRPr>
+          </a:p>
+          <a:p>
+            <a:pPr>
+              <a:buNone/>
+            </a:pPr>
+            <a:endParaRPr lang="pt-BR" sz="2200" dirty="0" smtClean="0">
+              <a:latin typeface="Courier New" pitchFamily="49" charset="0"/>
+              <a:cs typeface="Courier New" pitchFamily="49" charset="0"/>
+            </a:endParaRPr>
+          </a:p>
+          <a:p>
+            <a:pPr>
+              <a:buNone/>
+            </a:pPr>
+            <a:endParaRPr lang="pt-BR" sz="2200" dirty="0" smtClean="0">
+              <a:latin typeface="Courier New" pitchFamily="49" charset="0"/>
+              <a:cs typeface="Courier New" pitchFamily="49" charset="0"/>
+            </a:endParaRPr>
+          </a:p>
+          <a:p>
+            <a:pPr>
+              <a:buNone/>
+            </a:pPr>
+            <a:endParaRPr lang="pt-BR" sz="2200" dirty="0" smtClean="0">
+              <a:latin typeface="Courier New" pitchFamily="49" charset="0"/>
+              <a:cs typeface="Courier New" pitchFamily="49" charset="0"/>
+            </a:endParaRPr>
+          </a:p>
+          <a:p>
+            <a:pPr>
+              <a:buNone/>
+            </a:pPr>
+            <a:endParaRPr lang="pt-BR" sz="2200" dirty="0" smtClean="0">
+              <a:latin typeface="Courier New" pitchFamily="49" charset="0"/>
+              <a:cs typeface="Courier New" pitchFamily="49" charset="0"/>
+            </a:endParaRPr>
+          </a:p>
+          <a:p>
+            <a:pPr>
+              <a:buNone/>
+            </a:pPr>
+            <a:r>
+              <a:rPr lang="pt-BR" sz="2200" dirty="0" smtClean="0">
+                <a:latin typeface="Courier New" pitchFamily="49" charset="0"/>
+                <a:cs typeface="Courier New" pitchFamily="49" charset="0"/>
+              </a:rPr>
+              <a:t>fim</a:t>
+            </a:r>
+            <a:endParaRPr lang="pt-BR" sz="2200" dirty="0" smtClean="0">
+              <a:latin typeface="Courier New" pitchFamily="49" charset="0"/>
+              <a:cs typeface="Courier New" pitchFamily="49" charset="0"/>
+            </a:endParaRPr>
+          </a:p>
+          <a:p>
+            <a:pPr>
+              <a:buNone/>
+            </a:pPr>
+            <a:r>
+              <a:rPr lang="pt-BR" sz="2200" dirty="0" smtClean="0">
+                <a:latin typeface="Courier New" pitchFamily="49" charset="0"/>
+                <a:cs typeface="Courier New" pitchFamily="49" charset="0"/>
+              </a:rPr>
+              <a:t>fala (</a:t>
+            </a:r>
+            <a:r>
+              <a:rPr lang="pt-BR" sz="2200" dirty="0" smtClean="0">
+                <a:solidFill>
+                  <a:srgbClr val="0070C0"/>
+                </a:solidFill>
+                <a:latin typeface="Courier New" pitchFamily="49" charset="0"/>
+                <a:cs typeface="Courier New" pitchFamily="49" charset="0"/>
+              </a:rPr>
+              <a:t>‘/home/</a:t>
+            </a:r>
+            <a:r>
+              <a:rPr lang="pt-BR" sz="2200" dirty="0" err="1" smtClean="0">
+                <a:solidFill>
+                  <a:srgbClr val="0070C0"/>
+                </a:solidFill>
+                <a:latin typeface="Courier New" pitchFamily="49" charset="0"/>
+                <a:cs typeface="Courier New" pitchFamily="49" charset="0"/>
+              </a:rPr>
+              <a:t>furb</a:t>
+            </a:r>
+            <a:r>
+              <a:rPr lang="pt-BR" sz="2200" dirty="0" smtClean="0">
+                <a:solidFill>
+                  <a:srgbClr val="0070C0"/>
+                </a:solidFill>
+                <a:latin typeface="Courier New" pitchFamily="49" charset="0"/>
+                <a:cs typeface="Courier New" pitchFamily="49" charset="0"/>
+              </a:rPr>
+              <a:t>/voz4.jsml’</a:t>
+            </a:r>
+            <a:r>
+              <a:rPr lang="pt-BR" sz="2200" dirty="0" smtClean="0">
+                <a:latin typeface="Courier New" pitchFamily="49" charset="0"/>
+                <a:cs typeface="Courier New" pitchFamily="49" charset="0"/>
+              </a:rPr>
+              <a:t>)</a:t>
+            </a:r>
+          </a:p>
+          <a:p>
+            <a:pPr>
+              <a:buNone/>
+            </a:pPr>
+            <a:r>
+              <a:rPr lang="pt-BR" sz="2200" dirty="0" smtClean="0">
+                <a:latin typeface="Courier New" pitchFamily="49" charset="0"/>
+                <a:cs typeface="Courier New" pitchFamily="49" charset="0"/>
+              </a:rPr>
+              <a:t>espera </a:t>
+            </a:r>
+            <a:r>
+              <a:rPr lang="pt-BR" sz="2200" dirty="0" smtClean="0">
+                <a:latin typeface="Courier New" pitchFamily="49" charset="0"/>
+                <a:cs typeface="Courier New" pitchFamily="49" charset="0"/>
+              </a:rPr>
+              <a:t>fala</a:t>
+            </a:r>
+          </a:p>
+          <a:p>
+            <a:pPr>
+              <a:buNone/>
+            </a:pPr>
+            <a:r>
+              <a:rPr lang="pt-BR" sz="2200" dirty="0" smtClean="0">
+                <a:latin typeface="Courier New" pitchFamily="49" charset="0"/>
+                <a:cs typeface="Courier New" pitchFamily="49" charset="0"/>
+              </a:rPr>
+              <a:t>...</a:t>
+            </a:r>
+            <a:endParaRPr lang="pt-BR" sz="2200" dirty="0" smtClean="0">
+              <a:latin typeface="Courier New" pitchFamily="49" charset="0"/>
+              <a:cs typeface="Courier New" pitchFamily="49" charset="0"/>
+            </a:endParaRPr>
+          </a:p>
+          <a:p>
+            <a:pPr>
+              <a:buNone/>
+            </a:pPr>
+            <a:endParaRPr lang="pt-BR" dirty="0"/>
+          </a:p>
+        </p:txBody>
+      </p:sp>
+      <p:pic>
+        <p:nvPicPr>
+          <p:cNvPr id="4100" name="Picture 4" descr="C:\Documents and Settings\wendel\Desktop\untitled.JPG"/>
+          <p:cNvPicPr>
+            <a:picLocks noChangeAspect="1" noChangeArrowheads="1"/>
+          </p:cNvPicPr>
+          <p:nvPr/>
+        </p:nvPicPr>
+        <p:blipFill>
+          <a:blip r:embed="rId2"/>
+          <a:srcRect/>
+          <a:stretch>
+            <a:fillRect/>
+          </a:stretch>
+        </p:blipFill>
+        <p:spPr bwMode="auto">
+          <a:xfrm>
+            <a:off x="1714480" y="3500438"/>
+            <a:ext cx="3762375" cy="1590675"/>
+          </a:xfrm>
+          <a:prstGeom prst="rect">
+            <a:avLst/>
+          </a:prstGeom>
+          <a:noFill/>
+        </p:spPr>
+      </p:pic>
+    </p:spTree>
+  </p:cSld>
+  <p:clrMapOvr>
+    <a:masterClrMapping/>
+  </p:clrMapOvr>
+  <p:timing>
+    <p:tnLst>
+      <p:par>
+        <p:cTn id="1" dur="indefinite" restart="never" nodeType="tmRoot"/>
+      </p:par>
+    </p:tnLst>
+  </p:timing>
+</p:sld>
+</file>
+
+<file path=ppt/slides/slide17.xml><?xml version="1.0" encoding="utf-8"?>
+<p:sld xmlns:a="http://schemas.openxmlformats.org/drawingml/2006/main" xmlns:r="http://schemas.openxmlformats.org/officeDocument/2006/relationships" xmlns:p="http://schemas.openxmlformats.org/presentationml/2006/main">
+  <p:cSld>
+    <p:spTree>
+      <p:nvGrpSpPr>
+        <p:cNvPr id="1" name=""/>
+        <p:cNvGrpSpPr/>
+        <p:nvPr/>
+      </p:nvGrpSpPr>
+      <p:grpSpPr>
+        <a:xfrm>
+          <a:off x="0" y="0"/>
+          <a:ext cx="0" cy="0"/>
+          <a:chOff x="0" y="0"/>
+          <a:chExt cx="0" cy="0"/>
+        </a:xfrm>
+      </p:grpSpPr>
+      <p:sp>
+        <p:nvSpPr>
+          <p:cNvPr id="2" name="Título 1"/>
+          <p:cNvSpPr>
+            <a:spLocks noGrp="1"/>
+          </p:cNvSpPr>
+          <p:nvPr>
+            <p:ph type="title"/>
+          </p:nvPr>
+        </p:nvSpPr>
+        <p:spPr/>
+        <p:txBody>
+          <a:bodyPr/>
+          <a:lstStyle/>
+          <a:p>
+            <a:r>
+              <a:rPr lang="pt-BR" dirty="0" smtClean="0"/>
+              <a:t>Implementação</a:t>
+            </a:r>
+            <a:endParaRPr lang="pt-BR" dirty="0"/>
+          </a:p>
+        </p:txBody>
+      </p:sp>
+      <p:sp>
+        <p:nvSpPr>
+          <p:cNvPr id="3" name="Espaço Reservado para Conteúdo 2"/>
+          <p:cNvSpPr>
+            <a:spLocks noGrp="1"/>
+          </p:cNvSpPr>
+          <p:nvPr>
+            <p:ph idx="1"/>
+          </p:nvPr>
+        </p:nvSpPr>
+        <p:spPr>
+          <a:xfrm>
+            <a:off x="1142976" y="1785926"/>
+            <a:ext cx="7790712" cy="4462474"/>
+          </a:xfrm>
+        </p:spPr>
+        <p:txBody>
+          <a:bodyPr>
+            <a:normAutofit/>
+          </a:bodyPr>
+          <a:lstStyle/>
+          <a:p>
+            <a:pPr>
+              <a:buNone/>
+            </a:pPr>
+            <a:r>
+              <a:rPr lang="pt-BR" sz="2000" dirty="0" smtClean="0">
+                <a:latin typeface="Courier New" pitchFamily="49" charset="0"/>
+                <a:cs typeface="Courier New" pitchFamily="49" charset="0"/>
+              </a:rPr>
+              <a:t>File </a:t>
+            </a:r>
+            <a:r>
+              <a:rPr lang="pt-BR" sz="2000" dirty="0" err="1" smtClean="0">
+                <a:latin typeface="Courier New" pitchFamily="49" charset="0"/>
+                <a:cs typeface="Courier New" pitchFamily="49" charset="0"/>
+              </a:rPr>
+              <a:t>jsmlFile</a:t>
+            </a:r>
+            <a:r>
+              <a:rPr lang="pt-BR" sz="2000" dirty="0" smtClean="0">
+                <a:latin typeface="Courier New" pitchFamily="49" charset="0"/>
+                <a:cs typeface="Courier New" pitchFamily="49" charset="0"/>
+              </a:rPr>
+              <a:t> = </a:t>
+            </a:r>
+            <a:r>
+              <a:rPr lang="pt-BR" sz="2000" dirty="0" err="1" smtClean="0">
+                <a:latin typeface="Courier New" pitchFamily="49" charset="0"/>
+                <a:cs typeface="Courier New" pitchFamily="49" charset="0"/>
+              </a:rPr>
+              <a:t>new</a:t>
+            </a:r>
+            <a:r>
+              <a:rPr lang="pt-BR" sz="2000" dirty="0" smtClean="0">
+                <a:latin typeface="Courier New" pitchFamily="49" charset="0"/>
+                <a:cs typeface="Courier New" pitchFamily="49" charset="0"/>
+              </a:rPr>
+              <a:t> File(</a:t>
+            </a:r>
+            <a:r>
+              <a:rPr lang="pt-BR" sz="2000" dirty="0" smtClean="0">
+                <a:solidFill>
+                  <a:srgbClr val="0070C0"/>
+                </a:solidFill>
+                <a:latin typeface="Courier New" pitchFamily="49" charset="0"/>
+                <a:cs typeface="Courier New" pitchFamily="49" charset="0"/>
+              </a:rPr>
+              <a:t>'/home/</a:t>
+            </a:r>
+            <a:r>
+              <a:rPr lang="pt-BR" sz="2000" dirty="0" err="1" smtClean="0">
+                <a:solidFill>
+                  <a:srgbClr val="0070C0"/>
+                </a:solidFill>
+                <a:latin typeface="Courier New" pitchFamily="49" charset="0"/>
+                <a:cs typeface="Courier New" pitchFamily="49" charset="0"/>
+              </a:rPr>
+              <a:t>furb</a:t>
+            </a:r>
+            <a:r>
+              <a:rPr lang="pt-BR" sz="2000" dirty="0" smtClean="0">
+                <a:solidFill>
+                  <a:srgbClr val="0070C0"/>
+                </a:solidFill>
+                <a:latin typeface="Courier New" pitchFamily="49" charset="0"/>
+                <a:cs typeface="Courier New" pitchFamily="49" charset="0"/>
+              </a:rPr>
+              <a:t>/voz.jsml'</a:t>
+            </a:r>
+            <a:r>
+              <a:rPr lang="pt-BR" sz="2000" dirty="0" smtClean="0">
+                <a:latin typeface="Courier New" pitchFamily="49" charset="0"/>
+                <a:cs typeface="Courier New" pitchFamily="49" charset="0"/>
+              </a:rPr>
+              <a:t>);</a:t>
+            </a:r>
+          </a:p>
+          <a:p>
+            <a:pPr>
+              <a:buNone/>
+            </a:pPr>
+            <a:r>
+              <a:rPr lang="pt-BR" sz="2000" dirty="0" err="1" smtClean="0">
+                <a:latin typeface="Courier New" pitchFamily="49" charset="0"/>
+                <a:cs typeface="Courier New" pitchFamily="49" charset="0"/>
+              </a:rPr>
+              <a:t>JSMLParser</a:t>
+            </a:r>
+            <a:r>
+              <a:rPr lang="pt-BR" sz="2000" dirty="0" smtClean="0">
+                <a:latin typeface="Courier New" pitchFamily="49" charset="0"/>
+                <a:cs typeface="Courier New" pitchFamily="49" charset="0"/>
+              </a:rPr>
+              <a:t> parser = </a:t>
+            </a:r>
+            <a:r>
+              <a:rPr lang="pt-BR" sz="2000" dirty="0" err="1" smtClean="0">
+                <a:latin typeface="Courier New" pitchFamily="49" charset="0"/>
+                <a:cs typeface="Courier New" pitchFamily="49" charset="0"/>
+              </a:rPr>
+              <a:t>new</a:t>
+            </a:r>
+            <a:r>
+              <a:rPr lang="pt-BR" sz="2000" dirty="0" smtClean="0">
+                <a:latin typeface="Courier New" pitchFamily="49" charset="0"/>
+                <a:cs typeface="Courier New" pitchFamily="49" charset="0"/>
+              </a:rPr>
+              <a:t> </a:t>
+            </a:r>
+            <a:r>
+              <a:rPr lang="pt-BR" sz="2000" dirty="0" err="1" smtClean="0">
+                <a:latin typeface="Courier New" pitchFamily="49" charset="0"/>
+                <a:cs typeface="Courier New" pitchFamily="49" charset="0"/>
+              </a:rPr>
+              <a:t>JSMLParser</a:t>
+            </a:r>
+            <a:r>
+              <a:rPr lang="pt-BR" sz="2000" dirty="0" smtClean="0">
+                <a:latin typeface="Courier New" pitchFamily="49" charset="0"/>
+                <a:cs typeface="Courier New" pitchFamily="49" charset="0"/>
+              </a:rPr>
+              <a:t>(</a:t>
+            </a:r>
+            <a:r>
+              <a:rPr lang="pt-BR" sz="2000" dirty="0" err="1" smtClean="0">
+                <a:latin typeface="Courier New" pitchFamily="49" charset="0"/>
+                <a:cs typeface="Courier New" pitchFamily="49" charset="0"/>
+              </a:rPr>
+              <a:t>jsmlFile</a:t>
+            </a:r>
+            <a:r>
+              <a:rPr lang="pt-BR" sz="2000" dirty="0" smtClean="0">
+                <a:latin typeface="Courier New" pitchFamily="49" charset="0"/>
+                <a:cs typeface="Courier New" pitchFamily="49" charset="0"/>
+              </a:rPr>
+              <a:t>);</a:t>
+            </a:r>
+          </a:p>
+          <a:p>
+            <a:pPr>
+              <a:buNone/>
+            </a:pPr>
+            <a:r>
+              <a:rPr lang="pt-BR" sz="2000" dirty="0" smtClean="0">
+                <a:latin typeface="Courier New" pitchFamily="49" charset="0"/>
+                <a:cs typeface="Courier New" pitchFamily="49" charset="0"/>
+              </a:rPr>
+              <a:t>parser.parse();</a:t>
+            </a:r>
+          </a:p>
+          <a:p>
+            <a:pPr>
+              <a:buNone/>
+            </a:pPr>
+            <a:endParaRPr lang="pt-BR" sz="2000" dirty="0" smtClean="0">
+              <a:latin typeface="Courier New" pitchFamily="49" charset="0"/>
+              <a:cs typeface="Courier New" pitchFamily="49" charset="0"/>
+            </a:endParaRPr>
+          </a:p>
+          <a:p>
+            <a:pPr>
+              <a:buNone/>
+            </a:pPr>
+            <a:r>
+              <a:rPr lang="pt-BR" sz="2000" dirty="0" err="1" smtClean="0">
+                <a:latin typeface="Courier New" pitchFamily="49" charset="0"/>
+                <a:cs typeface="Courier New" pitchFamily="49" charset="0"/>
+              </a:rPr>
+              <a:t>ISynthesizer</a:t>
+            </a:r>
+            <a:r>
+              <a:rPr lang="pt-BR" sz="2000" dirty="0" smtClean="0">
+                <a:latin typeface="Courier New" pitchFamily="49" charset="0"/>
+                <a:cs typeface="Courier New" pitchFamily="49" charset="0"/>
+              </a:rPr>
+              <a:t> </a:t>
+            </a:r>
+            <a:r>
+              <a:rPr lang="pt-BR" sz="2000" dirty="0" err="1" smtClean="0">
+                <a:latin typeface="Courier New" pitchFamily="49" charset="0"/>
+                <a:cs typeface="Courier New" pitchFamily="49" charset="0"/>
+              </a:rPr>
+              <a:t>synth</a:t>
+            </a:r>
+            <a:r>
+              <a:rPr lang="pt-BR" sz="2000" dirty="0" smtClean="0">
+                <a:latin typeface="Courier New" pitchFamily="49" charset="0"/>
+                <a:cs typeface="Courier New" pitchFamily="49" charset="0"/>
+              </a:rPr>
+              <a:t> = </a:t>
+            </a:r>
+            <a:r>
+              <a:rPr lang="pt-BR" sz="2000" dirty="0" err="1" smtClean="0">
+                <a:latin typeface="Courier New" pitchFamily="49" charset="0"/>
+                <a:cs typeface="Courier New" pitchFamily="49" charset="0"/>
+              </a:rPr>
+              <a:t>new</a:t>
+            </a:r>
+            <a:r>
+              <a:rPr lang="pt-BR" sz="2000" dirty="0" smtClean="0">
+                <a:latin typeface="Courier New" pitchFamily="49" charset="0"/>
+                <a:cs typeface="Courier New" pitchFamily="49" charset="0"/>
+              </a:rPr>
+              <a:t> </a:t>
+            </a:r>
+            <a:r>
+              <a:rPr lang="pt-BR" sz="2000" dirty="0" err="1" smtClean="0">
+                <a:latin typeface="Courier New" pitchFamily="49" charset="0"/>
+                <a:cs typeface="Courier New" pitchFamily="49" charset="0"/>
+              </a:rPr>
+              <a:t>MBRolaSynthesizer</a:t>
+            </a:r>
+            <a:r>
+              <a:rPr lang="pt-BR" sz="2000" dirty="0" smtClean="0">
+                <a:latin typeface="Courier New" pitchFamily="49" charset="0"/>
+                <a:cs typeface="Courier New" pitchFamily="49" charset="0"/>
+              </a:rPr>
+              <a:t>();</a:t>
+            </a:r>
+          </a:p>
+          <a:p>
+            <a:pPr>
+              <a:buNone/>
+            </a:pPr>
+            <a:r>
+              <a:rPr lang="pt-BR" sz="2000" dirty="0" err="1" smtClean="0">
+                <a:latin typeface="Courier New" pitchFamily="49" charset="0"/>
+                <a:cs typeface="Courier New" pitchFamily="49" charset="0"/>
+              </a:rPr>
+              <a:t>synth</a:t>
+            </a:r>
+            <a:r>
+              <a:rPr lang="pt-BR" sz="2000" dirty="0" smtClean="0">
+                <a:latin typeface="Courier New" pitchFamily="49" charset="0"/>
+                <a:cs typeface="Courier New" pitchFamily="49" charset="0"/>
+              </a:rPr>
+              <a:t>.configure(parser.</a:t>
+            </a:r>
+            <a:r>
+              <a:rPr lang="pt-BR" sz="2000" dirty="0" err="1" smtClean="0">
+                <a:latin typeface="Courier New" pitchFamily="49" charset="0"/>
+                <a:cs typeface="Courier New" pitchFamily="49" charset="0"/>
+              </a:rPr>
+              <a:t>getSynthElements</a:t>
+            </a:r>
+            <a:r>
+              <a:rPr lang="pt-BR" sz="2000" dirty="0" smtClean="0">
+                <a:latin typeface="Courier New" pitchFamily="49" charset="0"/>
+                <a:cs typeface="Courier New" pitchFamily="49" charset="0"/>
+              </a:rPr>
+              <a:t>());</a:t>
+            </a:r>
+          </a:p>
+          <a:p>
+            <a:pPr>
+              <a:buNone/>
+            </a:pPr>
+            <a:endParaRPr lang="pt-BR" sz="2000" dirty="0" smtClean="0">
+              <a:latin typeface="Courier New" pitchFamily="49" charset="0"/>
+              <a:cs typeface="Courier New" pitchFamily="49" charset="0"/>
+            </a:endParaRPr>
+          </a:p>
+          <a:p>
+            <a:pPr>
+              <a:buNone/>
+            </a:pPr>
+            <a:r>
+              <a:rPr lang="pt-BR" sz="2000" dirty="0" smtClean="0">
+                <a:latin typeface="Courier New" pitchFamily="49" charset="0"/>
+                <a:cs typeface="Courier New" pitchFamily="49" charset="0"/>
+              </a:rPr>
+              <a:t>Thread t = </a:t>
+            </a:r>
+            <a:r>
+              <a:rPr lang="pt-BR" sz="2000" dirty="0" err="1" smtClean="0">
+                <a:latin typeface="Courier New" pitchFamily="49" charset="0"/>
+                <a:cs typeface="Courier New" pitchFamily="49" charset="0"/>
+              </a:rPr>
+              <a:t>new</a:t>
+            </a:r>
+            <a:r>
+              <a:rPr lang="pt-BR" sz="2000" dirty="0" smtClean="0">
+                <a:latin typeface="Courier New" pitchFamily="49" charset="0"/>
+                <a:cs typeface="Courier New" pitchFamily="49" charset="0"/>
+              </a:rPr>
+              <a:t> Thread(</a:t>
+            </a:r>
+            <a:r>
+              <a:rPr lang="pt-BR" sz="2000" dirty="0" err="1" smtClean="0">
+                <a:latin typeface="Courier New" pitchFamily="49" charset="0"/>
+                <a:cs typeface="Courier New" pitchFamily="49" charset="0"/>
+              </a:rPr>
+              <a:t>synth</a:t>
+            </a:r>
+            <a:r>
+              <a:rPr lang="pt-BR" sz="2000" dirty="0" smtClean="0">
+                <a:latin typeface="Courier New" pitchFamily="49" charset="0"/>
+                <a:cs typeface="Courier New" pitchFamily="49" charset="0"/>
+              </a:rPr>
+              <a:t>);</a:t>
+            </a:r>
+          </a:p>
+          <a:p>
+            <a:pPr>
+              <a:buNone/>
+            </a:pPr>
+            <a:r>
+              <a:rPr lang="pt-BR" sz="2000" dirty="0" err="1" smtClean="0">
+                <a:latin typeface="Courier New" pitchFamily="49" charset="0"/>
+                <a:cs typeface="Courier New" pitchFamily="49" charset="0"/>
+              </a:rPr>
+              <a:t>t.start</a:t>
+            </a:r>
+            <a:r>
+              <a:rPr lang="pt-BR" sz="2000" dirty="0" smtClean="0">
+                <a:latin typeface="Courier New" pitchFamily="49" charset="0"/>
+                <a:cs typeface="Courier New" pitchFamily="49" charset="0"/>
+              </a:rPr>
+              <a:t>();</a:t>
+            </a:r>
+            <a:endParaRPr lang="pt-BR" sz="2000" dirty="0">
+              <a:latin typeface="Courier New" pitchFamily="49" charset="0"/>
+              <a:cs typeface="Courier New" pitchFamily="49" charset="0"/>
+            </a:endParaRPr>
+          </a:p>
+        </p:txBody>
+      </p:sp>
+    </p:spTree>
+  </p:cSld>
+  <p:clrMapOvr>
+    <a:masterClrMapping/>
+  </p:clrMapOvr>
+  <p:timing>
+    <p:tnLst>
+      <p:par>
+        <p:cTn id="1" dur="indefinite" restart="never" nodeType="tmRoot"/>
+      </p:par>
+    </p:tnLst>
+  </p:timing>
+</p:sld>
+</file>
+
+<file path=ppt/slides/slide18.xml><?xml version="1.0" encoding="utf-8"?>
+<p:sld xmlns:a="http://schemas.openxmlformats.org/drawingml/2006/main" xmlns:r="http://schemas.openxmlformats.org/officeDocument/2006/relationships" xmlns:p="http://schemas.openxmlformats.org/presentationml/2006/main">
+  <p:cSld>
+    <p:spTree>
+      <p:nvGrpSpPr>
+        <p:cNvPr id="1" name=""/>
+        <p:cNvGrpSpPr/>
+        <p:nvPr/>
+      </p:nvGrpSpPr>
+      <p:grpSpPr>
+        <a:xfrm>
+          <a:off x="0" y="0"/>
+          <a:ext cx="0" cy="0"/>
+          <a:chOff x="0" y="0"/>
+          <a:chExt cx="0" cy="0"/>
+        </a:xfrm>
+      </p:grpSpPr>
+      <p:sp>
+        <p:nvSpPr>
+          <p:cNvPr id="2" name="Título 1"/>
+          <p:cNvSpPr>
+            <a:spLocks noGrp="1"/>
+          </p:cNvSpPr>
+          <p:nvPr>
+            <p:ph type="title"/>
+          </p:nvPr>
+        </p:nvSpPr>
+        <p:spPr/>
+        <p:txBody>
+          <a:bodyPr/>
+          <a:lstStyle/>
+          <a:p>
+            <a:r>
+              <a:rPr lang="pt-BR" dirty="0" smtClean="0"/>
+              <a:t>Conclusão</a:t>
+            </a:r>
+            <a:endParaRPr lang="pt-BR" dirty="0"/>
+          </a:p>
+        </p:txBody>
+      </p:sp>
+      <p:sp>
+        <p:nvSpPr>
+          <p:cNvPr id="3" name="Espaço Reservado para Conteúdo 2"/>
+          <p:cNvSpPr>
+            <a:spLocks noGrp="1"/>
+          </p:cNvSpPr>
+          <p:nvPr>
+            <p:ph idx="1"/>
+          </p:nvPr>
+        </p:nvSpPr>
+        <p:spPr/>
+        <p:txBody>
+          <a:bodyPr/>
+          <a:lstStyle/>
+          <a:p>
+            <a:r>
+              <a:rPr lang="pt-BR" dirty="0" smtClean="0"/>
+              <a:t>Comandos disponibilizados permitem sincronização entre falas e das falas com a </a:t>
+            </a:r>
+            <a:r>
+              <a:rPr lang="pt-BR" dirty="0" smtClean="0"/>
+              <a:t>animação</a:t>
+            </a:r>
+            <a:endParaRPr lang="pt-BR" u="sng" dirty="0" smtClean="0"/>
+          </a:p>
+          <a:p>
+            <a:r>
+              <a:rPr lang="pt-BR" dirty="0" smtClean="0"/>
+              <a:t>Possui </a:t>
+            </a:r>
+            <a:r>
+              <a:rPr lang="pt-BR" dirty="0" smtClean="0"/>
+              <a:t>limitação de variação de </a:t>
+            </a:r>
+            <a:r>
+              <a:rPr lang="pt-BR" dirty="0" smtClean="0"/>
+              <a:t>fonemas</a:t>
+            </a:r>
+          </a:p>
+          <a:p>
+            <a:r>
+              <a:rPr lang="pt-BR" dirty="0" smtClean="0"/>
+              <a:t>Sínteze mostrou-se satisfatória</a:t>
+            </a:r>
+            <a:endParaRPr lang="pt-BR" dirty="0" smtClean="0"/>
+          </a:p>
+        </p:txBody>
+      </p:sp>
+    </p:spTree>
+  </p:cSld>
+  <p:clrMapOvr>
+    <a:masterClrMapping/>
+  </p:clrMapOvr>
+  <p:timing>
+    <p:tnLst>
+      <p:par>
+        <p:cTn id="1" dur="indefinite" restart="never" nodeType="tmRoot"/>
+      </p:par>
+    </p:tnLst>
+  </p:timing>
+</p:sld>
+</file>
+
+<file path=ppt/slides/slide19.xml><?xml version="1.0" encoding="utf-8"?>
+<p:sld xmlns:a="http://schemas.openxmlformats.org/drawingml/2006/main" xmlns:r="http://schemas.openxmlformats.org/officeDocument/2006/relationships" xmlns:p="http://schemas.openxmlformats.org/presentationml/2006/main">
+  <p:cSld>
+    <p:spTree>
+      <p:nvGrpSpPr>
+        <p:cNvPr id="1" name=""/>
+        <p:cNvGrpSpPr/>
+        <p:nvPr/>
+      </p:nvGrpSpPr>
+      <p:grpSpPr>
+        <a:xfrm>
+          <a:off x="0" y="0"/>
+          <a:ext cx="0" cy="0"/>
+          <a:chOff x="0" y="0"/>
+          <a:chExt cx="0" cy="0"/>
+        </a:xfrm>
+      </p:grpSpPr>
+      <p:sp>
+        <p:nvSpPr>
+          <p:cNvPr id="2" name="Título 1"/>
+          <p:cNvSpPr>
+            <a:spLocks noGrp="1"/>
+          </p:cNvSpPr>
+          <p:nvPr>
+            <p:ph type="title"/>
+          </p:nvPr>
+        </p:nvSpPr>
+        <p:spPr/>
+        <p:txBody>
+          <a:bodyPr/>
+          <a:lstStyle/>
+          <a:p>
+            <a:r>
+              <a:rPr lang="pt-BR" dirty="0" smtClean="0"/>
+              <a:t>Extensões</a:t>
+            </a:r>
+            <a:endParaRPr lang="pt-BR" dirty="0"/>
+          </a:p>
+        </p:txBody>
+      </p:sp>
+      <p:sp>
+        <p:nvSpPr>
+          <p:cNvPr id="3" name="Espaço Reservado para Conteúdo 2"/>
+          <p:cNvSpPr>
+            <a:spLocks noGrp="1"/>
+          </p:cNvSpPr>
+          <p:nvPr>
+            <p:ph idx="1"/>
+          </p:nvPr>
+        </p:nvSpPr>
+        <p:spPr/>
+        <p:txBody>
+          <a:bodyPr/>
+          <a:lstStyle/>
+          <a:p>
+            <a:r>
+              <a:rPr lang="pt-BR" dirty="0" smtClean="0"/>
+              <a:t>Dicionário de palavras</a:t>
+            </a:r>
+          </a:p>
+          <a:p>
+            <a:r>
+              <a:rPr lang="pt-BR" dirty="0" smtClean="0"/>
+              <a:t>Editor de JSML</a:t>
+            </a:r>
+          </a:p>
+          <a:p>
+            <a:r>
+              <a:rPr lang="pt-BR" dirty="0" smtClean="0"/>
+              <a:t>Suporte a mais idiomas/sintetizadores</a:t>
+            </a:r>
+            <a:endParaRPr lang="pt-BR" dirty="0"/>
+          </a:p>
+        </p:txBody>
+      </p:sp>
+    </p:spTree>
+  </p:cSld>
+  <p:clrMapOvr>
+    <a:masterClrMapping/>
+  </p:clrMapOvr>
 </p:sld>
 </file>
 
@@ -5248,12 +7570,12 @@
       </p:grpSpPr>
       <p:sp>
         <p:nvSpPr>
-          <p:cNvPr id="2" name="Título 1"/>
-          <p:cNvSpPr>
-            <a:spLocks noGrp="1"/>
-          </p:cNvSpPr>
-          <p:nvPr>
-            <p:ph type="title"/>
+          <p:cNvPr id="3" name="Espaço Reservado para Conteúdo 2"/>
+          <p:cNvSpPr>
+            <a:spLocks noGrp="1"/>
+          </p:cNvSpPr>
+          <p:nvPr>
+            <p:ph idx="1"/>
           </p:nvPr>
         </p:nvSpPr>
         <p:spPr/>
@@ -5261,25 +7583,6 @@
           <a:bodyPr/>
           <a:lstStyle/>
           <a:p>
-            <a:endParaRPr lang="pt-BR"/>
-          </a:p>
-        </p:txBody>
-      </p:sp>
-      <p:sp>
-        <p:nvSpPr>
-          <p:cNvPr id="3" name="Espaço Reservado para Conteúdo 2"/>
-          <p:cNvSpPr>
-            <a:spLocks noGrp="1"/>
-          </p:cNvSpPr>
-          <p:nvPr>
-            <p:ph idx="1"/>
-          </p:nvPr>
-        </p:nvSpPr>
-        <p:spPr/>
-        <p:txBody>
-          <a:bodyPr/>
-          <a:lstStyle/>
-          <a:p>
             <a:r>
               <a:rPr lang="pt-BR" dirty="0" smtClean="0"/>
               <a:t>Introdução</a:t>
@@ -5288,6 +7591,12 @@
           <a:p>
             <a:r>
               <a:rPr lang="pt-BR" dirty="0" smtClean="0"/>
+              <a:t>Objetivos</a:t>
+            </a:r>
+          </a:p>
+          <a:p>
+            <a:r>
+              <a:rPr lang="pt-BR" dirty="0" smtClean="0"/>
               <a:t>Fundamentação Teórica</a:t>
             </a:r>
           </a:p>
@@ -5307,6 +7616,12 @@
             <a:r>
               <a:rPr lang="pt-BR" dirty="0" smtClean="0"/>
               <a:t>Conclusão</a:t>
+            </a:r>
+          </a:p>
+          <a:p>
+            <a:r>
+              <a:rPr lang="pt-BR" dirty="0" smtClean="0"/>
+              <a:t>Extensões</a:t>
             </a:r>
           </a:p>
           <a:p>
@@ -5386,30 +7701,22 @@
           <a:p>
             <a:r>
               <a:rPr lang="pt-BR" dirty="0" smtClean="0"/>
-              <a:t>Objetivos do Trabalho</a:t>
-            </a:r>
-          </a:p>
-          <a:p>
-            <a:pPr lvl="1"/>
+              <a:t>LTD (</a:t>
+            </a:r>
+            <a:r>
+              <a:rPr lang="pt-BR" i="1" dirty="0" smtClean="0"/>
+              <a:t>Language Tangram Draw</a:t>
+            </a:r>
             <a:r>
               <a:rPr lang="pt-BR" dirty="0" smtClean="0"/>
-              <a:t>Disponibilizar comandos na linguagem do LTD para atribuir um texto que será sintetizado durante a execução do programa</a:t>
-            </a:r>
-          </a:p>
-          <a:p>
-            <a:pPr lvl="1"/>
+              <a:t>)</a:t>
+            </a:r>
+          </a:p>
+          <a:p>
             <a:r>
               <a:rPr lang="pt-BR" dirty="0" smtClean="0"/>
-              <a:t>Interpretar o programa, sintetizando o texto através da fala, conforme especificado</a:t>
-            </a:r>
-          </a:p>
-          <a:p>
-            <a:pPr lvl="1"/>
-            <a:r>
-              <a:rPr lang="pt-BR" dirty="0" smtClean="0"/>
-              <a:t>Sincronizar a  fala com a animação feita no LTD</a:t>
-            </a:r>
-            <a:endParaRPr lang="pt-BR" dirty="0"/>
+              <a:t>Síntese de Voz</a:t>
+            </a:r>
           </a:p>
         </p:txBody>
       </p:sp>
@@ -5462,7 +7769,7 @@
           <a:p>
             <a:r>
               <a:rPr lang="pt-BR" dirty="0" smtClean="0"/>
-              <a:t>Fundamentação Teórica</a:t>
+              <a:t>Objetivos</a:t>
             </a:r>
             <a:endParaRPr lang="pt-BR" dirty="0"/>
           </a:p>
@@ -5480,41 +7787,28 @@
         </p:nvSpPr>
         <p:spPr/>
         <p:txBody>
-          <a:bodyPr>
-            <a:normAutofit/>
-          </a:bodyPr>
+          <a:bodyPr/>
           <a:lstStyle/>
           <a:p>
             <a:r>
-              <a:rPr lang="pt-BR" sz="3600" dirty="0" smtClean="0"/>
-              <a:t>Ambiente LTD</a:t>
-            </a:r>
-          </a:p>
-          <a:p>
-            <a:pPr lvl="1"/>
-            <a:r>
               <a:rPr lang="pt-BR" dirty="0" smtClean="0"/>
-              <a:t>Editores visual e textual</a:t>
-            </a:r>
-          </a:p>
-          <a:p>
-            <a:r>
-              <a:rPr lang="pt-BR" sz="3600" dirty="0" smtClean="0"/>
-              <a:t>Linguagem do LTD</a:t>
-            </a:r>
-          </a:p>
-          <a:p>
-            <a:pPr lvl="1"/>
+              <a:t>Disponibilizar comandos na linguagem do LTD para atribuir um texto que será sintetizado durante a execução do programa</a:t>
+            </a:r>
+          </a:p>
+          <a:p>
             <a:r>
               <a:rPr lang="pt-BR" dirty="0" smtClean="0"/>
-              <a:t>Animação de modelos</a:t>
-            </a:r>
-          </a:p>
-          <a:p>
-            <a:r>
-              <a:rPr lang="pt-BR" sz="3600" dirty="0" smtClean="0"/>
-              <a:t>Comandos de fala</a:t>
-            </a:r>
+              <a:t>Interpretar o programa, sintetizando o texto através da fala, conforme especificado</a:t>
+            </a:r>
+          </a:p>
+          <a:p>
+            <a:r>
+              <a:rPr lang="pt-BR" dirty="0" smtClean="0"/>
+              <a:t>Sincronizar a  fala com a animação feita no LTD</a:t>
+            </a:r>
+          </a:p>
+          <a:p>
+            <a:endParaRPr lang="pt-BR" dirty="0"/>
           </a:p>
         </p:txBody>
       </p:sp>
@@ -5592,40 +7886,34 @@
           <a:p>
             <a:r>
               <a:rPr lang="pt-BR" sz="3600" dirty="0" smtClean="0"/>
-              <a:t>Síntese de Voz</a:t>
-            </a:r>
-            <a:endParaRPr lang="pt-BR" dirty="0" smtClean="0"/>
+              <a:t>Ambiente LTD</a:t>
+            </a:r>
+          </a:p>
+          <a:p>
+            <a:pPr lvl="1"/>
+            <a:r>
+              <a:rPr lang="pt-BR" dirty="0" smtClean="0"/>
+              <a:t>Editores visual e textual</a:t>
+            </a:r>
           </a:p>
           <a:p>
             <a:r>
               <a:rPr lang="pt-BR" sz="3600" dirty="0" smtClean="0"/>
-              <a:t>MBROLA</a:t>
+              <a:t>Linguagem do LTD</a:t>
             </a:r>
           </a:p>
           <a:p>
             <a:pPr lvl="1"/>
             <a:r>
               <a:rPr lang="pt-BR" dirty="0" smtClean="0"/>
-              <a:t>Sintetizador analógico</a:t>
+              <a:t>Animação de modelos</a:t>
             </a:r>
           </a:p>
           <a:p>
             <a:r>
               <a:rPr lang="pt-BR" sz="3600" dirty="0" smtClean="0"/>
-              <a:t>JSML </a:t>
-            </a:r>
-            <a:r>
-              <a:rPr lang="pt-BR" sz="2800" dirty="0" smtClean="0"/>
-              <a:t>(Java Speech Markup Language)</a:t>
-            </a:r>
-          </a:p>
-          <a:p>
-            <a:pPr lvl="1"/>
-            <a:r>
-              <a:rPr lang="pt-BR" dirty="0" smtClean="0"/>
-              <a:t>Informações adicionais ao sintetizador</a:t>
-            </a:r>
-            <a:endParaRPr lang="pt-BR" dirty="0"/>
+              <a:t>Comandos de fala</a:t>
+            </a:r>
           </a:p>
         </p:txBody>
       </p:sp>
@@ -5796,7 +8084,7 @@
           <a:p>
             <a:r>
               <a:rPr lang="pt-BR" dirty="0" smtClean="0"/>
-              <a:t>Desenvolvimento</a:t>
+              <a:t>JSML</a:t>
             </a:r>
             <a:endParaRPr lang="pt-BR" dirty="0"/>
           </a:p>
@@ -5819,13 +8107,26 @@
           <a:p>
             <a:r>
               <a:rPr lang="pt-BR" dirty="0" smtClean="0"/>
-              <a:t>Requisitos</a:t>
+              <a:t>Java Speech Markup Language</a:t>
             </a:r>
           </a:p>
           <a:p>
             <a:r>
               <a:rPr lang="pt-BR" dirty="0" smtClean="0"/>
-              <a:t>Especificação</a:t>
+              <a:t>Dados adicionais que complementam o texto fornecendo uma informação completa</a:t>
+            </a:r>
+          </a:p>
+          <a:p>
+            <a:r>
+              <a:rPr lang="pt-BR" dirty="0" smtClean="0"/>
+              <a:t>Padronização</a:t>
+            </a:r>
+          </a:p>
+          <a:p>
+            <a:pPr lvl="1"/>
+            <a:r>
+              <a:rPr lang="pt-BR" dirty="0" smtClean="0"/>
+              <a:t>Sun e W3C</a:t>
             </a:r>
             <a:endParaRPr lang="pt-BR" dirty="0"/>
           </a:p>
@@ -5880,7 +8181,7 @@
           <a:p>
             <a:r>
               <a:rPr lang="pt-BR" dirty="0" smtClean="0"/>
-              <a:t>Desenvolvimento</a:t>
+              <a:t>JSML</a:t>
             </a:r>
             <a:endParaRPr lang="pt-BR" dirty="0"/>
           </a:p>
@@ -5896,37 +8197,375 @@
             <p:ph idx="1"/>
           </p:nvPr>
         </p:nvSpPr>
-        <p:spPr/>
-        <p:txBody>
-          <a:bodyPr/>
+        <p:spPr>
+          <a:xfrm>
+            <a:off x="1000100" y="1357298"/>
+            <a:ext cx="8001056" cy="5357850"/>
+          </a:xfrm>
+        </p:spPr>
+        <p:txBody>
+          <a:bodyPr>
+            <a:noAutofit/>
+          </a:bodyPr>
           <a:lstStyle/>
           <a:p>
-            <a:r>
-              <a:rPr lang="pt-BR" dirty="0" smtClean="0"/>
-              <a:t>Requisitos</a:t>
-            </a:r>
-          </a:p>
-          <a:p>
-            <a:pPr lvl="1"/>
-            <a:r>
-              <a:rPr lang="pt-BR" dirty="0" smtClean="0"/>
-              <a:t>A BNF deve suportar comandos para especificar a fala</a:t>
-            </a:r>
-          </a:p>
-          <a:p>
-            <a:pPr lvl="1"/>
-            <a:r>
-              <a:rPr lang="pt-BR" dirty="0" smtClean="0"/>
-              <a:t>Gerar uma definição textual do texto que será repassado ao sintetizador</a:t>
-            </a:r>
-          </a:p>
-          <a:p>
-            <a:pPr lvl="1"/>
-            <a:r>
-              <a:rPr lang="pt-BR" dirty="0" smtClean="0"/>
-              <a:t>Permitir a um usuário ou um sistema externo atribuir uma entrada no formato JSML ao sintetizador</a:t>
-            </a:r>
-            <a:endParaRPr lang="pt-BR" dirty="0"/>
+            <a:pPr>
+              <a:buNone/>
+            </a:pPr>
+            <a:r>
+              <a:rPr lang="pt-BR" sz="2000" b="1" dirty="0" smtClean="0">
+                <a:latin typeface="Courier New" pitchFamily="49" charset="0"/>
+                <a:cs typeface="Courier New" pitchFamily="49" charset="0"/>
+              </a:rPr>
+              <a:t>&lt;jsml </a:t>
+            </a:r>
+            <a:r>
+              <a:rPr lang="pt-BR" sz="2000" b="1" dirty="0" err="1" smtClean="0">
+                <a:latin typeface="Courier New" pitchFamily="49" charset="0"/>
+                <a:cs typeface="Courier New" pitchFamily="49" charset="0"/>
+              </a:rPr>
+              <a:t>lang</a:t>
+            </a:r>
+            <a:r>
+              <a:rPr lang="pt-BR" sz="2000" b="1" dirty="0" smtClean="0">
+                <a:latin typeface="Courier New" pitchFamily="49" charset="0"/>
+                <a:cs typeface="Courier New" pitchFamily="49" charset="0"/>
+              </a:rPr>
+              <a:t>=</a:t>
+            </a:r>
+            <a:r>
+              <a:rPr lang="pt-BR" sz="2000" dirty="0" smtClean="0">
+                <a:latin typeface="Courier New" pitchFamily="49" charset="0"/>
+                <a:cs typeface="Courier New" pitchFamily="49" charset="0"/>
+              </a:rPr>
+              <a:t>"pt-br"</a:t>
+            </a:r>
+            <a:r>
+              <a:rPr lang="pt-BR" sz="2000" b="1" dirty="0" smtClean="0">
+                <a:latin typeface="Courier New" pitchFamily="49" charset="0"/>
+                <a:cs typeface="Courier New" pitchFamily="49" charset="0"/>
+              </a:rPr>
+              <a:t>&gt;</a:t>
+            </a:r>
+          </a:p>
+          <a:p>
+            <a:pPr>
+              <a:buNone/>
+            </a:pPr>
+            <a:endParaRPr lang="en-US" sz="2000" dirty="0" smtClean="0">
+              <a:latin typeface="Courier New" pitchFamily="49" charset="0"/>
+              <a:cs typeface="Courier New" pitchFamily="49" charset="0"/>
+            </a:endParaRPr>
+          </a:p>
+          <a:p>
+            <a:pPr>
+              <a:buNone/>
+            </a:pPr>
+            <a:r>
+              <a:rPr lang="en-US" sz="2000" b="1" dirty="0" smtClean="0">
+                <a:latin typeface="Courier New" pitchFamily="49" charset="0"/>
+                <a:cs typeface="Courier New" pitchFamily="49" charset="0"/>
+              </a:rPr>
+              <a:t>	&lt;voice</a:t>
+            </a:r>
+            <a:r>
+              <a:rPr lang="en-US" sz="2000" dirty="0" smtClean="0">
+                <a:latin typeface="Courier New" pitchFamily="49" charset="0"/>
+                <a:cs typeface="Courier New" pitchFamily="49" charset="0"/>
+              </a:rPr>
+              <a:t> </a:t>
+            </a:r>
+            <a:r>
+              <a:rPr lang="en-US" sz="2000" b="1" dirty="0" smtClean="0">
+                <a:latin typeface="Courier New" pitchFamily="49" charset="0"/>
+                <a:cs typeface="Courier New" pitchFamily="49" charset="0"/>
+              </a:rPr>
+              <a:t>gender=</a:t>
+            </a:r>
+            <a:r>
+              <a:rPr lang="en-US" sz="2000" dirty="0" smtClean="0">
+                <a:latin typeface="Courier New" pitchFamily="49" charset="0"/>
+                <a:cs typeface="Courier New" pitchFamily="49" charset="0"/>
+              </a:rPr>
+              <a:t>"female" </a:t>
+            </a:r>
+            <a:r>
+              <a:rPr lang="en-US" sz="2000" b="1" dirty="0" smtClean="0">
+                <a:latin typeface="Courier New" pitchFamily="49" charset="0"/>
+                <a:cs typeface="Courier New" pitchFamily="49" charset="0"/>
+              </a:rPr>
+              <a:t>age=</a:t>
+            </a:r>
+            <a:r>
+              <a:rPr lang="en-US" sz="2000" dirty="0" smtClean="0">
+                <a:latin typeface="Courier New" pitchFamily="49" charset="0"/>
+                <a:cs typeface="Courier New" pitchFamily="49" charset="0"/>
+              </a:rPr>
+              <a:t>"adult" 	</a:t>
+            </a:r>
+            <a:r>
+              <a:rPr lang="en-US" sz="2000" b="1" dirty="0" smtClean="0">
+                <a:latin typeface="Courier New" pitchFamily="49" charset="0"/>
+                <a:cs typeface="Courier New" pitchFamily="49" charset="0"/>
+              </a:rPr>
+              <a:t>name=</a:t>
+            </a:r>
+            <a:r>
+              <a:rPr lang="en-US" sz="2000" dirty="0" smtClean="0">
+                <a:latin typeface="Courier New" pitchFamily="49" charset="0"/>
+                <a:cs typeface="Courier New" pitchFamily="49" charset="0"/>
+              </a:rPr>
+              <a:t>"br2"</a:t>
+            </a:r>
+            <a:r>
+              <a:rPr lang="en-US" sz="2000" b="1" dirty="0" smtClean="0">
+                <a:latin typeface="Courier New" pitchFamily="49" charset="0"/>
+                <a:cs typeface="Courier New" pitchFamily="49" charset="0"/>
+              </a:rPr>
+              <a:t>&gt;&lt;/voice&gt;</a:t>
+            </a:r>
+          </a:p>
+          <a:p>
+            <a:pPr>
+              <a:buNone/>
+            </a:pPr>
+            <a:endParaRPr lang="pt-BR" sz="2000" dirty="0" smtClean="0">
+              <a:latin typeface="Courier New" pitchFamily="49" charset="0"/>
+              <a:cs typeface="Courier New" pitchFamily="49" charset="0"/>
+            </a:endParaRPr>
+          </a:p>
+          <a:p>
+            <a:pPr>
+              <a:buNone/>
+            </a:pPr>
+            <a:r>
+              <a:rPr lang="pt-BR" sz="2000" b="1" dirty="0" smtClean="0">
+                <a:latin typeface="Courier New" pitchFamily="49" charset="0"/>
+                <a:cs typeface="Courier New" pitchFamily="49" charset="0"/>
+              </a:rPr>
+              <a:t>	&lt;sayas&gt;</a:t>
+            </a:r>
+            <a:r>
+              <a:rPr lang="pt-BR" sz="2000" dirty="0" smtClean="0">
+                <a:latin typeface="Courier New" pitchFamily="49" charset="0"/>
+                <a:cs typeface="Courier New" pitchFamily="49" charset="0"/>
+              </a:rPr>
+              <a:t>FURB</a:t>
+            </a:r>
+            <a:r>
+              <a:rPr lang="pt-BR" sz="2000" b="1" dirty="0" smtClean="0">
+                <a:latin typeface="Courier New" pitchFamily="49" charset="0"/>
+                <a:cs typeface="Courier New" pitchFamily="49" charset="0"/>
+              </a:rPr>
+              <a:t>&lt;/sayas&gt;</a:t>
+            </a:r>
+          </a:p>
+          <a:p>
+            <a:pPr>
+              <a:buNone/>
+            </a:pPr>
+            <a:r>
+              <a:rPr lang="en-US" sz="2000" b="1" dirty="0" smtClean="0">
+                <a:latin typeface="Courier New" pitchFamily="49" charset="0"/>
+                <a:cs typeface="Courier New" pitchFamily="49" charset="0"/>
+              </a:rPr>
+              <a:t>	</a:t>
+            </a:r>
+          </a:p>
+          <a:p>
+            <a:pPr>
+              <a:buNone/>
+            </a:pPr>
+            <a:r>
+              <a:rPr lang="en-US" sz="2000" b="1" dirty="0" smtClean="0">
+                <a:latin typeface="Courier New" pitchFamily="49" charset="0"/>
+                <a:cs typeface="Courier New" pitchFamily="49" charset="0"/>
+              </a:rPr>
+              <a:t>	</a:t>
+            </a:r>
+            <a:r>
+              <a:rPr lang="en-US" sz="2000" b="1" dirty="0" smtClean="0">
+                <a:latin typeface="Courier New" pitchFamily="49" charset="0"/>
+                <a:cs typeface="Courier New" pitchFamily="49" charset="0"/>
+              </a:rPr>
+              <a:t>&lt;</a:t>
+            </a:r>
+            <a:r>
+              <a:rPr lang="en-US" sz="2000" b="1" dirty="0" smtClean="0">
+                <a:latin typeface="Courier New" pitchFamily="49" charset="0"/>
+                <a:cs typeface="Courier New" pitchFamily="49" charset="0"/>
+              </a:rPr>
+              <a:t>sayas class=</a:t>
+            </a:r>
+            <a:r>
+              <a:rPr lang="en-US" sz="2000" dirty="0" smtClean="0">
+                <a:latin typeface="Courier New" pitchFamily="49" charset="0"/>
+                <a:cs typeface="Courier New" pitchFamily="49" charset="0"/>
+              </a:rPr>
+              <a:t>"literal"</a:t>
+            </a:r>
+            <a:r>
+              <a:rPr lang="en-US" sz="2000" b="1" dirty="0" smtClean="0">
+                <a:latin typeface="Courier New" pitchFamily="49" charset="0"/>
+                <a:cs typeface="Courier New" pitchFamily="49" charset="0"/>
+              </a:rPr>
+              <a:t>&gt;</a:t>
+            </a:r>
+            <a:r>
+              <a:rPr lang="en-US" sz="2000" dirty="0" smtClean="0">
+                <a:latin typeface="Courier New" pitchFamily="49" charset="0"/>
+                <a:cs typeface="Courier New" pitchFamily="49" charset="0"/>
+              </a:rPr>
+              <a:t>BCC</a:t>
+            </a:r>
+            <a:r>
+              <a:rPr lang="en-US" sz="2000" b="1" dirty="0" smtClean="0">
+                <a:latin typeface="Courier New" pitchFamily="49" charset="0"/>
+                <a:cs typeface="Courier New" pitchFamily="49" charset="0"/>
+              </a:rPr>
+              <a:t>&lt;/sayas&gt;</a:t>
+            </a:r>
+            <a:endParaRPr lang="pt-BR" sz="2000" dirty="0" smtClean="0">
+              <a:latin typeface="Courier New" pitchFamily="49" charset="0"/>
+              <a:cs typeface="Courier New" pitchFamily="49" charset="0"/>
+            </a:endParaRPr>
+          </a:p>
+          <a:p>
+            <a:pPr>
+              <a:buNone/>
+            </a:pPr>
+            <a:endParaRPr lang="pt-BR" sz="2000" dirty="0" smtClean="0">
+              <a:latin typeface="Courier New" pitchFamily="49" charset="0"/>
+              <a:cs typeface="Courier New" pitchFamily="49" charset="0"/>
+            </a:endParaRPr>
+          </a:p>
+          <a:p>
+            <a:pPr>
+              <a:buNone/>
+            </a:pPr>
+            <a:r>
+              <a:rPr lang="pt-BR" sz="2000" b="1" dirty="0" smtClean="0">
+                <a:latin typeface="Courier New" pitchFamily="49" charset="0"/>
+                <a:cs typeface="Courier New" pitchFamily="49" charset="0"/>
+              </a:rPr>
+              <a:t>	&lt;sayas </a:t>
+            </a:r>
+            <a:r>
+              <a:rPr lang="pt-BR" sz="2000" b="1" dirty="0" err="1" smtClean="0">
+                <a:latin typeface="Courier New" pitchFamily="49" charset="0"/>
+                <a:cs typeface="Courier New" pitchFamily="49" charset="0"/>
+              </a:rPr>
+              <a:t>class</a:t>
+            </a:r>
+            <a:r>
+              <a:rPr lang="pt-BR" sz="2000" b="1" dirty="0" smtClean="0">
+                <a:latin typeface="Courier New" pitchFamily="49" charset="0"/>
+                <a:cs typeface="Courier New" pitchFamily="49" charset="0"/>
+              </a:rPr>
+              <a:t>=</a:t>
+            </a:r>
+            <a:r>
+              <a:rPr lang="en-US" sz="2000" dirty="0" smtClean="0">
+                <a:latin typeface="Courier New" pitchFamily="49" charset="0"/>
+                <a:cs typeface="Courier New" pitchFamily="49" charset="0"/>
+              </a:rPr>
+              <a:t>"number"</a:t>
+            </a:r>
+            <a:r>
+              <a:rPr lang="pt-BR" sz="2000" b="1" dirty="0" smtClean="0">
+                <a:latin typeface="Courier New" pitchFamily="49" charset="0"/>
+                <a:cs typeface="Courier New" pitchFamily="49" charset="0"/>
+              </a:rPr>
+              <a:t>&gt;</a:t>
+            </a:r>
+            <a:r>
+              <a:rPr lang="pt-BR" sz="2000" dirty="0" smtClean="0">
+                <a:latin typeface="Courier New" pitchFamily="49" charset="0"/>
+                <a:cs typeface="Courier New" pitchFamily="49" charset="0"/>
+              </a:rPr>
+              <a:t>42</a:t>
+            </a:r>
+            <a:r>
+              <a:rPr lang="pt-BR" sz="2000" b="1" dirty="0" smtClean="0">
+                <a:latin typeface="Courier New" pitchFamily="49" charset="0"/>
+                <a:cs typeface="Courier New" pitchFamily="49" charset="0"/>
+              </a:rPr>
+              <a:t>&lt;/sayas&gt;</a:t>
+            </a:r>
+          </a:p>
+          <a:p>
+            <a:pPr>
+              <a:buNone/>
+            </a:pPr>
+            <a:endParaRPr lang="en-US" sz="2000" dirty="0" smtClean="0">
+              <a:latin typeface="Courier New" pitchFamily="49" charset="0"/>
+              <a:cs typeface="Courier New" pitchFamily="49" charset="0"/>
+            </a:endParaRPr>
+          </a:p>
+          <a:p>
+            <a:pPr>
+              <a:buNone/>
+            </a:pPr>
+            <a:r>
+              <a:rPr lang="en-US" sz="2000" b="1" dirty="0" smtClean="0">
+                <a:latin typeface="Courier New" pitchFamily="49" charset="0"/>
+                <a:cs typeface="Courier New" pitchFamily="49" charset="0"/>
+              </a:rPr>
+              <a:t>	&lt;sayas class=</a:t>
+            </a:r>
+            <a:r>
+              <a:rPr lang="en-US" sz="2000" dirty="0" smtClean="0">
+                <a:latin typeface="Courier New" pitchFamily="49" charset="0"/>
+                <a:cs typeface="Courier New" pitchFamily="49" charset="0"/>
+              </a:rPr>
+              <a:t>"date"</a:t>
+            </a:r>
+            <a:r>
+              <a:rPr lang="en-US" sz="2000" b="1" dirty="0" smtClean="0">
+                <a:latin typeface="Courier New" pitchFamily="49" charset="0"/>
+                <a:cs typeface="Courier New" pitchFamily="49" charset="0"/>
+              </a:rPr>
+              <a:t>&gt;</a:t>
+            </a:r>
+            <a:r>
+              <a:rPr lang="en-US" sz="2000" dirty="0" smtClean="0">
+                <a:latin typeface="Courier New" pitchFamily="49" charset="0"/>
+                <a:cs typeface="Courier New" pitchFamily="49" charset="0"/>
+              </a:rPr>
+              <a:t>11/05/2010</a:t>
+            </a:r>
+            <a:r>
+              <a:rPr lang="en-US" sz="2000" b="1" dirty="0" smtClean="0">
+                <a:latin typeface="Courier New" pitchFamily="49" charset="0"/>
+                <a:cs typeface="Courier New" pitchFamily="49" charset="0"/>
+              </a:rPr>
+              <a:t>&lt;/sayas&gt;</a:t>
+            </a:r>
+          </a:p>
+          <a:p>
+            <a:pPr>
+              <a:buNone/>
+            </a:pPr>
+            <a:endParaRPr lang="pt-BR" sz="2000" b="1" dirty="0" smtClean="0">
+              <a:latin typeface="Courier New" pitchFamily="49" charset="0"/>
+              <a:cs typeface="Courier New" pitchFamily="49" charset="0"/>
+            </a:endParaRPr>
+          </a:p>
+          <a:p>
+            <a:pPr>
+              <a:buNone/>
+            </a:pPr>
+            <a:r>
+              <a:rPr lang="pt-BR" sz="2000" b="1" dirty="0" smtClean="0">
+                <a:latin typeface="Courier New" pitchFamily="49" charset="0"/>
+                <a:cs typeface="Courier New" pitchFamily="49" charset="0"/>
+              </a:rPr>
+              <a:t>&lt;/jsml&gt;</a:t>
+            </a:r>
+            <a:endParaRPr lang="pt-BR" sz="2000" b="1" dirty="0">
+              <a:latin typeface="Courier New" pitchFamily="49" charset="0"/>
+              <a:cs typeface="Courier New" pitchFamily="49" charset="0"/>
+            </a:endParaRPr>
           </a:p>
         </p:txBody>
       </p:sp>
@@ -5979,7 +8618,7 @@
           <a:p>
             <a:r>
               <a:rPr lang="pt-BR" dirty="0" smtClean="0"/>
-              <a:t>Desenvolvimento</a:t>
+              <a:t>MBROLA</a:t>
             </a:r>
             <a:endParaRPr lang="pt-BR" dirty="0"/>
           </a:p>
@@ -5997,38 +8636,30 @@
         </p:nvSpPr>
         <p:spPr/>
         <p:txBody>
-          <a:bodyPr/>
+          <a:bodyPr>
+            <a:normAutofit/>
+          </a:bodyPr>
           <a:lstStyle/>
           <a:p>
             <a:r>
               <a:rPr lang="pt-BR" dirty="0" smtClean="0"/>
-              <a:t>Especificação dos comandos para suportar a fala</a:t>
-            </a:r>
-          </a:p>
-          <a:p>
-            <a:pPr lvl="1"/>
+              <a:t>Sintetizador acústico</a:t>
+            </a:r>
+          </a:p>
+          <a:p>
+            <a:r>
+              <a:rPr lang="pt-BR" dirty="0" err="1" smtClean="0"/>
+              <a:t>Multi-idiomas</a:t>
+            </a:r>
+            <a:endParaRPr lang="pt-BR" dirty="0" smtClean="0"/>
+          </a:p>
+          <a:p>
             <a:r>
               <a:rPr lang="pt-BR" dirty="0" smtClean="0"/>
-              <a:t>fala (sobreposta ou exclusiva)</a:t>
-            </a:r>
-          </a:p>
-          <a:p>
-            <a:pPr lvl="1"/>
-            <a:r>
-              <a:rPr lang="pt-BR" dirty="0" smtClean="0"/>
-              <a:t>e</a:t>
-            </a:r>
-            <a:r>
-              <a:rPr lang="pt-BR" dirty="0" smtClean="0"/>
-              <a:t>nquanto fala &lt;bloco de comandos&gt;</a:t>
-            </a:r>
-          </a:p>
-          <a:p>
-            <a:pPr lvl="1"/>
-            <a:r>
-              <a:rPr lang="pt-BR" dirty="0" smtClean="0"/>
-              <a:t>espera fala</a:t>
-            </a:r>
+              <a:t>Multiplataforma</a:t>
+            </a:r>
+          </a:p>
+          <a:p>
             <a:endParaRPr lang="pt-BR" dirty="0" smtClean="0"/>
           </a:p>
         </p:txBody>
@@ -6369,4 +9000,287 @@
   <a:objectDefaults/>
   <a:extraClrSchemeLst/>
 </a:theme>
+</file>
+
+<file path=ppt/theme/theme2.xml><?xml version="1.0" encoding="utf-8"?>
+<a:theme xmlns:a="http://schemas.openxmlformats.org/drawingml/2006/main" name="Tema do Office">
+  <a:themeElements>
+    <a:clrScheme name="Escritório">
+      <a:dk1>
+        <a:sysClr val="windowText" lastClr="000000"/>
+      </a:dk1>
+      <a:lt1>
+        <a:sysClr val="window" lastClr="FFFFFF"/>
+      </a:lt1>
+      <a:dk2>
+        <a:srgbClr val="1F497D"/>
+      </a:dk2>
+      <a:lt2>
+        <a:srgbClr val="EEECE1"/>
+      </a:lt2>
+      <a:accent1>
+        <a:srgbClr val="4F81BD"/>
+      </a:accent1>
+      <a:accent2>
+        <a:srgbClr val="C0504D"/>
+      </a:accent2>
+      <a:accent3>
+        <a:srgbClr val="9BBB59"/>
+      </a:accent3>
+      <a:accent4>
+        <a:srgbClr val="8064A2"/>
+      </a:accent4>
+      <a:accent5>
+        <a:srgbClr val="4BACC6"/>
+      </a:accent5>
+      <a:accent6>
+        <a:srgbClr val="F79646"/>
+      </a:accent6>
+      <a:hlink>
+        <a:srgbClr val="0000FF"/>
+      </a:hlink>
+      <a:folHlink>
+        <a:srgbClr val="800080"/>
+      </a:folHlink>
+    </a:clrScheme>
+    <a:fontScheme name="Escritório">
+      <a:majorFont>
+        <a:latin typeface="Calibri"/>
+        <a:ea typeface=""/>
+        <a:cs typeface=""/>
+        <a:font script="Jpan" typeface="ＭＳ Ｐゴシック"/>
+        <a:font script="Hang" typeface="맑은 고딕"/>
+        <a:font script="Hans" typeface="宋体"/>
+        <a:font script="Hant" typeface="新細明體"/>
+        <a:font script="Arab" typeface="Times New Roman"/>
+        <a:font script="Hebr" typeface="Times New Roman"/>
+        <a:font script="Thai" typeface="Angsana New"/>
+        <a:font script="Ethi" typeface="Nyala"/>
+        <a:font script="Beng" typeface="Vrinda"/>
+        <a:font script="Gujr" typeface="Shruti"/>
+        <a:font script="Khmr" typeface="MoolBoran"/>
+        <a:font script="Knda" typeface="Tunga"/>
+        <a:font script="Guru" typeface="Raavi"/>
+        <a:font script="Cans" typeface="Euphemia"/>
+        <a:font script="Cher" typeface="Plantagenet Cherokee"/>
+        <a:font script="Yiii" typeface="Microsoft Yi Baiti"/>
+        <a:font script="Tibt" typeface="Microsoft Himalaya"/>
+        <a:font script="Thaa" typeface="MV Boli"/>
+        <a:font script="Deva" typeface="Mangal"/>
+        <a:font script="Telu" typeface="Gautami"/>
+        <a:font script="Taml" typeface="Latha"/>
+        <a:font script="Syrc" typeface="Estrangelo Edessa"/>
+        <a:font script="Orya" typeface="Kalinga"/>
+        <a:font script="Mlym" typeface="Kartika"/>
+        <a:font script="Laoo" typeface="DokChampa"/>
+        <a:font script="Sinh" typeface="Iskoola Pota"/>
+        <a:font script="Mong" typeface="Mongolian Baiti"/>
+        <a:font script="Viet" typeface="Times New Roman"/>
+        <a:font script="Uigh" typeface="Microsoft Uighur"/>
+      </a:majorFont>
+      <a:minorFont>
+        <a:latin typeface="Calibri"/>
+        <a:ea typeface=""/>
+        <a:cs typeface=""/>
+        <a:font script="Jpan" typeface="ＭＳ Ｐゴシック"/>
+        <a:font script="Hang" typeface="맑은 고딕"/>
+        <a:font script="Hans" typeface="宋体"/>
+        <a:font script="Hant" typeface="新細明體"/>
+        <a:font script="Arab" typeface="Arial"/>
+        <a:font script="Hebr" typeface="Arial"/>
+        <a:font script="Thai" typeface="Cordia New"/>
+        <a:font script="Ethi" typeface="Nyala"/>
+        <a:font script="Beng" typeface="Vrinda"/>
+        <a:font script="Gujr" typeface="Shruti"/>
+        <a:font script="Khmr" typeface="DaunPenh"/>
+        <a:font script="Knda" typeface="Tunga"/>
+        <a:font script="Guru" typeface="Raavi"/>
+        <a:font script="Cans" typeface="Euphemia"/>
+        <a:font script="Cher" typeface="Plantagenet Cherokee"/>
+        <a:font script="Yiii" typeface="Microsoft Yi Baiti"/>
+        <a:font script="Tibt" typeface="Microsoft Himalaya"/>
+        <a:font script="Thaa" typeface="MV Boli"/>
+        <a:font script="Deva" typeface="Mangal"/>
+        <a:font script="Telu" typeface="Gautami"/>
+        <a:font script="Taml" typeface="Latha"/>
+        <a:font script="Syrc" typeface="Estrangelo Edessa"/>
+        <a:font script="Orya" typeface="Kalinga"/>
+        <a:font script="Mlym" typeface="Kartika"/>
+        <a:font script="Laoo" typeface="DokChampa"/>
+        <a:font script="Sinh" typeface="Iskoola Pota"/>
+        <a:font script="Mong" typeface="Mongolian Baiti"/>
+        <a:font script="Viet" typeface="Arial"/>
+        <a:font script="Uigh" typeface="Microsoft Uighur"/>
+      </a:minorFont>
+    </a:fontScheme>
+    <a:fmtScheme name="Escritório">
+      <a:fillStyleLst>
+        <a:solidFill>
+          <a:schemeClr val="phClr"/>
+        </a:solidFill>
+        <a:gradFill rotWithShape="1">
+          <a:gsLst>
+            <a:gs pos="0">
+              <a:schemeClr val="phClr">
+                <a:tint val="50000"/>
+                <a:satMod val="300000"/>
+              </a:schemeClr>
+            </a:gs>
+            <a:gs pos="35000">
+              <a:schemeClr val="phClr">
+                <a:tint val="37000"/>
+                <a:satMod val="300000"/>
+              </a:schemeClr>
+            </a:gs>
+            <a:gs pos="100000">
+              <a:schemeClr val="phClr">
+                <a:tint val="15000"/>
+                <a:satMod val="350000"/>
+              </a:schemeClr>
+            </a:gs>
+          </a:gsLst>
+          <a:lin ang="16200000" scaled="1"/>
+        </a:gradFill>
+        <a:gradFill rotWithShape="1">
+          <a:gsLst>
+            <a:gs pos="0">
+              <a:schemeClr val="phClr">
+                <a:shade val="51000"/>
+                <a:satMod val="130000"/>
+              </a:schemeClr>
+            </a:gs>
+            <a:gs pos="80000">
+              <a:schemeClr val="phClr">
+                <a:shade val="93000"/>
+                <a:satMod val="130000"/>
+              </a:schemeClr>
+            </a:gs>
+            <a:gs pos="100000">
+              <a:schemeClr val="phClr">
+                <a:shade val="94000"/>
+                <a:satMod val="135000"/>
+              </a:schemeClr>
+            </a:gs>
+          </a:gsLst>
+          <a:lin ang="16200000" scaled="0"/>
+        </a:gradFill>
+      </a:fillStyleLst>
+      <a:lnStyleLst>
+        <a:ln w="9525" cap="flat" cmpd="sng" algn="ctr">
+          <a:solidFill>
+            <a:schemeClr val="phClr">
+              <a:shade val="95000"/>
+              <a:satMod val="105000"/>
+            </a:schemeClr>
+          </a:solidFill>
+          <a:prstDash val="solid"/>
+        </a:ln>
+        <a:ln w="25400" cap="flat" cmpd="sng" algn="ctr">
+          <a:solidFill>
+            <a:schemeClr val="phClr"/>
+          </a:solidFill>
+          <a:prstDash val="solid"/>
+        </a:ln>
+        <a:ln w="38100" cap="flat" cmpd="sng" algn="ctr">
+          <a:solidFill>
+            <a:schemeClr val="phClr"/>
+          </a:solidFill>
+          <a:prstDash val="solid"/>
+        </a:ln>
+      </a:lnStyleLst>
+      <a:effectStyleLst>
+        <a:effectStyle>
+          <a:effectLst>
+            <a:outerShdw blurRad="40000" dist="20000" dir="5400000" rotWithShape="0">
+              <a:srgbClr val="000000">
+                <a:alpha val="38000"/>
+              </a:srgbClr>
+            </a:outerShdw>
+          </a:effectLst>
+        </a:effectStyle>
+        <a:effectStyle>
+          <a:effectLst>
+            <a:outerShdw blurRad="40000" dist="23000" dir="5400000" rotWithShape="0">
+              <a:srgbClr val="000000">
+                <a:alpha val="35000"/>
+              </a:srgbClr>
+            </a:outerShdw>
+          </a:effectLst>
+        </a:effectStyle>
+        <a:effectStyle>
+          <a:effectLst>
+            <a:outerShdw blurRad="40000" dist="23000" dir="5400000" rotWithShape="0">
+              <a:srgbClr val="000000">
+                <a:alpha val="35000"/>
+              </a:srgbClr>
+            </a:outerShdw>
+          </a:effectLst>
+          <a:scene3d>
+            <a:camera prst="orthographicFront">
+              <a:rot lat="0" lon="0" rev="0"/>
+            </a:camera>
+            <a:lightRig rig="threePt" dir="t">
+              <a:rot lat="0" lon="0" rev="1200000"/>
+            </a:lightRig>
+          </a:scene3d>
+          <a:sp3d>
+            <a:bevelT w="63500" h="25400"/>
+          </a:sp3d>
+        </a:effectStyle>
+      </a:effectStyleLst>
+      <a:bgFillStyleLst>
+        <a:solidFill>
+          <a:schemeClr val="phClr"/>
+        </a:solidFill>
+        <a:gradFill rotWithShape="1">
+          <a:gsLst>
+            <a:gs pos="0">
+              <a:schemeClr val="phClr">
+                <a:tint val="40000"/>
+                <a:satMod val="350000"/>
+              </a:schemeClr>
+            </a:gs>
+            <a:gs pos="40000">
+              <a:schemeClr val="phClr">
+                <a:tint val="45000"/>
+                <a:shade val="99000"/>
+                <a:satMod val="350000"/>
+              </a:schemeClr>
+            </a:gs>
+            <a:gs pos="100000">
+              <a:schemeClr val="phClr">
+                <a:shade val="20000"/>
+                <a:satMod val="255000"/>
+              </a:schemeClr>
+            </a:gs>
+          </a:gsLst>
+          <a:path path="circle">
+            <a:fillToRect l="50000" t="-80000" r="50000" b="180000"/>
+          </a:path>
+        </a:gradFill>
+        <a:gradFill rotWithShape="1">
+          <a:gsLst>
+            <a:gs pos="0">
+              <a:schemeClr val="phClr">
+                <a:tint val="80000"/>
+                <a:satMod val="300000"/>
+              </a:schemeClr>
+            </a:gs>
+            <a:gs pos="100000">
+              <a:schemeClr val="phClr">
+                <a:shade val="30000"/>
+                <a:satMod val="200000"/>
+              </a:schemeClr>
+            </a:gs>
+          </a:gsLst>
+          <a:path path="circle">
+            <a:fillToRect l="50000" t="50000" r="50000" b="50000"/>
+          </a:path>
+        </a:gradFill>
+      </a:bgFillStyleLst>
+    </a:fmtScheme>
+  </a:themeElements>
+  <a:objectDefaults/>
+  <a:extraClrSchemeLst/>
+</a:theme>
 </file>
--- a/trunk/docs/tcc/Implementação de Suporta à Programação e Interpretação da.pptx
+++ b/trunk/docs/tcc/Implementação de Suporta à Programação e Interpretação da.pptx
@@ -5,28 +5,33 @@
     <p:sldMasterId id="2147483660" r:id="rId1"/>
   </p:sldMasterIdLst>
   <p:notesMasterIdLst>
-    <p:notesMasterId r:id="rId21"/>
+    <p:notesMasterId r:id="rId26"/>
   </p:notesMasterIdLst>
   <p:sldIdLst>
     <p:sldId id="256" r:id="rId2"/>
     <p:sldId id="257" r:id="rId3"/>
     <p:sldId id="258" r:id="rId4"/>
     <p:sldId id="272" r:id="rId5"/>
-    <p:sldId id="259" r:id="rId6"/>
-    <p:sldId id="264" r:id="rId7"/>
-    <p:sldId id="274" r:id="rId8"/>
-    <p:sldId id="273" r:id="rId9"/>
-    <p:sldId id="263" r:id="rId10"/>
-    <p:sldId id="275" r:id="rId11"/>
-    <p:sldId id="276" r:id="rId12"/>
-    <p:sldId id="278" r:id="rId13"/>
-    <p:sldId id="279" r:id="rId14"/>
+    <p:sldId id="281" r:id="rId6"/>
+    <p:sldId id="282" r:id="rId7"/>
+    <p:sldId id="259" r:id="rId8"/>
+    <p:sldId id="264" r:id="rId9"/>
+    <p:sldId id="274" r:id="rId10"/>
+    <p:sldId id="273" r:id="rId11"/>
+    <p:sldId id="263" r:id="rId12"/>
+    <p:sldId id="275" r:id="rId13"/>
+    <p:sldId id="276" r:id="rId14"/>
     <p:sldId id="268" r:id="rId15"/>
     <p:sldId id="269" r:id="rId16"/>
-    <p:sldId id="270" r:id="rId17"/>
-    <p:sldId id="261" r:id="rId18"/>
-    <p:sldId id="262" r:id="rId19"/>
-    <p:sldId id="271" r:id="rId20"/>
+    <p:sldId id="283" r:id="rId17"/>
+    <p:sldId id="278" r:id="rId18"/>
+    <p:sldId id="279" r:id="rId19"/>
+    <p:sldId id="284" r:id="rId20"/>
+    <p:sldId id="285" r:id="rId21"/>
+    <p:sldId id="270" r:id="rId22"/>
+    <p:sldId id="261" r:id="rId23"/>
+    <p:sldId id="262" r:id="rId24"/>
+    <p:sldId id="271" r:id="rId25"/>
   </p:sldIdLst>
   <p:sldSz cx="9144000" cy="6858000" type="screen4x3"/>
   <p:notesSz cx="6858000" cy="9144000"/>
@@ -211,7 +216,7 @@
             <a:fld id="{162D7F6C-DB87-4A24-84E5-FD2C192971A0}" type="datetimeFigureOut">
               <a:rPr lang="pt-BR" smtClean="0"/>
               <a:pPr/>
-              <a:t>4/7/2010</a:t>
+              <a:t>5/7/2010</a:t>
             </a:fld>
             <a:endParaRPr lang="pt-BR"/>
           </a:p>
@@ -580,6 +585,108 @@
 </p:notes>
 </file>
 
+<file path=ppt/notesSlides/notesSlide10.xml><?xml version="1.0" encoding="utf-8"?>
+<p:notes xmlns:a="http://schemas.openxmlformats.org/drawingml/2006/main" xmlns:r="http://schemas.openxmlformats.org/officeDocument/2006/relationships" xmlns:p="http://schemas.openxmlformats.org/presentationml/2006/main">
+  <p:cSld>
+    <p:spTree>
+      <p:nvGrpSpPr>
+        <p:cNvPr id="1" name=""/>
+        <p:cNvGrpSpPr/>
+        <p:nvPr/>
+      </p:nvGrpSpPr>
+      <p:grpSpPr>
+        <a:xfrm>
+          <a:off x="0" y="0"/>
+          <a:ext cx="0" cy="0"/>
+          <a:chOff x="0" y="0"/>
+          <a:chExt cx="0" cy="0"/>
+        </a:xfrm>
+      </p:grpSpPr>
+      <p:sp>
+        <p:nvSpPr>
+          <p:cNvPr id="2" name="Espaço Reservado para Imagem de Slide 1"/>
+          <p:cNvSpPr>
+            <a:spLocks noGrp="1" noRot="1" noChangeAspect="1"/>
+          </p:cNvSpPr>
+          <p:nvPr>
+            <p:ph type="sldImg"/>
+          </p:nvPr>
+        </p:nvSpPr>
+        <p:spPr/>
+      </p:sp>
+      <p:sp>
+        <p:nvSpPr>
+          <p:cNvPr id="3" name="Espaço Reservado para Anotações 2"/>
+          <p:cNvSpPr>
+            <a:spLocks noGrp="1"/>
+          </p:cNvSpPr>
+          <p:nvPr>
+            <p:ph type="body" idx="1"/>
+          </p:nvPr>
+        </p:nvSpPr>
+        <p:spPr/>
+        <p:txBody>
+          <a:bodyPr>
+            <a:normAutofit/>
+          </a:bodyPr>
+          <a:lstStyle/>
+          <a:p>
+            <a:r>
+              <a:rPr lang="pt-BR" dirty="0" smtClean="0"/>
+              <a:t>-falar da inclusão</a:t>
+            </a:r>
+            <a:r>
+              <a:rPr lang="pt-BR" baseline="0" dirty="0" smtClean="0"/>
+              <a:t> dos comandos na BNF do LTD</a:t>
+            </a:r>
+          </a:p>
+          <a:p>
+            <a:r>
+              <a:rPr lang="pt-BR" baseline="0" dirty="0" smtClean="0"/>
+              <a:t>-arquivo PHO que é o formato de entrada do MBROLA</a:t>
+            </a:r>
+          </a:p>
+          <a:p>
+            <a:r>
+              <a:rPr lang="pt-BR" baseline="0" dirty="0" smtClean="0"/>
+              <a:t>-falar da API disponibilizada/utilizada pelo Tangram</a:t>
+            </a:r>
+            <a:endParaRPr lang="pt-BR" dirty="0"/>
+          </a:p>
+        </p:txBody>
+      </p:sp>
+      <p:sp>
+        <p:nvSpPr>
+          <p:cNvPr id="4" name="Espaço Reservado para Número de Slide 3"/>
+          <p:cNvSpPr>
+            <a:spLocks noGrp="1"/>
+          </p:cNvSpPr>
+          <p:nvPr>
+            <p:ph type="sldNum" sz="quarter" idx="10"/>
+          </p:nvPr>
+        </p:nvSpPr>
+        <p:spPr/>
+        <p:txBody>
+          <a:bodyPr/>
+          <a:lstStyle/>
+          <a:p>
+            <a:fld id="{FC60720F-737C-4AE2-A192-FA7625074DF9}" type="slidenum">
+              <a:rPr lang="pt-BR" smtClean="0"/>
+              <a:pPr/>
+              <a:t>14</a:t>
+            </a:fld>
+            <a:endParaRPr lang="pt-BR"/>
+          </a:p>
+        </p:txBody>
+      </p:sp>
+    </p:spTree>
+  </p:cSld>
+  <p:clrMapOvr>
+    <a:masterClrMapping/>
+  </p:clrMapOvr>
+</p:notes>
+</file>
+
 <file path=ppt/notesSlides/notesSlide2.xml><?xml version="1.0" encoding="utf-8"?>
 <p:notes xmlns:a="http://schemas.openxmlformats.org/drawingml/2006/main" xmlns:r="http://schemas.openxmlformats.org/officeDocument/2006/relationships" xmlns:p="http://schemas.openxmlformats.org/presentationml/2006/main">
   <p:cSld>
@@ -658,7 +765,6 @@
               <a:rPr lang="pt-BR" baseline="0" dirty="0" smtClean="0"/>
               <a:t>-sincronizar uma animação de modelo com a fala</a:t>
             </a:r>
-            <a:endParaRPr lang="pt-BR" baseline="0" dirty="0" smtClean="0"/>
           </a:p>
         </p:txBody>
       </p:sp>
@@ -770,11 +876,7 @@
             </a:pPr>
             <a:r>
               <a:rPr lang="pt-BR" baseline="0" dirty="0" smtClean="0"/>
-              <a:t>-comandos de </a:t>
-            </a:r>
-            <a:r>
-              <a:rPr lang="pt-BR" baseline="0" dirty="0" smtClean="0"/>
-              <a:t>fala</a:t>
+              <a:t>-comandos de fala</a:t>
             </a:r>
             <a:endParaRPr lang="pt-BR" dirty="0"/>
           </a:p>
@@ -858,13 +960,37 @@
           </a:bodyPr>
           <a:lstStyle/>
           <a:p>
+            <a:pPr>
+              <a:buFontTx/>
+              <a:buChar char="-"/>
+            </a:pPr>
             <a:r>
               <a:rPr lang="pt-BR" dirty="0" smtClean="0"/>
-              <a:t>Explicar</a:t>
+              <a:t>Editor visual dos modelos</a:t>
             </a:r>
             <a:r>
               <a:rPr lang="pt-BR" baseline="0" dirty="0" smtClean="0"/>
-              <a:t> como pode variar a pronuncia de cada item</a:t>
+              <a:t> e textual com os métodos dos modelos</a:t>
+            </a:r>
+          </a:p>
+          <a:p>
+            <a:pPr>
+              <a:buFontTx/>
+              <a:buNone/>
+            </a:pPr>
+            <a:r>
+              <a:rPr lang="pt-BR" baseline="0" dirty="0" smtClean="0"/>
+              <a:t>-comandos de animação dos modelos</a:t>
+            </a:r>
+          </a:p>
+          <a:p>
+            <a:pPr>
+              <a:buFontTx/>
+              <a:buNone/>
+            </a:pPr>
+            <a:r>
+              <a:rPr lang="pt-BR" baseline="0" dirty="0" smtClean="0"/>
+              <a:t>-comandos de fala</a:t>
             </a:r>
             <a:endParaRPr lang="pt-BR" dirty="0"/>
           </a:p>
@@ -948,43 +1074,37 @@
           </a:bodyPr>
           <a:lstStyle/>
           <a:p>
+            <a:pPr>
+              <a:buFontTx/>
+              <a:buChar char="-"/>
+            </a:pPr>
             <a:r>
               <a:rPr lang="pt-BR" dirty="0" smtClean="0"/>
-              <a:t>Dizer</a:t>
+              <a:t>Editor visual dos modelos</a:t>
             </a:r>
             <a:r>
               <a:rPr lang="pt-BR" baseline="0" dirty="0" smtClean="0"/>
-              <a:t> que a necessidade anterior é resolvida usando JSML</a:t>
-            </a:r>
-            <a:endParaRPr lang="pt-BR" dirty="0" smtClean="0"/>
-          </a:p>
-          <a:p>
-            <a:endParaRPr lang="pt-BR" dirty="0" smtClean="0"/>
-          </a:p>
-          <a:p>
-            <a:r>
-              <a:rPr lang="pt-BR" dirty="0" smtClean="0"/>
-              <a:t>-</a:t>
-            </a:r>
-            <a:r>
-              <a:rPr lang="pt-BR" dirty="0" smtClean="0"/>
-              <a:t>explicar formato do JSML</a:t>
-            </a:r>
-          </a:p>
-          <a:p>
-            <a:r>
-              <a:rPr lang="pt-BR" dirty="0" smtClean="0"/>
-              <a:t>-explicar</a:t>
-            </a:r>
+              <a:t> e textual com os métodos dos modelos</a:t>
+            </a:r>
+          </a:p>
+          <a:p>
+            <a:pPr>
+              <a:buFontTx/>
+              <a:buNone/>
+            </a:pPr>
             <a:r>
               <a:rPr lang="pt-BR" baseline="0" dirty="0" smtClean="0"/>
-              <a:t> conteúdo/utilização pelo sintetizador dos elementos JSML</a:t>
-            </a:r>
-          </a:p>
-          <a:p>
+              <a:t>-comandos de animação dos modelos</a:t>
+            </a:r>
+          </a:p>
+          <a:p>
+            <a:pPr>
+              <a:buFontTx/>
+              <a:buNone/>
+            </a:pPr>
             <a:r>
               <a:rPr lang="pt-BR" baseline="0" dirty="0" smtClean="0"/>
-              <a:t>-falar sobre padronização</a:t>
+              <a:t>-comandos de fala</a:t>
             </a:r>
             <a:endParaRPr lang="pt-BR" dirty="0"/>
           </a:p>
@@ -1068,6 +1188,14 @@
           </a:bodyPr>
           <a:lstStyle/>
           <a:p>
+            <a:r>
+              <a:rPr lang="pt-BR" dirty="0" smtClean="0"/>
+              <a:t>Explicar</a:t>
+            </a:r>
+            <a:r>
+              <a:rPr lang="pt-BR" baseline="0" dirty="0" smtClean="0"/>
+              <a:t> como pode variar a pronuncia de cada item</a:t>
+            </a:r>
             <a:endParaRPr lang="pt-BR" dirty="0"/>
           </a:p>
         </p:txBody>
@@ -1151,12 +1279,12 @@
           <a:lstStyle/>
           <a:p>
             <a:r>
-              <a:rPr lang="pt-BR" baseline="0" dirty="0" err="1" smtClean="0"/>
-              <a:t>mbrola</a:t>
+              <a:rPr lang="pt-BR" dirty="0" smtClean="0"/>
+              <a:t>Dizer</a:t>
             </a:r>
             <a:r>
               <a:rPr lang="pt-BR" baseline="0" dirty="0" smtClean="0"/>
-              <a:t>  faz uso indireto das informações fornecidas pelo JSML </a:t>
+              <a:t> que a necessidade anterior é resolvida usando JSML</a:t>
             </a:r>
             <a:endParaRPr lang="pt-BR" dirty="0" smtClean="0"/>
           </a:p>
@@ -1166,104 +1294,23 @@
           <a:p>
             <a:r>
               <a:rPr lang="pt-BR" dirty="0" smtClean="0"/>
-              <a:t>-</a:t>
-            </a:r>
+              <a:t>-explicar formato do JSML</a:t>
+            </a:r>
+          </a:p>
+          <a:p>
             <a:r>
               <a:rPr lang="pt-BR" dirty="0" smtClean="0"/>
-              <a:t>explicar que o trabalho</a:t>
+              <a:t>-explicar</a:t>
             </a:r>
             <a:r>
               <a:rPr lang="pt-BR" baseline="0" dirty="0" smtClean="0"/>
-              <a:t> implementou o sintetizador digital e o </a:t>
-            </a:r>
-            <a:r>
-              <a:rPr lang="pt-BR" baseline="0" dirty="0" err="1" smtClean="0"/>
-              <a:t>mbrola</a:t>
-            </a:r>
+              <a:t> conteúdo/utilização pelo sintetizador dos elementos JSML</a:t>
+            </a:r>
+          </a:p>
+          <a:p>
             <a:r>
               <a:rPr lang="pt-BR" baseline="0" dirty="0" smtClean="0"/>
-              <a:t> é o </a:t>
-            </a:r>
-            <a:r>
-              <a:rPr lang="pt-BR" baseline="0" dirty="0" err="1" smtClean="0"/>
-              <a:t>acustico</a:t>
-            </a:r>
-            <a:r>
-              <a:rPr lang="pt-BR" baseline="0" dirty="0" smtClean="0"/>
-              <a:t>, que gera o </a:t>
-            </a:r>
-            <a:r>
-              <a:rPr lang="pt-BR" baseline="0" dirty="0" err="1" smtClean="0"/>
-              <a:t>wav</a:t>
-            </a:r>
-            <a:endParaRPr lang="pt-BR" baseline="0" dirty="0" smtClean="0"/>
-          </a:p>
-          <a:p>
-            <a:r>
-              <a:rPr lang="pt-BR" baseline="0" dirty="0" smtClean="0"/>
-              <a:t>-explicar sobre os arquivos de vozes dos idiomas</a:t>
-            </a:r>
-          </a:p>
-          <a:p>
-            <a:r>
-              <a:rPr lang="pt-BR" baseline="0" dirty="0" smtClean="0"/>
-              <a:t>-só comentar que </a:t>
-            </a:r>
-            <a:r>
-              <a:rPr lang="pt-BR" baseline="0" dirty="0" smtClean="0"/>
-              <a:t>existe </a:t>
-            </a:r>
-            <a:r>
-              <a:rPr lang="pt-BR" baseline="0" dirty="0" smtClean="0"/>
-              <a:t>suporta a </a:t>
-            </a:r>
-            <a:r>
-              <a:rPr lang="pt-BR" baseline="0" dirty="0" err="1" smtClean="0"/>
-              <a:t>windows</a:t>
-            </a:r>
-            <a:r>
-              <a:rPr lang="pt-BR" baseline="0" dirty="0" smtClean="0"/>
-              <a:t>, </a:t>
-            </a:r>
-            <a:r>
-              <a:rPr lang="pt-BR" baseline="0" dirty="0" err="1" smtClean="0"/>
-              <a:t>linux</a:t>
-            </a:r>
-            <a:r>
-              <a:rPr lang="pt-BR" baseline="0" dirty="0" smtClean="0"/>
-              <a:t> e </a:t>
-            </a:r>
-            <a:r>
-              <a:rPr lang="pt-BR" baseline="0" dirty="0" err="1" smtClean="0"/>
-              <a:t>mac</a:t>
-            </a:r>
-            <a:r>
-              <a:rPr lang="pt-BR" baseline="0" dirty="0" smtClean="0"/>
-              <a:t> (</a:t>
-            </a:r>
-            <a:r>
-              <a:rPr lang="pt-BR" baseline="0" dirty="0" err="1" smtClean="0"/>
-              <a:t>exe</a:t>
-            </a:r>
-            <a:r>
-              <a:rPr lang="pt-BR" baseline="0" dirty="0" smtClean="0"/>
-              <a:t>, </a:t>
-            </a:r>
-            <a:r>
-              <a:rPr lang="pt-BR" baseline="0" dirty="0" err="1" smtClean="0"/>
-              <a:t>so</a:t>
-            </a:r>
-            <a:r>
-              <a:rPr lang="pt-BR" baseline="0" dirty="0" smtClean="0"/>
-              <a:t>, </a:t>
-            </a:r>
-            <a:r>
-              <a:rPr lang="pt-BR" baseline="0" dirty="0" err="1" smtClean="0"/>
-              <a:t>ppc</a:t>
-            </a:r>
-            <a:r>
-              <a:rPr lang="pt-BR" baseline="0" dirty="0" smtClean="0"/>
-              <a:t>)</a:t>
+              <a:t>-falar sobre padronização</a:t>
             </a:r>
             <a:endParaRPr lang="pt-BR" dirty="0"/>
           </a:p>
@@ -1347,26 +1394,6 @@
           </a:bodyPr>
           <a:lstStyle/>
           <a:p>
-            <a:r>
-              <a:rPr lang="pt-BR" dirty="0" smtClean="0"/>
-              <a:t>-falar da inclusão</a:t>
-            </a:r>
-            <a:r>
-              <a:rPr lang="pt-BR" baseline="0" dirty="0" smtClean="0"/>
-              <a:t> dos comandos na BNF do LTD</a:t>
-            </a:r>
-          </a:p>
-          <a:p>
-            <a:r>
-              <a:rPr lang="pt-BR" baseline="0" dirty="0" smtClean="0"/>
-              <a:t>-arquivo PHO que é o formato de entrada do MBROLA</a:t>
-            </a:r>
-          </a:p>
-          <a:p>
-            <a:r>
-              <a:rPr lang="pt-BR" baseline="0" dirty="0" smtClean="0"/>
-              <a:t>-falar da API disponibilizada/utilizada pelo Tangram</a:t>
-            </a:r>
             <a:endParaRPr lang="pt-BR" dirty="0"/>
           </a:p>
         </p:txBody>
@@ -1389,7 +1416,192 @@
             <a:fld id="{FC60720F-737C-4AE2-A192-FA7625074DF9}" type="slidenum">
               <a:rPr lang="pt-BR" smtClean="0"/>
               <a:pPr/>
-              <a:t>14</a:t>
+              <a:t>10</a:t>
+            </a:fld>
+            <a:endParaRPr lang="pt-BR"/>
+          </a:p>
+        </p:txBody>
+      </p:sp>
+    </p:spTree>
+  </p:cSld>
+  <p:clrMapOvr>
+    <a:masterClrMapping/>
+  </p:clrMapOvr>
+</p:notes>
+</file>
+
+<file path=ppt/notesSlides/notesSlide9.xml><?xml version="1.0" encoding="utf-8"?>
+<p:notes xmlns:a="http://schemas.openxmlformats.org/drawingml/2006/main" xmlns:r="http://schemas.openxmlformats.org/officeDocument/2006/relationships" xmlns:p="http://schemas.openxmlformats.org/presentationml/2006/main">
+  <p:cSld>
+    <p:spTree>
+      <p:nvGrpSpPr>
+        <p:cNvPr id="1" name=""/>
+        <p:cNvGrpSpPr/>
+        <p:nvPr/>
+      </p:nvGrpSpPr>
+      <p:grpSpPr>
+        <a:xfrm>
+          <a:off x="0" y="0"/>
+          <a:ext cx="0" cy="0"/>
+          <a:chOff x="0" y="0"/>
+          <a:chExt cx="0" cy="0"/>
+        </a:xfrm>
+      </p:grpSpPr>
+      <p:sp>
+        <p:nvSpPr>
+          <p:cNvPr id="2" name="Espaço Reservado para Imagem de Slide 1"/>
+          <p:cNvSpPr>
+            <a:spLocks noGrp="1" noRot="1" noChangeAspect="1"/>
+          </p:cNvSpPr>
+          <p:nvPr>
+            <p:ph type="sldImg"/>
+          </p:nvPr>
+        </p:nvSpPr>
+        <p:spPr/>
+      </p:sp>
+      <p:sp>
+        <p:nvSpPr>
+          <p:cNvPr id="3" name="Espaço Reservado para Anotações 2"/>
+          <p:cNvSpPr>
+            <a:spLocks noGrp="1"/>
+          </p:cNvSpPr>
+          <p:nvPr>
+            <p:ph type="body" idx="1"/>
+          </p:nvPr>
+        </p:nvSpPr>
+        <p:spPr/>
+        <p:txBody>
+          <a:bodyPr>
+            <a:normAutofit/>
+          </a:bodyPr>
+          <a:lstStyle/>
+          <a:p>
+            <a:r>
+              <a:rPr lang="pt-BR" baseline="0" dirty="0" err="1" smtClean="0"/>
+              <a:t>mbrola</a:t>
+            </a:r>
+            <a:r>
+              <a:rPr lang="pt-BR" baseline="0" dirty="0" smtClean="0"/>
+              <a:t>  faz uso indireto das informações fornecidas pelo JSML </a:t>
+            </a:r>
+            <a:endParaRPr lang="pt-BR" dirty="0" smtClean="0"/>
+          </a:p>
+          <a:p>
+            <a:endParaRPr lang="pt-BR" dirty="0" smtClean="0"/>
+          </a:p>
+          <a:p>
+            <a:r>
+              <a:rPr lang="pt-BR" dirty="0" smtClean="0"/>
+              <a:t>-explicar que o trabalho</a:t>
+            </a:r>
+            <a:r>
+              <a:rPr lang="pt-BR" baseline="0" dirty="0" smtClean="0"/>
+              <a:t> implementou o sintetizador digital e o </a:t>
+            </a:r>
+            <a:r>
+              <a:rPr lang="pt-BR" baseline="0" dirty="0" err="1" smtClean="0"/>
+              <a:t>mbrola</a:t>
+            </a:r>
+            <a:r>
+              <a:rPr lang="pt-BR" baseline="0" dirty="0" smtClean="0"/>
+              <a:t> é o </a:t>
+            </a:r>
+            <a:r>
+              <a:rPr lang="pt-BR" baseline="0" dirty="0" err="1" smtClean="0"/>
+              <a:t>acustico</a:t>
+            </a:r>
+            <a:r>
+              <a:rPr lang="pt-BR" baseline="0" dirty="0" smtClean="0"/>
+              <a:t>, que gera o </a:t>
+            </a:r>
+            <a:r>
+              <a:rPr lang="pt-BR" baseline="0" dirty="0" err="1" smtClean="0"/>
+              <a:t>wav</a:t>
+            </a:r>
+            <a:endParaRPr lang="pt-BR" baseline="0" dirty="0" smtClean="0"/>
+          </a:p>
+          <a:p>
+            <a:r>
+              <a:rPr lang="pt-BR" baseline="0" dirty="0" smtClean="0"/>
+              <a:t>-explicar sobre os arquivos de vozes dos idiomas</a:t>
+            </a:r>
+          </a:p>
+          <a:p>
+            <a:r>
+              <a:rPr lang="pt-BR" baseline="0" dirty="0" smtClean="0"/>
+              <a:t>-só comentar que existe suporta a </a:t>
+            </a:r>
+            <a:r>
+              <a:rPr lang="pt-BR" baseline="0" dirty="0" err="1" smtClean="0"/>
+              <a:t>windows</a:t>
+            </a:r>
+            <a:r>
+              <a:rPr lang="pt-BR" baseline="0" dirty="0" smtClean="0"/>
+              <a:t>, </a:t>
+            </a:r>
+            <a:r>
+              <a:rPr lang="pt-BR" baseline="0" dirty="0" err="1" smtClean="0"/>
+              <a:t>linux</a:t>
+            </a:r>
+            <a:r>
+              <a:rPr lang="pt-BR" baseline="0" dirty="0" smtClean="0"/>
+              <a:t> e </a:t>
+            </a:r>
+            <a:r>
+              <a:rPr lang="pt-BR" baseline="0" dirty="0" err="1" smtClean="0"/>
+              <a:t>mac</a:t>
+            </a:r>
+            <a:r>
+              <a:rPr lang="pt-BR" baseline="0" dirty="0" smtClean="0"/>
+              <a:t> (</a:t>
+            </a:r>
+            <a:r>
+              <a:rPr lang="pt-BR" baseline="0" dirty="0" err="1" smtClean="0"/>
+              <a:t>exe</a:t>
+            </a:r>
+            <a:r>
+              <a:rPr lang="pt-BR" baseline="0" dirty="0" smtClean="0"/>
+              <a:t>, </a:t>
+            </a:r>
+            <a:r>
+              <a:rPr lang="pt-BR" baseline="0" dirty="0" err="1" smtClean="0"/>
+              <a:t>so</a:t>
+            </a:r>
+            <a:r>
+              <a:rPr lang="pt-BR" baseline="0" dirty="0" smtClean="0"/>
+              <a:t>, </a:t>
+            </a:r>
+            <a:r>
+              <a:rPr lang="pt-BR" baseline="0" dirty="0" err="1" smtClean="0"/>
+              <a:t>ppc</a:t>
+            </a:r>
+            <a:r>
+              <a:rPr lang="pt-BR" baseline="0" dirty="0" smtClean="0"/>
+              <a:t>)</a:t>
+            </a:r>
+            <a:endParaRPr lang="pt-BR" dirty="0"/>
+          </a:p>
+        </p:txBody>
+      </p:sp>
+      <p:sp>
+        <p:nvSpPr>
+          <p:cNvPr id="4" name="Espaço Reservado para Número de Slide 3"/>
+          <p:cNvSpPr>
+            <a:spLocks noGrp="1"/>
+          </p:cNvSpPr>
+          <p:nvPr>
+            <p:ph type="sldNum" sz="quarter" idx="10"/>
+          </p:nvPr>
+        </p:nvSpPr>
+        <p:spPr/>
+        <p:txBody>
+          <a:bodyPr/>
+          <a:lstStyle/>
+          <a:p>
+            <a:fld id="{FC60720F-737C-4AE2-A192-FA7625074DF9}" type="slidenum">
+              <a:rPr lang="pt-BR" smtClean="0"/>
+              <a:pPr/>
+              <a:t>11</a:t>
             </a:fld>
             <a:endParaRPr lang="pt-BR"/>
           </a:p>
@@ -1538,7 +1750,7 @@
             <a:fld id="{54AB02A5-4FE5-49D9-9E24-09F23B90C450}" type="datetimeFigureOut">
               <a:rPr lang="en-US" smtClean="0"/>
               <a:pPr/>
-              <a:t>7/4/2010</a:t>
+              <a:t>7/5/2010</a:t>
             </a:fld>
             <a:endParaRPr lang="en-US"/>
           </a:p>
@@ -1853,7 +2065,7 @@
             <a:fld id="{54AB02A5-4FE5-49D9-9E24-09F23B90C450}" type="datetimeFigureOut">
               <a:rPr lang="en-US" smtClean="0"/>
               <a:pPr/>
-              <a:t>7/4/2010</a:t>
+              <a:t>7/5/2010</a:t>
             </a:fld>
             <a:endParaRPr lang="en-US"/>
           </a:p>
@@ -2040,7 +2252,7 @@
             <a:fld id="{54AB02A5-4FE5-49D9-9E24-09F23B90C450}" type="datetimeFigureOut">
               <a:rPr lang="en-US" smtClean="0"/>
               <a:pPr/>
-              <a:t>7/4/2010</a:t>
+              <a:t>7/5/2010</a:t>
             </a:fld>
             <a:endParaRPr lang="en-US"/>
           </a:p>
@@ -2217,7 +2429,7 @@
             <a:fld id="{54AB02A5-4FE5-49D9-9E24-09F23B90C450}" type="datetimeFigureOut">
               <a:rPr lang="en-US" smtClean="0"/>
               <a:pPr/>
-              <a:t>7/4/2010</a:t>
+              <a:t>7/5/2010</a:t>
             </a:fld>
             <a:endParaRPr lang="en-US"/>
           </a:p>
@@ -2487,7 +2699,7 @@
             <a:fld id="{54AB02A5-4FE5-49D9-9E24-09F23B90C450}" type="datetimeFigureOut">
               <a:rPr lang="en-US" smtClean="0"/>
               <a:pPr/>
-              <a:t>7/4/2010</a:t>
+              <a:t>7/5/2010</a:t>
             </a:fld>
             <a:endParaRPr lang="en-US"/>
           </a:p>
@@ -2957,7 +3169,7 @@
             <a:fld id="{54AB02A5-4FE5-49D9-9E24-09F23B90C450}" type="datetimeFigureOut">
               <a:rPr lang="en-US" smtClean="0"/>
               <a:pPr/>
-              <a:t>7/4/2010</a:t>
+              <a:t>7/5/2010</a:t>
             </a:fld>
             <a:endParaRPr lang="en-US"/>
           </a:p>
@@ -3448,7 +3660,7 @@
             <a:fld id="{54AB02A5-4FE5-49D9-9E24-09F23B90C450}" type="datetimeFigureOut">
               <a:rPr lang="en-US" smtClean="0"/>
               <a:pPr/>
-              <a:t>7/4/2010</a:t>
+              <a:t>7/5/2010</a:t>
             </a:fld>
             <a:endParaRPr lang="en-US"/>
           </a:p>
@@ -3576,7 +3788,7 @@
             <a:fld id="{54AB02A5-4FE5-49D9-9E24-09F23B90C450}" type="datetimeFigureOut">
               <a:rPr lang="en-US" smtClean="0"/>
               <a:pPr/>
-              <a:t>7/4/2010</a:t>
+              <a:t>7/5/2010</a:t>
             </a:fld>
             <a:endParaRPr lang="en-US"/>
           </a:p>
@@ -3722,7 +3934,7 @@
             <a:fld id="{54AB02A5-4FE5-49D9-9E24-09F23B90C450}" type="datetimeFigureOut">
               <a:rPr lang="en-US" smtClean="0"/>
               <a:pPr/>
-              <a:t>7/4/2010</a:t>
+              <a:t>7/5/2010</a:t>
             </a:fld>
             <a:endParaRPr lang="en-US"/>
           </a:p>
@@ -4046,7 +4258,7 @@
             <a:fld id="{54AB02A5-4FE5-49D9-9E24-09F23B90C450}" type="datetimeFigureOut">
               <a:rPr lang="en-US" smtClean="0"/>
               <a:pPr/>
-              <a:t>7/4/2010</a:t>
+              <a:t>7/5/2010</a:t>
             </a:fld>
             <a:endParaRPr lang="en-US"/>
           </a:p>
@@ -4182,7 +4394,7 @@
             <a:fld id="{54AB02A5-4FE5-49D9-9E24-09F23B90C450}" type="datetimeFigureOut">
               <a:rPr lang="en-US" smtClean="0"/>
               <a:pPr/>
-              <a:t>7/4/2010</a:t>
+              <a:t>7/5/2010</a:t>
             </a:fld>
             <a:endParaRPr lang="en-US"/>
           </a:p>
@@ -4966,7 +5178,7 @@
             <a:fld id="{54AB02A5-4FE5-49D9-9E24-09F23B90C450}" type="datetimeFigureOut">
               <a:rPr lang="en-US" smtClean="0"/>
               <a:pPr algn="r" eaLnBrk="1" latinLnBrk="0" hangingPunct="1"/>
-              <a:t>7/4/2010</a:t>
+              <a:t>7/5/2010</a:t>
             </a:fld>
             <a:endParaRPr lang="en-US" sz="1200">
               <a:solidFill>
@@ -5503,7 +5715,15 @@
           <a:p>
             <a:r>
               <a:rPr lang="pt-BR" dirty="0" smtClean="0"/>
-              <a:t>Implementação de Suporta à Programação e Interpretação da Fala no Ambiente LTD</a:t>
+              <a:t>Implementação de </a:t>
+            </a:r>
+            <a:r>
+              <a:rPr lang="pt-BR" dirty="0" smtClean="0"/>
+              <a:t>Suporte </a:t>
+            </a:r>
+            <a:r>
+              <a:rPr lang="pt-BR" dirty="0" smtClean="0"/>
+              <a:t>à Programação e Interpretação da Fala no Ambiente LTD</a:t>
             </a:r>
             <a:endParaRPr lang="pt-BR" dirty="0"/>
           </a:p>
@@ -5594,7 +5814,7 @@
           <a:p>
             <a:r>
               <a:rPr lang="pt-BR" dirty="0" smtClean="0"/>
-              <a:t>MBROLA</a:t>
+              <a:t>JSML</a:t>
             </a:r>
             <a:endParaRPr lang="pt-BR" dirty="0"/>
           </a:p>
@@ -5602,342 +5822,368 @@
       </p:sp>
       <p:sp>
         <p:nvSpPr>
-          <p:cNvPr id="9" name="Espaço Reservado para Conteúdo 3"/>
-          <p:cNvSpPr txBox="1">
-            <a:spLocks/>
-          </p:cNvSpPr>
-          <p:nvPr/>
+          <p:cNvPr id="3" name="Espaço Reservado para Conteúdo 2"/>
+          <p:cNvSpPr>
+            <a:spLocks noGrp="1"/>
+          </p:cNvSpPr>
+          <p:nvPr>
+            <p:ph idx="1"/>
+          </p:nvPr>
         </p:nvSpPr>
         <p:spPr>
           <a:xfrm>
-            <a:off x="1588008" y="1600200"/>
-            <a:ext cx="7498080" cy="4800600"/>
+            <a:off x="1000100" y="1357298"/>
+            <a:ext cx="8001056" cy="5357850"/>
           </a:xfrm>
-          <a:prstGeom prst="rect">
-            <a:avLst/>
-          </a:prstGeom>
         </p:spPr>
         <p:txBody>
           <a:bodyPr>
-            <a:normAutofit/>
+            <a:noAutofit/>
           </a:bodyPr>
           <a:lstStyle/>
           <a:p>
-            <a:pPr marL="365760" marR="0" lvl="0" indent="-283464" algn="l" defTabSz="914400" rtl="0" eaLnBrk="1" fontAlgn="auto" latinLnBrk="0" hangingPunct="1">
-              <a:lnSpc>
-                <a:spcPct val="100000"/>
-              </a:lnSpc>
-              <a:spcBef>
-                <a:spcPts val="600"/>
-              </a:spcBef>
-              <a:spcAft>
-                <a:spcPts val="0"/>
-              </a:spcAft>
-              <a:buClr>
-                <a:schemeClr val="accent1"/>
-              </a:buClr>
-              <a:buSzPct val="80000"/>
-              <a:buFont typeface="Wingdings 2"/>
-              <a:buNone/>
-              <a:tabLst/>
-              <a:defRPr/>
+            <a:pPr>
+              <a:buNone/>
             </a:pPr>
             <a:r>
-              <a:rPr kumimoji="0" lang="pt-BR" sz="3200" b="0" i="0" u="none" strike="noStrike" kern="1200" cap="none" spc="0" normalizeH="0" baseline="0" noProof="0" dirty="0" smtClean="0">
-                <a:ln>
-                  <a:noFill/>
-                </a:ln>
-                <a:solidFill>
-                  <a:schemeClr val="tx1"/>
-                </a:solidFill>
-                <a:effectLst/>
-                <a:uLnTx/>
-                <a:uFillTx/>
-                <a:latin typeface="+mn-lt"/>
-                <a:ea typeface="+mn-ea"/>
-                <a:cs typeface="+mn-cs"/>
-              </a:rPr>
-              <a:t>j 		105 100 100.0</a:t>
-            </a:r>
-          </a:p>
-          <a:p>
-            <a:pPr marL="365760" marR="0" lvl="0" indent="-283464" algn="l" defTabSz="914400" rtl="0" eaLnBrk="1" fontAlgn="auto" latinLnBrk="0" hangingPunct="1">
-              <a:lnSpc>
-                <a:spcPct val="100000"/>
-              </a:lnSpc>
-              <a:spcBef>
-                <a:spcPts val="600"/>
-              </a:spcBef>
-              <a:spcAft>
-                <a:spcPts val="0"/>
-              </a:spcAft>
-              <a:buClr>
-                <a:schemeClr val="accent1"/>
-              </a:buClr>
-              <a:buSzPct val="80000"/>
-              <a:buFont typeface="Wingdings 2"/>
-              <a:buNone/>
-              <a:tabLst/>
-              <a:defRPr/>
+              <a:rPr lang="pt-BR" sz="2000" b="1" dirty="0" smtClean="0">
+                <a:latin typeface="Courier New" pitchFamily="49" charset="0"/>
+                <a:cs typeface="Courier New" pitchFamily="49" charset="0"/>
+              </a:rPr>
+              <a:t>&lt;jsml </a:t>
+            </a:r>
+            <a:r>
+              <a:rPr lang="pt-BR" sz="2000" b="1" dirty="0" err="1" smtClean="0">
+                <a:latin typeface="Courier New" pitchFamily="49" charset="0"/>
+                <a:cs typeface="Courier New" pitchFamily="49" charset="0"/>
+              </a:rPr>
+              <a:t>lang</a:t>
+            </a:r>
+            <a:r>
+              <a:rPr lang="pt-BR" sz="2000" b="1" dirty="0" smtClean="0">
+                <a:latin typeface="Courier New" pitchFamily="49" charset="0"/>
+                <a:cs typeface="Courier New" pitchFamily="49" charset="0"/>
+              </a:rPr>
+              <a:t>=</a:t>
+            </a:r>
+            <a:r>
+              <a:rPr lang="pt-BR" sz="2000" dirty="0" smtClean="0">
+                <a:latin typeface="Courier New" pitchFamily="49" charset="0"/>
+                <a:cs typeface="Courier New" pitchFamily="49" charset="0"/>
+              </a:rPr>
+              <a:t>"pt-br"</a:t>
+            </a:r>
+            <a:r>
+              <a:rPr lang="pt-BR" sz="2000" b="1" dirty="0" smtClean="0">
+                <a:latin typeface="Courier New" pitchFamily="49" charset="0"/>
+                <a:cs typeface="Courier New" pitchFamily="49" charset="0"/>
+              </a:rPr>
+              <a:t>&gt;</a:t>
+            </a:r>
+          </a:p>
+          <a:p>
+            <a:pPr>
+              <a:buNone/>
             </a:pPr>
-            <a:r>
-              <a:rPr kumimoji="0" lang="pt-BR" sz="3200" b="0" i="0" u="none" strike="noStrike" kern="1200" cap="none" spc="0" normalizeH="0" baseline="0" noProof="0" dirty="0" smtClean="0">
-                <a:ln>
-                  <a:noFill/>
-                </a:ln>
-                <a:solidFill>
-                  <a:schemeClr val="tx1"/>
-                </a:solidFill>
-                <a:effectLst/>
-                <a:uLnTx/>
-                <a:uFillTx/>
-                <a:latin typeface="+mn-lt"/>
-                <a:ea typeface="+mn-ea"/>
-                <a:cs typeface="+mn-cs"/>
-              </a:rPr>
-              <a:t>a 	105 100 100.49</a:t>
-            </a:r>
-          </a:p>
-          <a:p>
-            <a:pPr marL="365760" marR="0" lvl="0" indent="-283464" algn="l" defTabSz="914400" rtl="0" eaLnBrk="1" fontAlgn="auto" latinLnBrk="0" hangingPunct="1">
-              <a:lnSpc>
-                <a:spcPct val="100000"/>
-              </a:lnSpc>
-              <a:spcBef>
-                <a:spcPts val="600"/>
-              </a:spcBef>
-              <a:spcAft>
-                <a:spcPts val="0"/>
-              </a:spcAft>
-              <a:buClr>
-                <a:schemeClr val="accent1"/>
-              </a:buClr>
-              <a:buSzPct val="80000"/>
-              <a:buFont typeface="Wingdings 2"/>
-              <a:buNone/>
-              <a:tabLst/>
-              <a:defRPr/>
+            <a:endParaRPr lang="en-US" sz="2000" dirty="0" smtClean="0">
+              <a:latin typeface="Courier New" pitchFamily="49" charset="0"/>
+              <a:cs typeface="Courier New" pitchFamily="49" charset="0"/>
+            </a:endParaRPr>
+          </a:p>
+          <a:p>
+            <a:pPr>
+              <a:buNone/>
             </a:pPr>
             <a:r>
-              <a:rPr kumimoji="0" lang="pt-BR" sz="3200" b="0" i="0" u="none" strike="noStrike" kern="1200" cap="none" spc="0" normalizeH="0" baseline="0" noProof="0" dirty="0" smtClean="0">
-                <a:ln>
-                  <a:noFill/>
-                </a:ln>
-                <a:solidFill>
-                  <a:schemeClr val="tx1"/>
-                </a:solidFill>
-                <a:effectLst/>
-                <a:uLnTx/>
-                <a:uFillTx/>
-                <a:latin typeface="+mn-lt"/>
-                <a:ea typeface="+mn-ea"/>
-                <a:cs typeface="+mn-cs"/>
-              </a:rPr>
-              <a:t>b 	105 100 100.95</a:t>
-            </a:r>
-          </a:p>
-          <a:p>
-            <a:pPr marL="365760" marR="0" lvl="0" indent="-283464" algn="l" defTabSz="914400" rtl="0" eaLnBrk="1" fontAlgn="auto" latinLnBrk="0" hangingPunct="1">
-              <a:lnSpc>
-                <a:spcPct val="100000"/>
-              </a:lnSpc>
-              <a:spcBef>
-                <a:spcPts val="600"/>
-              </a:spcBef>
-              <a:spcAft>
-                <a:spcPts val="0"/>
-              </a:spcAft>
-              <a:buClr>
-                <a:schemeClr val="accent1"/>
-              </a:buClr>
-              <a:buSzPct val="80000"/>
-              <a:buFont typeface="Wingdings 2"/>
-              <a:buNone/>
-              <a:tabLst/>
-              <a:defRPr/>
+              <a:rPr lang="en-US" sz="2000" b="1" dirty="0" smtClean="0">
+                <a:latin typeface="Courier New" pitchFamily="49" charset="0"/>
+                <a:cs typeface="Courier New" pitchFamily="49" charset="0"/>
+              </a:rPr>
+              <a:t>	&lt;voice</a:t>
+            </a:r>
+            <a:r>
+              <a:rPr lang="en-US" sz="2000" dirty="0" smtClean="0">
+                <a:latin typeface="Courier New" pitchFamily="49" charset="0"/>
+                <a:cs typeface="Courier New" pitchFamily="49" charset="0"/>
+              </a:rPr>
+              <a:t> </a:t>
+            </a:r>
+            <a:r>
+              <a:rPr lang="en-US" sz="2000" b="1" dirty="0" smtClean="0">
+                <a:latin typeface="Courier New" pitchFamily="49" charset="0"/>
+                <a:cs typeface="Courier New" pitchFamily="49" charset="0"/>
+              </a:rPr>
+              <a:t>gender=</a:t>
+            </a:r>
+            <a:r>
+              <a:rPr lang="en-US" sz="2000" dirty="0" smtClean="0">
+                <a:latin typeface="Courier New" pitchFamily="49" charset="0"/>
+                <a:cs typeface="Courier New" pitchFamily="49" charset="0"/>
+              </a:rPr>
+              <a:t>"female" </a:t>
+            </a:r>
+            <a:r>
+              <a:rPr lang="en-US" sz="2000" b="1" dirty="0" smtClean="0">
+                <a:latin typeface="Courier New" pitchFamily="49" charset="0"/>
+                <a:cs typeface="Courier New" pitchFamily="49" charset="0"/>
+              </a:rPr>
+              <a:t>age=</a:t>
+            </a:r>
+            <a:r>
+              <a:rPr lang="en-US" sz="2000" dirty="0" smtClean="0">
+                <a:latin typeface="Courier New" pitchFamily="49" charset="0"/>
+                <a:cs typeface="Courier New" pitchFamily="49" charset="0"/>
+              </a:rPr>
+              <a:t>"adult" 	</a:t>
+            </a:r>
+            <a:r>
+              <a:rPr lang="en-US" sz="2000" b="1" dirty="0" smtClean="0">
+                <a:latin typeface="Courier New" pitchFamily="49" charset="0"/>
+                <a:cs typeface="Courier New" pitchFamily="49" charset="0"/>
+              </a:rPr>
+              <a:t>name=</a:t>
+            </a:r>
+            <a:r>
+              <a:rPr lang="en-US" sz="2000" dirty="0" smtClean="0">
+                <a:latin typeface="Courier New" pitchFamily="49" charset="0"/>
+                <a:cs typeface="Courier New" pitchFamily="49" charset="0"/>
+              </a:rPr>
+              <a:t>"br2"</a:t>
+            </a:r>
+            <a:r>
+              <a:rPr lang="en-US" sz="2000" b="1" dirty="0" smtClean="0">
+                <a:latin typeface="Courier New" pitchFamily="49" charset="0"/>
+                <a:cs typeface="Courier New" pitchFamily="49" charset="0"/>
+              </a:rPr>
+              <a:t>&gt;&lt;/voice&gt;</a:t>
+            </a:r>
+          </a:p>
+          <a:p>
+            <a:pPr>
+              <a:buNone/>
             </a:pPr>
-            <a:r>
-              <a:rPr kumimoji="0" lang="pt-BR" sz="3200" b="0" i="0" u="none" strike="noStrike" kern="1200" cap="none" spc="0" normalizeH="0" baseline="0" noProof="0" dirty="0" smtClean="0">
-                <a:ln>
-                  <a:noFill/>
-                </a:ln>
-                <a:solidFill>
-                  <a:schemeClr val="tx1"/>
-                </a:solidFill>
-                <a:effectLst/>
-                <a:uLnTx/>
-                <a:uFillTx/>
-                <a:latin typeface="+mn-lt"/>
-                <a:ea typeface="+mn-ea"/>
-                <a:cs typeface="+mn-cs"/>
-              </a:rPr>
-              <a:t>u 	105 100 101.36</a:t>
-            </a:r>
-          </a:p>
-          <a:p>
-            <a:pPr marL="365760" marR="0" lvl="0" indent="-283464" algn="l" defTabSz="914400" rtl="0" eaLnBrk="1" fontAlgn="auto" latinLnBrk="0" hangingPunct="1">
-              <a:lnSpc>
-                <a:spcPct val="100000"/>
-              </a:lnSpc>
-              <a:spcBef>
-                <a:spcPts val="600"/>
-              </a:spcBef>
-              <a:spcAft>
-                <a:spcPts val="0"/>
-              </a:spcAft>
-              <a:buClr>
-                <a:schemeClr val="accent1"/>
-              </a:buClr>
-              <a:buSzPct val="80000"/>
-              <a:buFont typeface="Wingdings 2"/>
-              <a:buNone/>
-              <a:tabLst/>
-              <a:defRPr/>
+            <a:endParaRPr lang="pt-BR" sz="2000" dirty="0" smtClean="0">
+              <a:latin typeface="Courier New" pitchFamily="49" charset="0"/>
+              <a:cs typeface="Courier New" pitchFamily="49" charset="0"/>
+            </a:endParaRPr>
+          </a:p>
+          <a:p>
+            <a:pPr>
+              <a:buNone/>
             </a:pPr>
             <a:r>
-              <a:rPr kumimoji="0" lang="pt-BR" sz="3200" b="0" i="0" u="none" strike="noStrike" kern="1200" cap="none" spc="0" normalizeH="0" baseline="0" noProof="0" dirty="0" smtClean="0">
-                <a:ln>
-                  <a:noFill/>
-                </a:ln>
-                <a:solidFill>
-                  <a:schemeClr val="tx1"/>
-                </a:solidFill>
-                <a:effectLst/>
-                <a:uLnTx/>
-                <a:uFillTx/>
-                <a:latin typeface="+mn-lt"/>
-                <a:ea typeface="+mn-ea"/>
-                <a:cs typeface="+mn-cs"/>
-              </a:rPr>
-              <a:t>l 		120 100 101.68</a:t>
-            </a:r>
-          </a:p>
-          <a:p>
-            <a:pPr marL="365760" marR="0" lvl="0" indent="-283464" algn="l" defTabSz="914400" rtl="0" eaLnBrk="1" fontAlgn="auto" latinLnBrk="0" hangingPunct="1">
-              <a:lnSpc>
-                <a:spcPct val="100000"/>
-              </a:lnSpc>
-              <a:spcBef>
-                <a:spcPts val="600"/>
-              </a:spcBef>
-              <a:spcAft>
-                <a:spcPts val="0"/>
-              </a:spcAft>
-              <a:buClr>
-                <a:schemeClr val="accent1"/>
-              </a:buClr>
-              <a:buSzPct val="80000"/>
-              <a:buFont typeface="Wingdings 2"/>
-              <a:buNone/>
-              <a:tabLst/>
-              <a:defRPr/>
+              <a:rPr lang="pt-BR" sz="2000" b="1" dirty="0" smtClean="0">
+                <a:latin typeface="Courier New" pitchFamily="49" charset="0"/>
+                <a:cs typeface="Courier New" pitchFamily="49" charset="0"/>
+              </a:rPr>
+              <a:t>	&lt;sayas&gt;</a:t>
+            </a:r>
+            <a:r>
+              <a:rPr lang="pt-BR" sz="2000" dirty="0" smtClean="0">
+                <a:latin typeface="Courier New" pitchFamily="49" charset="0"/>
+                <a:cs typeface="Courier New" pitchFamily="49" charset="0"/>
+              </a:rPr>
+              <a:t>FURB</a:t>
+            </a:r>
+            <a:r>
+              <a:rPr lang="pt-BR" sz="2000" b="1" dirty="0" smtClean="0">
+                <a:latin typeface="Courier New" pitchFamily="49" charset="0"/>
+                <a:cs typeface="Courier New" pitchFamily="49" charset="0"/>
+              </a:rPr>
+              <a:t>&lt;/sayas&gt;</a:t>
+            </a:r>
+          </a:p>
+          <a:p>
+            <a:pPr>
+              <a:buNone/>
             </a:pPr>
             <a:r>
-              <a:rPr kumimoji="0" lang="pt-BR" sz="3200" b="0" i="0" u="none" strike="noStrike" kern="1200" cap="none" spc="0" normalizeH="0" baseline="0" noProof="0" dirty="0" smtClean="0">
-                <a:ln>
-                  <a:noFill/>
-                </a:ln>
-                <a:solidFill>
-                  <a:schemeClr val="tx1"/>
-                </a:solidFill>
-                <a:effectLst/>
-                <a:uLnTx/>
-                <a:uFillTx/>
-                <a:latin typeface="+mn-lt"/>
-                <a:ea typeface="+mn-ea"/>
-                <a:cs typeface="+mn-cs"/>
-              </a:rPr>
-              <a:t>a 	120 100 101.89</a:t>
-            </a:r>
-          </a:p>
-          <a:p>
-            <a:pPr marL="365760" marR="0" lvl="0" indent="-283464" algn="l" defTabSz="914400" rtl="0" eaLnBrk="1" fontAlgn="auto" latinLnBrk="0" hangingPunct="1">
-              <a:lnSpc>
-                <a:spcPct val="100000"/>
-              </a:lnSpc>
-              <a:spcBef>
-                <a:spcPts val="600"/>
-              </a:spcBef>
-              <a:spcAft>
-                <a:spcPts val="0"/>
-              </a:spcAft>
-              <a:buClr>
-                <a:schemeClr val="accent1"/>
-              </a:buClr>
-              <a:buSzPct val="80000"/>
-              <a:buFont typeface="Wingdings 2"/>
-              <a:buNone/>
-              <a:tabLst/>
-              <a:defRPr/>
+              <a:rPr lang="en-US" sz="2000" b="1" dirty="0" smtClean="0">
+                <a:latin typeface="Courier New" pitchFamily="49" charset="0"/>
+                <a:cs typeface="Courier New" pitchFamily="49" charset="0"/>
+              </a:rPr>
+              <a:t>	</a:t>
+            </a:r>
+          </a:p>
+          <a:p>
+            <a:pPr>
+              <a:buNone/>
             </a:pPr>
             <a:r>
-              <a:rPr kumimoji="0" lang="pt-BR" sz="3200" b="0" i="0" u="none" strike="noStrike" kern="1200" cap="none" spc="0" normalizeH="0" baseline="0" noProof="0" dirty="0" smtClean="0">
-                <a:ln>
-                  <a:noFill/>
-                </a:ln>
-                <a:solidFill>
-                  <a:schemeClr val="tx1"/>
-                </a:solidFill>
-                <a:effectLst/>
-                <a:uLnTx/>
-                <a:uFillTx/>
-                <a:latin typeface="+mn-lt"/>
-                <a:ea typeface="+mn-ea"/>
-                <a:cs typeface="+mn-cs"/>
-              </a:rPr>
-              <a:t>n 	105 100 101.99</a:t>
-            </a:r>
-          </a:p>
-          <a:p>
-            <a:pPr marL="365760" marR="0" lvl="0" indent="-283464" algn="l" defTabSz="914400" rtl="0" eaLnBrk="1" fontAlgn="auto" latinLnBrk="0" hangingPunct="1">
-              <a:lnSpc>
-                <a:spcPct val="100000"/>
-              </a:lnSpc>
-              <a:spcBef>
-                <a:spcPts val="600"/>
-              </a:spcBef>
-              <a:spcAft>
-                <a:spcPts val="0"/>
-              </a:spcAft>
-              <a:buClr>
-                <a:schemeClr val="accent1"/>
-              </a:buClr>
-              <a:buSzPct val="80000"/>
-              <a:buFont typeface="Wingdings 2"/>
-              <a:buNone/>
-              <a:tabLst/>
-              <a:defRPr/>
+              <a:rPr lang="en-US" sz="2000" b="1" dirty="0" smtClean="0">
+                <a:latin typeface="Courier New" pitchFamily="49" charset="0"/>
+                <a:cs typeface="Courier New" pitchFamily="49" charset="0"/>
+              </a:rPr>
+              <a:t>	&lt;sayas class=</a:t>
+            </a:r>
+            <a:r>
+              <a:rPr lang="en-US" sz="2000" dirty="0" smtClean="0">
+                <a:latin typeface="Courier New" pitchFamily="49" charset="0"/>
+                <a:cs typeface="Courier New" pitchFamily="49" charset="0"/>
+              </a:rPr>
+              <a:t>"literal"</a:t>
+            </a:r>
+            <a:r>
+              <a:rPr lang="en-US" sz="2000" b="1" dirty="0" smtClean="0">
+                <a:latin typeface="Courier New" pitchFamily="49" charset="0"/>
+                <a:cs typeface="Courier New" pitchFamily="49" charset="0"/>
+              </a:rPr>
+              <a:t>&gt;</a:t>
+            </a:r>
+            <a:r>
+              <a:rPr lang="en-US" sz="2000" dirty="0" smtClean="0">
+                <a:latin typeface="Courier New" pitchFamily="49" charset="0"/>
+                <a:cs typeface="Courier New" pitchFamily="49" charset="0"/>
+              </a:rPr>
+              <a:t>BCC</a:t>
+            </a:r>
+            <a:r>
+              <a:rPr lang="en-US" sz="2000" b="1" dirty="0" smtClean="0">
+                <a:latin typeface="Courier New" pitchFamily="49" charset="0"/>
+                <a:cs typeface="Courier New" pitchFamily="49" charset="0"/>
+              </a:rPr>
+              <a:t>&lt;/sayas&gt;</a:t>
+            </a:r>
+            <a:endParaRPr lang="pt-BR" sz="2000" dirty="0" smtClean="0">
+              <a:latin typeface="Courier New" pitchFamily="49" charset="0"/>
+              <a:cs typeface="Courier New" pitchFamily="49" charset="0"/>
+            </a:endParaRPr>
+          </a:p>
+          <a:p>
+            <a:pPr>
+              <a:buNone/>
             </a:pPr>
-            <a:r>
-              <a:rPr kumimoji="0" lang="pt-BR" sz="3200" b="0" i="0" u="none" strike="noStrike" kern="1200" cap="none" spc="0" normalizeH="0" baseline="0" noProof="0" dirty="0" smtClean="0">
-                <a:ln>
-                  <a:noFill/>
-                </a:ln>
-                <a:solidFill>
-                  <a:schemeClr val="tx1"/>
-                </a:solidFill>
-                <a:effectLst/>
-                <a:uLnTx/>
-                <a:uFillTx/>
-                <a:latin typeface="+mn-lt"/>
-                <a:ea typeface="+mn-ea"/>
-                <a:cs typeface="+mn-cs"/>
-              </a:rPr>
-              <a:t>i 		105 100 101.96</a:t>
-            </a:r>
-            <a:endParaRPr kumimoji="0" lang="pt-BR" sz="3200" b="0" i="0" u="none" strike="noStrike" kern="1200" cap="none" spc="0" normalizeH="0" baseline="0" noProof="0" dirty="0">
-              <a:ln>
-                <a:noFill/>
-              </a:ln>
-              <a:solidFill>
-                <a:schemeClr val="tx1"/>
-              </a:solidFill>
-              <a:effectLst/>
-              <a:uLnTx/>
-              <a:uFillTx/>
-              <a:latin typeface="+mn-lt"/>
-              <a:ea typeface="+mn-ea"/>
-              <a:cs typeface="+mn-cs"/>
+            <a:endParaRPr lang="pt-BR" sz="2000" dirty="0" smtClean="0">
+              <a:latin typeface="Courier New" pitchFamily="49" charset="0"/>
+              <a:cs typeface="Courier New" pitchFamily="49" charset="0"/>
+            </a:endParaRPr>
+          </a:p>
+          <a:p>
+            <a:pPr>
+              <a:buNone/>
+            </a:pPr>
+            <a:r>
+              <a:rPr lang="pt-BR" sz="2000" b="1" dirty="0" smtClean="0">
+                <a:latin typeface="Courier New" pitchFamily="49" charset="0"/>
+                <a:cs typeface="Courier New" pitchFamily="49" charset="0"/>
+              </a:rPr>
+              <a:t>	&lt;sayas </a:t>
+            </a:r>
+            <a:r>
+              <a:rPr lang="pt-BR" sz="2000" b="1" dirty="0" err="1" smtClean="0">
+                <a:latin typeface="Courier New" pitchFamily="49" charset="0"/>
+                <a:cs typeface="Courier New" pitchFamily="49" charset="0"/>
+              </a:rPr>
+              <a:t>class</a:t>
+            </a:r>
+            <a:r>
+              <a:rPr lang="pt-BR" sz="2000" b="1" dirty="0" smtClean="0">
+                <a:latin typeface="Courier New" pitchFamily="49" charset="0"/>
+                <a:cs typeface="Courier New" pitchFamily="49" charset="0"/>
+              </a:rPr>
+              <a:t>=</a:t>
+            </a:r>
+            <a:r>
+              <a:rPr lang="en-US" sz="2000" dirty="0" smtClean="0">
+                <a:latin typeface="Courier New" pitchFamily="49" charset="0"/>
+                <a:cs typeface="Courier New" pitchFamily="49" charset="0"/>
+              </a:rPr>
+              <a:t>"number"</a:t>
+            </a:r>
+            <a:r>
+              <a:rPr lang="pt-BR" sz="2000" b="1" dirty="0" smtClean="0">
+                <a:latin typeface="Courier New" pitchFamily="49" charset="0"/>
+                <a:cs typeface="Courier New" pitchFamily="49" charset="0"/>
+              </a:rPr>
+              <a:t>&gt;</a:t>
+            </a:r>
+            <a:r>
+              <a:rPr lang="pt-BR" sz="2000" dirty="0" smtClean="0">
+                <a:latin typeface="Courier New" pitchFamily="49" charset="0"/>
+                <a:cs typeface="Courier New" pitchFamily="49" charset="0"/>
+              </a:rPr>
+              <a:t>42</a:t>
+            </a:r>
+            <a:r>
+              <a:rPr lang="pt-BR" sz="2000" b="1" dirty="0" smtClean="0">
+                <a:latin typeface="Courier New" pitchFamily="49" charset="0"/>
+                <a:cs typeface="Courier New" pitchFamily="49" charset="0"/>
+              </a:rPr>
+              <a:t>&lt;/sayas&gt;</a:t>
+            </a:r>
+          </a:p>
+          <a:p>
+            <a:pPr>
+              <a:buNone/>
+            </a:pPr>
+            <a:endParaRPr lang="en-US" sz="2000" dirty="0" smtClean="0">
+              <a:latin typeface="Courier New" pitchFamily="49" charset="0"/>
+              <a:cs typeface="Courier New" pitchFamily="49" charset="0"/>
+            </a:endParaRPr>
+          </a:p>
+          <a:p>
+            <a:pPr>
+              <a:buNone/>
+            </a:pPr>
+            <a:r>
+              <a:rPr lang="en-US" sz="2000" b="1" dirty="0" smtClean="0">
+                <a:latin typeface="Courier New" pitchFamily="49" charset="0"/>
+                <a:cs typeface="Courier New" pitchFamily="49" charset="0"/>
+              </a:rPr>
+              <a:t>	&lt;sayas class=</a:t>
+            </a:r>
+            <a:r>
+              <a:rPr lang="en-US" sz="2000" dirty="0" smtClean="0">
+                <a:latin typeface="Courier New" pitchFamily="49" charset="0"/>
+                <a:cs typeface="Courier New" pitchFamily="49" charset="0"/>
+              </a:rPr>
+              <a:t>"date"</a:t>
+            </a:r>
+            <a:r>
+              <a:rPr lang="en-US" sz="2000" b="1" dirty="0" smtClean="0">
+                <a:latin typeface="Courier New" pitchFamily="49" charset="0"/>
+                <a:cs typeface="Courier New" pitchFamily="49" charset="0"/>
+              </a:rPr>
+              <a:t>&gt;</a:t>
+            </a:r>
+            <a:r>
+              <a:rPr lang="en-US" sz="2000" dirty="0" smtClean="0">
+                <a:latin typeface="Courier New" pitchFamily="49" charset="0"/>
+                <a:cs typeface="Courier New" pitchFamily="49" charset="0"/>
+              </a:rPr>
+              <a:t>11/05/2010</a:t>
+            </a:r>
+            <a:r>
+              <a:rPr lang="en-US" sz="2000" b="1" dirty="0" smtClean="0">
+                <a:latin typeface="Courier New" pitchFamily="49" charset="0"/>
+                <a:cs typeface="Courier New" pitchFamily="49" charset="0"/>
+              </a:rPr>
+              <a:t>&lt;/sayas&gt;</a:t>
+            </a:r>
+          </a:p>
+          <a:p>
+            <a:pPr>
+              <a:buNone/>
+            </a:pPr>
+            <a:endParaRPr lang="pt-BR" sz="2000" b="1" dirty="0" smtClean="0">
+              <a:latin typeface="Courier New" pitchFamily="49" charset="0"/>
+              <a:cs typeface="Courier New" pitchFamily="49" charset="0"/>
+            </a:endParaRPr>
+          </a:p>
+          <a:p>
+            <a:pPr>
+              <a:buNone/>
+            </a:pPr>
+            <a:r>
+              <a:rPr lang="pt-BR" sz="2000" b="1" dirty="0" smtClean="0">
+                <a:latin typeface="Courier New" pitchFamily="49" charset="0"/>
+                <a:cs typeface="Courier New" pitchFamily="49" charset="0"/>
+              </a:rPr>
+              <a:t>&lt;/jsml&gt;</a:t>
+            </a:r>
+            <a:endParaRPr lang="pt-BR" sz="2000" b="1" dirty="0">
+              <a:latin typeface="Courier New" pitchFamily="49" charset="0"/>
+              <a:cs typeface="Courier New" pitchFamily="49" charset="0"/>
             </a:endParaRPr>
           </a:p>
         </p:txBody>
@@ -5999,7 +6245,7 @@
       </p:sp>
       <p:sp>
         <p:nvSpPr>
-          <p:cNvPr id="4" name="Espaço Reservado para Conteúdo 3"/>
+          <p:cNvPr id="3" name="Espaço Reservado para Conteúdo 2"/>
           <p:cNvSpPr>
             <a:spLocks noGrp="1"/>
           </p:cNvSpPr>
@@ -6007,89 +6253,33 @@
             <p:ph idx="1"/>
           </p:nvPr>
         </p:nvSpPr>
-        <p:spPr>
-          <a:xfrm>
-            <a:off x="1435608" y="1447800"/>
-            <a:ext cx="7494110" cy="4800600"/>
-          </a:xfrm>
-        </p:spPr>
+        <p:spPr/>
         <p:txBody>
           <a:bodyPr>
             <a:normAutofit/>
           </a:bodyPr>
           <a:lstStyle/>
           <a:p>
-            <a:pPr>
-              <a:buNone/>
-            </a:pPr>
             <a:r>
               <a:rPr lang="pt-BR" dirty="0" smtClean="0"/>
-              <a:t>j 		105 100 100.0</a:t>
-            </a:r>
-          </a:p>
-          <a:p>
-            <a:pPr>
-              <a:buNone/>
-            </a:pPr>
+              <a:t>Sintetizador acústico</a:t>
+            </a:r>
+          </a:p>
+          <a:p>
+            <a:r>
+              <a:rPr lang="pt-BR" dirty="0" err="1" smtClean="0"/>
+              <a:t>Multi-idiomas</a:t>
+            </a:r>
+            <a:endParaRPr lang="pt-BR" dirty="0" smtClean="0"/>
+          </a:p>
+          <a:p>
             <a:r>
               <a:rPr lang="pt-BR" dirty="0" smtClean="0"/>
-              <a:t>a 	105 100 100.49</a:t>
-            </a:r>
-          </a:p>
-          <a:p>
-            <a:pPr>
-              <a:buNone/>
-            </a:pPr>
-            <a:r>
-              <a:rPr lang="pt-BR" dirty="0" smtClean="0"/>
-              <a:t>b 	105 100 100.95</a:t>
-            </a:r>
-          </a:p>
-          <a:p>
-            <a:pPr>
-              <a:buNone/>
-            </a:pPr>
-            <a:r>
-              <a:rPr lang="pt-BR" dirty="0" smtClean="0"/>
-              <a:t>u 	105 100 101.36</a:t>
-            </a:r>
-          </a:p>
-          <a:p>
-            <a:pPr>
-              <a:buNone/>
-            </a:pPr>
-            <a:r>
-              <a:rPr lang="pt-BR" dirty="0" smtClean="0"/>
-              <a:t>l 		120 100 101.68</a:t>
-            </a:r>
-          </a:p>
-          <a:p>
-            <a:pPr>
-              <a:buNone/>
-            </a:pPr>
-            <a:r>
-              <a:rPr lang="pt-BR" dirty="0" smtClean="0"/>
-              <a:t>a 	520 25 51 25 90 25 120 25 160</a:t>
-            </a:r>
-          </a:p>
-          <a:p>
-            <a:pPr>
-              <a:buNone/>
-            </a:pPr>
-            <a:r>
-              <a:rPr lang="pt-BR" dirty="0" smtClean="0"/>
-              <a:t>n 	105 100 101.99</a:t>
-            </a:r>
-          </a:p>
-          <a:p>
-            <a:pPr>
-              <a:buNone/>
-            </a:pPr>
-            <a:r>
-              <a:rPr lang="pt-BR" dirty="0" smtClean="0"/>
-              <a:t>i 		105 100 101.96</a:t>
-            </a:r>
-            <a:endParaRPr lang="pt-BR" dirty="0"/>
+              <a:t>Multiplataforma</a:t>
+            </a:r>
+          </a:p>
+          <a:p>
+            <a:endParaRPr lang="pt-BR" dirty="0" smtClean="0"/>
           </a:p>
         </p:txBody>
       </p:sp>
@@ -6142,7 +6332,1049 @@
           <a:p>
             <a:r>
               <a:rPr lang="pt-BR" dirty="0" smtClean="0"/>
-              <a:t>Especificação</a:t>
+              <a:t>MBROLA</a:t>
+            </a:r>
+            <a:endParaRPr lang="pt-BR" dirty="0"/>
+          </a:p>
+        </p:txBody>
+      </p:sp>
+      <p:sp>
+        <p:nvSpPr>
+          <p:cNvPr id="9" name="Espaço Reservado para Conteúdo 3"/>
+          <p:cNvSpPr txBox="1">
+            <a:spLocks/>
+          </p:cNvSpPr>
+          <p:nvPr/>
+        </p:nvSpPr>
+        <p:spPr>
+          <a:xfrm>
+            <a:off x="1588008" y="1600200"/>
+            <a:ext cx="7498080" cy="4800600"/>
+          </a:xfrm>
+          <a:prstGeom prst="rect">
+            <a:avLst/>
+          </a:prstGeom>
+        </p:spPr>
+        <p:txBody>
+          <a:bodyPr>
+            <a:normAutofit/>
+          </a:bodyPr>
+          <a:lstStyle/>
+          <a:p>
+            <a:pPr marL="365760" marR="0" lvl="0" indent="-283464" algn="l" defTabSz="914400" rtl="0" eaLnBrk="1" fontAlgn="auto" latinLnBrk="0" hangingPunct="1">
+              <a:lnSpc>
+                <a:spcPct val="100000"/>
+              </a:lnSpc>
+              <a:spcBef>
+                <a:spcPts val="600"/>
+              </a:spcBef>
+              <a:spcAft>
+                <a:spcPts val="0"/>
+              </a:spcAft>
+              <a:buClr>
+                <a:schemeClr val="accent1"/>
+              </a:buClr>
+              <a:buSzPct val="80000"/>
+              <a:buFont typeface="Wingdings 2"/>
+              <a:buNone/>
+              <a:tabLst/>
+              <a:defRPr/>
+            </a:pPr>
+            <a:r>
+              <a:rPr kumimoji="0" lang="pt-BR" sz="3200" b="0" i="0" u="none" strike="noStrike" kern="1200" cap="none" spc="0" normalizeH="0" baseline="0" noProof="0" dirty="0" smtClean="0">
+                <a:ln>
+                  <a:noFill/>
+                </a:ln>
+                <a:solidFill>
+                  <a:schemeClr val="tx1"/>
+                </a:solidFill>
+                <a:effectLst/>
+                <a:uLnTx/>
+                <a:uFillTx/>
+                <a:latin typeface="+mn-lt"/>
+                <a:ea typeface="+mn-ea"/>
+                <a:cs typeface="+mn-cs"/>
+              </a:rPr>
+              <a:t>j 		105 100 100.0</a:t>
+            </a:r>
+          </a:p>
+          <a:p>
+            <a:pPr marL="365760" marR="0" lvl="0" indent="-283464" algn="l" defTabSz="914400" rtl="0" eaLnBrk="1" fontAlgn="auto" latinLnBrk="0" hangingPunct="1">
+              <a:lnSpc>
+                <a:spcPct val="100000"/>
+              </a:lnSpc>
+              <a:spcBef>
+                <a:spcPts val="600"/>
+              </a:spcBef>
+              <a:spcAft>
+                <a:spcPts val="0"/>
+              </a:spcAft>
+              <a:buClr>
+                <a:schemeClr val="accent1"/>
+              </a:buClr>
+              <a:buSzPct val="80000"/>
+              <a:buFont typeface="Wingdings 2"/>
+              <a:buNone/>
+              <a:tabLst/>
+              <a:defRPr/>
+            </a:pPr>
+            <a:r>
+              <a:rPr kumimoji="0" lang="pt-BR" sz="3200" b="0" i="0" u="none" strike="noStrike" kern="1200" cap="none" spc="0" normalizeH="0" baseline="0" noProof="0" dirty="0" smtClean="0">
+                <a:ln>
+                  <a:noFill/>
+                </a:ln>
+                <a:solidFill>
+                  <a:schemeClr val="tx1"/>
+                </a:solidFill>
+                <a:effectLst/>
+                <a:uLnTx/>
+                <a:uFillTx/>
+                <a:latin typeface="+mn-lt"/>
+                <a:ea typeface="+mn-ea"/>
+                <a:cs typeface="+mn-cs"/>
+              </a:rPr>
+              <a:t>a 	105 100 100.49</a:t>
+            </a:r>
+          </a:p>
+          <a:p>
+            <a:pPr marL="365760" marR="0" lvl="0" indent="-283464" algn="l" defTabSz="914400" rtl="0" eaLnBrk="1" fontAlgn="auto" latinLnBrk="0" hangingPunct="1">
+              <a:lnSpc>
+                <a:spcPct val="100000"/>
+              </a:lnSpc>
+              <a:spcBef>
+                <a:spcPts val="600"/>
+              </a:spcBef>
+              <a:spcAft>
+                <a:spcPts val="0"/>
+              </a:spcAft>
+              <a:buClr>
+                <a:schemeClr val="accent1"/>
+              </a:buClr>
+              <a:buSzPct val="80000"/>
+              <a:buFont typeface="Wingdings 2"/>
+              <a:buNone/>
+              <a:tabLst/>
+              <a:defRPr/>
+            </a:pPr>
+            <a:r>
+              <a:rPr kumimoji="0" lang="pt-BR" sz="3200" b="0" i="0" u="none" strike="noStrike" kern="1200" cap="none" spc="0" normalizeH="0" baseline="0" noProof="0" dirty="0" smtClean="0">
+                <a:ln>
+                  <a:noFill/>
+                </a:ln>
+                <a:solidFill>
+                  <a:schemeClr val="tx1"/>
+                </a:solidFill>
+                <a:effectLst/>
+                <a:uLnTx/>
+                <a:uFillTx/>
+                <a:latin typeface="+mn-lt"/>
+                <a:ea typeface="+mn-ea"/>
+                <a:cs typeface="+mn-cs"/>
+              </a:rPr>
+              <a:t>b 	105 100 100.95</a:t>
+            </a:r>
+          </a:p>
+          <a:p>
+            <a:pPr marL="365760" marR="0" lvl="0" indent="-283464" algn="l" defTabSz="914400" rtl="0" eaLnBrk="1" fontAlgn="auto" latinLnBrk="0" hangingPunct="1">
+              <a:lnSpc>
+                <a:spcPct val="100000"/>
+              </a:lnSpc>
+              <a:spcBef>
+                <a:spcPts val="600"/>
+              </a:spcBef>
+              <a:spcAft>
+                <a:spcPts val="0"/>
+              </a:spcAft>
+              <a:buClr>
+                <a:schemeClr val="accent1"/>
+              </a:buClr>
+              <a:buSzPct val="80000"/>
+              <a:buFont typeface="Wingdings 2"/>
+              <a:buNone/>
+              <a:tabLst/>
+              <a:defRPr/>
+            </a:pPr>
+            <a:r>
+              <a:rPr kumimoji="0" lang="pt-BR" sz="3200" b="0" i="0" u="none" strike="noStrike" kern="1200" cap="none" spc="0" normalizeH="0" baseline="0" noProof="0" dirty="0" smtClean="0">
+                <a:ln>
+                  <a:noFill/>
+                </a:ln>
+                <a:solidFill>
+                  <a:schemeClr val="tx1"/>
+                </a:solidFill>
+                <a:effectLst/>
+                <a:uLnTx/>
+                <a:uFillTx/>
+                <a:latin typeface="+mn-lt"/>
+                <a:ea typeface="+mn-ea"/>
+                <a:cs typeface="+mn-cs"/>
+              </a:rPr>
+              <a:t>u 	105 100 101.36</a:t>
+            </a:r>
+          </a:p>
+          <a:p>
+            <a:pPr marL="365760" marR="0" lvl="0" indent="-283464" algn="l" defTabSz="914400" rtl="0" eaLnBrk="1" fontAlgn="auto" latinLnBrk="0" hangingPunct="1">
+              <a:lnSpc>
+                <a:spcPct val="100000"/>
+              </a:lnSpc>
+              <a:spcBef>
+                <a:spcPts val="600"/>
+              </a:spcBef>
+              <a:spcAft>
+                <a:spcPts val="0"/>
+              </a:spcAft>
+              <a:buClr>
+                <a:schemeClr val="accent1"/>
+              </a:buClr>
+              <a:buSzPct val="80000"/>
+              <a:buFont typeface="Wingdings 2"/>
+              <a:buNone/>
+              <a:tabLst/>
+              <a:defRPr/>
+            </a:pPr>
+            <a:r>
+              <a:rPr kumimoji="0" lang="pt-BR" sz="3200" b="0" i="0" u="none" strike="noStrike" kern="1200" cap="none" spc="0" normalizeH="0" baseline="0" noProof="0" dirty="0" smtClean="0">
+                <a:ln>
+                  <a:noFill/>
+                </a:ln>
+                <a:solidFill>
+                  <a:schemeClr val="tx1"/>
+                </a:solidFill>
+                <a:effectLst/>
+                <a:uLnTx/>
+                <a:uFillTx/>
+                <a:latin typeface="+mn-lt"/>
+                <a:ea typeface="+mn-ea"/>
+                <a:cs typeface="+mn-cs"/>
+              </a:rPr>
+              <a:t>l 		120 100 101.68</a:t>
+            </a:r>
+          </a:p>
+          <a:p>
+            <a:pPr marL="365760" marR="0" lvl="0" indent="-283464" algn="l" defTabSz="914400" rtl="0" eaLnBrk="1" fontAlgn="auto" latinLnBrk="0" hangingPunct="1">
+              <a:lnSpc>
+                <a:spcPct val="100000"/>
+              </a:lnSpc>
+              <a:spcBef>
+                <a:spcPts val="600"/>
+              </a:spcBef>
+              <a:spcAft>
+                <a:spcPts val="0"/>
+              </a:spcAft>
+              <a:buClr>
+                <a:schemeClr val="accent1"/>
+              </a:buClr>
+              <a:buSzPct val="80000"/>
+              <a:buFont typeface="Wingdings 2"/>
+              <a:buNone/>
+              <a:tabLst/>
+              <a:defRPr/>
+            </a:pPr>
+            <a:r>
+              <a:rPr kumimoji="0" lang="pt-BR" sz="3200" b="0" i="0" u="none" strike="noStrike" kern="1200" cap="none" spc="0" normalizeH="0" baseline="0" noProof="0" dirty="0" smtClean="0">
+                <a:ln>
+                  <a:noFill/>
+                </a:ln>
+                <a:solidFill>
+                  <a:schemeClr val="tx1"/>
+                </a:solidFill>
+                <a:effectLst/>
+                <a:uLnTx/>
+                <a:uFillTx/>
+                <a:latin typeface="+mn-lt"/>
+                <a:ea typeface="+mn-ea"/>
+                <a:cs typeface="+mn-cs"/>
+              </a:rPr>
+              <a:t>a 	120 100 101.89</a:t>
+            </a:r>
+          </a:p>
+          <a:p>
+            <a:pPr marL="365760" marR="0" lvl="0" indent="-283464" algn="l" defTabSz="914400" rtl="0" eaLnBrk="1" fontAlgn="auto" latinLnBrk="0" hangingPunct="1">
+              <a:lnSpc>
+                <a:spcPct val="100000"/>
+              </a:lnSpc>
+              <a:spcBef>
+                <a:spcPts val="600"/>
+              </a:spcBef>
+              <a:spcAft>
+                <a:spcPts val="0"/>
+              </a:spcAft>
+              <a:buClr>
+                <a:schemeClr val="accent1"/>
+              </a:buClr>
+              <a:buSzPct val="80000"/>
+              <a:buFont typeface="Wingdings 2"/>
+              <a:buNone/>
+              <a:tabLst/>
+              <a:defRPr/>
+            </a:pPr>
+            <a:r>
+              <a:rPr kumimoji="0" lang="pt-BR" sz="3200" b="0" i="0" u="none" strike="noStrike" kern="1200" cap="none" spc="0" normalizeH="0" baseline="0" noProof="0" dirty="0" smtClean="0">
+                <a:ln>
+                  <a:noFill/>
+                </a:ln>
+                <a:solidFill>
+                  <a:schemeClr val="tx1"/>
+                </a:solidFill>
+                <a:effectLst/>
+                <a:uLnTx/>
+                <a:uFillTx/>
+                <a:latin typeface="+mn-lt"/>
+                <a:ea typeface="+mn-ea"/>
+                <a:cs typeface="+mn-cs"/>
+              </a:rPr>
+              <a:t>n 	105 100 101.99</a:t>
+            </a:r>
+          </a:p>
+          <a:p>
+            <a:pPr marL="365760" marR="0" lvl="0" indent="-283464" algn="l" defTabSz="914400" rtl="0" eaLnBrk="1" fontAlgn="auto" latinLnBrk="0" hangingPunct="1">
+              <a:lnSpc>
+                <a:spcPct val="100000"/>
+              </a:lnSpc>
+              <a:spcBef>
+                <a:spcPts val="600"/>
+              </a:spcBef>
+              <a:spcAft>
+                <a:spcPts val="0"/>
+              </a:spcAft>
+              <a:buClr>
+                <a:schemeClr val="accent1"/>
+              </a:buClr>
+              <a:buSzPct val="80000"/>
+              <a:buFont typeface="Wingdings 2"/>
+              <a:buNone/>
+              <a:tabLst/>
+              <a:defRPr/>
+            </a:pPr>
+            <a:r>
+              <a:rPr kumimoji="0" lang="pt-BR" sz="3200" b="0" i="0" u="none" strike="noStrike" kern="1200" cap="none" spc="0" normalizeH="0" baseline="0" noProof="0" dirty="0" smtClean="0">
+                <a:ln>
+                  <a:noFill/>
+                </a:ln>
+                <a:solidFill>
+                  <a:schemeClr val="tx1"/>
+                </a:solidFill>
+                <a:effectLst/>
+                <a:uLnTx/>
+                <a:uFillTx/>
+                <a:latin typeface="+mn-lt"/>
+                <a:ea typeface="+mn-ea"/>
+                <a:cs typeface="+mn-cs"/>
+              </a:rPr>
+              <a:t>i 		105 100 101.96</a:t>
+            </a:r>
+            <a:endParaRPr kumimoji="0" lang="pt-BR" sz="3200" b="0" i="0" u="none" strike="noStrike" kern="1200" cap="none" spc="0" normalizeH="0" baseline="0" noProof="0" dirty="0">
+              <a:ln>
+                <a:noFill/>
+              </a:ln>
+              <a:solidFill>
+                <a:schemeClr val="tx1"/>
+              </a:solidFill>
+              <a:effectLst/>
+              <a:uLnTx/>
+              <a:uFillTx/>
+              <a:latin typeface="+mn-lt"/>
+              <a:ea typeface="+mn-ea"/>
+              <a:cs typeface="+mn-cs"/>
+            </a:endParaRPr>
+          </a:p>
+        </p:txBody>
+      </p:sp>
+    </p:spTree>
+  </p:cSld>
+  <p:clrMapOvr>
+    <a:masterClrMapping/>
+  </p:clrMapOvr>
+  <p:timing>
+    <p:tnLst>
+      <p:par>
+        <p:cTn id="1" dur="indefinite" restart="never" nodeType="tmRoot"/>
+      </p:par>
+    </p:tnLst>
+  </p:timing>
+</p:sld>
+</file>
+
+<file path=ppt/slides/slide13.xml><?xml version="1.0" encoding="utf-8"?>
+<p:sld xmlns:a="http://schemas.openxmlformats.org/drawingml/2006/main" xmlns:r="http://schemas.openxmlformats.org/officeDocument/2006/relationships" xmlns:p="http://schemas.openxmlformats.org/presentationml/2006/main">
+  <p:cSld>
+    <p:spTree>
+      <p:nvGrpSpPr>
+        <p:cNvPr id="1" name=""/>
+        <p:cNvGrpSpPr/>
+        <p:nvPr/>
+      </p:nvGrpSpPr>
+      <p:grpSpPr>
+        <a:xfrm>
+          <a:off x="0" y="0"/>
+          <a:ext cx="0" cy="0"/>
+          <a:chOff x="0" y="0"/>
+          <a:chExt cx="0" cy="0"/>
+        </a:xfrm>
+      </p:grpSpPr>
+      <p:sp>
+        <p:nvSpPr>
+          <p:cNvPr id="2" name="Título 1"/>
+          <p:cNvSpPr>
+            <a:spLocks noGrp="1"/>
+          </p:cNvSpPr>
+          <p:nvPr>
+            <p:ph type="title"/>
+          </p:nvPr>
+        </p:nvSpPr>
+        <p:spPr/>
+        <p:txBody>
+          <a:bodyPr/>
+          <a:lstStyle/>
+          <a:p>
+            <a:r>
+              <a:rPr lang="pt-BR" dirty="0" smtClean="0"/>
+              <a:t>MBROLA</a:t>
+            </a:r>
+            <a:endParaRPr lang="pt-BR" dirty="0"/>
+          </a:p>
+        </p:txBody>
+      </p:sp>
+      <p:sp>
+        <p:nvSpPr>
+          <p:cNvPr id="4" name="Espaço Reservado para Conteúdo 3"/>
+          <p:cNvSpPr>
+            <a:spLocks noGrp="1"/>
+          </p:cNvSpPr>
+          <p:nvPr>
+            <p:ph idx="1"/>
+          </p:nvPr>
+        </p:nvSpPr>
+        <p:spPr>
+          <a:xfrm>
+            <a:off x="1435608" y="1447800"/>
+            <a:ext cx="7494110" cy="4800600"/>
+          </a:xfrm>
+        </p:spPr>
+        <p:txBody>
+          <a:bodyPr>
+            <a:normAutofit/>
+          </a:bodyPr>
+          <a:lstStyle/>
+          <a:p>
+            <a:pPr>
+              <a:buNone/>
+            </a:pPr>
+            <a:r>
+              <a:rPr lang="pt-BR" dirty="0" smtClean="0"/>
+              <a:t>j 		105 100 100.0</a:t>
+            </a:r>
+          </a:p>
+          <a:p>
+            <a:pPr>
+              <a:buNone/>
+            </a:pPr>
+            <a:r>
+              <a:rPr lang="pt-BR" dirty="0" smtClean="0"/>
+              <a:t>a 	105 100 100.49</a:t>
+            </a:r>
+          </a:p>
+          <a:p>
+            <a:pPr>
+              <a:buNone/>
+            </a:pPr>
+            <a:r>
+              <a:rPr lang="pt-BR" dirty="0" smtClean="0"/>
+              <a:t>b 	105 100 100.95</a:t>
+            </a:r>
+          </a:p>
+          <a:p>
+            <a:pPr>
+              <a:buNone/>
+            </a:pPr>
+            <a:r>
+              <a:rPr lang="pt-BR" dirty="0" smtClean="0"/>
+              <a:t>u 	105 100 101.36</a:t>
+            </a:r>
+          </a:p>
+          <a:p>
+            <a:pPr>
+              <a:buNone/>
+            </a:pPr>
+            <a:r>
+              <a:rPr lang="pt-BR" dirty="0" smtClean="0"/>
+              <a:t>l 		120 100 101.68</a:t>
+            </a:r>
+          </a:p>
+          <a:p>
+            <a:pPr>
+              <a:buNone/>
+            </a:pPr>
+            <a:r>
+              <a:rPr lang="pt-BR" dirty="0" smtClean="0"/>
+              <a:t>a 	520 25 51 25 90 25 120 25 160</a:t>
+            </a:r>
+          </a:p>
+          <a:p>
+            <a:pPr>
+              <a:buNone/>
+            </a:pPr>
+            <a:r>
+              <a:rPr lang="pt-BR" dirty="0" smtClean="0"/>
+              <a:t>n 	105 100 101.99</a:t>
+            </a:r>
+          </a:p>
+          <a:p>
+            <a:pPr>
+              <a:buNone/>
+            </a:pPr>
+            <a:r>
+              <a:rPr lang="pt-BR" dirty="0" smtClean="0"/>
+              <a:t>i 		105 100 101.96</a:t>
+            </a:r>
+            <a:endParaRPr lang="pt-BR" dirty="0"/>
+          </a:p>
+        </p:txBody>
+      </p:sp>
+    </p:spTree>
+  </p:cSld>
+  <p:clrMapOvr>
+    <a:masterClrMapping/>
+  </p:clrMapOvr>
+  <p:timing>
+    <p:tnLst>
+      <p:par>
+        <p:cTn id="1" dur="indefinite" restart="never" nodeType="tmRoot"/>
+      </p:par>
+    </p:tnLst>
+  </p:timing>
+</p:sld>
+</file>
+
+<file path=ppt/slides/slide14.xml><?xml version="1.0" encoding="utf-8"?>
+<p:sld xmlns:a="http://schemas.openxmlformats.org/drawingml/2006/main" xmlns:r="http://schemas.openxmlformats.org/officeDocument/2006/relationships" xmlns:p="http://schemas.openxmlformats.org/presentationml/2006/main">
+  <p:cSld>
+    <p:spTree>
+      <p:nvGrpSpPr>
+        <p:cNvPr id="1" name=""/>
+        <p:cNvGrpSpPr/>
+        <p:nvPr/>
+      </p:nvGrpSpPr>
+      <p:grpSpPr>
+        <a:xfrm>
+          <a:off x="0" y="0"/>
+          <a:ext cx="0" cy="0"/>
+          <a:chOff x="0" y="0"/>
+          <a:chExt cx="0" cy="0"/>
+        </a:xfrm>
+      </p:grpSpPr>
+      <p:sp>
+        <p:nvSpPr>
+          <p:cNvPr id="2" name="Título 1"/>
+          <p:cNvSpPr>
+            <a:spLocks noGrp="1"/>
+          </p:cNvSpPr>
+          <p:nvPr>
+            <p:ph type="title"/>
+          </p:nvPr>
+        </p:nvSpPr>
+        <p:spPr/>
+        <p:txBody>
+          <a:bodyPr/>
+          <a:lstStyle/>
+          <a:p>
+            <a:r>
+              <a:rPr lang="pt-BR" dirty="0" smtClean="0"/>
+              <a:t>Requisitos</a:t>
+            </a:r>
+            <a:endParaRPr lang="pt-BR" dirty="0"/>
+          </a:p>
+        </p:txBody>
+      </p:sp>
+      <p:sp>
+        <p:nvSpPr>
+          <p:cNvPr id="3" name="Espaço Reservado para Conteúdo 2"/>
+          <p:cNvSpPr>
+            <a:spLocks noGrp="1"/>
+          </p:cNvSpPr>
+          <p:nvPr>
+            <p:ph idx="1"/>
+          </p:nvPr>
+        </p:nvSpPr>
+        <p:spPr/>
+        <p:txBody>
+          <a:bodyPr/>
+          <a:lstStyle/>
+          <a:p>
+            <a:r>
+              <a:rPr lang="pt-BR" dirty="0" smtClean="0"/>
+              <a:t>A </a:t>
+            </a:r>
+            <a:r>
+              <a:rPr lang="pt-BR" dirty="0" smtClean="0"/>
+              <a:t>BNF deve suportar comandos para especificar a fala</a:t>
+            </a:r>
+          </a:p>
+          <a:p>
+            <a:r>
+              <a:rPr lang="pt-BR" dirty="0" smtClean="0"/>
+              <a:t>Gerar uma definição textual do texto que será repassado ao sintetizador</a:t>
+            </a:r>
+          </a:p>
+          <a:p>
+            <a:r>
+              <a:rPr lang="pt-BR" dirty="0" smtClean="0"/>
+              <a:t>Permitir a um usuário ou um sistema externo atribuir uma entrada no formato JSML ao sintetizador</a:t>
+            </a:r>
+            <a:endParaRPr lang="pt-BR" dirty="0"/>
+          </a:p>
+        </p:txBody>
+      </p:sp>
+    </p:spTree>
+  </p:cSld>
+  <p:clrMapOvr>
+    <a:masterClrMapping/>
+  </p:clrMapOvr>
+  <p:timing>
+    <p:tnLst>
+      <p:par>
+        <p:cTn id="1" dur="indefinite" restart="never" nodeType="tmRoot"/>
+      </p:par>
+    </p:tnLst>
+  </p:timing>
+</p:sld>
+</file>
+
+<file path=ppt/slides/slide15.xml><?xml version="1.0" encoding="utf-8"?>
+<p:sld xmlns:a="http://schemas.openxmlformats.org/drawingml/2006/main" xmlns:r="http://schemas.openxmlformats.org/officeDocument/2006/relationships" xmlns:p="http://schemas.openxmlformats.org/presentationml/2006/main">
+  <p:cSld>
+    <p:spTree>
+      <p:nvGrpSpPr>
+        <p:cNvPr id="1" name=""/>
+        <p:cNvGrpSpPr/>
+        <p:nvPr/>
+      </p:nvGrpSpPr>
+      <p:grpSpPr>
+        <a:xfrm>
+          <a:off x="0" y="0"/>
+          <a:ext cx="0" cy="0"/>
+          <a:chOff x="0" y="0"/>
+          <a:chExt cx="0" cy="0"/>
+        </a:xfrm>
+      </p:grpSpPr>
+      <p:sp>
+        <p:nvSpPr>
+          <p:cNvPr id="2" name="Título 1"/>
+          <p:cNvSpPr>
+            <a:spLocks noGrp="1"/>
+          </p:cNvSpPr>
+          <p:nvPr>
+            <p:ph type="title"/>
+          </p:nvPr>
+        </p:nvSpPr>
+        <p:spPr/>
+        <p:txBody>
+          <a:bodyPr/>
+          <a:lstStyle/>
+          <a:p>
+            <a:r>
+              <a:rPr lang="pt-BR" dirty="0" smtClean="0"/>
+              <a:t>Comandos do LTD</a:t>
+            </a:r>
+            <a:endParaRPr lang="pt-BR" dirty="0"/>
+          </a:p>
+        </p:txBody>
+      </p:sp>
+      <p:sp>
+        <p:nvSpPr>
+          <p:cNvPr id="3" name="Espaço Reservado para Conteúdo 2"/>
+          <p:cNvSpPr>
+            <a:spLocks noGrp="1"/>
+          </p:cNvSpPr>
+          <p:nvPr>
+            <p:ph idx="1"/>
+          </p:nvPr>
+        </p:nvSpPr>
+        <p:spPr/>
+        <p:txBody>
+          <a:bodyPr>
+            <a:normAutofit fontScale="92500" lnSpcReduction="20000"/>
+          </a:bodyPr>
+          <a:lstStyle/>
+          <a:p>
+            <a:r>
+              <a:rPr lang="pt-BR" dirty="0" smtClean="0"/>
+              <a:t>Comandos </a:t>
+            </a:r>
+            <a:r>
+              <a:rPr lang="pt-BR" dirty="0" smtClean="0"/>
+              <a:t>de Animação</a:t>
+            </a:r>
+            <a:endParaRPr lang="pt-BR" dirty="0" smtClean="0"/>
+          </a:p>
+          <a:p>
+            <a:pPr lvl="1"/>
+            <a:r>
+              <a:rPr lang="pt-BR" sz="2200" dirty="0" smtClean="0"/>
+              <a:t>cria</a:t>
+            </a:r>
+          </a:p>
+          <a:p>
+            <a:pPr lvl="1"/>
+            <a:r>
+              <a:rPr lang="pt-BR" sz="2200" dirty="0" smtClean="0"/>
+              <a:t>move</a:t>
+            </a:r>
+          </a:p>
+          <a:p>
+            <a:pPr lvl="1"/>
+            <a:r>
+              <a:rPr lang="pt-BR" sz="2200" dirty="0" smtClean="0"/>
+              <a:t>gira</a:t>
+            </a:r>
+          </a:p>
+          <a:p>
+            <a:pPr lvl="1"/>
+            <a:r>
+              <a:rPr lang="pt-BR" sz="2200" dirty="0" smtClean="0"/>
+              <a:t>espelha</a:t>
+            </a:r>
+          </a:p>
+          <a:p>
+            <a:pPr lvl="1"/>
+            <a:r>
+              <a:rPr lang="pt-BR" sz="2200" dirty="0" smtClean="0"/>
+              <a:t>cor</a:t>
+            </a:r>
+          </a:p>
+          <a:p>
+            <a:pPr lvl="1"/>
+            <a:r>
+              <a:rPr lang="pt-BR" sz="2200" dirty="0" smtClean="0"/>
+              <a:t>pisca</a:t>
+            </a:r>
+          </a:p>
+          <a:p>
+            <a:pPr lvl="1"/>
+            <a:r>
+              <a:rPr lang="pt-BR" sz="2200" dirty="0" smtClean="0"/>
+              <a:t>repita</a:t>
+            </a:r>
+          </a:p>
+          <a:p>
+            <a:pPr lvl="1"/>
+            <a:r>
+              <a:rPr lang="pt-BR" sz="2200" dirty="0" smtClean="0"/>
+              <a:t>faça</a:t>
+            </a:r>
+          </a:p>
+          <a:p>
+            <a:r>
+              <a:rPr lang="pt-BR" dirty="0" smtClean="0"/>
+              <a:t>Comandos </a:t>
+            </a:r>
+            <a:r>
+              <a:rPr lang="pt-BR" dirty="0" smtClean="0"/>
+              <a:t>de fala</a:t>
+            </a:r>
+          </a:p>
+          <a:p>
+            <a:pPr lvl="1"/>
+            <a:r>
+              <a:rPr lang="pt-BR" sz="2200" dirty="0" smtClean="0"/>
+              <a:t>fala (sobreposta ou exclusiva)</a:t>
+            </a:r>
+          </a:p>
+          <a:p>
+            <a:pPr lvl="1"/>
+            <a:r>
+              <a:rPr lang="pt-BR" sz="2200" dirty="0" smtClean="0"/>
+              <a:t>enquanto fala</a:t>
+            </a:r>
+          </a:p>
+          <a:p>
+            <a:pPr lvl="1"/>
+            <a:r>
+              <a:rPr lang="pt-BR" sz="2200" dirty="0" smtClean="0"/>
+              <a:t>espera fala</a:t>
+            </a:r>
+          </a:p>
+        </p:txBody>
+      </p:sp>
+    </p:spTree>
+  </p:cSld>
+  <p:clrMapOvr>
+    <a:masterClrMapping/>
+  </p:clrMapOvr>
+  <p:timing>
+    <p:tnLst>
+      <p:par>
+        <p:cTn id="1" dur="indefinite" restart="never" nodeType="tmRoot"/>
+      </p:par>
+    </p:tnLst>
+  </p:timing>
+</p:sld>
+</file>
+
+<file path=ppt/slides/slide16.xml><?xml version="1.0" encoding="utf-8"?>
+<p:sld xmlns:a="http://schemas.openxmlformats.org/drawingml/2006/main" xmlns:r="http://schemas.openxmlformats.org/officeDocument/2006/relationships" xmlns:p="http://schemas.openxmlformats.org/presentationml/2006/main">
+  <p:cSld>
+    <p:spTree>
+      <p:nvGrpSpPr>
+        <p:cNvPr id="1" name=""/>
+        <p:cNvGrpSpPr/>
+        <p:nvPr/>
+      </p:nvGrpSpPr>
+      <p:grpSpPr>
+        <a:xfrm>
+          <a:off x="0" y="0"/>
+          <a:ext cx="0" cy="0"/>
+          <a:chOff x="0" y="0"/>
+          <a:chExt cx="0" cy="0"/>
+        </a:xfrm>
+      </p:grpSpPr>
+      <p:sp>
+        <p:nvSpPr>
+          <p:cNvPr id="2" name="Título 1"/>
+          <p:cNvSpPr>
+            <a:spLocks noGrp="1"/>
+          </p:cNvSpPr>
+          <p:nvPr>
+            <p:ph type="title"/>
+          </p:nvPr>
+        </p:nvSpPr>
+        <p:spPr/>
+        <p:txBody>
+          <a:bodyPr/>
+          <a:lstStyle/>
+          <a:p>
+            <a:r>
+              <a:rPr lang="pt-BR" dirty="0" smtClean="0"/>
+              <a:t>BNF</a:t>
+            </a:r>
+            <a:endParaRPr lang="pt-BR" dirty="0"/>
+          </a:p>
+        </p:txBody>
+      </p:sp>
+      <p:sp>
+        <p:nvSpPr>
+          <p:cNvPr id="3" name="Espaço Reservado para Conteúdo 2"/>
+          <p:cNvSpPr>
+            <a:spLocks noGrp="1"/>
+          </p:cNvSpPr>
+          <p:nvPr>
+            <p:ph idx="1"/>
+          </p:nvPr>
+        </p:nvSpPr>
+        <p:spPr>
+          <a:xfrm>
+            <a:off x="1071538" y="1447800"/>
+            <a:ext cx="7929618" cy="5195910"/>
+          </a:xfrm>
+        </p:spPr>
+        <p:txBody>
+          <a:bodyPr>
+            <a:normAutofit/>
+          </a:bodyPr>
+          <a:lstStyle/>
+          <a:p>
+            <a:pPr>
+              <a:buNone/>
+            </a:pPr>
+            <a:endParaRPr lang="pt-BR" sz="2400" dirty="0" smtClean="0">
+              <a:latin typeface="Courier New" pitchFamily="49" charset="0"/>
+              <a:cs typeface="Courier New" pitchFamily="49" charset="0"/>
+            </a:endParaRPr>
+          </a:p>
+          <a:p>
+            <a:pPr>
+              <a:buNone/>
+            </a:pPr>
+            <a:r>
+              <a:rPr lang="pt-BR" sz="2400" dirty="0" smtClean="0">
+                <a:latin typeface="Courier New" pitchFamily="49" charset="0"/>
+                <a:cs typeface="Courier New" pitchFamily="49" charset="0"/>
+              </a:rPr>
+              <a:t>&lt;</a:t>
+            </a:r>
+            <a:r>
+              <a:rPr lang="pt-BR" sz="2400" dirty="0" err="1" smtClean="0">
+                <a:latin typeface="Courier New" pitchFamily="49" charset="0"/>
+                <a:cs typeface="Courier New" pitchFamily="49" charset="0"/>
+              </a:rPr>
+              <a:t>comando_fala</a:t>
+            </a:r>
+            <a:r>
+              <a:rPr lang="pt-BR" sz="2400" dirty="0" smtClean="0">
+                <a:latin typeface="Courier New" pitchFamily="49" charset="0"/>
+                <a:cs typeface="Courier New" pitchFamily="49" charset="0"/>
+              </a:rPr>
+              <a:t>&gt; ::= fala "(" jsml #37 &lt;</a:t>
+            </a:r>
+            <a:r>
+              <a:rPr lang="pt-BR" sz="2400" dirty="0" err="1" smtClean="0">
+                <a:latin typeface="Courier New" pitchFamily="49" charset="0"/>
+                <a:cs typeface="Courier New" pitchFamily="49" charset="0"/>
+              </a:rPr>
+              <a:t>comando_fala_sobreposto</a:t>
+            </a:r>
+            <a:r>
+              <a:rPr lang="pt-BR" sz="2400" dirty="0" smtClean="0">
+                <a:latin typeface="Courier New" pitchFamily="49" charset="0"/>
+                <a:cs typeface="Courier New" pitchFamily="49" charset="0"/>
+              </a:rPr>
+              <a:t>&gt; ")" #39 #14;</a:t>
+            </a:r>
+          </a:p>
+          <a:p>
+            <a:pPr>
+              <a:buNone/>
+            </a:pPr>
+            <a:endParaRPr lang="pt-BR" sz="2400" dirty="0" smtClean="0">
+              <a:latin typeface="Courier New" pitchFamily="49" charset="0"/>
+              <a:cs typeface="Courier New" pitchFamily="49" charset="0"/>
+            </a:endParaRPr>
+          </a:p>
+          <a:p>
+            <a:pPr>
+              <a:buNone/>
+            </a:pPr>
+            <a:r>
+              <a:rPr lang="pt-BR" sz="2400" dirty="0" smtClean="0">
+                <a:latin typeface="Courier New" pitchFamily="49" charset="0"/>
+                <a:cs typeface="Courier New" pitchFamily="49" charset="0"/>
+              </a:rPr>
+              <a:t>&lt;</a:t>
+            </a:r>
+            <a:r>
+              <a:rPr lang="pt-BR" sz="2400" dirty="0" err="1" smtClean="0">
+                <a:latin typeface="Courier New" pitchFamily="49" charset="0"/>
+                <a:cs typeface="Courier New" pitchFamily="49" charset="0"/>
+              </a:rPr>
+              <a:t>comando_fala_sobreposto</a:t>
+            </a:r>
+            <a:r>
+              <a:rPr lang="pt-BR" sz="2400" dirty="0" smtClean="0">
+                <a:latin typeface="Courier New" pitchFamily="49" charset="0"/>
+                <a:cs typeface="Courier New" pitchFamily="49" charset="0"/>
+              </a:rPr>
+              <a:t>&gt; ::= sobreposto #38 | î;</a:t>
+            </a:r>
+          </a:p>
+          <a:p>
+            <a:pPr>
+              <a:buNone/>
+            </a:pPr>
+            <a:endParaRPr lang="pt-BR" sz="2400" dirty="0" smtClean="0">
+              <a:latin typeface="Courier New" pitchFamily="49" charset="0"/>
+              <a:cs typeface="Courier New" pitchFamily="49" charset="0"/>
+            </a:endParaRPr>
+          </a:p>
+          <a:p>
+            <a:pPr>
+              <a:buNone/>
+            </a:pPr>
+            <a:r>
+              <a:rPr lang="pt-BR" sz="2400" dirty="0" smtClean="0">
+                <a:latin typeface="Courier New" pitchFamily="49" charset="0"/>
+                <a:cs typeface="Courier New" pitchFamily="49" charset="0"/>
+              </a:rPr>
+              <a:t>&lt;</a:t>
+            </a:r>
+            <a:r>
+              <a:rPr lang="pt-BR" sz="2400" dirty="0" err="1" smtClean="0">
+                <a:latin typeface="Courier New" pitchFamily="49" charset="0"/>
+                <a:cs typeface="Courier New" pitchFamily="49" charset="0"/>
+              </a:rPr>
+              <a:t>comando_enquanto_fala</a:t>
+            </a:r>
+            <a:r>
+              <a:rPr lang="pt-BR" sz="2400" dirty="0" smtClean="0">
+                <a:latin typeface="Courier New" pitchFamily="49" charset="0"/>
+                <a:cs typeface="Courier New" pitchFamily="49" charset="0"/>
+              </a:rPr>
+              <a:t>&gt; ::= enquanto fala #40 inicio &lt;bloco&gt; fim #41 #14;</a:t>
+            </a:r>
+          </a:p>
+          <a:p>
+            <a:pPr>
+              <a:buNone/>
+            </a:pPr>
+            <a:endParaRPr lang="pt-BR" sz="2400" dirty="0" smtClean="0">
+              <a:latin typeface="Courier New" pitchFamily="49" charset="0"/>
+              <a:cs typeface="Courier New" pitchFamily="49" charset="0"/>
+            </a:endParaRPr>
+          </a:p>
+          <a:p>
+            <a:pPr>
+              <a:buNone/>
+            </a:pPr>
+            <a:r>
+              <a:rPr lang="pt-BR" sz="2400" dirty="0" smtClean="0">
+                <a:latin typeface="Courier New" pitchFamily="49" charset="0"/>
+                <a:cs typeface="Courier New" pitchFamily="49" charset="0"/>
+              </a:rPr>
+              <a:t>&lt;</a:t>
+            </a:r>
+            <a:r>
+              <a:rPr lang="pt-BR" sz="2400" dirty="0" err="1" smtClean="0">
+                <a:latin typeface="Courier New" pitchFamily="49" charset="0"/>
+                <a:cs typeface="Courier New" pitchFamily="49" charset="0"/>
+              </a:rPr>
+              <a:t>comando_espera_fala</a:t>
+            </a:r>
+            <a:r>
+              <a:rPr lang="pt-BR" sz="2400" dirty="0" smtClean="0">
+                <a:latin typeface="Courier New" pitchFamily="49" charset="0"/>
+                <a:cs typeface="Courier New" pitchFamily="49" charset="0"/>
+              </a:rPr>
+              <a:t>&gt; ::= espera fala #42 #14;</a:t>
+            </a:r>
+            <a:endParaRPr lang="pt-BR" sz="2400" dirty="0">
+              <a:latin typeface="Courier New" pitchFamily="49" charset="0"/>
+              <a:cs typeface="Courier New" pitchFamily="49" charset="0"/>
+            </a:endParaRPr>
+          </a:p>
+        </p:txBody>
+      </p:sp>
+    </p:spTree>
+  </p:cSld>
+  <p:clrMapOvr>
+    <a:masterClrMapping/>
+  </p:clrMapOvr>
+</p:sld>
+</file>
+
+<file path=ppt/slides/slide17.xml><?xml version="1.0" encoding="utf-8"?>
+<p:sld xmlns:a="http://schemas.openxmlformats.org/drawingml/2006/main" xmlns:r="http://schemas.openxmlformats.org/officeDocument/2006/relationships" xmlns:p="http://schemas.openxmlformats.org/presentationml/2006/main">
+  <p:cSld>
+    <p:spTree>
+      <p:nvGrpSpPr>
+        <p:cNvPr id="1" name=""/>
+        <p:cNvGrpSpPr/>
+        <p:nvPr/>
+      </p:nvGrpSpPr>
+      <p:grpSpPr>
+        <a:xfrm>
+          <a:off x="0" y="0"/>
+          <a:ext cx="0" cy="0"/>
+          <a:chOff x="0" y="0"/>
+          <a:chExt cx="0" cy="0"/>
+        </a:xfrm>
+      </p:grpSpPr>
+      <p:sp>
+        <p:nvSpPr>
+          <p:cNvPr id="2" name="Título 1"/>
+          <p:cNvSpPr>
+            <a:spLocks noGrp="1"/>
+          </p:cNvSpPr>
+          <p:nvPr>
+            <p:ph type="title"/>
+          </p:nvPr>
+        </p:nvSpPr>
+        <p:spPr/>
+        <p:txBody>
+          <a:bodyPr/>
+          <a:lstStyle/>
+          <a:p>
+            <a:r>
+              <a:rPr lang="pt-BR" dirty="0" smtClean="0"/>
+              <a:t>Caso de Uso</a:t>
             </a:r>
             <a:endParaRPr lang="pt-BR" dirty="0"/>
           </a:p>
@@ -6195,7 +7427,7 @@
 </p:sld>
 </file>
 
-<file path=ppt/slides/slide13.xml><?xml version="1.0" encoding="utf-8"?>
+<file path=ppt/slides/slide18.xml><?xml version="1.0" encoding="utf-8"?>
 <p:sld xmlns:a="http://schemas.openxmlformats.org/drawingml/2006/main" xmlns:r="http://schemas.openxmlformats.org/officeDocument/2006/relationships" xmlns:p="http://schemas.openxmlformats.org/presentationml/2006/main">
   <p:cSld>
     <p:spTree>
@@ -6229,7 +7461,7 @@
           <a:p>
             <a:r>
               <a:rPr lang="pt-BR" dirty="0" smtClean="0"/>
-              <a:t>Especificação</a:t>
+              <a:t>Caso de Uso</a:t>
             </a:r>
             <a:endParaRPr lang="pt-BR" dirty="0"/>
           </a:p>
@@ -6275,7 +7507,7 @@
 </p:sld>
 </file>
 
-<file path=ppt/slides/slide14.xml><?xml version="1.0" encoding="utf-8"?>
+<file path=ppt/slides/slide19.xml><?xml version="1.0" encoding="utf-8"?>
 <p:sld xmlns:a="http://schemas.openxmlformats.org/drawingml/2006/main" xmlns:r="http://schemas.openxmlformats.org/officeDocument/2006/relationships" xmlns:p="http://schemas.openxmlformats.org/presentationml/2006/main">
   <p:cSld>
     <p:spTree>
@@ -6309,72 +7541,44 @@
           <a:p>
             <a:r>
               <a:rPr lang="pt-BR" dirty="0" smtClean="0"/>
-              <a:t>Desenvolvimento</a:t>
+              <a:t>Diagrama de Classes</a:t>
             </a:r>
             <a:endParaRPr lang="pt-BR" dirty="0"/>
           </a:p>
         </p:txBody>
       </p:sp>
-      <p:sp>
-        <p:nvSpPr>
-          <p:cNvPr id="3" name="Espaço Reservado para Conteúdo 2"/>
-          <p:cNvSpPr>
-            <a:spLocks noGrp="1"/>
-          </p:cNvSpPr>
+      <p:pic>
+        <p:nvPicPr>
+          <p:cNvPr id="5" name="Espaço Reservado para Conteúdo 4" descr="SynthElement.cld.jpg"/>
+          <p:cNvPicPr>
+            <a:picLocks noGrp="1" noChangeAspect="1"/>
+          </p:cNvPicPr>
           <p:nvPr>
             <p:ph idx="1"/>
           </p:nvPr>
-        </p:nvSpPr>
-        <p:spPr/>
-        <p:txBody>
-          <a:bodyPr/>
-          <a:lstStyle/>
-          <a:p>
-            <a:r>
-              <a:rPr lang="pt-BR" dirty="0" smtClean="0"/>
-              <a:t>Requisitos</a:t>
-            </a:r>
-          </a:p>
-          <a:p>
-            <a:pPr lvl="1"/>
-            <a:r>
-              <a:rPr lang="pt-BR" dirty="0" smtClean="0"/>
-              <a:t>A BNF deve suportar comandos para especificar a fala</a:t>
-            </a:r>
-          </a:p>
-          <a:p>
-            <a:pPr lvl="1"/>
-            <a:r>
-              <a:rPr lang="pt-BR" dirty="0" smtClean="0"/>
-              <a:t>Gerar uma definição textual do texto que será repassado ao sintetizador</a:t>
-            </a:r>
-          </a:p>
-          <a:p>
-            <a:pPr lvl="1"/>
-            <a:r>
-              <a:rPr lang="pt-BR" dirty="0" smtClean="0"/>
-              <a:t>Permitir a um usuário ou um sistema externo atribuir uma entrada no formato JSML ao sintetizador</a:t>
-            </a:r>
-            <a:endParaRPr lang="pt-BR" dirty="0"/>
-          </a:p>
-        </p:txBody>
-      </p:sp>
+        </p:nvPicPr>
+        <p:blipFill>
+          <a:blip r:embed="rId2"/>
+          <a:stretch>
+            <a:fillRect/>
+          </a:stretch>
+        </p:blipFill>
+        <p:spPr>
+          <a:xfrm>
+            <a:off x="1435100" y="2025341"/>
+            <a:ext cx="7499350" cy="3645517"/>
+          </a:xfrm>
+        </p:spPr>
+      </p:pic>
     </p:spTree>
   </p:cSld>
   <p:clrMapOvr>
     <a:masterClrMapping/>
   </p:clrMapOvr>
-  <p:timing>
-    <p:tnLst>
-      <p:par>
-        <p:cTn id="1" dur="indefinite" restart="never" nodeType="tmRoot"/>
-      </p:par>
-    </p:tnLst>
-  </p:timing>
 </p:sld>
 </file>
 
-<file path=ppt/slides/slide15.xml><?xml version="1.0" encoding="utf-8"?>
+<file path=ppt/slides/slide2.xml><?xml version="1.0" encoding="utf-8"?>
 <p:sld xmlns:a="http://schemas.openxmlformats.org/drawingml/2006/main" xmlns:r="http://schemas.openxmlformats.org/officeDocument/2006/relationships" xmlns:p="http://schemas.openxmlformats.org/presentationml/2006/main">
   <p:cSld>
     <p:spTree>
@@ -6393,12 +7597,12 @@
       </p:grpSpPr>
       <p:sp>
         <p:nvSpPr>
-          <p:cNvPr id="2" name="Título 1"/>
-          <p:cNvSpPr>
-            <a:spLocks noGrp="1"/>
-          </p:cNvSpPr>
-          <p:nvPr>
-            <p:ph type="title"/>
+          <p:cNvPr id="3" name="Espaço Reservado para Conteúdo 2"/>
+          <p:cNvSpPr>
+            <a:spLocks noGrp="1"/>
+          </p:cNvSpPr>
+          <p:nvPr>
+            <p:ph idx="1"/>
           </p:nvPr>
         </p:nvSpPr>
         <p:spPr/>
@@ -6408,116 +7612,47 @@
           <a:p>
             <a:r>
               <a:rPr lang="pt-BR" dirty="0" smtClean="0"/>
+              <a:t>Introdução</a:t>
+            </a:r>
+          </a:p>
+          <a:p>
+            <a:r>
+              <a:rPr lang="pt-BR" dirty="0" smtClean="0"/>
+              <a:t>Objetivos</a:t>
+            </a:r>
+          </a:p>
+          <a:p>
+            <a:r>
+              <a:rPr lang="pt-BR" dirty="0" smtClean="0"/>
+              <a:t>Fundamentação </a:t>
+            </a:r>
+            <a:r>
+              <a:rPr lang="pt-BR" dirty="0" smtClean="0"/>
+              <a:t>Teórica</a:t>
+            </a:r>
+            <a:endParaRPr lang="pt-BR" dirty="0" smtClean="0"/>
+          </a:p>
+          <a:p>
+            <a:r>
+              <a:rPr lang="pt-BR" dirty="0" smtClean="0"/>
               <a:t>Desenvolvimento</a:t>
             </a:r>
+          </a:p>
+          <a:p>
+            <a:r>
+              <a:rPr lang="pt-BR" dirty="0" smtClean="0"/>
+              <a:t>Conclusão</a:t>
+            </a:r>
+            <a:endParaRPr lang="pt-BR" dirty="0" smtClean="0"/>
+          </a:p>
+          <a:p>
+            <a:r>
+              <a:rPr lang="pt-BR" dirty="0" smtClean="0"/>
+              <a:t>Extensões</a:t>
+            </a:r>
+          </a:p>
+          <a:p>
             <a:endParaRPr lang="pt-BR" dirty="0"/>
-          </a:p>
-        </p:txBody>
-      </p:sp>
-      <p:sp>
-        <p:nvSpPr>
-          <p:cNvPr id="3" name="Espaço Reservado para Conteúdo 2"/>
-          <p:cNvSpPr>
-            <a:spLocks noGrp="1"/>
-          </p:cNvSpPr>
-          <p:nvPr>
-            <p:ph idx="1"/>
-          </p:nvPr>
-        </p:nvSpPr>
-        <p:spPr/>
-        <p:txBody>
-          <a:bodyPr>
-            <a:normAutofit fontScale="92500" lnSpcReduction="20000"/>
-          </a:bodyPr>
-          <a:lstStyle/>
-          <a:p>
-            <a:r>
-              <a:rPr lang="pt-BR" dirty="0" smtClean="0"/>
-              <a:t>Comandos do LTD</a:t>
-            </a:r>
-          </a:p>
-          <a:p>
-            <a:pPr lvl="1"/>
-            <a:r>
-              <a:rPr lang="pt-BR" sz="2200" dirty="0" smtClean="0"/>
-              <a:t>cria</a:t>
-            </a:r>
-          </a:p>
-          <a:p>
-            <a:pPr lvl="1"/>
-            <a:r>
-              <a:rPr lang="pt-BR" sz="2200" dirty="0" smtClean="0"/>
-              <a:t>move</a:t>
-            </a:r>
-          </a:p>
-          <a:p>
-            <a:pPr lvl="1"/>
-            <a:r>
-              <a:rPr lang="pt-BR" sz="2200" dirty="0" smtClean="0"/>
-              <a:t>gira</a:t>
-            </a:r>
-          </a:p>
-          <a:p>
-            <a:pPr lvl="1"/>
-            <a:r>
-              <a:rPr lang="pt-BR" sz="2200" dirty="0" smtClean="0"/>
-              <a:t>espelha</a:t>
-            </a:r>
-          </a:p>
-          <a:p>
-            <a:pPr lvl="1"/>
-            <a:r>
-              <a:rPr lang="pt-BR" sz="2200" dirty="0" smtClean="0"/>
-              <a:t>cor</a:t>
-            </a:r>
-          </a:p>
-          <a:p>
-            <a:pPr lvl="1"/>
-            <a:r>
-              <a:rPr lang="pt-BR" sz="2200" dirty="0" smtClean="0"/>
-              <a:t>pisca</a:t>
-            </a:r>
-          </a:p>
-          <a:p>
-            <a:pPr lvl="1"/>
-            <a:r>
-              <a:rPr lang="pt-BR" sz="2200" dirty="0" smtClean="0"/>
-              <a:t>repita</a:t>
-            </a:r>
-          </a:p>
-          <a:p>
-            <a:pPr lvl="1"/>
-            <a:r>
-              <a:rPr lang="pt-BR" sz="2200" dirty="0" smtClean="0"/>
-              <a:t>faça</a:t>
-            </a:r>
-          </a:p>
-          <a:p>
-            <a:r>
-              <a:rPr lang="pt-BR" dirty="0" smtClean="0"/>
-              <a:t>Especificação dos comandos de fala</a:t>
-            </a:r>
-          </a:p>
-          <a:p>
-            <a:pPr lvl="1"/>
-            <a:r>
-              <a:rPr lang="pt-BR" sz="2200" dirty="0" smtClean="0"/>
-              <a:t>fala (sobreposta ou exclusiva)</a:t>
-            </a:r>
-          </a:p>
-          <a:p>
-            <a:pPr lvl="1"/>
-            <a:r>
-              <a:rPr lang="pt-BR" sz="2200" dirty="0" smtClean="0"/>
-              <a:t>enquanto fala</a:t>
-            </a:r>
-          </a:p>
-          <a:p>
-            <a:pPr lvl="1"/>
-            <a:r>
-              <a:rPr lang="pt-BR" sz="2200" dirty="0" smtClean="0"/>
-              <a:t>espera fala</a:t>
-            </a:r>
           </a:p>
         </p:txBody>
       </p:sp>
@@ -6536,7 +7671,7 @@
 </p:sld>
 </file>
 
-<file path=ppt/slides/slide16.xml><?xml version="1.0" encoding="utf-8"?>
+<file path=ppt/slides/slide20.xml><?xml version="1.0" encoding="utf-8"?>
 <p:sld xmlns:a="http://schemas.openxmlformats.org/drawingml/2006/main" xmlns:r="http://schemas.openxmlformats.org/officeDocument/2006/relationships" xmlns:p="http://schemas.openxmlformats.org/presentationml/2006/main">
   <p:cSld>
     <p:spTree>
@@ -6570,6 +7705,77 @@
           <a:p>
             <a:r>
               <a:rPr lang="pt-BR" dirty="0" smtClean="0"/>
+              <a:t>Diagrama de Sequência</a:t>
+            </a:r>
+            <a:endParaRPr lang="pt-BR" dirty="0"/>
+          </a:p>
+        </p:txBody>
+      </p:sp>
+      <p:pic>
+        <p:nvPicPr>
+          <p:cNvPr id="4" name="Espaço Reservado para Conteúdo 3" descr="SynthElements Instanciate.sqd.jpg"/>
+          <p:cNvPicPr>
+            <a:picLocks noGrp="1" noChangeAspect="1"/>
+          </p:cNvPicPr>
+          <p:nvPr>
+            <p:ph idx="1"/>
+          </p:nvPr>
+        </p:nvPicPr>
+        <p:blipFill>
+          <a:blip r:embed="rId2"/>
+          <a:stretch>
+            <a:fillRect/>
+          </a:stretch>
+        </p:blipFill>
+        <p:spPr>
+          <a:xfrm>
+            <a:off x="1052581" y="2185987"/>
+            <a:ext cx="7675494" cy="3600467"/>
+          </a:xfrm>
+        </p:spPr>
+      </p:pic>
+    </p:spTree>
+  </p:cSld>
+  <p:clrMapOvr>
+    <a:masterClrMapping/>
+  </p:clrMapOvr>
+</p:sld>
+</file>
+
+<file path=ppt/slides/slide21.xml><?xml version="1.0" encoding="utf-8"?>
+<p:sld xmlns:a="http://schemas.openxmlformats.org/drawingml/2006/main" xmlns:r="http://schemas.openxmlformats.org/officeDocument/2006/relationships" xmlns:p="http://schemas.openxmlformats.org/presentationml/2006/main">
+  <p:cSld>
+    <p:spTree>
+      <p:nvGrpSpPr>
+        <p:cNvPr id="1" name=""/>
+        <p:cNvGrpSpPr/>
+        <p:nvPr/>
+      </p:nvGrpSpPr>
+      <p:grpSpPr>
+        <a:xfrm>
+          <a:off x="0" y="0"/>
+          <a:ext cx="0" cy="0"/>
+          <a:chOff x="0" y="0"/>
+          <a:chExt cx="0" cy="0"/>
+        </a:xfrm>
+      </p:grpSpPr>
+      <p:sp>
+        <p:nvSpPr>
+          <p:cNvPr id="2" name="Título 1"/>
+          <p:cNvSpPr>
+            <a:spLocks noGrp="1"/>
+          </p:cNvSpPr>
+          <p:nvPr>
+            <p:ph type="title"/>
+          </p:nvPr>
+        </p:nvSpPr>
+        <p:spPr/>
+        <p:txBody>
+          <a:bodyPr/>
+          <a:lstStyle/>
+          <a:p>
+            <a:r>
+              <a:rPr lang="pt-BR" dirty="0" smtClean="0"/>
               <a:t>Desenvolvimento</a:t>
             </a:r>
             <a:endParaRPr lang="pt-BR" dirty="0"/>
@@ -6824,10 +8030,6 @@
               </a:rPr>
               <a:t>fim</a:t>
             </a:r>
-            <a:endParaRPr lang="pt-BR" sz="2200" dirty="0" smtClean="0">
-              <a:latin typeface="Courier New" pitchFamily="49" charset="0"/>
-              <a:cs typeface="Courier New" pitchFamily="49" charset="0"/>
-            </a:endParaRPr>
           </a:p>
           <a:p>
             <a:pPr>
@@ -6887,31 +8089,20 @@
                 <a:latin typeface="Courier New" pitchFamily="49" charset="0"/>
                 <a:cs typeface="Courier New" pitchFamily="49" charset="0"/>
               </a:rPr>
-              <a:t>espera </a:t>
-            </a:r>
+              <a:t>espera fala</a:t>
+            </a:r>
+          </a:p>
+          <a:p>
+            <a:pPr>
+              <a:buNone/>
+            </a:pPr>
             <a:r>
               <a:rPr lang="pt-BR" sz="2200" dirty="0" smtClean="0">
                 <a:latin typeface="Courier New" pitchFamily="49" charset="0"/>
                 <a:cs typeface="Courier New" pitchFamily="49" charset="0"/>
               </a:rPr>
-              <a:t>fala</a:t>
-            </a:r>
-          </a:p>
-          <a:p>
-            <a:pPr>
-              <a:buNone/>
-            </a:pPr>
-            <a:r>
-              <a:rPr lang="pt-BR" sz="2200" dirty="0" smtClean="0">
-                <a:latin typeface="Courier New" pitchFamily="49" charset="0"/>
-                <a:cs typeface="Courier New" pitchFamily="49" charset="0"/>
-              </a:rPr>
               <a:t>...</a:t>
             </a:r>
-            <a:endParaRPr lang="pt-BR" sz="2200" dirty="0" smtClean="0">
-              <a:latin typeface="Courier New" pitchFamily="49" charset="0"/>
-              <a:cs typeface="Courier New" pitchFamily="49" charset="0"/>
-            </a:endParaRPr>
           </a:p>
           <a:p>
             <a:pPr>
@@ -6962,7 +8153,7 @@
 </p:sld>
 </file>
 
-<file path=ppt/slides/slide17.xml><?xml version="1.0" encoding="utf-8"?>
+<file path=ppt/slides/slide22.xml><?xml version="1.0" encoding="utf-8"?>
 <p:sld xmlns:a="http://schemas.openxmlformats.org/drawingml/2006/main" xmlns:r="http://schemas.openxmlformats.org/officeDocument/2006/relationships" xmlns:p="http://schemas.openxmlformats.org/presentationml/2006/main">
   <p:cSld>
     <p:spTree>
@@ -7365,7 +8556,7 @@
 </p:sld>
 </file>
 
-<file path=ppt/slides/slide18.xml><?xml version="1.0" encoding="utf-8"?>
+<file path=ppt/slides/slide23.xml><?xml version="1.0" encoding="utf-8"?>
 <p:sld xmlns:a="http://schemas.openxmlformats.org/drawingml/2006/main" xmlns:r="http://schemas.openxmlformats.org/officeDocument/2006/relationships" xmlns:p="http://schemas.openxmlformats.org/presentationml/2006/main">
   <p:cSld>
     <p:spTree>
@@ -7422,26 +8613,14 @@
           <a:p>
             <a:r>
               <a:rPr lang="pt-BR" dirty="0" smtClean="0"/>
-              <a:t>Comandos disponibilizados permitem sincronização entre falas e das falas com a </a:t>
-            </a:r>
+              <a:t>Comandos disponibilizados permitem sincronização entre falas e das falas com a animação</a:t>
+            </a:r>
+            <a:endParaRPr lang="pt-BR" u="sng" dirty="0" smtClean="0"/>
+          </a:p>
+          <a:p>
             <a:r>
               <a:rPr lang="pt-BR" dirty="0" smtClean="0"/>
-              <a:t>animação</a:t>
-            </a:r>
-            <a:endParaRPr lang="pt-BR" u="sng" dirty="0" smtClean="0"/>
-          </a:p>
-          <a:p>
-            <a:r>
-              <a:rPr lang="pt-BR" dirty="0" smtClean="0"/>
-              <a:t>Possui </a:t>
-            </a:r>
-            <a:r>
-              <a:rPr lang="pt-BR" dirty="0" smtClean="0"/>
-              <a:t>limitação de variação de </a:t>
-            </a:r>
-            <a:r>
-              <a:rPr lang="pt-BR" dirty="0" smtClean="0"/>
-              <a:t>fonemas</a:t>
+              <a:t>Possui limitação de variação de fonemas</a:t>
             </a:r>
           </a:p>
           <a:p>
@@ -7449,7 +8628,6 @@
               <a:rPr lang="pt-BR" dirty="0" smtClean="0"/>
               <a:t>Sínteze mostrou-se satisfatória</a:t>
             </a:r>
-            <a:endParaRPr lang="pt-BR" dirty="0" smtClean="0"/>
           </a:p>
         </p:txBody>
       </p:sp>
@@ -7468,7 +8646,7 @@
 </p:sld>
 </file>
 
-<file path=ppt/slides/slide19.xml><?xml version="1.0" encoding="utf-8"?>
+<file path=ppt/slides/slide24.xml><?xml version="1.0" encoding="utf-8"?>
 <p:sld xmlns:a="http://schemas.openxmlformats.org/drawingml/2006/main" xmlns:r="http://schemas.openxmlformats.org/officeDocument/2006/relationships" xmlns:p="http://schemas.openxmlformats.org/presentationml/2006/main">
   <p:cSld>
     <p:spTree>
@@ -7548,99 +8726,6 @@
   <p:clrMapOvr>
     <a:masterClrMapping/>
   </p:clrMapOvr>
-</p:sld>
-</file>
-
-<file path=ppt/slides/slide2.xml><?xml version="1.0" encoding="utf-8"?>
-<p:sld xmlns:a="http://schemas.openxmlformats.org/drawingml/2006/main" xmlns:r="http://schemas.openxmlformats.org/officeDocument/2006/relationships" xmlns:p="http://schemas.openxmlformats.org/presentationml/2006/main">
-  <p:cSld>
-    <p:spTree>
-      <p:nvGrpSpPr>
-        <p:cNvPr id="1" name=""/>
-        <p:cNvGrpSpPr/>
-        <p:nvPr/>
-      </p:nvGrpSpPr>
-      <p:grpSpPr>
-        <a:xfrm>
-          <a:off x="0" y="0"/>
-          <a:ext cx="0" cy="0"/>
-          <a:chOff x="0" y="0"/>
-          <a:chExt cx="0" cy="0"/>
-        </a:xfrm>
-      </p:grpSpPr>
-      <p:sp>
-        <p:nvSpPr>
-          <p:cNvPr id="3" name="Espaço Reservado para Conteúdo 2"/>
-          <p:cNvSpPr>
-            <a:spLocks noGrp="1"/>
-          </p:cNvSpPr>
-          <p:nvPr>
-            <p:ph idx="1"/>
-          </p:nvPr>
-        </p:nvSpPr>
-        <p:spPr/>
-        <p:txBody>
-          <a:bodyPr/>
-          <a:lstStyle/>
-          <a:p>
-            <a:r>
-              <a:rPr lang="pt-BR" dirty="0" smtClean="0"/>
-              <a:t>Introdução</a:t>
-            </a:r>
-          </a:p>
-          <a:p>
-            <a:r>
-              <a:rPr lang="pt-BR" dirty="0" smtClean="0"/>
-              <a:t>Objetivos</a:t>
-            </a:r>
-          </a:p>
-          <a:p>
-            <a:r>
-              <a:rPr lang="pt-BR" dirty="0" smtClean="0"/>
-              <a:t>Fundamentação Teórica</a:t>
-            </a:r>
-          </a:p>
-          <a:p>
-            <a:r>
-              <a:rPr lang="pt-BR" dirty="0" smtClean="0"/>
-              <a:t>Desenvolvimento</a:t>
-            </a:r>
-          </a:p>
-          <a:p>
-            <a:r>
-              <a:rPr lang="pt-BR" dirty="0" smtClean="0"/>
-              <a:t>Implementação</a:t>
-            </a:r>
-          </a:p>
-          <a:p>
-            <a:r>
-              <a:rPr lang="pt-BR" dirty="0" smtClean="0"/>
-              <a:t>Conclusão</a:t>
-            </a:r>
-          </a:p>
-          <a:p>
-            <a:r>
-              <a:rPr lang="pt-BR" dirty="0" smtClean="0"/>
-              <a:t>Extensões</a:t>
-            </a:r>
-          </a:p>
-          <a:p>
-            <a:endParaRPr lang="pt-BR" dirty="0"/>
-          </a:p>
-        </p:txBody>
-      </p:sp>
-    </p:spTree>
-  </p:cSld>
-  <p:clrMapOvr>
-    <a:masterClrMapping/>
-  </p:clrMapOvr>
-  <p:timing>
-    <p:tnLst>
-      <p:par>
-        <p:cTn id="1" dur="indefinite" restart="never" nodeType="tmRoot"/>
-      </p:par>
-    </p:tnLst>
-  </p:timing>
 </p:sld>
 </file>
 
@@ -7877,7 +8962,12 @@
             <p:ph idx="1"/>
           </p:nvPr>
         </p:nvSpPr>
-        <p:spPr/>
+        <p:spPr>
+          <a:xfrm>
+            <a:off x="1435608" y="1447800"/>
+            <a:ext cx="7498080" cy="1266820"/>
+          </a:xfrm>
+        </p:spPr>
         <p:txBody>
           <a:bodyPr>
             <a:normAutofit/>
@@ -7893,30 +8983,76 @@
             <a:pPr lvl="1"/>
             <a:r>
               <a:rPr lang="pt-BR" dirty="0" smtClean="0"/>
-              <a:t>Editores visual e textual</a:t>
-            </a:r>
-          </a:p>
-          <a:p>
-            <a:r>
-              <a:rPr lang="pt-BR" sz="3600" dirty="0" smtClean="0"/>
-              <a:t>Linguagem do LTD</a:t>
-            </a:r>
-          </a:p>
-          <a:p>
-            <a:pPr lvl="1"/>
+              <a:t>Editores </a:t>
+            </a:r>
             <a:r>
               <a:rPr lang="pt-BR" dirty="0" smtClean="0"/>
-              <a:t>Animação de modelos</a:t>
-            </a:r>
-          </a:p>
-          <a:p>
-            <a:r>
-              <a:rPr lang="pt-BR" sz="3600" dirty="0" smtClean="0"/>
-              <a:t>Comandos de fala</a:t>
-            </a:r>
-          </a:p>
-        </p:txBody>
-      </p:sp>
+              <a:t>(visual </a:t>
+            </a:r>
+            <a:r>
+              <a:rPr lang="pt-BR" dirty="0" smtClean="0"/>
+              <a:t>e </a:t>
+            </a:r>
+            <a:r>
+              <a:rPr lang="pt-BR" dirty="0" smtClean="0"/>
+              <a:t>textual)</a:t>
+            </a:r>
+            <a:endParaRPr lang="pt-BR" dirty="0" smtClean="0"/>
+          </a:p>
+        </p:txBody>
+      </p:sp>
+      <p:pic>
+        <p:nvPicPr>
+          <p:cNvPr id="1026" name="Picture 2" descr="C:\Documents and Settings\wendel\Desktop\textual.JPG"/>
+          <p:cNvPicPr>
+            <a:picLocks noChangeAspect="1" noChangeArrowheads="1"/>
+          </p:cNvPicPr>
+          <p:nvPr/>
+        </p:nvPicPr>
+        <p:blipFill>
+          <a:blip r:embed="rId3"/>
+          <a:srcRect/>
+          <a:stretch>
+            <a:fillRect/>
+          </a:stretch>
+        </p:blipFill>
+        <p:spPr bwMode="auto">
+          <a:xfrm>
+            <a:off x="1214414" y="2928934"/>
+            <a:ext cx="4448186" cy="2894267"/>
+          </a:xfrm>
+          <a:prstGeom prst="rect">
+            <a:avLst/>
+          </a:prstGeom>
+          <a:noFill/>
+        </p:spPr>
+      </p:pic>
+      <p:pic>
+        <p:nvPicPr>
+          <p:cNvPr id="1027" name="Picture 3" descr="C:\Documents and Settings\wendel\Desktop\visual.JPG"/>
+          <p:cNvPicPr>
+            <a:picLocks noChangeAspect="1" noChangeArrowheads="1"/>
+          </p:cNvPicPr>
+          <p:nvPr/>
+        </p:nvPicPr>
+        <p:blipFill>
+          <a:blip r:embed="rId4"/>
+          <a:srcRect/>
+          <a:stretch>
+            <a:fillRect/>
+          </a:stretch>
+        </p:blipFill>
+        <p:spPr bwMode="auto">
+          <a:xfrm>
+            <a:off x="5857884" y="3000372"/>
+            <a:ext cx="3095631" cy="2667005"/>
+          </a:xfrm>
+          <a:prstGeom prst="rect">
+            <a:avLst/>
+          </a:prstGeom>
+          <a:noFill/>
+        </p:spPr>
+      </p:pic>
     </p:spTree>
   </p:cSld>
   <p:clrMapOvr>
@@ -7982,59 +9118,157 @@
             <p:ph idx="1"/>
           </p:nvPr>
         </p:nvSpPr>
-        <p:spPr/>
-        <p:txBody>
-          <a:bodyPr/>
+        <p:spPr>
+          <a:xfrm>
+            <a:off x="1435608" y="1447800"/>
+            <a:ext cx="7498080" cy="1266820"/>
+          </a:xfrm>
+        </p:spPr>
+        <p:txBody>
+          <a:bodyPr>
+            <a:normAutofit/>
+          </a:bodyPr>
           <a:lstStyle/>
           <a:p>
             <a:r>
+              <a:rPr lang="pt-BR" sz="3600" dirty="0" smtClean="0"/>
+              <a:t>Linguagem </a:t>
+            </a:r>
+            <a:r>
+              <a:rPr lang="pt-BR" sz="3600" dirty="0" smtClean="0"/>
+              <a:t>do LTD</a:t>
+            </a:r>
+          </a:p>
+          <a:p>
+            <a:pPr lvl="1"/>
+            <a:r>
               <a:rPr lang="pt-BR" dirty="0" smtClean="0"/>
-              <a:t>Copa do Mundo</a:t>
-            </a:r>
-          </a:p>
-          <a:p>
+              <a:t>Animação de </a:t>
+            </a:r>
             <a:r>
               <a:rPr lang="pt-BR" dirty="0" smtClean="0"/>
-              <a:t>1.152</a:t>
-            </a:r>
-          </a:p>
-          <a:p>
-            <a:r>
-              <a:rPr lang="pt-BR" dirty="0" smtClean="0"/>
-              <a:t>FURB</a:t>
-            </a:r>
-          </a:p>
-          <a:p>
-            <a:r>
-              <a:rPr lang="pt-BR" dirty="0" smtClean="0"/>
-              <a:t>CNPJ</a:t>
-            </a:r>
-          </a:p>
-          <a:p>
-            <a:r>
-              <a:rPr lang="pt-BR" dirty="0" smtClean="0"/>
-              <a:t>R$ 525,66</a:t>
-            </a:r>
-          </a:p>
-          <a:p>
-            <a:r>
-              <a:rPr lang="pt-BR" dirty="0" smtClean="0"/>
-              <a:t>11/05/85</a:t>
-            </a:r>
-          </a:p>
-          <a:p>
-            <a:r>
-              <a:rPr lang="pt-BR" dirty="0" smtClean="0"/>
-              <a:t>R. Antônio da Veiga, </a:t>
-            </a:r>
-            <a:r>
-              <a:rPr lang="pt-BR" smtClean="0"/>
-              <a:t>nº 140</a:t>
+              <a:t>modelos</a:t>
             </a:r>
             <a:endParaRPr lang="pt-BR" dirty="0" smtClean="0"/>
           </a:p>
         </p:txBody>
       </p:sp>
+      <p:sp>
+        <p:nvSpPr>
+          <p:cNvPr id="4" name="CaixaDeTexto 3"/>
+          <p:cNvSpPr txBox="1"/>
+          <p:nvPr/>
+        </p:nvSpPr>
+        <p:spPr>
+          <a:xfrm>
+            <a:off x="1500166" y="3714752"/>
+            <a:ext cx="3214710" cy="1923604"/>
+          </a:xfrm>
+          <a:prstGeom prst="rect">
+            <a:avLst/>
+          </a:prstGeom>
+          <a:noFill/>
+        </p:spPr>
+        <p:txBody>
+          <a:bodyPr wrap="square" rtlCol="0">
+            <a:spAutoFit/>
+          </a:bodyPr>
+          <a:lstStyle/>
+          <a:p>
+            <a:r>
+              <a:rPr lang="pt-BR" sz="1700" dirty="0" smtClean="0">
+                <a:latin typeface="Courier New" pitchFamily="49" charset="0"/>
+                <a:cs typeface="Courier New" pitchFamily="49" charset="0"/>
+              </a:rPr>
+              <a:t>p7.gira(45)</a:t>
+            </a:r>
+          </a:p>
+          <a:p>
+            <a:r>
+              <a:rPr lang="pt-BR" sz="1700" dirty="0" smtClean="0">
+                <a:latin typeface="Courier New" pitchFamily="49" charset="0"/>
+                <a:cs typeface="Courier New" pitchFamily="49" charset="0"/>
+              </a:rPr>
+              <a:t>p7.gira(45)</a:t>
+            </a:r>
+          </a:p>
+          <a:p>
+            <a:r>
+              <a:rPr lang="pt-BR" sz="1700" dirty="0" smtClean="0">
+                <a:latin typeface="Courier New" pitchFamily="49" charset="0"/>
+                <a:cs typeface="Courier New" pitchFamily="49" charset="0"/>
+              </a:rPr>
+              <a:t>p7.move(-190, -165, 0)</a:t>
+            </a:r>
+          </a:p>
+          <a:p>
+            <a:r>
+              <a:rPr lang="pt-BR" sz="1700" dirty="0" smtClean="0">
+                <a:latin typeface="Courier New" pitchFamily="49" charset="0"/>
+                <a:cs typeface="Courier New" pitchFamily="49" charset="0"/>
+              </a:rPr>
+              <a:t>p6.move(340, -355, 0)</a:t>
+            </a:r>
+          </a:p>
+          <a:p>
+            <a:r>
+              <a:rPr lang="pt-BR" sz="1700" dirty="0" smtClean="0">
+                <a:latin typeface="Courier New" pitchFamily="49" charset="0"/>
+                <a:cs typeface="Courier New" pitchFamily="49" charset="0"/>
+              </a:rPr>
+              <a:t>p3.gira(45)</a:t>
+            </a:r>
+          </a:p>
+          <a:p>
+            <a:r>
+              <a:rPr lang="pt-BR" sz="1700" dirty="0" smtClean="0">
+                <a:latin typeface="Courier New" pitchFamily="49" charset="0"/>
+                <a:cs typeface="Courier New" pitchFamily="49" charset="0"/>
+              </a:rPr>
+              <a:t>p3.gira(45)</a:t>
+            </a:r>
+          </a:p>
+          <a:p>
+            <a:r>
+              <a:rPr lang="pt-BR" sz="1700" dirty="0" smtClean="0">
+                <a:latin typeface="Courier New" pitchFamily="49" charset="0"/>
+                <a:cs typeface="Courier New" pitchFamily="49" charset="0"/>
+              </a:rPr>
+              <a:t>p3.move(-140, -1200, 0)</a:t>
+            </a:r>
+            <a:endParaRPr lang="pt-BR" sz="1700" dirty="0">
+              <a:latin typeface="Courier New" pitchFamily="49" charset="0"/>
+              <a:cs typeface="Courier New" pitchFamily="49" charset="0"/>
+            </a:endParaRPr>
+          </a:p>
+        </p:txBody>
+      </p:sp>
+      <p:pic>
+        <p:nvPicPr>
+          <p:cNvPr id="2050" name="Picture 2" descr="C:\Documents and Settings\wendel\Desktop\galinha.JPG"/>
+          <p:cNvPicPr>
+            <a:picLocks noChangeAspect="1" noChangeArrowheads="1"/>
+          </p:cNvPicPr>
+          <p:nvPr/>
+        </p:nvPicPr>
+        <p:blipFill>
+          <a:blip r:embed="rId3"/>
+          <a:srcRect/>
+          <a:stretch>
+            <a:fillRect/>
+          </a:stretch>
+        </p:blipFill>
+        <p:spPr bwMode="auto">
+          <a:xfrm>
+            <a:off x="5072066" y="3714752"/>
+            <a:ext cx="3654338" cy="1847854"/>
+          </a:xfrm>
+          <a:prstGeom prst="rect">
+            <a:avLst/>
+          </a:prstGeom>
+          <a:noFill/>
+        </p:spPr>
+      </p:pic>
     </p:spTree>
   </p:cSld>
   <p:clrMapOvr>
@@ -8084,7 +9318,7 @@
           <a:p>
             <a:r>
               <a:rPr lang="pt-BR" dirty="0" smtClean="0"/>
-              <a:t>JSML</a:t>
+              <a:t>Fundamentação Teórica</a:t>
             </a:r>
             <a:endParaRPr lang="pt-BR" dirty="0"/>
           </a:p>
@@ -8100,35 +9334,126 @@
             <p:ph idx="1"/>
           </p:nvPr>
         </p:nvSpPr>
-        <p:spPr/>
-        <p:txBody>
-          <a:bodyPr/>
+        <p:spPr>
+          <a:xfrm>
+            <a:off x="1435608" y="1447800"/>
+            <a:ext cx="7498080" cy="766754"/>
+          </a:xfrm>
+        </p:spPr>
+        <p:txBody>
+          <a:bodyPr>
+            <a:normAutofit/>
+          </a:bodyPr>
           <a:lstStyle/>
           <a:p>
             <a:r>
-              <a:rPr lang="pt-BR" dirty="0" smtClean="0"/>
-              <a:t>Java Speech Markup Language</a:t>
-            </a:r>
-          </a:p>
-          <a:p>
-            <a:r>
-              <a:rPr lang="pt-BR" dirty="0" smtClean="0"/>
-              <a:t>Dados adicionais que complementam o texto fornecendo uma informação completa</a:t>
-            </a:r>
-          </a:p>
-          <a:p>
-            <a:r>
-              <a:rPr lang="pt-BR" dirty="0" smtClean="0"/>
-              <a:t>Padronização</a:t>
-            </a:r>
-          </a:p>
-          <a:p>
-            <a:pPr lvl="1"/>
-            <a:r>
-              <a:rPr lang="pt-BR" dirty="0" smtClean="0"/>
-              <a:t>Sun e W3C</a:t>
-            </a:r>
-            <a:endParaRPr lang="pt-BR" dirty="0"/>
+              <a:rPr lang="pt-BR" sz="3600" dirty="0" smtClean="0"/>
+              <a:t>Comando de </a:t>
+            </a:r>
+            <a:r>
+              <a:rPr lang="pt-BR" sz="3600" dirty="0" smtClean="0"/>
+              <a:t>fala</a:t>
+            </a:r>
+          </a:p>
+        </p:txBody>
+      </p:sp>
+      <p:sp>
+        <p:nvSpPr>
+          <p:cNvPr id="4" name="CaixaDeTexto 3"/>
+          <p:cNvSpPr txBox="1"/>
+          <p:nvPr/>
+        </p:nvSpPr>
+        <p:spPr>
+          <a:xfrm>
+            <a:off x="1500166" y="3071810"/>
+            <a:ext cx="7072362" cy="369332"/>
+          </a:xfrm>
+          <a:prstGeom prst="rect">
+            <a:avLst/>
+          </a:prstGeom>
+          <a:noFill/>
+        </p:spPr>
+        <p:txBody>
+          <a:bodyPr wrap="square" rtlCol="0">
+            <a:spAutoFit/>
+          </a:bodyPr>
+          <a:lstStyle/>
+          <a:p>
+            <a:r>
+              <a:rPr lang="pt-BR" dirty="0" smtClean="0">
+                <a:latin typeface="Courier New" pitchFamily="49" charset="0"/>
+                <a:cs typeface="Courier New" pitchFamily="49" charset="0"/>
+              </a:rPr>
+              <a:t>fala</a:t>
+            </a:r>
+            <a:r>
+              <a:rPr lang="pt-BR" dirty="0" smtClean="0">
+                <a:latin typeface="Courier New" pitchFamily="49" charset="0"/>
+                <a:cs typeface="Courier New" pitchFamily="49" charset="0"/>
+              </a:rPr>
+              <a:t>(</a:t>
+            </a:r>
+            <a:r>
+              <a:rPr lang="pt-BR" dirty="0" smtClean="0">
+                <a:solidFill>
+                  <a:srgbClr val="0070C0"/>
+                </a:solidFill>
+                <a:latin typeface="Courier New" pitchFamily="49" charset="0"/>
+                <a:cs typeface="Courier New" pitchFamily="49" charset="0"/>
+              </a:rPr>
+              <a:t>'</a:t>
+            </a:r>
+            <a:r>
+              <a:rPr lang="pt-BR" dirty="0" smtClean="0">
+                <a:solidFill>
+                  <a:srgbClr val="0070C0"/>
+                </a:solidFill>
+                <a:latin typeface="Courier New" pitchFamily="49" charset="0"/>
+                <a:cs typeface="Courier New" pitchFamily="49" charset="0"/>
+              </a:rPr>
+              <a:t>/home/</a:t>
+            </a:r>
+            <a:r>
+              <a:rPr lang="pt-BR" dirty="0" err="1" smtClean="0">
+                <a:solidFill>
+                  <a:srgbClr val="0070C0"/>
+                </a:solidFill>
+                <a:latin typeface="Courier New" pitchFamily="49" charset="0"/>
+                <a:cs typeface="Courier New" pitchFamily="49" charset="0"/>
+              </a:rPr>
+              <a:t>furb</a:t>
+            </a:r>
+            <a:r>
+              <a:rPr lang="pt-BR" dirty="0" smtClean="0">
+                <a:solidFill>
+                  <a:srgbClr val="0070C0"/>
+                </a:solidFill>
+                <a:latin typeface="Courier New" pitchFamily="49" charset="0"/>
+                <a:cs typeface="Courier New" pitchFamily="49" charset="0"/>
+              </a:rPr>
+              <a:t>/fala.jsml</a:t>
+            </a:r>
+            <a:r>
+              <a:rPr lang="pt-BR" dirty="0" smtClean="0">
+                <a:solidFill>
+                  <a:srgbClr val="0070C0"/>
+                </a:solidFill>
+                <a:latin typeface="Courier New" pitchFamily="49" charset="0"/>
+                <a:cs typeface="Courier New" pitchFamily="49" charset="0"/>
+              </a:rPr>
+              <a:t>'</a:t>
+            </a:r>
+            <a:r>
+              <a:rPr lang="pt-BR" dirty="0" smtClean="0">
+                <a:latin typeface="Courier New" pitchFamily="49" charset="0"/>
+                <a:cs typeface="Courier New" pitchFamily="49" charset="0"/>
+              </a:rPr>
+              <a:t>)</a:t>
+            </a:r>
+            <a:endParaRPr lang="pt-BR" dirty="0">
+              <a:latin typeface="Courier New" pitchFamily="49" charset="0"/>
+              <a:cs typeface="Courier New" pitchFamily="49" charset="0"/>
+            </a:endParaRPr>
           </a:p>
         </p:txBody>
       </p:sp>
@@ -8176,396 +9501,79 @@
         </p:nvSpPr>
         <p:spPr/>
         <p:txBody>
+          <a:bodyPr>
+            <a:normAutofit fontScale="90000"/>
+          </a:bodyPr>
+          <a:lstStyle/>
+          <a:p>
+            <a:r>
+              <a:rPr lang="pt-BR" dirty="0" smtClean="0"/>
+              <a:t>Exemplos de Textos Sintetizados</a:t>
+            </a:r>
+            <a:endParaRPr lang="pt-BR" dirty="0"/>
+          </a:p>
+        </p:txBody>
+      </p:sp>
+      <p:sp>
+        <p:nvSpPr>
+          <p:cNvPr id="3" name="Espaço Reservado para Conteúdo 2"/>
+          <p:cNvSpPr>
+            <a:spLocks noGrp="1"/>
+          </p:cNvSpPr>
+          <p:nvPr>
+            <p:ph idx="1"/>
+          </p:nvPr>
+        </p:nvSpPr>
+        <p:spPr/>
+        <p:txBody>
           <a:bodyPr/>
           <a:lstStyle/>
           <a:p>
             <a:r>
               <a:rPr lang="pt-BR" dirty="0" smtClean="0"/>
-              <a:t>JSML</a:t>
-            </a:r>
-            <a:endParaRPr lang="pt-BR" dirty="0"/>
-          </a:p>
-        </p:txBody>
-      </p:sp>
-      <p:sp>
-        <p:nvSpPr>
-          <p:cNvPr id="3" name="Espaço Reservado para Conteúdo 2"/>
-          <p:cNvSpPr>
-            <a:spLocks noGrp="1"/>
-          </p:cNvSpPr>
-          <p:nvPr>
-            <p:ph idx="1"/>
-          </p:nvPr>
-        </p:nvSpPr>
-        <p:spPr>
-          <a:xfrm>
-            <a:off x="1000100" y="1357298"/>
-            <a:ext cx="8001056" cy="5357850"/>
-          </a:xfrm>
-        </p:spPr>
-        <p:txBody>
-          <a:bodyPr>
-            <a:noAutofit/>
-          </a:bodyPr>
-          <a:lstStyle/>
-          <a:p>
-            <a:pPr>
-              <a:buNone/>
-            </a:pPr>
-            <a:r>
-              <a:rPr lang="pt-BR" sz="2000" b="1" dirty="0" smtClean="0">
-                <a:latin typeface="Courier New" pitchFamily="49" charset="0"/>
-                <a:cs typeface="Courier New" pitchFamily="49" charset="0"/>
-              </a:rPr>
-              <a:t>&lt;jsml </a:t>
-            </a:r>
-            <a:r>
-              <a:rPr lang="pt-BR" sz="2000" b="1" dirty="0" err="1" smtClean="0">
-                <a:latin typeface="Courier New" pitchFamily="49" charset="0"/>
-                <a:cs typeface="Courier New" pitchFamily="49" charset="0"/>
-              </a:rPr>
-              <a:t>lang</a:t>
-            </a:r>
-            <a:r>
-              <a:rPr lang="pt-BR" sz="2000" b="1" dirty="0" smtClean="0">
-                <a:latin typeface="Courier New" pitchFamily="49" charset="0"/>
-                <a:cs typeface="Courier New" pitchFamily="49" charset="0"/>
-              </a:rPr>
-              <a:t>=</a:t>
-            </a:r>
-            <a:r>
-              <a:rPr lang="pt-BR" sz="2000" dirty="0" smtClean="0">
-                <a:latin typeface="Courier New" pitchFamily="49" charset="0"/>
-                <a:cs typeface="Courier New" pitchFamily="49" charset="0"/>
-              </a:rPr>
-              <a:t>"pt-br"</a:t>
-            </a:r>
-            <a:r>
-              <a:rPr lang="pt-BR" sz="2000" b="1" dirty="0" smtClean="0">
-                <a:latin typeface="Courier New" pitchFamily="49" charset="0"/>
-                <a:cs typeface="Courier New" pitchFamily="49" charset="0"/>
-              </a:rPr>
-              <a:t>&gt;</a:t>
-            </a:r>
-          </a:p>
-          <a:p>
-            <a:pPr>
-              <a:buNone/>
-            </a:pPr>
-            <a:endParaRPr lang="en-US" sz="2000" dirty="0" smtClean="0">
-              <a:latin typeface="Courier New" pitchFamily="49" charset="0"/>
-              <a:cs typeface="Courier New" pitchFamily="49" charset="0"/>
-            </a:endParaRPr>
-          </a:p>
-          <a:p>
-            <a:pPr>
-              <a:buNone/>
-            </a:pPr>
-            <a:r>
-              <a:rPr lang="en-US" sz="2000" b="1" dirty="0" smtClean="0">
-                <a:latin typeface="Courier New" pitchFamily="49" charset="0"/>
-                <a:cs typeface="Courier New" pitchFamily="49" charset="0"/>
-              </a:rPr>
-              <a:t>	&lt;voice</a:t>
-            </a:r>
-            <a:r>
-              <a:rPr lang="en-US" sz="2000" dirty="0" smtClean="0">
-                <a:latin typeface="Courier New" pitchFamily="49" charset="0"/>
-                <a:cs typeface="Courier New" pitchFamily="49" charset="0"/>
-              </a:rPr>
-              <a:t> </a:t>
-            </a:r>
-            <a:r>
-              <a:rPr lang="en-US" sz="2000" b="1" dirty="0" smtClean="0">
-                <a:latin typeface="Courier New" pitchFamily="49" charset="0"/>
-                <a:cs typeface="Courier New" pitchFamily="49" charset="0"/>
-              </a:rPr>
-              <a:t>gender=</a:t>
-            </a:r>
-            <a:r>
-              <a:rPr lang="en-US" sz="2000" dirty="0" smtClean="0">
-                <a:latin typeface="Courier New" pitchFamily="49" charset="0"/>
-                <a:cs typeface="Courier New" pitchFamily="49" charset="0"/>
-              </a:rPr>
-              <a:t>"female" </a:t>
-            </a:r>
-            <a:r>
-              <a:rPr lang="en-US" sz="2000" b="1" dirty="0" smtClean="0">
-                <a:latin typeface="Courier New" pitchFamily="49" charset="0"/>
-                <a:cs typeface="Courier New" pitchFamily="49" charset="0"/>
-              </a:rPr>
-              <a:t>age=</a:t>
-            </a:r>
-            <a:r>
-              <a:rPr lang="en-US" sz="2000" dirty="0" smtClean="0">
-                <a:latin typeface="Courier New" pitchFamily="49" charset="0"/>
-                <a:cs typeface="Courier New" pitchFamily="49" charset="0"/>
-              </a:rPr>
-              <a:t>"adult" 	</a:t>
-            </a:r>
-            <a:r>
-              <a:rPr lang="en-US" sz="2000" b="1" dirty="0" smtClean="0">
-                <a:latin typeface="Courier New" pitchFamily="49" charset="0"/>
-                <a:cs typeface="Courier New" pitchFamily="49" charset="0"/>
-              </a:rPr>
-              <a:t>name=</a:t>
-            </a:r>
-            <a:r>
-              <a:rPr lang="en-US" sz="2000" dirty="0" smtClean="0">
-                <a:latin typeface="Courier New" pitchFamily="49" charset="0"/>
-                <a:cs typeface="Courier New" pitchFamily="49" charset="0"/>
-              </a:rPr>
-              <a:t>"br2"</a:t>
-            </a:r>
-            <a:r>
-              <a:rPr lang="en-US" sz="2000" b="1" dirty="0" smtClean="0">
-                <a:latin typeface="Courier New" pitchFamily="49" charset="0"/>
-                <a:cs typeface="Courier New" pitchFamily="49" charset="0"/>
-              </a:rPr>
-              <a:t>&gt;&lt;/voice&gt;</a:t>
-            </a:r>
-          </a:p>
-          <a:p>
-            <a:pPr>
-              <a:buNone/>
-            </a:pPr>
-            <a:endParaRPr lang="pt-BR" sz="2000" dirty="0" smtClean="0">
-              <a:latin typeface="Courier New" pitchFamily="49" charset="0"/>
-              <a:cs typeface="Courier New" pitchFamily="49" charset="0"/>
-            </a:endParaRPr>
-          </a:p>
-          <a:p>
-            <a:pPr>
-              <a:buNone/>
-            </a:pPr>
-            <a:r>
-              <a:rPr lang="pt-BR" sz="2000" b="1" dirty="0" smtClean="0">
-                <a:latin typeface="Courier New" pitchFamily="49" charset="0"/>
-                <a:cs typeface="Courier New" pitchFamily="49" charset="0"/>
-              </a:rPr>
-              <a:t>	&lt;sayas&gt;</a:t>
-            </a:r>
-            <a:r>
-              <a:rPr lang="pt-BR" sz="2000" dirty="0" smtClean="0">
-                <a:latin typeface="Courier New" pitchFamily="49" charset="0"/>
-                <a:cs typeface="Courier New" pitchFamily="49" charset="0"/>
-              </a:rPr>
+              <a:t>Copa do Mundo</a:t>
+            </a:r>
+          </a:p>
+          <a:p>
+            <a:r>
+              <a:rPr lang="pt-BR" dirty="0" smtClean="0"/>
+              <a:t>1.152</a:t>
+            </a:r>
+          </a:p>
+          <a:p>
+            <a:r>
+              <a:rPr lang="pt-BR" dirty="0" smtClean="0"/>
               <a:t>FURB</a:t>
             </a:r>
-            <a:r>
-              <a:rPr lang="pt-BR" sz="2000" b="1" dirty="0" smtClean="0">
-                <a:latin typeface="Courier New" pitchFamily="49" charset="0"/>
-                <a:cs typeface="Courier New" pitchFamily="49" charset="0"/>
-              </a:rPr>
-              <a:t>&lt;/sayas&gt;</a:t>
-            </a:r>
-          </a:p>
-          <a:p>
-            <a:pPr>
-              <a:buNone/>
-            </a:pPr>
-            <a:r>
-              <a:rPr lang="en-US" sz="2000" b="1" dirty="0" smtClean="0">
-                <a:latin typeface="Courier New" pitchFamily="49" charset="0"/>
-                <a:cs typeface="Courier New" pitchFamily="49" charset="0"/>
-              </a:rPr>
-              <a:t>	</a:t>
-            </a:r>
-          </a:p>
-          <a:p>
-            <a:pPr>
-              <a:buNone/>
-            </a:pPr>
-            <a:r>
-              <a:rPr lang="en-US" sz="2000" b="1" dirty="0" smtClean="0">
-                <a:latin typeface="Courier New" pitchFamily="49" charset="0"/>
-                <a:cs typeface="Courier New" pitchFamily="49" charset="0"/>
-              </a:rPr>
-              <a:t>	</a:t>
-            </a:r>
-            <a:r>
-              <a:rPr lang="en-US" sz="2000" b="1" dirty="0" smtClean="0">
-                <a:latin typeface="Courier New" pitchFamily="49" charset="0"/>
-                <a:cs typeface="Courier New" pitchFamily="49" charset="0"/>
-              </a:rPr>
-              <a:t>&lt;</a:t>
-            </a:r>
-            <a:r>
-              <a:rPr lang="en-US" sz="2000" b="1" dirty="0" smtClean="0">
-                <a:latin typeface="Courier New" pitchFamily="49" charset="0"/>
-                <a:cs typeface="Courier New" pitchFamily="49" charset="0"/>
-              </a:rPr>
-              <a:t>sayas class=</a:t>
-            </a:r>
-            <a:r>
-              <a:rPr lang="en-US" sz="2000" dirty="0" smtClean="0">
-                <a:latin typeface="Courier New" pitchFamily="49" charset="0"/>
-                <a:cs typeface="Courier New" pitchFamily="49" charset="0"/>
-              </a:rPr>
-              <a:t>"literal"</a:t>
-            </a:r>
-            <a:r>
-              <a:rPr lang="en-US" sz="2000" b="1" dirty="0" smtClean="0">
-                <a:latin typeface="Courier New" pitchFamily="49" charset="0"/>
-                <a:cs typeface="Courier New" pitchFamily="49" charset="0"/>
-              </a:rPr>
-              <a:t>&gt;</a:t>
-            </a:r>
-            <a:r>
-              <a:rPr lang="en-US" sz="2000" dirty="0" smtClean="0">
-                <a:latin typeface="Courier New" pitchFamily="49" charset="0"/>
-                <a:cs typeface="Courier New" pitchFamily="49" charset="0"/>
-              </a:rPr>
-              <a:t>BCC</a:t>
-            </a:r>
-            <a:r>
-              <a:rPr lang="en-US" sz="2000" b="1" dirty="0" smtClean="0">
-                <a:latin typeface="Courier New" pitchFamily="49" charset="0"/>
-                <a:cs typeface="Courier New" pitchFamily="49" charset="0"/>
-              </a:rPr>
-              <a:t>&lt;/sayas&gt;</a:t>
-            </a:r>
-            <a:endParaRPr lang="pt-BR" sz="2000" dirty="0" smtClean="0">
-              <a:latin typeface="Courier New" pitchFamily="49" charset="0"/>
-              <a:cs typeface="Courier New" pitchFamily="49" charset="0"/>
-            </a:endParaRPr>
-          </a:p>
-          <a:p>
-            <a:pPr>
-              <a:buNone/>
-            </a:pPr>
-            <a:endParaRPr lang="pt-BR" sz="2000" dirty="0" smtClean="0">
-              <a:latin typeface="Courier New" pitchFamily="49" charset="0"/>
-              <a:cs typeface="Courier New" pitchFamily="49" charset="0"/>
-            </a:endParaRPr>
-          </a:p>
-          <a:p>
-            <a:pPr>
-              <a:buNone/>
-            </a:pPr>
-            <a:r>
-              <a:rPr lang="pt-BR" sz="2000" b="1" dirty="0" smtClean="0">
-                <a:latin typeface="Courier New" pitchFamily="49" charset="0"/>
-                <a:cs typeface="Courier New" pitchFamily="49" charset="0"/>
-              </a:rPr>
-              <a:t>	&lt;sayas </a:t>
-            </a:r>
-            <a:r>
-              <a:rPr lang="pt-BR" sz="2000" b="1" dirty="0" err="1" smtClean="0">
-                <a:latin typeface="Courier New" pitchFamily="49" charset="0"/>
-                <a:cs typeface="Courier New" pitchFamily="49" charset="0"/>
-              </a:rPr>
-              <a:t>class</a:t>
-            </a:r>
-            <a:r>
-              <a:rPr lang="pt-BR" sz="2000" b="1" dirty="0" smtClean="0">
-                <a:latin typeface="Courier New" pitchFamily="49" charset="0"/>
-                <a:cs typeface="Courier New" pitchFamily="49" charset="0"/>
-              </a:rPr>
-              <a:t>=</a:t>
-            </a:r>
-            <a:r>
-              <a:rPr lang="en-US" sz="2000" dirty="0" smtClean="0">
-                <a:latin typeface="Courier New" pitchFamily="49" charset="0"/>
-                <a:cs typeface="Courier New" pitchFamily="49" charset="0"/>
-              </a:rPr>
-              <a:t>"number"</a:t>
-            </a:r>
-            <a:r>
-              <a:rPr lang="pt-BR" sz="2000" b="1" dirty="0" smtClean="0">
-                <a:latin typeface="Courier New" pitchFamily="49" charset="0"/>
-                <a:cs typeface="Courier New" pitchFamily="49" charset="0"/>
-              </a:rPr>
-              <a:t>&gt;</a:t>
-            </a:r>
-            <a:r>
-              <a:rPr lang="pt-BR" sz="2000" dirty="0" smtClean="0">
-                <a:latin typeface="Courier New" pitchFamily="49" charset="0"/>
-                <a:cs typeface="Courier New" pitchFamily="49" charset="0"/>
-              </a:rPr>
-              <a:t>42</a:t>
-            </a:r>
-            <a:r>
-              <a:rPr lang="pt-BR" sz="2000" b="1" dirty="0" smtClean="0">
-                <a:latin typeface="Courier New" pitchFamily="49" charset="0"/>
-                <a:cs typeface="Courier New" pitchFamily="49" charset="0"/>
-              </a:rPr>
-              <a:t>&lt;/sayas&gt;</a:t>
-            </a:r>
-          </a:p>
-          <a:p>
-            <a:pPr>
-              <a:buNone/>
-            </a:pPr>
-            <a:endParaRPr lang="en-US" sz="2000" dirty="0" smtClean="0">
-              <a:latin typeface="Courier New" pitchFamily="49" charset="0"/>
-              <a:cs typeface="Courier New" pitchFamily="49" charset="0"/>
-            </a:endParaRPr>
-          </a:p>
-          <a:p>
-            <a:pPr>
-              <a:buNone/>
-            </a:pPr>
-            <a:r>
-              <a:rPr lang="en-US" sz="2000" b="1" dirty="0" smtClean="0">
-                <a:latin typeface="Courier New" pitchFamily="49" charset="0"/>
-                <a:cs typeface="Courier New" pitchFamily="49" charset="0"/>
-              </a:rPr>
-              <a:t>	&lt;sayas class=</a:t>
-            </a:r>
-            <a:r>
-              <a:rPr lang="en-US" sz="2000" dirty="0" smtClean="0">
-                <a:latin typeface="Courier New" pitchFamily="49" charset="0"/>
-                <a:cs typeface="Courier New" pitchFamily="49" charset="0"/>
-              </a:rPr>
-              <a:t>"date"</a:t>
-            </a:r>
-            <a:r>
-              <a:rPr lang="en-US" sz="2000" b="1" dirty="0" smtClean="0">
-                <a:latin typeface="Courier New" pitchFamily="49" charset="0"/>
-                <a:cs typeface="Courier New" pitchFamily="49" charset="0"/>
-              </a:rPr>
-              <a:t>&gt;</a:t>
-            </a:r>
-            <a:r>
-              <a:rPr lang="en-US" sz="2000" dirty="0" smtClean="0">
-                <a:latin typeface="Courier New" pitchFamily="49" charset="0"/>
-                <a:cs typeface="Courier New" pitchFamily="49" charset="0"/>
-              </a:rPr>
-              <a:t>11/05/2010</a:t>
-            </a:r>
-            <a:r>
-              <a:rPr lang="en-US" sz="2000" b="1" dirty="0" smtClean="0">
-                <a:latin typeface="Courier New" pitchFamily="49" charset="0"/>
-                <a:cs typeface="Courier New" pitchFamily="49" charset="0"/>
-              </a:rPr>
-              <a:t>&lt;/sayas&gt;</a:t>
-            </a:r>
-          </a:p>
-          <a:p>
-            <a:pPr>
-              <a:buNone/>
-            </a:pPr>
-            <a:endParaRPr lang="pt-BR" sz="2000" b="1" dirty="0" smtClean="0">
-              <a:latin typeface="Courier New" pitchFamily="49" charset="0"/>
-              <a:cs typeface="Courier New" pitchFamily="49" charset="0"/>
-            </a:endParaRPr>
-          </a:p>
-          <a:p>
-            <a:pPr>
-              <a:buNone/>
-            </a:pPr>
-            <a:r>
-              <a:rPr lang="pt-BR" sz="2000" b="1" dirty="0" smtClean="0">
-                <a:latin typeface="Courier New" pitchFamily="49" charset="0"/>
-                <a:cs typeface="Courier New" pitchFamily="49" charset="0"/>
-              </a:rPr>
-              <a:t>&lt;/jsml&gt;</a:t>
-            </a:r>
-            <a:endParaRPr lang="pt-BR" sz="2000" b="1" dirty="0">
-              <a:latin typeface="Courier New" pitchFamily="49" charset="0"/>
-              <a:cs typeface="Courier New" pitchFamily="49" charset="0"/>
-            </a:endParaRPr>
+          </a:p>
+          <a:p>
+            <a:r>
+              <a:rPr lang="pt-BR" dirty="0" smtClean="0"/>
+              <a:t>CNPJ</a:t>
+            </a:r>
+          </a:p>
+          <a:p>
+            <a:r>
+              <a:rPr lang="pt-BR" dirty="0" smtClean="0"/>
+              <a:t>R$ 525,66</a:t>
+            </a:r>
+          </a:p>
+          <a:p>
+            <a:r>
+              <a:rPr lang="pt-BR" dirty="0" smtClean="0"/>
+              <a:t>11/05/85</a:t>
+            </a:r>
+          </a:p>
+          <a:p>
+            <a:r>
+              <a:rPr lang="pt-BR" dirty="0" smtClean="0"/>
+              <a:t>R. Antônio da Veiga, </a:t>
+            </a:r>
+            <a:r>
+              <a:rPr lang="pt-BR" smtClean="0"/>
+              <a:t>nº 140</a:t>
+            </a:r>
+            <a:endParaRPr lang="pt-BR" dirty="0" smtClean="0"/>
           </a:p>
         </p:txBody>
       </p:sp>
@@ -8618,7 +9626,7 @@
           <a:p>
             <a:r>
               <a:rPr lang="pt-BR" dirty="0" smtClean="0"/>
-              <a:t>MBROLA</a:t>
+              <a:t>JSML</a:t>
             </a:r>
             <a:endParaRPr lang="pt-BR" dirty="0"/>
           </a:p>
@@ -8636,31 +9644,33 @@
         </p:nvSpPr>
         <p:spPr/>
         <p:txBody>
-          <a:bodyPr>
-            <a:normAutofit/>
-          </a:bodyPr>
+          <a:bodyPr/>
           <a:lstStyle/>
           <a:p>
             <a:r>
               <a:rPr lang="pt-BR" dirty="0" smtClean="0"/>
-              <a:t>Sintetizador acústico</a:t>
-            </a:r>
-          </a:p>
-          <a:p>
-            <a:r>
-              <a:rPr lang="pt-BR" dirty="0" err="1" smtClean="0"/>
-              <a:t>Multi-idiomas</a:t>
-            </a:r>
-            <a:endParaRPr lang="pt-BR" dirty="0" smtClean="0"/>
+              <a:t>Java Speech Markup Language</a:t>
+            </a:r>
           </a:p>
           <a:p>
             <a:r>
               <a:rPr lang="pt-BR" dirty="0" smtClean="0"/>
-              <a:t>Multiplataforma</a:t>
-            </a:r>
-          </a:p>
-          <a:p>
-            <a:endParaRPr lang="pt-BR" dirty="0" smtClean="0"/>
+              <a:t>Dados adicionais que complementam o texto fornecendo uma informação completa</a:t>
+            </a:r>
+          </a:p>
+          <a:p>
+            <a:r>
+              <a:rPr lang="pt-BR" dirty="0" smtClean="0"/>
+              <a:t>Padronização</a:t>
+            </a:r>
+          </a:p>
+          <a:p>
+            <a:pPr lvl="1"/>
+            <a:r>
+              <a:rPr lang="pt-BR" dirty="0" smtClean="0"/>
+              <a:t>Sun e W3C</a:t>
+            </a:r>
+            <a:endParaRPr lang="pt-BR" dirty="0"/>
           </a:p>
         </p:txBody>
       </p:sp>
